--- a/Self_Efficacy/Stimuli/Instructions.pptx
+++ b/Self_Efficacy/Stimuli/Instructions.pptx
@@ -175,7 +175,7 @@
           </a:lstStyle>
           <a:p>
             <a:r>
-              <a:rPr lang="fr-FR" smtClean="0"/>
+              <a:rPr lang="fr-FR"/>
               <a:t>Modifiez le style du titre</a:t>
             </a:r>
             <a:endParaRPr lang="en-GB"/>
@@ -240,7 +240,7 @@
           </a:lstStyle>
           <a:p>
             <a:r>
-              <a:rPr lang="fr-FR" smtClean="0"/>
+              <a:rPr lang="fr-FR"/>
               <a:t>Modifier le style des sous-titres du masque</a:t>
             </a:r>
             <a:endParaRPr lang="en-GB"/>
@@ -264,7 +264,7 @@
           <a:p>
             <a:fld id="{1C2A38D2-D57A-4E64-B95F-0826012D069A}" type="datetimeFigureOut">
               <a:rPr lang="en-GB" smtClean="0"/>
-              <a:t>02/03/2020</a:t>
+              <a:t>07/05/2020</a:t>
             </a:fld>
             <a:endParaRPr lang="en-GB" dirty="0"/>
           </a:p>
@@ -306,7 +306,7 @@
           <a:p>
             <a:fld id="{9D7F7A4F-C86B-4E97-8396-79EF10BBD040}" type="slidenum">
               <a:rPr lang="en-GB" smtClean="0"/>
-              <a:t>‹N°›</a:t>
+              <a:t>‹#›</a:t>
             </a:fld>
             <a:endParaRPr lang="en-GB" dirty="0"/>
           </a:p>
@@ -358,7 +358,7 @@
           <a:lstStyle/>
           <a:p>
             <a:r>
-              <a:rPr lang="fr-FR" smtClean="0"/>
+              <a:rPr lang="fr-FR"/>
               <a:t>Modifiez le style du titre</a:t>
             </a:r>
             <a:endParaRPr lang="en-GB"/>
@@ -382,35 +382,35 @@
           <a:p>
             <a:pPr lvl="0"/>
             <a:r>
-              <a:rPr lang="fr-FR" smtClean="0"/>
+              <a:rPr lang="fr-FR"/>
               <a:t>Modifier les styles du texte du masque</a:t>
             </a:r>
           </a:p>
           <a:p>
             <a:pPr lvl="1"/>
             <a:r>
-              <a:rPr lang="fr-FR" smtClean="0"/>
+              <a:rPr lang="fr-FR"/>
               <a:t>Deuxième niveau</a:t>
             </a:r>
           </a:p>
           <a:p>
             <a:pPr lvl="2"/>
             <a:r>
-              <a:rPr lang="fr-FR" smtClean="0"/>
+              <a:rPr lang="fr-FR"/>
               <a:t>Troisième niveau</a:t>
             </a:r>
           </a:p>
           <a:p>
             <a:pPr lvl="3"/>
             <a:r>
-              <a:rPr lang="fr-FR" smtClean="0"/>
+              <a:rPr lang="fr-FR"/>
               <a:t>Quatrième niveau</a:t>
             </a:r>
           </a:p>
           <a:p>
             <a:pPr lvl="4"/>
             <a:r>
-              <a:rPr lang="fr-FR" smtClean="0"/>
+              <a:rPr lang="fr-FR"/>
               <a:t>Cinquième niveau</a:t>
             </a:r>
             <a:endParaRPr lang="en-GB"/>
@@ -434,7 +434,7 @@
           <a:p>
             <a:fld id="{1C2A38D2-D57A-4E64-B95F-0826012D069A}" type="datetimeFigureOut">
               <a:rPr lang="en-GB" smtClean="0"/>
-              <a:t>02/03/2020</a:t>
+              <a:t>07/05/2020</a:t>
             </a:fld>
             <a:endParaRPr lang="en-GB" dirty="0"/>
           </a:p>
@@ -476,7 +476,7 @@
           <a:p>
             <a:fld id="{9D7F7A4F-C86B-4E97-8396-79EF10BBD040}" type="slidenum">
               <a:rPr lang="en-GB" smtClean="0"/>
-              <a:t>‹N°›</a:t>
+              <a:t>‹#›</a:t>
             </a:fld>
             <a:endParaRPr lang="en-GB" dirty="0"/>
           </a:p>
@@ -533,7 +533,7 @@
           <a:lstStyle/>
           <a:p>
             <a:r>
-              <a:rPr lang="fr-FR" smtClean="0"/>
+              <a:rPr lang="fr-FR"/>
               <a:t>Modifiez le style du titre</a:t>
             </a:r>
             <a:endParaRPr lang="en-GB"/>
@@ -562,35 +562,35 @@
           <a:p>
             <a:pPr lvl="0"/>
             <a:r>
-              <a:rPr lang="fr-FR" smtClean="0"/>
+              <a:rPr lang="fr-FR"/>
               <a:t>Modifier les styles du texte du masque</a:t>
             </a:r>
           </a:p>
           <a:p>
             <a:pPr lvl="1"/>
             <a:r>
-              <a:rPr lang="fr-FR" smtClean="0"/>
+              <a:rPr lang="fr-FR"/>
               <a:t>Deuxième niveau</a:t>
             </a:r>
           </a:p>
           <a:p>
             <a:pPr lvl="2"/>
             <a:r>
-              <a:rPr lang="fr-FR" smtClean="0"/>
+              <a:rPr lang="fr-FR"/>
               <a:t>Troisième niveau</a:t>
             </a:r>
           </a:p>
           <a:p>
             <a:pPr lvl="3"/>
             <a:r>
-              <a:rPr lang="fr-FR" smtClean="0"/>
+              <a:rPr lang="fr-FR"/>
               <a:t>Quatrième niveau</a:t>
             </a:r>
           </a:p>
           <a:p>
             <a:pPr lvl="4"/>
             <a:r>
-              <a:rPr lang="fr-FR" smtClean="0"/>
+              <a:rPr lang="fr-FR"/>
               <a:t>Cinquième niveau</a:t>
             </a:r>
             <a:endParaRPr lang="en-GB"/>
@@ -614,7 +614,7 @@
           <a:p>
             <a:fld id="{1C2A38D2-D57A-4E64-B95F-0826012D069A}" type="datetimeFigureOut">
               <a:rPr lang="en-GB" smtClean="0"/>
-              <a:t>02/03/2020</a:t>
+              <a:t>07/05/2020</a:t>
             </a:fld>
             <a:endParaRPr lang="en-GB" dirty="0"/>
           </a:p>
@@ -656,7 +656,7 @@
           <a:p>
             <a:fld id="{9D7F7A4F-C86B-4E97-8396-79EF10BBD040}" type="slidenum">
               <a:rPr lang="en-GB" smtClean="0"/>
-              <a:t>‹N°›</a:t>
+              <a:t>‹#›</a:t>
             </a:fld>
             <a:endParaRPr lang="en-GB" dirty="0"/>
           </a:p>
@@ -708,7 +708,7 @@
           <a:lstStyle/>
           <a:p>
             <a:r>
-              <a:rPr lang="fr-FR" smtClean="0"/>
+              <a:rPr lang="fr-FR"/>
               <a:t>Modifiez le style du titre</a:t>
             </a:r>
             <a:endParaRPr lang="en-GB"/>
@@ -732,35 +732,35 @@
           <a:p>
             <a:pPr lvl="0"/>
             <a:r>
-              <a:rPr lang="fr-FR" smtClean="0"/>
+              <a:rPr lang="fr-FR"/>
               <a:t>Modifier les styles du texte du masque</a:t>
             </a:r>
           </a:p>
           <a:p>
             <a:pPr lvl="1"/>
             <a:r>
-              <a:rPr lang="fr-FR" smtClean="0"/>
+              <a:rPr lang="fr-FR"/>
               <a:t>Deuxième niveau</a:t>
             </a:r>
           </a:p>
           <a:p>
             <a:pPr lvl="2"/>
             <a:r>
-              <a:rPr lang="fr-FR" smtClean="0"/>
+              <a:rPr lang="fr-FR"/>
               <a:t>Troisième niveau</a:t>
             </a:r>
           </a:p>
           <a:p>
             <a:pPr lvl="3"/>
             <a:r>
-              <a:rPr lang="fr-FR" smtClean="0"/>
+              <a:rPr lang="fr-FR"/>
               <a:t>Quatrième niveau</a:t>
             </a:r>
           </a:p>
           <a:p>
             <a:pPr lvl="4"/>
             <a:r>
-              <a:rPr lang="fr-FR" smtClean="0"/>
+              <a:rPr lang="fr-FR"/>
               <a:t>Cinquième niveau</a:t>
             </a:r>
             <a:endParaRPr lang="en-GB"/>
@@ -784,7 +784,7 @@
           <a:p>
             <a:fld id="{1C2A38D2-D57A-4E64-B95F-0826012D069A}" type="datetimeFigureOut">
               <a:rPr lang="en-GB" smtClean="0"/>
-              <a:t>02/03/2020</a:t>
+              <a:t>07/05/2020</a:t>
             </a:fld>
             <a:endParaRPr lang="en-GB" dirty="0"/>
           </a:p>
@@ -826,7 +826,7 @@
           <a:p>
             <a:fld id="{9D7F7A4F-C86B-4E97-8396-79EF10BBD040}" type="slidenum">
               <a:rPr lang="en-GB" smtClean="0"/>
-              <a:t>‹N°›</a:t>
+              <a:t>‹#›</a:t>
             </a:fld>
             <a:endParaRPr lang="en-GB" dirty="0"/>
           </a:p>
@@ -887,7 +887,7 @@
           </a:lstStyle>
           <a:p>
             <a:r>
-              <a:rPr lang="fr-FR" smtClean="0"/>
+              <a:rPr lang="fr-FR"/>
               <a:t>Modifiez le style du titre</a:t>
             </a:r>
             <a:endParaRPr lang="en-GB"/>
@@ -1007,7 +1007,7 @@
           <a:p>
             <a:pPr lvl="0"/>
             <a:r>
-              <a:rPr lang="fr-FR" smtClean="0"/>
+              <a:rPr lang="fr-FR"/>
               <a:t>Modifier les styles du texte du masque</a:t>
             </a:r>
           </a:p>
@@ -1030,7 +1030,7 @@
           <a:p>
             <a:fld id="{1C2A38D2-D57A-4E64-B95F-0826012D069A}" type="datetimeFigureOut">
               <a:rPr lang="en-GB" smtClean="0"/>
-              <a:t>02/03/2020</a:t>
+              <a:t>07/05/2020</a:t>
             </a:fld>
             <a:endParaRPr lang="en-GB" dirty="0"/>
           </a:p>
@@ -1072,7 +1072,7 @@
           <a:p>
             <a:fld id="{9D7F7A4F-C86B-4E97-8396-79EF10BBD040}" type="slidenum">
               <a:rPr lang="en-GB" smtClean="0"/>
-              <a:t>‹N°›</a:t>
+              <a:t>‹#›</a:t>
             </a:fld>
             <a:endParaRPr lang="en-GB" dirty="0"/>
           </a:p>
@@ -1124,7 +1124,7 @@
           <a:lstStyle/>
           <a:p>
             <a:r>
-              <a:rPr lang="fr-FR" smtClean="0"/>
+              <a:rPr lang="fr-FR"/>
               <a:t>Modifiez le style du titre</a:t>
             </a:r>
             <a:endParaRPr lang="en-GB"/>
@@ -1153,35 +1153,35 @@
           <a:p>
             <a:pPr lvl="0"/>
             <a:r>
-              <a:rPr lang="fr-FR" smtClean="0"/>
+              <a:rPr lang="fr-FR"/>
               <a:t>Modifier les styles du texte du masque</a:t>
             </a:r>
           </a:p>
           <a:p>
             <a:pPr lvl="1"/>
             <a:r>
-              <a:rPr lang="fr-FR" smtClean="0"/>
+              <a:rPr lang="fr-FR"/>
               <a:t>Deuxième niveau</a:t>
             </a:r>
           </a:p>
           <a:p>
             <a:pPr lvl="2"/>
             <a:r>
-              <a:rPr lang="fr-FR" smtClean="0"/>
+              <a:rPr lang="fr-FR"/>
               <a:t>Troisième niveau</a:t>
             </a:r>
           </a:p>
           <a:p>
             <a:pPr lvl="3"/>
             <a:r>
-              <a:rPr lang="fr-FR" smtClean="0"/>
+              <a:rPr lang="fr-FR"/>
               <a:t>Quatrième niveau</a:t>
             </a:r>
           </a:p>
           <a:p>
             <a:pPr lvl="4"/>
             <a:r>
-              <a:rPr lang="fr-FR" smtClean="0"/>
+              <a:rPr lang="fr-FR"/>
               <a:t>Cinquième niveau</a:t>
             </a:r>
             <a:endParaRPr lang="en-GB"/>
@@ -1210,35 +1210,35 @@
           <a:p>
             <a:pPr lvl="0"/>
             <a:r>
-              <a:rPr lang="fr-FR" smtClean="0"/>
+              <a:rPr lang="fr-FR"/>
               <a:t>Modifier les styles du texte du masque</a:t>
             </a:r>
           </a:p>
           <a:p>
             <a:pPr lvl="1"/>
             <a:r>
-              <a:rPr lang="fr-FR" smtClean="0"/>
+              <a:rPr lang="fr-FR"/>
               <a:t>Deuxième niveau</a:t>
             </a:r>
           </a:p>
           <a:p>
             <a:pPr lvl="2"/>
             <a:r>
-              <a:rPr lang="fr-FR" smtClean="0"/>
+              <a:rPr lang="fr-FR"/>
               <a:t>Troisième niveau</a:t>
             </a:r>
           </a:p>
           <a:p>
             <a:pPr lvl="3"/>
             <a:r>
-              <a:rPr lang="fr-FR" smtClean="0"/>
+              <a:rPr lang="fr-FR"/>
               <a:t>Quatrième niveau</a:t>
             </a:r>
           </a:p>
           <a:p>
             <a:pPr lvl="4"/>
             <a:r>
-              <a:rPr lang="fr-FR" smtClean="0"/>
+              <a:rPr lang="fr-FR"/>
               <a:t>Cinquième niveau</a:t>
             </a:r>
             <a:endParaRPr lang="en-GB"/>
@@ -1262,7 +1262,7 @@
           <a:p>
             <a:fld id="{1C2A38D2-D57A-4E64-B95F-0826012D069A}" type="datetimeFigureOut">
               <a:rPr lang="en-GB" smtClean="0"/>
-              <a:t>02/03/2020</a:t>
+              <a:t>07/05/2020</a:t>
             </a:fld>
             <a:endParaRPr lang="en-GB" dirty="0"/>
           </a:p>
@@ -1304,7 +1304,7 @@
           <a:p>
             <a:fld id="{9D7F7A4F-C86B-4E97-8396-79EF10BBD040}" type="slidenum">
               <a:rPr lang="en-GB" smtClean="0"/>
-              <a:t>‹N°›</a:t>
+              <a:t>‹#›</a:t>
             </a:fld>
             <a:endParaRPr lang="en-GB" dirty="0"/>
           </a:p>
@@ -1361,7 +1361,7 @@
           <a:lstStyle/>
           <a:p>
             <a:r>
-              <a:rPr lang="fr-FR" smtClean="0"/>
+              <a:rPr lang="fr-FR"/>
               <a:t>Modifiez le style du titre</a:t>
             </a:r>
             <a:endParaRPr lang="en-GB"/>
@@ -1427,7 +1427,7 @@
           <a:p>
             <a:pPr lvl="0"/>
             <a:r>
-              <a:rPr lang="fr-FR" smtClean="0"/>
+              <a:rPr lang="fr-FR"/>
               <a:t>Modifier les styles du texte du masque</a:t>
             </a:r>
           </a:p>
@@ -1455,35 +1455,35 @@
           <a:p>
             <a:pPr lvl="0"/>
             <a:r>
-              <a:rPr lang="fr-FR" smtClean="0"/>
+              <a:rPr lang="fr-FR"/>
               <a:t>Modifier les styles du texte du masque</a:t>
             </a:r>
           </a:p>
           <a:p>
             <a:pPr lvl="1"/>
             <a:r>
-              <a:rPr lang="fr-FR" smtClean="0"/>
+              <a:rPr lang="fr-FR"/>
               <a:t>Deuxième niveau</a:t>
             </a:r>
           </a:p>
           <a:p>
             <a:pPr lvl="2"/>
             <a:r>
-              <a:rPr lang="fr-FR" smtClean="0"/>
+              <a:rPr lang="fr-FR"/>
               <a:t>Troisième niveau</a:t>
             </a:r>
           </a:p>
           <a:p>
             <a:pPr lvl="3"/>
             <a:r>
-              <a:rPr lang="fr-FR" smtClean="0"/>
+              <a:rPr lang="fr-FR"/>
               <a:t>Quatrième niveau</a:t>
             </a:r>
           </a:p>
           <a:p>
             <a:pPr lvl="4"/>
             <a:r>
-              <a:rPr lang="fr-FR" smtClean="0"/>
+              <a:rPr lang="fr-FR"/>
               <a:t>Cinquième niveau</a:t>
             </a:r>
             <a:endParaRPr lang="en-GB"/>
@@ -1549,7 +1549,7 @@
           <a:p>
             <a:pPr lvl="0"/>
             <a:r>
-              <a:rPr lang="fr-FR" smtClean="0"/>
+              <a:rPr lang="fr-FR"/>
               <a:t>Modifier les styles du texte du masque</a:t>
             </a:r>
           </a:p>
@@ -1577,35 +1577,35 @@
           <a:p>
             <a:pPr lvl="0"/>
             <a:r>
-              <a:rPr lang="fr-FR" smtClean="0"/>
+              <a:rPr lang="fr-FR"/>
               <a:t>Modifier les styles du texte du masque</a:t>
             </a:r>
           </a:p>
           <a:p>
             <a:pPr lvl="1"/>
             <a:r>
-              <a:rPr lang="fr-FR" smtClean="0"/>
+              <a:rPr lang="fr-FR"/>
               <a:t>Deuxième niveau</a:t>
             </a:r>
           </a:p>
           <a:p>
             <a:pPr lvl="2"/>
             <a:r>
-              <a:rPr lang="fr-FR" smtClean="0"/>
+              <a:rPr lang="fr-FR"/>
               <a:t>Troisième niveau</a:t>
             </a:r>
           </a:p>
           <a:p>
             <a:pPr lvl="3"/>
             <a:r>
-              <a:rPr lang="fr-FR" smtClean="0"/>
+              <a:rPr lang="fr-FR"/>
               <a:t>Quatrième niveau</a:t>
             </a:r>
           </a:p>
           <a:p>
             <a:pPr lvl="4"/>
             <a:r>
-              <a:rPr lang="fr-FR" smtClean="0"/>
+              <a:rPr lang="fr-FR"/>
               <a:t>Cinquième niveau</a:t>
             </a:r>
             <a:endParaRPr lang="en-GB"/>
@@ -1629,7 +1629,7 @@
           <a:p>
             <a:fld id="{1C2A38D2-D57A-4E64-B95F-0826012D069A}" type="datetimeFigureOut">
               <a:rPr lang="en-GB" smtClean="0"/>
-              <a:t>02/03/2020</a:t>
+              <a:t>07/05/2020</a:t>
             </a:fld>
             <a:endParaRPr lang="en-GB" dirty="0"/>
           </a:p>
@@ -1671,7 +1671,7 @@
           <a:p>
             <a:fld id="{9D7F7A4F-C86B-4E97-8396-79EF10BBD040}" type="slidenum">
               <a:rPr lang="en-GB" smtClean="0"/>
-              <a:t>‹N°›</a:t>
+              <a:t>‹#›</a:t>
             </a:fld>
             <a:endParaRPr lang="en-GB" dirty="0"/>
           </a:p>
@@ -1723,7 +1723,7 @@
           <a:lstStyle/>
           <a:p>
             <a:r>
-              <a:rPr lang="fr-FR" smtClean="0"/>
+              <a:rPr lang="fr-FR"/>
               <a:t>Modifiez le style du titre</a:t>
             </a:r>
             <a:endParaRPr lang="en-GB"/>
@@ -1747,7 +1747,7 @@
           <a:p>
             <a:fld id="{1C2A38D2-D57A-4E64-B95F-0826012D069A}" type="datetimeFigureOut">
               <a:rPr lang="en-GB" smtClean="0"/>
-              <a:t>02/03/2020</a:t>
+              <a:t>07/05/2020</a:t>
             </a:fld>
             <a:endParaRPr lang="en-GB" dirty="0"/>
           </a:p>
@@ -1789,7 +1789,7 @@
           <a:p>
             <a:fld id="{9D7F7A4F-C86B-4E97-8396-79EF10BBD040}" type="slidenum">
               <a:rPr lang="en-GB" smtClean="0"/>
-              <a:t>‹N°›</a:t>
+              <a:t>‹#›</a:t>
             </a:fld>
             <a:endParaRPr lang="en-GB" dirty="0"/>
           </a:p>
@@ -1842,7 +1842,7 @@
           <a:p>
             <a:fld id="{1C2A38D2-D57A-4E64-B95F-0826012D069A}" type="datetimeFigureOut">
               <a:rPr lang="en-GB" smtClean="0"/>
-              <a:t>02/03/2020</a:t>
+              <a:t>07/05/2020</a:t>
             </a:fld>
             <a:endParaRPr lang="en-GB" dirty="0"/>
           </a:p>
@@ -1884,7 +1884,7 @@
           <a:p>
             <a:fld id="{9D7F7A4F-C86B-4E97-8396-79EF10BBD040}" type="slidenum">
               <a:rPr lang="en-GB" smtClean="0"/>
-              <a:t>‹N°›</a:t>
+              <a:t>‹#›</a:t>
             </a:fld>
             <a:endParaRPr lang="en-GB" dirty="0"/>
           </a:p>
@@ -1945,7 +1945,7 @@
           </a:lstStyle>
           <a:p>
             <a:r>
-              <a:rPr lang="fr-FR" smtClean="0"/>
+              <a:rPr lang="fr-FR"/>
               <a:t>Modifiez le style du titre</a:t>
             </a:r>
             <a:endParaRPr lang="en-GB"/>
@@ -2002,35 +2002,35 @@
           <a:p>
             <a:pPr lvl="0"/>
             <a:r>
-              <a:rPr lang="fr-FR" smtClean="0"/>
+              <a:rPr lang="fr-FR"/>
               <a:t>Modifier les styles du texte du masque</a:t>
             </a:r>
           </a:p>
           <a:p>
             <a:pPr lvl="1"/>
             <a:r>
-              <a:rPr lang="fr-FR" smtClean="0"/>
+              <a:rPr lang="fr-FR"/>
               <a:t>Deuxième niveau</a:t>
             </a:r>
           </a:p>
           <a:p>
             <a:pPr lvl="2"/>
             <a:r>
-              <a:rPr lang="fr-FR" smtClean="0"/>
+              <a:rPr lang="fr-FR"/>
               <a:t>Troisième niveau</a:t>
             </a:r>
           </a:p>
           <a:p>
             <a:pPr lvl="3"/>
             <a:r>
-              <a:rPr lang="fr-FR" smtClean="0"/>
+              <a:rPr lang="fr-FR"/>
               <a:t>Quatrième niveau</a:t>
             </a:r>
           </a:p>
           <a:p>
             <a:pPr lvl="4"/>
             <a:r>
-              <a:rPr lang="fr-FR" smtClean="0"/>
+              <a:rPr lang="fr-FR"/>
               <a:t>Cinquième niveau</a:t>
             </a:r>
             <a:endParaRPr lang="en-GB"/>
@@ -2096,7 +2096,7 @@
           <a:p>
             <a:pPr lvl="0"/>
             <a:r>
-              <a:rPr lang="fr-FR" smtClean="0"/>
+              <a:rPr lang="fr-FR"/>
               <a:t>Modifier les styles du texte du masque</a:t>
             </a:r>
           </a:p>
@@ -2119,7 +2119,7 @@
           <a:p>
             <a:fld id="{1C2A38D2-D57A-4E64-B95F-0826012D069A}" type="datetimeFigureOut">
               <a:rPr lang="en-GB" smtClean="0"/>
-              <a:t>02/03/2020</a:t>
+              <a:t>07/05/2020</a:t>
             </a:fld>
             <a:endParaRPr lang="en-GB" dirty="0"/>
           </a:p>
@@ -2161,7 +2161,7 @@
           <a:p>
             <a:fld id="{9D7F7A4F-C86B-4E97-8396-79EF10BBD040}" type="slidenum">
               <a:rPr lang="en-GB" smtClean="0"/>
-              <a:t>‹N°›</a:t>
+              <a:t>‹#›</a:t>
             </a:fld>
             <a:endParaRPr lang="en-GB" dirty="0"/>
           </a:p>
@@ -2222,7 +2222,7 @@
           </a:lstStyle>
           <a:p>
             <a:r>
-              <a:rPr lang="fr-FR" smtClean="0"/>
+              <a:rPr lang="fr-FR"/>
               <a:t>Modifiez le style du titre</a:t>
             </a:r>
             <a:endParaRPr lang="en-GB"/>
@@ -2349,7 +2349,7 @@
           <a:p>
             <a:pPr lvl="0"/>
             <a:r>
-              <a:rPr lang="fr-FR" smtClean="0"/>
+              <a:rPr lang="fr-FR"/>
               <a:t>Modifier les styles du texte du masque</a:t>
             </a:r>
           </a:p>
@@ -2372,7 +2372,7 @@
           <a:p>
             <a:fld id="{1C2A38D2-D57A-4E64-B95F-0826012D069A}" type="datetimeFigureOut">
               <a:rPr lang="en-GB" smtClean="0"/>
-              <a:t>02/03/2020</a:t>
+              <a:t>07/05/2020</a:t>
             </a:fld>
             <a:endParaRPr lang="en-GB" dirty="0"/>
           </a:p>
@@ -2414,7 +2414,7 @@
           <a:p>
             <a:fld id="{9D7F7A4F-C86B-4E97-8396-79EF10BBD040}" type="slidenum">
               <a:rPr lang="en-GB" smtClean="0"/>
-              <a:t>‹N°›</a:t>
+              <a:t>‹#›</a:t>
             </a:fld>
             <a:endParaRPr lang="en-GB" dirty="0"/>
           </a:p>
@@ -2481,7 +2481,7 @@
           <a:lstStyle/>
           <a:p>
             <a:r>
-              <a:rPr lang="fr-FR" smtClean="0"/>
+              <a:rPr lang="fr-FR"/>
               <a:t>Modifiez le style du titre</a:t>
             </a:r>
             <a:endParaRPr lang="en-GB"/>
@@ -2515,35 +2515,35 @@
           <a:p>
             <a:pPr lvl="0"/>
             <a:r>
-              <a:rPr lang="fr-FR" smtClean="0"/>
+              <a:rPr lang="fr-FR"/>
               <a:t>Modifier les styles du texte du masque</a:t>
             </a:r>
           </a:p>
           <a:p>
             <a:pPr lvl="1"/>
             <a:r>
-              <a:rPr lang="fr-FR" smtClean="0"/>
+              <a:rPr lang="fr-FR"/>
               <a:t>Deuxième niveau</a:t>
             </a:r>
           </a:p>
           <a:p>
             <a:pPr lvl="2"/>
             <a:r>
-              <a:rPr lang="fr-FR" smtClean="0"/>
+              <a:rPr lang="fr-FR"/>
               <a:t>Troisième niveau</a:t>
             </a:r>
           </a:p>
           <a:p>
             <a:pPr lvl="3"/>
             <a:r>
-              <a:rPr lang="fr-FR" smtClean="0"/>
+              <a:rPr lang="fr-FR"/>
               <a:t>Quatrième niveau</a:t>
             </a:r>
           </a:p>
           <a:p>
             <a:pPr lvl="4"/>
             <a:r>
-              <a:rPr lang="fr-FR" smtClean="0"/>
+              <a:rPr lang="fr-FR"/>
               <a:t>Cinquième niveau</a:t>
             </a:r>
             <a:endParaRPr lang="en-GB"/>
@@ -2585,7 +2585,7 @@
           <a:p>
             <a:fld id="{1C2A38D2-D57A-4E64-B95F-0826012D069A}" type="datetimeFigureOut">
               <a:rPr lang="en-GB" smtClean="0"/>
-              <a:t>02/03/2020</a:t>
+              <a:t>07/05/2020</a:t>
             </a:fld>
             <a:endParaRPr lang="en-GB" dirty="0"/>
           </a:p>
@@ -2663,7 +2663,7 @@
           <a:p>
             <a:fld id="{9D7F7A4F-C86B-4E97-8396-79EF10BBD040}" type="slidenum">
               <a:rPr lang="en-GB" smtClean="0"/>
-              <a:t>‹N°›</a:t>
+              <a:t>‹#›</a:t>
             </a:fld>
             <a:endParaRPr lang="en-GB" dirty="0"/>
           </a:p>
@@ -2976,14 +2976,6 @@
 <file path=ppt/slides/slide1.xml><?xml version="1.0" encoding="utf-8"?>
 <p:sld xmlns:a="http://schemas.openxmlformats.org/drawingml/2006/main" xmlns:r="http://schemas.openxmlformats.org/officeDocument/2006/relationships" xmlns:p="http://schemas.openxmlformats.org/presentationml/2006/main">
   <p:cSld>
-    <p:bg>
-      <p:bgPr>
-        <a:solidFill>
-          <a:schemeClr val="tx1"/>
-        </a:solidFill>
-        <a:effectLst/>
-      </p:bgPr>
-    </p:bg>
     <p:spTree>
       <p:nvGrpSpPr>
         <p:cNvPr id="1" name=""/>
@@ -3022,229 +3014,117 @@
           <a:p>
             <a:pPr algn="ctr"/>
             <a:r>
-              <a:rPr lang="en-GB" sz="2400" dirty="0" smtClean="0">
-                <a:solidFill>
-                  <a:schemeClr val="bg1"/>
-                </a:solidFill>
-              </a:rPr>
+              <a:rPr lang="en-GB" sz="2400" dirty="0"/>
               <a:t>Bonjour ! </a:t>
             </a:r>
             <a:r>
-              <a:rPr lang="en-GB" sz="2400" dirty="0" err="1" smtClean="0">
-                <a:solidFill>
-                  <a:schemeClr val="bg1"/>
-                </a:solidFill>
-              </a:rPr>
+              <a:rPr lang="en-GB" sz="2400" dirty="0" err="1"/>
               <a:t>Merci</a:t>
             </a:r>
             <a:r>
-              <a:rPr lang="en-GB" sz="2400" dirty="0" smtClean="0">
-                <a:solidFill>
-                  <a:schemeClr val="bg1"/>
-                </a:solidFill>
-              </a:rPr>
+              <a:rPr lang="en-GB" sz="2400" dirty="0"/>
               <a:t> </a:t>
             </a:r>
             <a:r>
-              <a:rPr lang="en-GB" sz="2400" dirty="0" err="1" smtClean="0">
-                <a:solidFill>
-                  <a:schemeClr val="bg1"/>
-                </a:solidFill>
-              </a:rPr>
+              <a:rPr lang="en-GB" sz="2400" dirty="0" err="1"/>
               <a:t>d’avoir</a:t>
             </a:r>
             <a:r>
-              <a:rPr lang="en-GB" sz="2400" dirty="0" smtClean="0">
-                <a:solidFill>
-                  <a:schemeClr val="bg1"/>
-                </a:solidFill>
-              </a:rPr>
+              <a:rPr lang="en-GB" sz="2400" dirty="0"/>
               <a:t> </a:t>
             </a:r>
             <a:r>
-              <a:rPr lang="en-GB" sz="2400" dirty="0" err="1" smtClean="0">
-                <a:solidFill>
-                  <a:schemeClr val="bg1"/>
-                </a:solidFill>
-              </a:rPr>
+              <a:rPr lang="en-GB" sz="2400" dirty="0" err="1"/>
               <a:t>accepté</a:t>
             </a:r>
             <a:r>
-              <a:rPr lang="en-GB" sz="2400" dirty="0" smtClean="0">
-                <a:solidFill>
-                  <a:schemeClr val="bg1"/>
-                </a:solidFill>
-              </a:rPr>
+              <a:rPr lang="en-GB" sz="2400" dirty="0"/>
               <a:t> de </a:t>
             </a:r>
             <a:r>
-              <a:rPr lang="en-GB" sz="2400" dirty="0" err="1" smtClean="0">
-                <a:solidFill>
-                  <a:schemeClr val="bg1"/>
-                </a:solidFill>
-              </a:rPr>
+              <a:rPr lang="en-GB" sz="2400" dirty="0" err="1"/>
               <a:t>participer</a:t>
             </a:r>
             <a:r>
-              <a:rPr lang="en-GB" sz="2400" dirty="0" smtClean="0">
-                <a:solidFill>
-                  <a:schemeClr val="bg1"/>
-                </a:solidFill>
-              </a:rPr>
+              <a:rPr lang="en-GB" sz="2400" dirty="0"/>
               <a:t> </a:t>
             </a:r>
             <a:r>
-              <a:rPr lang="fr-FR" sz="2400" dirty="0" smtClean="0">
-                <a:solidFill>
-                  <a:schemeClr val="bg1"/>
-                </a:solidFill>
-              </a:rPr>
+              <a:rPr lang="fr-FR" sz="2400" dirty="0"/>
               <a:t>à</a:t>
             </a:r>
             <a:r>
-              <a:rPr lang="en-GB" sz="2400" dirty="0" smtClean="0">
-                <a:solidFill>
-                  <a:schemeClr val="bg1"/>
-                </a:solidFill>
-              </a:rPr>
+              <a:rPr lang="en-GB" sz="2400" dirty="0"/>
               <a:t> </a:t>
             </a:r>
             <a:r>
-              <a:rPr lang="en-GB" sz="2400" dirty="0" err="1" smtClean="0">
-                <a:solidFill>
-                  <a:schemeClr val="bg1"/>
-                </a:solidFill>
-              </a:rPr>
+              <a:rPr lang="en-GB" sz="2400" dirty="0" err="1"/>
               <a:t>notre</a:t>
             </a:r>
             <a:r>
-              <a:rPr lang="en-GB" sz="2400" dirty="0" smtClean="0">
-                <a:solidFill>
-                  <a:schemeClr val="bg1"/>
-                </a:solidFill>
-              </a:rPr>
+              <a:rPr lang="en-GB" sz="2400" dirty="0"/>
               <a:t> experience</a:t>
             </a:r>
           </a:p>
           <a:p>
             <a:pPr algn="ctr"/>
-            <a:endParaRPr lang="en-GB" sz="2400" dirty="0">
-              <a:solidFill>
-                <a:schemeClr val="bg1"/>
-              </a:solidFill>
-            </a:endParaRPr>
+            <a:endParaRPr lang="en-GB" sz="2400" dirty="0"/>
           </a:p>
           <a:p>
             <a:pPr algn="ctr"/>
-            <a:endParaRPr lang="en-GB" sz="2400" dirty="0" smtClean="0">
-              <a:solidFill>
-                <a:schemeClr val="bg1"/>
-              </a:solidFill>
-            </a:endParaRPr>
+            <a:endParaRPr lang="en-GB" sz="2400" dirty="0"/>
           </a:p>
           <a:p>
             <a:pPr algn="ctr"/>
-            <a:endParaRPr lang="en-GB" sz="2400" dirty="0">
-              <a:solidFill>
-                <a:schemeClr val="bg1"/>
-              </a:solidFill>
-            </a:endParaRPr>
+            <a:endParaRPr lang="en-GB" sz="2400" dirty="0"/>
           </a:p>
           <a:p>
             <a:pPr algn="ctr"/>
             <a:r>
-              <a:rPr lang="en-GB" sz="2400" dirty="0" smtClean="0">
-                <a:solidFill>
-                  <a:schemeClr val="bg1"/>
-                </a:solidFill>
-              </a:rPr>
+              <a:rPr lang="en-GB" sz="2400" dirty="0"/>
               <a:t>Avant de commencer, </a:t>
             </a:r>
             <a:r>
-              <a:rPr lang="en-GB" sz="2400" dirty="0" err="1" smtClean="0">
-                <a:solidFill>
-                  <a:schemeClr val="bg1"/>
-                </a:solidFill>
-              </a:rPr>
+              <a:rPr lang="en-GB" sz="2400" dirty="0" err="1"/>
               <a:t>merci</a:t>
             </a:r>
             <a:r>
-              <a:rPr lang="en-GB" sz="2400" dirty="0" smtClean="0">
-                <a:solidFill>
-                  <a:schemeClr val="bg1"/>
-                </a:solidFill>
-              </a:rPr>
+              <a:rPr lang="en-GB" sz="2400" dirty="0"/>
               <a:t> de </a:t>
             </a:r>
             <a:r>
-              <a:rPr lang="en-GB" sz="2400" dirty="0" err="1" smtClean="0">
-                <a:solidFill>
-                  <a:schemeClr val="bg1"/>
-                </a:solidFill>
-              </a:rPr>
+              <a:rPr lang="en-GB" sz="2400" dirty="0" err="1"/>
               <a:t>bien</a:t>
             </a:r>
             <a:r>
-              <a:rPr lang="en-GB" sz="2400" dirty="0" smtClean="0">
-                <a:solidFill>
-                  <a:schemeClr val="bg1"/>
-                </a:solidFill>
-              </a:rPr>
+              <a:rPr lang="en-GB" sz="2400" dirty="0"/>
               <a:t> </a:t>
             </a:r>
             <a:r>
-              <a:rPr lang="en-GB" sz="2400" dirty="0" err="1" smtClean="0">
-                <a:solidFill>
-                  <a:schemeClr val="bg1"/>
-                </a:solidFill>
-              </a:rPr>
+              <a:rPr lang="en-GB" sz="2400" dirty="0" err="1"/>
               <a:t>vouloir</a:t>
             </a:r>
             <a:r>
-              <a:rPr lang="en-GB" sz="2400" dirty="0" smtClean="0">
-                <a:solidFill>
-                  <a:schemeClr val="bg1"/>
-                </a:solidFill>
-              </a:rPr>
+              <a:rPr lang="en-GB" sz="2400" dirty="0"/>
               <a:t> </a:t>
             </a:r>
             <a:r>
-              <a:rPr lang="en-GB" sz="2400" dirty="0" err="1" smtClean="0">
-                <a:solidFill>
-                  <a:schemeClr val="bg1"/>
-                </a:solidFill>
-              </a:rPr>
+              <a:rPr lang="en-GB" sz="2400" dirty="0" err="1"/>
               <a:t>éteindre</a:t>
             </a:r>
             <a:r>
-              <a:rPr lang="en-GB" sz="2400" dirty="0" smtClean="0">
-                <a:solidFill>
-                  <a:schemeClr val="bg1"/>
-                </a:solidFill>
-              </a:rPr>
+              <a:rPr lang="en-GB" sz="2400" dirty="0"/>
               <a:t> </a:t>
             </a:r>
             <a:r>
-              <a:rPr lang="en-GB" sz="2400" dirty="0" err="1" smtClean="0">
-                <a:solidFill>
-                  <a:schemeClr val="bg1"/>
-                </a:solidFill>
-              </a:rPr>
+              <a:rPr lang="en-GB" sz="2400" dirty="0" err="1"/>
               <a:t>votre</a:t>
             </a:r>
             <a:r>
-              <a:rPr lang="en-GB" sz="2400" dirty="0" smtClean="0">
-                <a:solidFill>
-                  <a:schemeClr val="bg1"/>
-                </a:solidFill>
-              </a:rPr>
+              <a:rPr lang="en-GB" sz="2400" dirty="0"/>
               <a:t> telephone portable</a:t>
             </a:r>
-            <a:endParaRPr lang="en-GB" sz="1600" dirty="0">
-              <a:solidFill>
-                <a:schemeClr val="bg1"/>
-              </a:solidFill>
-            </a:endParaRPr>
+            <a:endParaRPr lang="en-GB" sz="1600" dirty="0"/>
           </a:p>
         </p:txBody>
       </p:sp>
@@ -3271,52 +3151,13 @@
           <a:p>
             <a:pPr algn="ctr"/>
             <a:r>
-              <a:rPr lang="en-GB" dirty="0" err="1" smtClean="0">
-                <a:solidFill>
-                  <a:schemeClr val="bg1">
-                    <a:lumMod val="65000"/>
-                  </a:schemeClr>
-                </a:solidFill>
-              </a:rPr>
+              <a:rPr lang="en-GB" dirty="0" err="1"/>
               <a:t>Appuyez</a:t>
             </a:r>
             <a:r>
-              <a:rPr lang="en-GB" dirty="0" smtClean="0">
-                <a:solidFill>
-                  <a:schemeClr val="bg1">
-                    <a:lumMod val="65000"/>
-                  </a:schemeClr>
-                </a:solidFill>
-              </a:rPr>
-              <a:t> sur </a:t>
-            </a:r>
-            <a:r>
-              <a:rPr lang="en-GB" dirty="0" smtClean="0">
-                <a:solidFill>
-                  <a:schemeClr val="bg1">
-                    <a:lumMod val="65000"/>
-                  </a:schemeClr>
-                </a:solidFill>
-              </a:rPr>
-              <a:t>la fleche de </a:t>
-            </a:r>
-            <a:r>
-              <a:rPr lang="en-GB" dirty="0" smtClean="0">
-                <a:solidFill>
-                  <a:schemeClr val="bg1">
-                    <a:lumMod val="65000"/>
-                  </a:schemeClr>
-                </a:solidFill>
-              </a:rPr>
-              <a:t>droit pour continuer</a:t>
-            </a:r>
-            <a:endParaRPr lang="en-GB" dirty="0">
-              <a:solidFill>
-                <a:schemeClr val="bg1">
-                  <a:lumMod val="65000"/>
-                </a:schemeClr>
-              </a:solidFill>
-            </a:endParaRPr>
+              <a:rPr lang="en-GB" dirty="0"/>
+              <a:t> sur la fleche de droit pour continuer</a:t>
+            </a:r>
           </a:p>
         </p:txBody>
       </p:sp>
@@ -3330,27 +3171,12 @@
   <p:clrMapOvr>
     <a:masterClrMapping/>
   </p:clrMapOvr>
-  <p:timing>
-    <p:tnLst>
-      <p:par>
-        <p:cTn id="1" dur="indefinite" restart="never" nodeType="tmRoot"/>
-      </p:par>
-    </p:tnLst>
-  </p:timing>
 </p:sld>
 </file>
 
 <file path=ppt/slides/slide10.xml><?xml version="1.0" encoding="utf-8"?>
 <p:sld xmlns:a="http://schemas.openxmlformats.org/drawingml/2006/main" xmlns:r="http://schemas.openxmlformats.org/officeDocument/2006/relationships" xmlns:p="http://schemas.openxmlformats.org/presentationml/2006/main">
   <p:cSld>
-    <p:bg>
-      <p:bgPr>
-        <a:solidFill>
-          <a:schemeClr val="tx1"/>
-        </a:solidFill>
-        <a:effectLst/>
-      </p:bgPr>
-    </p:bg>
     <p:spTree>
       <p:nvGrpSpPr>
         <p:cNvPr id="1" name=""/>
@@ -3399,18 +3225,13 @@
               </a:spcAft>
             </a:pPr>
             <a:r>
-              <a:rPr lang="en-GB" sz="2400" b="1" dirty="0" smtClean="0">
+              <a:rPr lang="en-GB" sz="2400" b="1" dirty="0">
                 <a:solidFill>
                   <a:schemeClr val="accent4"/>
                 </a:solidFill>
               </a:rPr>
               <a:t>PRINCIPE DE L’EXPERIENCE</a:t>
             </a:r>
-            <a:endParaRPr lang="en-GB" sz="2400" b="1" dirty="0">
-              <a:solidFill>
-                <a:schemeClr val="accent4"/>
-              </a:solidFill>
-            </a:endParaRPr>
           </a:p>
         </p:txBody>
       </p:sp>
@@ -3437,7 +3258,7 @@
           <a:lstStyle/>
           <a:p>
             <a:r>
-              <a:rPr lang="en-GB" sz="2000" dirty="0" err="1" smtClean="0">
+              <a:rPr lang="en-GB" sz="2000" dirty="0" err="1">
                 <a:solidFill>
                   <a:schemeClr val="bg1"/>
                 </a:solidFill>
@@ -3445,7 +3266,7 @@
               <a:t>Etapes</a:t>
             </a:r>
             <a:r>
-              <a:rPr lang="en-GB" sz="2000" dirty="0" smtClean="0">
+              <a:rPr lang="en-GB" sz="2000" dirty="0">
                 <a:solidFill>
                   <a:schemeClr val="bg1"/>
                 </a:solidFill>
@@ -3459,7 +3280,7 @@
               <a:buAutoNum type="arabicPeriod"/>
             </a:pPr>
             <a:r>
-              <a:rPr lang="en-GB" sz="2000" dirty="0" err="1" smtClean="0">
+              <a:rPr lang="en-GB" sz="2000" dirty="0" err="1">
                 <a:solidFill>
                   <a:schemeClr val="bg1"/>
                 </a:solidFill>
@@ -3467,23 +3288,15 @@
               <a:t>Affichage</a:t>
             </a:r>
             <a:r>
-              <a:rPr lang="en-GB" sz="2000" dirty="0" smtClean="0">
-                <a:solidFill>
-                  <a:schemeClr val="bg1"/>
-                </a:solidFill>
-              </a:rPr>
-              <a:t> </a:t>
-            </a:r>
-            <a:r>
-              <a:rPr lang="en-GB" sz="2000" dirty="0" smtClean="0">
-                <a:solidFill>
-                  <a:schemeClr val="bg1"/>
-                </a:solidFill>
-              </a:rPr>
-              <a:t>de </a:t>
-            </a:r>
-            <a:r>
-              <a:rPr lang="en-GB" sz="2000" b="1" dirty="0" smtClean="0">
+              <a:rPr lang="en-GB" sz="2000" dirty="0">
+                <a:solidFill>
+                  <a:schemeClr val="bg1"/>
+                </a:solidFill>
+              </a:rPr>
+              <a:t> de </a:t>
+            </a:r>
+            <a:r>
+              <a:rPr lang="en-GB" sz="2000" b="1" dirty="0">
                 <a:solidFill>
                   <a:schemeClr val="bg1"/>
                 </a:solidFill>
@@ -3491,7 +3304,7 @@
               <a:t>la </a:t>
             </a:r>
             <a:r>
-              <a:rPr lang="en-GB" sz="2000" b="1" dirty="0" err="1" smtClean="0">
+              <a:rPr lang="en-GB" sz="2000" b="1" dirty="0" err="1">
                 <a:solidFill>
                   <a:schemeClr val="bg1"/>
                 </a:solidFill>
@@ -3499,7 +3312,7 @@
               <a:t>numero</a:t>
             </a:r>
             <a:r>
-              <a:rPr lang="en-GB" sz="2000" b="1" dirty="0" smtClean="0">
+              <a:rPr lang="en-GB" sz="2000" b="1" dirty="0">
                 <a:solidFill>
                   <a:schemeClr val="bg1"/>
                 </a:solidFill>
@@ -3507,7 +3320,7 @@
               <a:t> de </a:t>
             </a:r>
             <a:r>
-              <a:rPr lang="en-GB" sz="2000" b="1" dirty="0" err="1" smtClean="0">
+              <a:rPr lang="en-GB" sz="2000" b="1" dirty="0" err="1">
                 <a:solidFill>
                   <a:schemeClr val="bg1"/>
                 </a:solidFill>
@@ -3526,7 +3339,7 @@
               <a:buAutoNum type="arabicPeriod"/>
             </a:pPr>
             <a:r>
-              <a:rPr lang="en-GB" sz="2000" dirty="0" smtClean="0">
+              <a:rPr lang="en-GB" sz="2000" dirty="0">
                 <a:solidFill>
                   <a:schemeClr val="bg1"/>
                 </a:solidFill>
@@ -3534,7 +3347,7 @@
               <a:t>͏</a:t>
             </a:r>
             <a:r>
-              <a:rPr lang="en-GB" sz="2000" b="1" dirty="0" smtClean="0">
+              <a:rPr lang="en-GB" sz="2000" b="1" dirty="0">
                 <a:solidFill>
                   <a:schemeClr val="bg1"/>
                 </a:solidFill>
@@ -3542,7 +3355,7 @@
               <a:t>Un </a:t>
             </a:r>
             <a:r>
-              <a:rPr lang="en-GB" sz="2000" b="1" dirty="0" err="1" smtClean="0">
+              <a:rPr lang="en-GB" sz="2000" b="1" dirty="0" err="1">
                 <a:solidFill>
                   <a:schemeClr val="bg1"/>
                 </a:solidFill>
@@ -3550,7 +3363,7 @@
               <a:t>seul</a:t>
             </a:r>
             <a:r>
-              <a:rPr lang="en-GB" sz="2000" b="1" dirty="0" smtClean="0">
+              <a:rPr lang="en-GB" sz="2000" b="1" dirty="0">
                 <a:solidFill>
                   <a:schemeClr val="bg1"/>
                 </a:solidFill>
@@ -3558,7 +3371,7 @@
               <a:t> </a:t>
             </a:r>
             <a:r>
-              <a:rPr lang="en-GB" sz="2000" b="1" dirty="0" err="1" smtClean="0">
+              <a:rPr lang="en-GB" sz="2000" b="1" dirty="0" err="1">
                 <a:solidFill>
                   <a:schemeClr val="bg1"/>
                 </a:solidFill>
@@ -3566,7 +3379,7 @@
               <a:t>affichage</a:t>
             </a:r>
             <a:r>
-              <a:rPr lang="en-GB" sz="2000" b="1" dirty="0" smtClean="0">
+              <a:rPr lang="en-GB" sz="2000" b="1" dirty="0">
                 <a:solidFill>
                   <a:schemeClr val="bg1"/>
                 </a:solidFill>
@@ -3574,7 +3387,7 @@
               <a:t> </a:t>
             </a:r>
             <a:r>
-              <a:rPr lang="en-GB" sz="2000" dirty="0" smtClean="0">
+              <a:rPr lang="en-GB" sz="2000" dirty="0">
                 <a:solidFill>
                   <a:schemeClr val="bg1"/>
                 </a:solidFill>
@@ -3582,7 +3395,7 @@
               <a:t>de </a:t>
             </a:r>
             <a:r>
-              <a:rPr lang="en-GB" sz="2000" dirty="0" err="1" smtClean="0">
+              <a:rPr lang="en-GB" sz="2000" dirty="0" err="1">
                 <a:solidFill>
                   <a:schemeClr val="bg1"/>
                 </a:solidFill>
@@ -3590,7 +3403,7 @@
               <a:t>toutes</a:t>
             </a:r>
             <a:r>
-              <a:rPr lang="en-GB" sz="2000" dirty="0" smtClean="0">
+              <a:rPr lang="en-GB" sz="2000" dirty="0">
                 <a:solidFill>
                   <a:schemeClr val="bg1"/>
                 </a:solidFill>
@@ -3598,14 +3411,14 @@
               <a:t> les </a:t>
             </a:r>
             <a:r>
-              <a:rPr lang="en-GB" sz="2000" dirty="0" err="1" smtClean="0">
+              <a:rPr lang="en-GB" sz="2000" dirty="0" err="1">
                 <a:solidFill>
                   <a:schemeClr val="bg1"/>
                 </a:solidFill>
               </a:rPr>
               <a:t>paires</a:t>
             </a:r>
-            <a:endParaRPr lang="en-GB" sz="2000" dirty="0" smtClean="0">
+            <a:endParaRPr lang="en-GB" sz="2000" dirty="0">
               <a:solidFill>
                 <a:schemeClr val="bg1"/>
               </a:solidFill>
@@ -3636,7 +3449,7 @@
           <a:p>
             <a:pPr algn="ctr"/>
             <a:r>
-              <a:rPr lang="en-GB" dirty="0" err="1" smtClean="0">
+              <a:rPr lang="en-GB" dirty="0" err="1">
                 <a:solidFill>
                   <a:schemeClr val="bg1">
                     <a:lumMod val="65000"/>
@@ -3646,42 +3459,15 @@
               <a:t>Appuyez</a:t>
             </a:r>
             <a:r>
-              <a:rPr lang="en-GB" dirty="0" smtClean="0">
+              <a:rPr lang="en-GB" dirty="0">
                 <a:solidFill>
                   <a:schemeClr val="bg1">
                     <a:lumMod val="65000"/>
                   </a:schemeClr>
                 </a:solidFill>
               </a:rPr>
-              <a:t> sur </a:t>
-            </a:r>
-            <a:r>
-              <a:rPr lang="en-GB" dirty="0" smtClean="0">
-                <a:solidFill>
-                  <a:schemeClr val="bg1">
-                    <a:lumMod val="65000"/>
-                  </a:schemeClr>
-                </a:solidFill>
-              </a:rPr>
-              <a:t>la fleche de </a:t>
-            </a:r>
-            <a:r>
-              <a:rPr lang="en-GB" dirty="0" smtClean="0">
-                <a:solidFill>
-                  <a:schemeClr val="bg1">
-                    <a:lumMod val="65000"/>
-                  </a:schemeClr>
-                </a:solidFill>
-              </a:rPr>
-              <a:t>droit pour continuer</a:t>
-            </a:r>
-            <a:endParaRPr lang="en-GB" dirty="0">
-              <a:solidFill>
-                <a:schemeClr val="bg1">
-                  <a:lumMod val="65000"/>
-                </a:schemeClr>
-              </a:solidFill>
-            </a:endParaRPr>
+              <a:t> sur la fleche de droit pour continuer</a:t>
+            </a:r>
           </a:p>
         </p:txBody>
       </p:sp>
@@ -3695,27 +3481,12 @@
   <p:clrMapOvr>
     <a:masterClrMapping/>
   </p:clrMapOvr>
-  <p:timing>
-    <p:tnLst>
-      <p:par>
-        <p:cTn id="1" dur="indefinite" restart="never" nodeType="tmRoot"/>
-      </p:par>
-    </p:tnLst>
-  </p:timing>
 </p:sld>
 </file>
 
 <file path=ppt/slides/slide11.xml><?xml version="1.0" encoding="utf-8"?>
 <p:sld xmlns:a="http://schemas.openxmlformats.org/drawingml/2006/main" xmlns:r="http://schemas.openxmlformats.org/officeDocument/2006/relationships" xmlns:p="http://schemas.openxmlformats.org/presentationml/2006/main">
   <p:cSld>
-    <p:bg>
-      <p:bgPr>
-        <a:solidFill>
-          <a:schemeClr val="tx1"/>
-        </a:solidFill>
-        <a:effectLst/>
-      </p:bgPr>
-    </p:bg>
     <p:spTree>
       <p:nvGrpSpPr>
         <p:cNvPr id="1" name=""/>
@@ -3764,18 +3535,13 @@
               </a:spcAft>
             </a:pPr>
             <a:r>
-              <a:rPr lang="en-GB" sz="2400" b="1" dirty="0" smtClean="0">
+              <a:rPr lang="en-GB" sz="2400" b="1" dirty="0">
                 <a:solidFill>
                   <a:schemeClr val="accent4"/>
                 </a:solidFill>
               </a:rPr>
               <a:t>PRINCIPE DE L’EXPERIENCE</a:t>
             </a:r>
-            <a:endParaRPr lang="en-GB" sz="2400" b="1" dirty="0">
-              <a:solidFill>
-                <a:schemeClr val="accent4"/>
-              </a:solidFill>
-            </a:endParaRPr>
           </a:p>
         </p:txBody>
       </p:sp>
@@ -3802,7 +3568,7 @@
           <a:lstStyle/>
           <a:p>
             <a:r>
-              <a:rPr lang="en-GB" sz="2000" dirty="0" err="1" smtClean="0">
+              <a:rPr lang="en-GB" sz="2000" dirty="0" err="1">
                 <a:solidFill>
                   <a:schemeClr val="bg1"/>
                 </a:solidFill>
@@ -3810,7 +3576,7 @@
               <a:t>Etapes</a:t>
             </a:r>
             <a:r>
-              <a:rPr lang="en-GB" sz="2000" dirty="0" smtClean="0">
+              <a:rPr lang="en-GB" sz="2000" dirty="0">
                 <a:solidFill>
                   <a:schemeClr val="bg1"/>
                 </a:solidFill>
@@ -3824,7 +3590,7 @@
               <a:buAutoNum type="arabicPeriod"/>
             </a:pPr>
             <a:r>
-              <a:rPr lang="en-GB" sz="2000" dirty="0" err="1" smtClean="0">
+              <a:rPr lang="en-GB" sz="2000" dirty="0" err="1">
                 <a:solidFill>
                   <a:schemeClr val="bg1"/>
                 </a:solidFill>
@@ -3832,23 +3598,15 @@
               <a:t>Affichage</a:t>
             </a:r>
             <a:r>
-              <a:rPr lang="en-GB" sz="2000" dirty="0" smtClean="0">
-                <a:solidFill>
-                  <a:schemeClr val="bg1"/>
-                </a:solidFill>
-              </a:rPr>
-              <a:t> </a:t>
-            </a:r>
-            <a:r>
-              <a:rPr lang="en-GB" sz="2000" dirty="0" smtClean="0">
-                <a:solidFill>
-                  <a:schemeClr val="bg1"/>
-                </a:solidFill>
-              </a:rPr>
-              <a:t>de </a:t>
-            </a:r>
-            <a:r>
-              <a:rPr lang="en-GB" sz="2000" b="1" dirty="0" smtClean="0">
+              <a:rPr lang="en-GB" sz="2000" dirty="0">
+                <a:solidFill>
+                  <a:schemeClr val="bg1"/>
+                </a:solidFill>
+              </a:rPr>
+              <a:t> de </a:t>
+            </a:r>
+            <a:r>
+              <a:rPr lang="en-GB" sz="2000" b="1" dirty="0">
                 <a:solidFill>
                   <a:schemeClr val="bg1"/>
                 </a:solidFill>
@@ -3856,7 +3614,7 @@
               <a:t>la </a:t>
             </a:r>
             <a:r>
-              <a:rPr lang="en-GB" sz="2000" b="1" dirty="0" err="1" smtClean="0">
+              <a:rPr lang="en-GB" sz="2000" b="1" dirty="0" err="1">
                 <a:solidFill>
                   <a:schemeClr val="bg1"/>
                 </a:solidFill>
@@ -3864,7 +3622,7 @@
               <a:t>numero</a:t>
             </a:r>
             <a:r>
-              <a:rPr lang="en-GB" sz="2000" b="1" dirty="0" smtClean="0">
+              <a:rPr lang="en-GB" sz="2000" b="1" dirty="0">
                 <a:solidFill>
                   <a:schemeClr val="bg1"/>
                 </a:solidFill>
@@ -3872,7 +3630,7 @@
               <a:t> de </a:t>
             </a:r>
             <a:r>
-              <a:rPr lang="en-GB" sz="2000" b="1" dirty="0" err="1" smtClean="0">
+              <a:rPr lang="en-GB" sz="2000" b="1" dirty="0" err="1">
                 <a:solidFill>
                   <a:schemeClr val="bg1"/>
                 </a:solidFill>
@@ -3891,7 +3649,7 @@
               <a:buAutoNum type="arabicPeriod"/>
             </a:pPr>
             <a:r>
-              <a:rPr lang="en-GB" sz="2000" dirty="0" smtClean="0">
+              <a:rPr lang="en-GB" sz="2000" dirty="0">
                 <a:solidFill>
                   <a:schemeClr val="bg1"/>
                 </a:solidFill>
@@ -3899,7 +3657,7 @@
               <a:t>͏</a:t>
             </a:r>
             <a:r>
-              <a:rPr lang="en-GB" sz="2000" b="1" dirty="0" smtClean="0">
+              <a:rPr lang="en-GB" sz="2000" b="1" dirty="0">
                 <a:solidFill>
                   <a:schemeClr val="bg1"/>
                 </a:solidFill>
@@ -3907,7 +3665,7 @@
               <a:t>Un </a:t>
             </a:r>
             <a:r>
-              <a:rPr lang="en-GB" sz="2000" b="1" dirty="0" err="1" smtClean="0">
+              <a:rPr lang="en-GB" sz="2000" b="1" dirty="0" err="1">
                 <a:solidFill>
                   <a:schemeClr val="bg1"/>
                 </a:solidFill>
@@ -3915,7 +3673,7 @@
               <a:t>seul</a:t>
             </a:r>
             <a:r>
-              <a:rPr lang="en-GB" sz="2000" b="1" dirty="0" smtClean="0">
+              <a:rPr lang="en-GB" sz="2000" b="1" dirty="0">
                 <a:solidFill>
                   <a:schemeClr val="bg1"/>
                 </a:solidFill>
@@ -3923,7 +3681,7 @@
               <a:t> </a:t>
             </a:r>
             <a:r>
-              <a:rPr lang="en-GB" sz="2000" b="1" dirty="0" err="1" smtClean="0">
+              <a:rPr lang="en-GB" sz="2000" b="1" dirty="0" err="1">
                 <a:solidFill>
                   <a:schemeClr val="bg1"/>
                 </a:solidFill>
@@ -3931,7 +3689,7 @@
               <a:t>affichage</a:t>
             </a:r>
             <a:r>
-              <a:rPr lang="en-GB" sz="2000" b="1" dirty="0" smtClean="0">
+              <a:rPr lang="en-GB" sz="2000" b="1" dirty="0">
                 <a:solidFill>
                   <a:schemeClr val="bg1"/>
                 </a:solidFill>
@@ -3939,7 +3697,7 @@
               <a:t> </a:t>
             </a:r>
             <a:r>
-              <a:rPr lang="en-GB" sz="2000" dirty="0" smtClean="0">
+              <a:rPr lang="en-GB" sz="2000" dirty="0">
                 <a:solidFill>
                   <a:schemeClr val="bg1"/>
                 </a:solidFill>
@@ -3947,7 +3705,7 @@
               <a:t>de </a:t>
             </a:r>
             <a:r>
-              <a:rPr lang="en-GB" sz="2000" dirty="0" err="1" smtClean="0">
+              <a:rPr lang="en-GB" sz="2000" dirty="0" err="1">
                 <a:solidFill>
                   <a:schemeClr val="bg1"/>
                 </a:solidFill>
@@ -3955,7 +3713,7 @@
               <a:t>toutes</a:t>
             </a:r>
             <a:r>
-              <a:rPr lang="en-GB" sz="2000" dirty="0" smtClean="0">
+              <a:rPr lang="en-GB" sz="2000" dirty="0">
                 <a:solidFill>
                   <a:schemeClr val="bg1"/>
                 </a:solidFill>
@@ -3963,14 +3721,14 @@
               <a:t> les </a:t>
             </a:r>
             <a:r>
-              <a:rPr lang="en-GB" sz="2000" dirty="0" err="1" smtClean="0">
+              <a:rPr lang="en-GB" sz="2000" dirty="0" err="1">
                 <a:solidFill>
                   <a:schemeClr val="bg1"/>
                 </a:solidFill>
               </a:rPr>
               <a:t>paires</a:t>
             </a:r>
-            <a:endParaRPr lang="en-GB" sz="2000" dirty="0" smtClean="0">
+            <a:endParaRPr lang="en-GB" sz="2000" dirty="0">
               <a:solidFill>
                 <a:schemeClr val="bg1"/>
               </a:solidFill>
@@ -3982,7 +3740,7 @@
               <a:buAutoNum type="arabicPeriod"/>
             </a:pPr>
             <a:r>
-              <a:rPr lang="en-GB" sz="2000" dirty="0" smtClean="0">
+              <a:rPr lang="en-GB" sz="2000" dirty="0">
                 <a:solidFill>
                   <a:schemeClr val="bg1"/>
                 </a:solidFill>
@@ -3990,7 +3748,7 @@
               <a:t>͏</a:t>
             </a:r>
             <a:r>
-              <a:rPr lang="en-GB" sz="2000" b="1" dirty="0" err="1" smtClean="0">
+              <a:rPr lang="en-GB" sz="2000" b="1" dirty="0" err="1">
                 <a:solidFill>
                   <a:schemeClr val="bg1"/>
                 </a:solidFill>
@@ -3998,7 +3756,7 @@
               <a:t>Deux</a:t>
             </a:r>
             <a:r>
-              <a:rPr lang="en-GB" sz="2000" b="1" dirty="0" smtClean="0">
+              <a:rPr lang="en-GB" sz="2000" b="1" dirty="0">
                 <a:solidFill>
                   <a:schemeClr val="bg1"/>
                 </a:solidFill>
@@ -4006,14 +3764,14 @@
               <a:t> judgements </a:t>
             </a:r>
             <a:r>
-              <a:rPr lang="en-GB" sz="2000" b="1" dirty="0" err="1" smtClean="0">
+              <a:rPr lang="en-GB" sz="2000" b="1" dirty="0" err="1">
                 <a:solidFill>
                   <a:schemeClr val="bg1"/>
                 </a:solidFill>
               </a:rPr>
               <a:t>d’auto-efficacité</a:t>
             </a:r>
-            <a:endParaRPr lang="en-GB" sz="2000" dirty="0" smtClean="0">
+            <a:endParaRPr lang="en-GB" sz="2000" dirty="0">
               <a:solidFill>
                 <a:schemeClr val="bg1"/>
               </a:solidFill>
@@ -4044,7 +3802,7 @@
           <a:p>
             <a:pPr algn="ctr"/>
             <a:r>
-              <a:rPr lang="en-GB" dirty="0" err="1" smtClean="0">
+              <a:rPr lang="en-GB" dirty="0" err="1">
                 <a:solidFill>
                   <a:schemeClr val="bg1">
                     <a:lumMod val="65000"/>
@@ -4054,42 +3812,15 @@
               <a:t>Appuyez</a:t>
             </a:r>
             <a:r>
-              <a:rPr lang="en-GB" dirty="0" smtClean="0">
+              <a:rPr lang="en-GB" dirty="0">
                 <a:solidFill>
                   <a:schemeClr val="bg1">
                     <a:lumMod val="65000"/>
                   </a:schemeClr>
                 </a:solidFill>
               </a:rPr>
-              <a:t> sur </a:t>
-            </a:r>
-            <a:r>
-              <a:rPr lang="en-GB" dirty="0" smtClean="0">
-                <a:solidFill>
-                  <a:schemeClr val="bg1">
-                    <a:lumMod val="65000"/>
-                  </a:schemeClr>
-                </a:solidFill>
-              </a:rPr>
-              <a:t>la fleche de </a:t>
-            </a:r>
-            <a:r>
-              <a:rPr lang="en-GB" dirty="0" smtClean="0">
-                <a:solidFill>
-                  <a:schemeClr val="bg1">
-                    <a:lumMod val="65000"/>
-                  </a:schemeClr>
-                </a:solidFill>
-              </a:rPr>
-              <a:t>droit pour continuer</a:t>
-            </a:r>
-            <a:endParaRPr lang="en-GB" dirty="0">
-              <a:solidFill>
-                <a:schemeClr val="bg1">
-                  <a:lumMod val="65000"/>
-                </a:schemeClr>
-              </a:solidFill>
-            </a:endParaRPr>
+              <a:t> sur la fleche de droit pour continuer</a:t>
+            </a:r>
           </a:p>
         </p:txBody>
       </p:sp>
@@ -4103,27 +3834,12 @@
   <p:clrMapOvr>
     <a:masterClrMapping/>
   </p:clrMapOvr>
-  <p:timing>
-    <p:tnLst>
-      <p:par>
-        <p:cTn id="1" dur="indefinite" restart="never" nodeType="tmRoot"/>
-      </p:par>
-    </p:tnLst>
-  </p:timing>
 </p:sld>
 </file>
 
 <file path=ppt/slides/slide12.xml><?xml version="1.0" encoding="utf-8"?>
 <p:sld xmlns:a="http://schemas.openxmlformats.org/drawingml/2006/main" xmlns:r="http://schemas.openxmlformats.org/officeDocument/2006/relationships" xmlns:p="http://schemas.openxmlformats.org/presentationml/2006/main">
   <p:cSld>
-    <p:bg>
-      <p:bgPr>
-        <a:solidFill>
-          <a:schemeClr val="tx1"/>
-        </a:solidFill>
-        <a:effectLst/>
-      </p:bgPr>
-    </p:bg>
     <p:spTree>
       <p:nvGrpSpPr>
         <p:cNvPr id="1" name=""/>
@@ -4172,18 +3888,13 @@
               </a:spcAft>
             </a:pPr>
             <a:r>
-              <a:rPr lang="en-GB" sz="2400" b="1" dirty="0" smtClean="0">
+              <a:rPr lang="en-GB" sz="2400" b="1" dirty="0">
                 <a:solidFill>
                   <a:schemeClr val="accent4"/>
                 </a:solidFill>
               </a:rPr>
               <a:t>PRINCIPE DE L’EXPERIENCE</a:t>
             </a:r>
-            <a:endParaRPr lang="en-GB" sz="2400" b="1" dirty="0">
-              <a:solidFill>
-                <a:schemeClr val="accent4"/>
-              </a:solidFill>
-            </a:endParaRPr>
           </a:p>
         </p:txBody>
       </p:sp>
@@ -4210,7 +3921,7 @@
           <a:lstStyle/>
           <a:p>
             <a:r>
-              <a:rPr lang="en-GB" sz="2000" dirty="0" err="1" smtClean="0">
+              <a:rPr lang="en-GB" sz="2000" dirty="0" err="1">
                 <a:solidFill>
                   <a:schemeClr val="bg1"/>
                 </a:solidFill>
@@ -4218,7 +3929,7 @@
               <a:t>Etapes</a:t>
             </a:r>
             <a:r>
-              <a:rPr lang="en-GB" sz="2000" dirty="0" smtClean="0">
+              <a:rPr lang="en-GB" sz="2000" dirty="0">
                 <a:solidFill>
                   <a:schemeClr val="bg1"/>
                 </a:solidFill>
@@ -4232,7 +3943,7 @@
               <a:buAutoNum type="arabicPeriod"/>
             </a:pPr>
             <a:r>
-              <a:rPr lang="en-GB" sz="2000" dirty="0" err="1" smtClean="0">
+              <a:rPr lang="en-GB" sz="2000" dirty="0" err="1">
                 <a:solidFill>
                   <a:schemeClr val="bg1"/>
                 </a:solidFill>
@@ -4240,23 +3951,15 @@
               <a:t>Affichage</a:t>
             </a:r>
             <a:r>
-              <a:rPr lang="en-GB" sz="2000" dirty="0" smtClean="0">
-                <a:solidFill>
-                  <a:schemeClr val="bg1"/>
-                </a:solidFill>
-              </a:rPr>
-              <a:t> </a:t>
-            </a:r>
-            <a:r>
-              <a:rPr lang="en-GB" sz="2000" dirty="0" smtClean="0">
-                <a:solidFill>
-                  <a:schemeClr val="bg1"/>
-                </a:solidFill>
-              </a:rPr>
-              <a:t>de </a:t>
-            </a:r>
-            <a:r>
-              <a:rPr lang="en-GB" sz="2000" b="1" dirty="0" smtClean="0">
+              <a:rPr lang="en-GB" sz="2000" dirty="0">
+                <a:solidFill>
+                  <a:schemeClr val="bg1"/>
+                </a:solidFill>
+              </a:rPr>
+              <a:t> de </a:t>
+            </a:r>
+            <a:r>
+              <a:rPr lang="en-GB" sz="2000" b="1" dirty="0">
                 <a:solidFill>
                   <a:schemeClr val="bg1"/>
                 </a:solidFill>
@@ -4264,7 +3967,7 @@
               <a:t>la </a:t>
             </a:r>
             <a:r>
-              <a:rPr lang="en-GB" sz="2000" b="1" dirty="0" err="1" smtClean="0">
+              <a:rPr lang="en-GB" sz="2000" b="1" dirty="0" err="1">
                 <a:solidFill>
                   <a:schemeClr val="bg1"/>
                 </a:solidFill>
@@ -4272,7 +3975,7 @@
               <a:t>numero</a:t>
             </a:r>
             <a:r>
-              <a:rPr lang="en-GB" sz="2000" b="1" dirty="0" smtClean="0">
+              <a:rPr lang="en-GB" sz="2000" b="1" dirty="0">
                 <a:solidFill>
                   <a:schemeClr val="bg1"/>
                 </a:solidFill>
@@ -4280,7 +3983,7 @@
               <a:t> de </a:t>
             </a:r>
             <a:r>
-              <a:rPr lang="en-GB" sz="2000" b="1" dirty="0" err="1" smtClean="0">
+              <a:rPr lang="en-GB" sz="2000" b="1" dirty="0" err="1">
                 <a:solidFill>
                   <a:schemeClr val="bg1"/>
                 </a:solidFill>
@@ -4299,7 +4002,7 @@
               <a:buAutoNum type="arabicPeriod"/>
             </a:pPr>
             <a:r>
-              <a:rPr lang="en-GB" sz="2000" dirty="0" smtClean="0">
+              <a:rPr lang="en-GB" sz="2000" dirty="0">
                 <a:solidFill>
                   <a:schemeClr val="bg1"/>
                 </a:solidFill>
@@ -4307,7 +4010,7 @@
               <a:t>͏</a:t>
             </a:r>
             <a:r>
-              <a:rPr lang="en-GB" sz="2000" b="1" dirty="0" smtClean="0">
+              <a:rPr lang="en-GB" sz="2000" b="1" dirty="0">
                 <a:solidFill>
                   <a:schemeClr val="bg1"/>
                 </a:solidFill>
@@ -4315,7 +4018,7 @@
               <a:t>Un </a:t>
             </a:r>
             <a:r>
-              <a:rPr lang="en-GB" sz="2000" b="1" dirty="0" err="1" smtClean="0">
+              <a:rPr lang="en-GB" sz="2000" b="1" dirty="0" err="1">
                 <a:solidFill>
                   <a:schemeClr val="bg1"/>
                 </a:solidFill>
@@ -4323,7 +4026,7 @@
               <a:t>seul</a:t>
             </a:r>
             <a:r>
-              <a:rPr lang="en-GB" sz="2000" b="1" dirty="0" smtClean="0">
+              <a:rPr lang="en-GB" sz="2000" b="1" dirty="0">
                 <a:solidFill>
                   <a:schemeClr val="bg1"/>
                 </a:solidFill>
@@ -4331,7 +4034,7 @@
               <a:t> </a:t>
             </a:r>
             <a:r>
-              <a:rPr lang="en-GB" sz="2000" b="1" dirty="0" err="1" smtClean="0">
+              <a:rPr lang="en-GB" sz="2000" b="1" dirty="0" err="1">
                 <a:solidFill>
                   <a:schemeClr val="bg1"/>
                 </a:solidFill>
@@ -4339,7 +4042,7 @@
               <a:t>affichage</a:t>
             </a:r>
             <a:r>
-              <a:rPr lang="en-GB" sz="2000" b="1" dirty="0" smtClean="0">
+              <a:rPr lang="en-GB" sz="2000" b="1" dirty="0">
                 <a:solidFill>
                   <a:schemeClr val="bg1"/>
                 </a:solidFill>
@@ -4347,7 +4050,7 @@
               <a:t> </a:t>
             </a:r>
             <a:r>
-              <a:rPr lang="en-GB" sz="2000" dirty="0" smtClean="0">
+              <a:rPr lang="en-GB" sz="2000" dirty="0">
                 <a:solidFill>
                   <a:schemeClr val="bg1"/>
                 </a:solidFill>
@@ -4355,7 +4058,7 @@
               <a:t>de </a:t>
             </a:r>
             <a:r>
-              <a:rPr lang="en-GB" sz="2000" dirty="0" err="1" smtClean="0">
+              <a:rPr lang="en-GB" sz="2000" dirty="0" err="1">
                 <a:solidFill>
                   <a:schemeClr val="bg1"/>
                 </a:solidFill>
@@ -4363,7 +4066,7 @@
               <a:t>toutes</a:t>
             </a:r>
             <a:r>
-              <a:rPr lang="en-GB" sz="2000" dirty="0" smtClean="0">
+              <a:rPr lang="en-GB" sz="2000" dirty="0">
                 <a:solidFill>
                   <a:schemeClr val="bg1"/>
                 </a:solidFill>
@@ -4371,14 +4074,14 @@
               <a:t> les </a:t>
             </a:r>
             <a:r>
-              <a:rPr lang="en-GB" sz="2000" dirty="0" err="1" smtClean="0">
+              <a:rPr lang="en-GB" sz="2000" dirty="0" err="1">
                 <a:solidFill>
                   <a:schemeClr val="bg1"/>
                 </a:solidFill>
               </a:rPr>
               <a:t>paires</a:t>
             </a:r>
-            <a:endParaRPr lang="en-GB" sz="2000" dirty="0" smtClean="0">
+            <a:endParaRPr lang="en-GB" sz="2000" dirty="0">
               <a:solidFill>
                 <a:schemeClr val="bg1"/>
               </a:solidFill>
@@ -4390,7 +4093,7 @@
               <a:buAutoNum type="arabicPeriod"/>
             </a:pPr>
             <a:r>
-              <a:rPr lang="en-GB" sz="2000" dirty="0" smtClean="0">
+              <a:rPr lang="en-GB" sz="2000" dirty="0">
                 <a:solidFill>
                   <a:schemeClr val="bg1"/>
                 </a:solidFill>
@@ -4398,7 +4101,7 @@
               <a:t>͏</a:t>
             </a:r>
             <a:r>
-              <a:rPr lang="en-GB" sz="2000" b="1" dirty="0" err="1" smtClean="0">
+              <a:rPr lang="en-GB" sz="2000" b="1" dirty="0" err="1">
                 <a:solidFill>
                   <a:schemeClr val="bg1"/>
                 </a:solidFill>
@@ -4406,7 +4109,7 @@
               <a:t>Deux</a:t>
             </a:r>
             <a:r>
-              <a:rPr lang="en-GB" sz="2000" b="1" dirty="0" smtClean="0">
+              <a:rPr lang="en-GB" sz="2000" b="1" dirty="0">
                 <a:solidFill>
                   <a:schemeClr val="bg1"/>
                 </a:solidFill>
@@ -4414,14 +4117,14 @@
               <a:t> judgements </a:t>
             </a:r>
             <a:r>
-              <a:rPr lang="en-GB" sz="2000" b="1" dirty="0" err="1" smtClean="0">
+              <a:rPr lang="en-GB" sz="2000" b="1" dirty="0" err="1">
                 <a:solidFill>
                   <a:schemeClr val="bg1"/>
                 </a:solidFill>
               </a:rPr>
               <a:t>d’auto-efficacité</a:t>
             </a:r>
-            <a:endParaRPr lang="en-GB" sz="2000" dirty="0" smtClean="0">
+            <a:endParaRPr lang="en-GB" sz="2000" dirty="0">
               <a:solidFill>
                 <a:schemeClr val="bg1"/>
               </a:solidFill>
@@ -4433,31 +4136,15 @@
               <a:buAutoNum type="arabicPeriod"/>
             </a:pPr>
             <a:r>
-              <a:rPr lang="en-GB" sz="2000" dirty="0" smtClean="0">
-                <a:solidFill>
-                  <a:schemeClr val="bg1"/>
-                </a:solidFill>
-              </a:rPr>
-              <a:t>La </a:t>
-            </a:r>
-            <a:r>
               <a:rPr lang="en-GB" sz="2000" dirty="0">
                 <a:solidFill>
                   <a:schemeClr val="bg1"/>
                 </a:solidFill>
               </a:rPr>
-              <a:t>p</a:t>
-            </a:r>
-            <a:r>
-              <a:rPr lang="en-GB" sz="2000" dirty="0" smtClean="0">
-                <a:solidFill>
-                  <a:schemeClr val="bg1"/>
-                </a:solidFill>
-              </a:rPr>
-              <a:t>hase de </a:t>
-            </a:r>
-            <a:r>
-              <a:rPr lang="en-GB" sz="2000" b="1" dirty="0" smtClean="0">
+              <a:t>La phase de </a:t>
+            </a:r>
+            <a:r>
+              <a:rPr lang="en-GB" sz="2000" b="1" dirty="0">
                 <a:solidFill>
                   <a:schemeClr val="bg1"/>
                 </a:solidFill>
@@ -4490,7 +4177,7 @@
           <a:p>
             <a:pPr algn="ctr"/>
             <a:r>
-              <a:rPr lang="en-GB" dirty="0" err="1" smtClean="0">
+              <a:rPr lang="en-GB" dirty="0" err="1">
                 <a:solidFill>
                   <a:schemeClr val="bg1">
                     <a:lumMod val="65000"/>
@@ -4500,42 +4187,15 @@
               <a:t>Appuyez</a:t>
             </a:r>
             <a:r>
-              <a:rPr lang="en-GB" dirty="0" smtClean="0">
+              <a:rPr lang="en-GB" dirty="0">
                 <a:solidFill>
                   <a:schemeClr val="bg1">
                     <a:lumMod val="65000"/>
                   </a:schemeClr>
                 </a:solidFill>
               </a:rPr>
-              <a:t> sur </a:t>
-            </a:r>
-            <a:r>
-              <a:rPr lang="en-GB" dirty="0" smtClean="0">
-                <a:solidFill>
-                  <a:schemeClr val="bg1">
-                    <a:lumMod val="65000"/>
-                  </a:schemeClr>
-                </a:solidFill>
-              </a:rPr>
-              <a:t>la fleche de </a:t>
-            </a:r>
-            <a:r>
-              <a:rPr lang="en-GB" dirty="0" smtClean="0">
-                <a:solidFill>
-                  <a:schemeClr val="bg1">
-                    <a:lumMod val="65000"/>
-                  </a:schemeClr>
-                </a:solidFill>
-              </a:rPr>
-              <a:t>droit pour continuer</a:t>
-            </a:r>
-            <a:endParaRPr lang="en-GB" dirty="0">
-              <a:solidFill>
-                <a:schemeClr val="bg1">
-                  <a:lumMod val="65000"/>
-                </a:schemeClr>
-              </a:solidFill>
-            </a:endParaRPr>
+              <a:t> sur la fleche de droit pour continuer</a:t>
+            </a:r>
           </a:p>
         </p:txBody>
       </p:sp>
@@ -4549,27 +4209,12 @@
   <p:clrMapOvr>
     <a:masterClrMapping/>
   </p:clrMapOvr>
-  <p:timing>
-    <p:tnLst>
-      <p:par>
-        <p:cTn id="1" dur="indefinite" restart="never" nodeType="tmRoot"/>
-      </p:par>
-    </p:tnLst>
-  </p:timing>
 </p:sld>
 </file>
 
 <file path=ppt/slides/slide13.xml><?xml version="1.0" encoding="utf-8"?>
 <p:sld xmlns:a="http://schemas.openxmlformats.org/drawingml/2006/main" xmlns:r="http://schemas.openxmlformats.org/officeDocument/2006/relationships" xmlns:p="http://schemas.openxmlformats.org/presentationml/2006/main">
   <p:cSld>
-    <p:bg>
-      <p:bgPr>
-        <a:solidFill>
-          <a:schemeClr val="tx1"/>
-        </a:solidFill>
-        <a:effectLst/>
-      </p:bgPr>
-    </p:bg>
     <p:spTree>
       <p:nvGrpSpPr>
         <p:cNvPr id="1" name=""/>
@@ -4618,18 +4263,13 @@
               </a:spcAft>
             </a:pPr>
             <a:r>
-              <a:rPr lang="en-GB" sz="2400" b="1" dirty="0" smtClean="0">
+              <a:rPr lang="en-GB" sz="2400" b="1" dirty="0">
                 <a:solidFill>
                   <a:schemeClr val="accent4"/>
                 </a:solidFill>
               </a:rPr>
               <a:t>PRINCIPE DE L’EXPERIENCE</a:t>
             </a:r>
-            <a:endParaRPr lang="en-GB" sz="2400" b="1" dirty="0">
-              <a:solidFill>
-                <a:schemeClr val="accent4"/>
-              </a:solidFill>
-            </a:endParaRPr>
           </a:p>
         </p:txBody>
       </p:sp>
@@ -4656,7 +4296,7 @@
           <a:lstStyle/>
           <a:p>
             <a:r>
-              <a:rPr lang="en-GB" sz="2000" dirty="0" err="1" smtClean="0">
+              <a:rPr lang="en-GB" sz="2000" dirty="0" err="1">
                 <a:solidFill>
                   <a:schemeClr val="bg1"/>
                 </a:solidFill>
@@ -4664,7 +4304,7 @@
               <a:t>Etapes</a:t>
             </a:r>
             <a:r>
-              <a:rPr lang="en-GB" sz="2000" dirty="0" smtClean="0">
+              <a:rPr lang="en-GB" sz="2000" dirty="0">
                 <a:solidFill>
                   <a:schemeClr val="bg1"/>
                 </a:solidFill>
@@ -4678,7 +4318,7 @@
               <a:buAutoNum type="arabicPeriod"/>
             </a:pPr>
             <a:r>
-              <a:rPr lang="en-GB" sz="2000" dirty="0" err="1" smtClean="0">
+              <a:rPr lang="en-GB" sz="2000" dirty="0" err="1">
                 <a:solidFill>
                   <a:schemeClr val="bg1"/>
                 </a:solidFill>
@@ -4686,23 +4326,15 @@
               <a:t>Affichage</a:t>
             </a:r>
             <a:r>
-              <a:rPr lang="en-GB" sz="2000" dirty="0" smtClean="0">
-                <a:solidFill>
-                  <a:schemeClr val="bg1"/>
-                </a:solidFill>
-              </a:rPr>
-              <a:t> </a:t>
-            </a:r>
-            <a:r>
-              <a:rPr lang="en-GB" sz="2000" dirty="0" smtClean="0">
-                <a:solidFill>
-                  <a:schemeClr val="bg1"/>
-                </a:solidFill>
-              </a:rPr>
-              <a:t>de </a:t>
-            </a:r>
-            <a:r>
-              <a:rPr lang="en-GB" sz="2000" b="1" dirty="0" smtClean="0">
+              <a:rPr lang="en-GB" sz="2000" dirty="0">
+                <a:solidFill>
+                  <a:schemeClr val="bg1"/>
+                </a:solidFill>
+              </a:rPr>
+              <a:t> de </a:t>
+            </a:r>
+            <a:r>
+              <a:rPr lang="en-GB" sz="2000" b="1" dirty="0">
                 <a:solidFill>
                   <a:schemeClr val="bg1"/>
                 </a:solidFill>
@@ -4710,7 +4342,7 @@
               <a:t>la </a:t>
             </a:r>
             <a:r>
-              <a:rPr lang="en-GB" sz="2000" b="1" dirty="0" err="1" smtClean="0">
+              <a:rPr lang="en-GB" sz="2000" b="1" dirty="0" err="1">
                 <a:solidFill>
                   <a:schemeClr val="bg1"/>
                 </a:solidFill>
@@ -4718,7 +4350,7 @@
               <a:t>numero</a:t>
             </a:r>
             <a:r>
-              <a:rPr lang="en-GB" sz="2000" b="1" dirty="0" smtClean="0">
+              <a:rPr lang="en-GB" sz="2000" b="1" dirty="0">
                 <a:solidFill>
                   <a:schemeClr val="bg1"/>
                 </a:solidFill>
@@ -4726,7 +4358,7 @@
               <a:t> de </a:t>
             </a:r>
             <a:r>
-              <a:rPr lang="en-GB" sz="2000" b="1" dirty="0" err="1" smtClean="0">
+              <a:rPr lang="en-GB" sz="2000" b="1" dirty="0" err="1">
                 <a:solidFill>
                   <a:schemeClr val="bg1"/>
                 </a:solidFill>
@@ -4745,7 +4377,7 @@
               <a:buAutoNum type="arabicPeriod"/>
             </a:pPr>
             <a:r>
-              <a:rPr lang="en-GB" sz="2000" dirty="0" smtClean="0">
+              <a:rPr lang="en-GB" sz="2000" dirty="0">
                 <a:solidFill>
                   <a:schemeClr val="bg1"/>
                 </a:solidFill>
@@ -4753,7 +4385,7 @@
               <a:t>͏</a:t>
             </a:r>
             <a:r>
-              <a:rPr lang="en-GB" sz="2000" b="1" dirty="0" smtClean="0">
+              <a:rPr lang="en-GB" sz="2000" b="1" dirty="0">
                 <a:solidFill>
                   <a:schemeClr val="bg1"/>
                 </a:solidFill>
@@ -4761,7 +4393,7 @@
               <a:t>Un </a:t>
             </a:r>
             <a:r>
-              <a:rPr lang="en-GB" sz="2000" b="1" dirty="0" err="1" smtClean="0">
+              <a:rPr lang="en-GB" sz="2000" b="1" dirty="0" err="1">
                 <a:solidFill>
                   <a:schemeClr val="bg1"/>
                 </a:solidFill>
@@ -4769,7 +4401,7 @@
               <a:t>seul</a:t>
             </a:r>
             <a:r>
-              <a:rPr lang="en-GB" sz="2000" b="1" dirty="0" smtClean="0">
+              <a:rPr lang="en-GB" sz="2000" b="1" dirty="0">
                 <a:solidFill>
                   <a:schemeClr val="bg1"/>
                 </a:solidFill>
@@ -4777,7 +4409,7 @@
               <a:t> </a:t>
             </a:r>
             <a:r>
-              <a:rPr lang="en-GB" sz="2000" b="1" dirty="0" err="1" smtClean="0">
+              <a:rPr lang="en-GB" sz="2000" b="1" dirty="0" err="1">
                 <a:solidFill>
                   <a:schemeClr val="bg1"/>
                 </a:solidFill>
@@ -4785,7 +4417,7 @@
               <a:t>affichage</a:t>
             </a:r>
             <a:r>
-              <a:rPr lang="en-GB" sz="2000" b="1" dirty="0" smtClean="0">
+              <a:rPr lang="en-GB" sz="2000" b="1" dirty="0">
                 <a:solidFill>
                   <a:schemeClr val="bg1"/>
                 </a:solidFill>
@@ -4793,7 +4425,7 @@
               <a:t> </a:t>
             </a:r>
             <a:r>
-              <a:rPr lang="en-GB" sz="2000" dirty="0" smtClean="0">
+              <a:rPr lang="en-GB" sz="2000" dirty="0">
                 <a:solidFill>
                   <a:schemeClr val="bg1"/>
                 </a:solidFill>
@@ -4801,7 +4433,7 @@
               <a:t>de </a:t>
             </a:r>
             <a:r>
-              <a:rPr lang="en-GB" sz="2000" dirty="0" err="1" smtClean="0">
+              <a:rPr lang="en-GB" sz="2000" dirty="0" err="1">
                 <a:solidFill>
                   <a:schemeClr val="bg1"/>
                 </a:solidFill>
@@ -4809,7 +4441,7 @@
               <a:t>toutes</a:t>
             </a:r>
             <a:r>
-              <a:rPr lang="en-GB" sz="2000" dirty="0" smtClean="0">
+              <a:rPr lang="en-GB" sz="2000" dirty="0">
                 <a:solidFill>
                   <a:schemeClr val="bg1"/>
                 </a:solidFill>
@@ -4817,14 +4449,14 @@
               <a:t> les </a:t>
             </a:r>
             <a:r>
-              <a:rPr lang="en-GB" sz="2000" dirty="0" err="1" smtClean="0">
+              <a:rPr lang="en-GB" sz="2000" dirty="0" err="1">
                 <a:solidFill>
                   <a:schemeClr val="bg1"/>
                 </a:solidFill>
               </a:rPr>
               <a:t>paires</a:t>
             </a:r>
-            <a:endParaRPr lang="en-GB" sz="2000" dirty="0" smtClean="0">
+            <a:endParaRPr lang="en-GB" sz="2000" dirty="0">
               <a:solidFill>
                 <a:schemeClr val="bg1"/>
               </a:solidFill>
@@ -4836,7 +4468,7 @@
               <a:buAutoNum type="arabicPeriod"/>
             </a:pPr>
             <a:r>
-              <a:rPr lang="en-GB" sz="2000" dirty="0" smtClean="0">
+              <a:rPr lang="en-GB" sz="2000" dirty="0">
                 <a:solidFill>
                   <a:schemeClr val="bg1"/>
                 </a:solidFill>
@@ -4844,7 +4476,7 @@
               <a:t>͏</a:t>
             </a:r>
             <a:r>
-              <a:rPr lang="en-GB" sz="2000" b="1" dirty="0" err="1" smtClean="0">
+              <a:rPr lang="en-GB" sz="2000" b="1" dirty="0" err="1">
                 <a:solidFill>
                   <a:schemeClr val="bg1"/>
                 </a:solidFill>
@@ -4852,7 +4484,7 @@
               <a:t>Deux</a:t>
             </a:r>
             <a:r>
-              <a:rPr lang="en-GB" sz="2000" b="1" dirty="0" smtClean="0">
+              <a:rPr lang="en-GB" sz="2000" b="1" dirty="0">
                 <a:solidFill>
                   <a:schemeClr val="bg1"/>
                 </a:solidFill>
@@ -4860,7 +4492,7 @@
               <a:t> judgements </a:t>
             </a:r>
             <a:r>
-              <a:rPr lang="en-GB" sz="2000" b="1" dirty="0" err="1" smtClean="0">
+              <a:rPr lang="en-GB" sz="2000" b="1" dirty="0" err="1">
                 <a:solidFill>
                   <a:schemeClr val="bg1"/>
                 </a:solidFill>
@@ -4879,31 +4511,15 @@
               <a:buAutoNum type="arabicPeriod"/>
             </a:pPr>
             <a:r>
-              <a:rPr lang="en-GB" sz="2000" dirty="0" smtClean="0">
-                <a:solidFill>
-                  <a:schemeClr val="bg1"/>
-                </a:solidFill>
-              </a:rPr>
-              <a:t>La </a:t>
-            </a:r>
-            <a:r>
               <a:rPr lang="en-GB" sz="2000" dirty="0">
                 <a:solidFill>
                   <a:schemeClr val="bg1"/>
                 </a:solidFill>
               </a:rPr>
-              <a:t>p</a:t>
-            </a:r>
-            <a:r>
-              <a:rPr lang="en-GB" sz="2000" dirty="0" smtClean="0">
-                <a:solidFill>
-                  <a:schemeClr val="bg1"/>
-                </a:solidFill>
-              </a:rPr>
-              <a:t>hase de </a:t>
-            </a:r>
-            <a:r>
-              <a:rPr lang="en-GB" sz="2000" b="1" dirty="0" smtClean="0">
+              <a:t>La phase de </a:t>
+            </a:r>
+            <a:r>
+              <a:rPr lang="en-GB" sz="2000" b="1" dirty="0">
                 <a:solidFill>
                   <a:schemeClr val="bg1"/>
                 </a:solidFill>
@@ -4917,7 +4533,7 @@
               <a:buAutoNum type="arabicPeriod"/>
             </a:pPr>
             <a:r>
-              <a:rPr lang="en-GB" sz="2000" dirty="0" smtClean="0">
+              <a:rPr lang="en-GB" sz="2000" dirty="0">
                 <a:solidFill>
                   <a:schemeClr val="bg1"/>
                 </a:solidFill>
@@ -4925,7 +4541,7 @@
               <a:t>La phase de </a:t>
             </a:r>
             <a:r>
-              <a:rPr lang="en-GB" sz="2000" b="1" dirty="0" smtClean="0">
+              <a:rPr lang="en-GB" sz="2000" b="1" dirty="0">
                 <a:solidFill>
                   <a:schemeClr val="bg1"/>
                 </a:solidFill>
@@ -4958,7 +4574,7 @@
           <a:p>
             <a:pPr algn="ctr"/>
             <a:r>
-              <a:rPr lang="en-GB" dirty="0" err="1" smtClean="0">
+              <a:rPr lang="en-GB" dirty="0" err="1">
                 <a:solidFill>
                   <a:schemeClr val="bg1">
                     <a:lumMod val="65000"/>
@@ -4968,42 +4584,15 @@
               <a:t>Appuyez</a:t>
             </a:r>
             <a:r>
-              <a:rPr lang="en-GB" dirty="0" smtClean="0">
+              <a:rPr lang="en-GB" dirty="0">
                 <a:solidFill>
                   <a:schemeClr val="bg1">
                     <a:lumMod val="65000"/>
                   </a:schemeClr>
                 </a:solidFill>
               </a:rPr>
-              <a:t> sur </a:t>
-            </a:r>
-            <a:r>
-              <a:rPr lang="en-GB" dirty="0" smtClean="0">
-                <a:solidFill>
-                  <a:schemeClr val="bg1">
-                    <a:lumMod val="65000"/>
-                  </a:schemeClr>
-                </a:solidFill>
-              </a:rPr>
-              <a:t>la fleche de </a:t>
-            </a:r>
-            <a:r>
-              <a:rPr lang="en-GB" dirty="0" smtClean="0">
-                <a:solidFill>
-                  <a:schemeClr val="bg1">
-                    <a:lumMod val="65000"/>
-                  </a:schemeClr>
-                </a:solidFill>
-              </a:rPr>
-              <a:t>droit pour continuer</a:t>
-            </a:r>
-            <a:endParaRPr lang="en-GB" dirty="0">
-              <a:solidFill>
-                <a:schemeClr val="bg1">
-                  <a:lumMod val="65000"/>
-                </a:schemeClr>
-              </a:solidFill>
-            </a:endParaRPr>
+              <a:t> sur la fleche de droit pour continuer</a:t>
+            </a:r>
           </a:p>
         </p:txBody>
       </p:sp>
@@ -5017,27 +4606,12 @@
   <p:clrMapOvr>
     <a:masterClrMapping/>
   </p:clrMapOvr>
-  <p:timing>
-    <p:tnLst>
-      <p:par>
-        <p:cTn id="1" dur="indefinite" restart="never" nodeType="tmRoot"/>
-      </p:par>
-    </p:tnLst>
-  </p:timing>
 </p:sld>
 </file>
 
 <file path=ppt/slides/slide14.xml><?xml version="1.0" encoding="utf-8"?>
 <p:sld xmlns:a="http://schemas.openxmlformats.org/drawingml/2006/main" xmlns:r="http://schemas.openxmlformats.org/officeDocument/2006/relationships" xmlns:p="http://schemas.openxmlformats.org/presentationml/2006/main">
   <p:cSld>
-    <p:bg>
-      <p:bgPr>
-        <a:solidFill>
-          <a:schemeClr val="tx1"/>
-        </a:solidFill>
-        <a:effectLst/>
-      </p:bgPr>
-    </p:bg>
     <p:spTree>
       <p:nvGrpSpPr>
         <p:cNvPr id="1" name=""/>
@@ -5086,18 +4660,13 @@
               </a:spcAft>
             </a:pPr>
             <a:r>
-              <a:rPr lang="en-GB" sz="2400" b="1" dirty="0" smtClean="0">
+              <a:rPr lang="en-GB" sz="2400" b="1" dirty="0">
                 <a:solidFill>
                   <a:schemeClr val="accent4"/>
                 </a:solidFill>
               </a:rPr>
               <a:t>PRINCIPE DE L’EXPERIENCE</a:t>
             </a:r>
-            <a:endParaRPr lang="en-GB" sz="2400" b="1" dirty="0">
-              <a:solidFill>
-                <a:schemeClr val="accent4"/>
-              </a:solidFill>
-            </a:endParaRPr>
           </a:p>
         </p:txBody>
       </p:sp>
@@ -5124,7 +4693,7 @@
           <a:lstStyle/>
           <a:p>
             <a:r>
-              <a:rPr lang="en-GB" sz="2000" dirty="0" err="1" smtClean="0">
+              <a:rPr lang="en-GB" sz="2000" dirty="0" err="1">
                 <a:solidFill>
                   <a:schemeClr val="bg1"/>
                 </a:solidFill>
@@ -5132,7 +4701,7 @@
               <a:t>Etapes</a:t>
             </a:r>
             <a:r>
-              <a:rPr lang="en-GB" sz="2000" dirty="0" smtClean="0">
+              <a:rPr lang="en-GB" sz="2000" dirty="0">
                 <a:solidFill>
                   <a:schemeClr val="bg1"/>
                 </a:solidFill>
@@ -5146,7 +4715,7 @@
               <a:buAutoNum type="arabicPeriod"/>
             </a:pPr>
             <a:r>
-              <a:rPr lang="en-GB" sz="2000" dirty="0" err="1" smtClean="0">
+              <a:rPr lang="en-GB" sz="2000" dirty="0" err="1">
                 <a:solidFill>
                   <a:schemeClr val="bg1"/>
                 </a:solidFill>
@@ -5154,23 +4723,15 @@
               <a:t>Affichage</a:t>
             </a:r>
             <a:r>
-              <a:rPr lang="en-GB" sz="2000" dirty="0" smtClean="0">
-                <a:solidFill>
-                  <a:schemeClr val="bg1"/>
-                </a:solidFill>
-              </a:rPr>
-              <a:t> </a:t>
-            </a:r>
-            <a:r>
-              <a:rPr lang="en-GB" sz="2000" dirty="0" smtClean="0">
-                <a:solidFill>
-                  <a:schemeClr val="bg1"/>
-                </a:solidFill>
-              </a:rPr>
-              <a:t>de </a:t>
-            </a:r>
-            <a:r>
-              <a:rPr lang="en-GB" sz="2000" b="1" dirty="0" smtClean="0">
+              <a:rPr lang="en-GB" sz="2000" dirty="0">
+                <a:solidFill>
+                  <a:schemeClr val="bg1"/>
+                </a:solidFill>
+              </a:rPr>
+              <a:t> de </a:t>
+            </a:r>
+            <a:r>
+              <a:rPr lang="en-GB" sz="2000" b="1" dirty="0">
                 <a:solidFill>
                   <a:schemeClr val="bg1"/>
                 </a:solidFill>
@@ -5178,7 +4739,7 @@
               <a:t>la </a:t>
             </a:r>
             <a:r>
-              <a:rPr lang="en-GB" sz="2000" b="1" dirty="0" err="1" smtClean="0">
+              <a:rPr lang="en-GB" sz="2000" b="1" dirty="0" err="1">
                 <a:solidFill>
                   <a:schemeClr val="bg1"/>
                 </a:solidFill>
@@ -5186,7 +4747,7 @@
               <a:t>numero</a:t>
             </a:r>
             <a:r>
-              <a:rPr lang="en-GB" sz="2000" b="1" dirty="0" smtClean="0">
+              <a:rPr lang="en-GB" sz="2000" b="1" dirty="0">
                 <a:solidFill>
                   <a:schemeClr val="bg1"/>
                 </a:solidFill>
@@ -5194,7 +4755,7 @@
               <a:t> de </a:t>
             </a:r>
             <a:r>
-              <a:rPr lang="en-GB" sz="2000" b="1" dirty="0" err="1" smtClean="0">
+              <a:rPr lang="en-GB" sz="2000" b="1" dirty="0" err="1">
                 <a:solidFill>
                   <a:schemeClr val="bg1"/>
                 </a:solidFill>
@@ -5213,7 +4774,7 @@
               <a:buAutoNum type="arabicPeriod"/>
             </a:pPr>
             <a:r>
-              <a:rPr lang="en-GB" sz="2000" dirty="0" smtClean="0">
+              <a:rPr lang="en-GB" sz="2000" dirty="0">
                 <a:solidFill>
                   <a:schemeClr val="bg1"/>
                 </a:solidFill>
@@ -5221,7 +4782,7 @@
               <a:t>͏</a:t>
             </a:r>
             <a:r>
-              <a:rPr lang="en-GB" sz="2000" b="1" dirty="0" smtClean="0">
+              <a:rPr lang="en-GB" sz="2000" b="1" dirty="0">
                 <a:solidFill>
                   <a:schemeClr val="bg1"/>
                 </a:solidFill>
@@ -5229,7 +4790,7 @@
               <a:t>Un </a:t>
             </a:r>
             <a:r>
-              <a:rPr lang="en-GB" sz="2000" b="1" dirty="0" err="1" smtClean="0">
+              <a:rPr lang="en-GB" sz="2000" b="1" dirty="0" err="1">
                 <a:solidFill>
                   <a:schemeClr val="bg1"/>
                 </a:solidFill>
@@ -5237,7 +4798,7 @@
               <a:t>seul</a:t>
             </a:r>
             <a:r>
-              <a:rPr lang="en-GB" sz="2000" b="1" dirty="0" smtClean="0">
+              <a:rPr lang="en-GB" sz="2000" b="1" dirty="0">
                 <a:solidFill>
                   <a:schemeClr val="bg1"/>
                 </a:solidFill>
@@ -5245,7 +4806,7 @@
               <a:t> </a:t>
             </a:r>
             <a:r>
-              <a:rPr lang="en-GB" sz="2000" b="1" dirty="0" err="1" smtClean="0">
+              <a:rPr lang="en-GB" sz="2000" b="1" dirty="0" err="1">
                 <a:solidFill>
                   <a:schemeClr val="bg1"/>
                 </a:solidFill>
@@ -5253,7 +4814,7 @@
               <a:t>affichage</a:t>
             </a:r>
             <a:r>
-              <a:rPr lang="en-GB" sz="2000" b="1" dirty="0" smtClean="0">
+              <a:rPr lang="en-GB" sz="2000" b="1" dirty="0">
                 <a:solidFill>
                   <a:schemeClr val="bg1"/>
                 </a:solidFill>
@@ -5261,7 +4822,7 @@
               <a:t> </a:t>
             </a:r>
             <a:r>
-              <a:rPr lang="en-GB" sz="2000" dirty="0" smtClean="0">
+              <a:rPr lang="en-GB" sz="2000" dirty="0">
                 <a:solidFill>
                   <a:schemeClr val="bg1"/>
                 </a:solidFill>
@@ -5269,7 +4830,7 @@
               <a:t>de </a:t>
             </a:r>
             <a:r>
-              <a:rPr lang="en-GB" sz="2000" dirty="0" err="1" smtClean="0">
+              <a:rPr lang="en-GB" sz="2000" dirty="0" err="1">
                 <a:solidFill>
                   <a:schemeClr val="bg1"/>
                 </a:solidFill>
@@ -5277,7 +4838,7 @@
               <a:t>toutes</a:t>
             </a:r>
             <a:r>
-              <a:rPr lang="en-GB" sz="2000" dirty="0" smtClean="0">
+              <a:rPr lang="en-GB" sz="2000" dirty="0">
                 <a:solidFill>
                   <a:schemeClr val="bg1"/>
                 </a:solidFill>
@@ -5285,14 +4846,14 @@
               <a:t> les </a:t>
             </a:r>
             <a:r>
-              <a:rPr lang="en-GB" sz="2000" dirty="0" err="1" smtClean="0">
+              <a:rPr lang="en-GB" sz="2000" dirty="0" err="1">
                 <a:solidFill>
                   <a:schemeClr val="bg1"/>
                 </a:solidFill>
               </a:rPr>
               <a:t>paires</a:t>
             </a:r>
-            <a:endParaRPr lang="en-GB" sz="2000" dirty="0" smtClean="0">
+            <a:endParaRPr lang="en-GB" sz="2000" dirty="0">
               <a:solidFill>
                 <a:schemeClr val="bg1"/>
               </a:solidFill>
@@ -5304,7 +4865,7 @@
               <a:buAutoNum type="arabicPeriod"/>
             </a:pPr>
             <a:r>
-              <a:rPr lang="en-GB" sz="2000" dirty="0" smtClean="0">
+              <a:rPr lang="en-GB" sz="2000" dirty="0">
                 <a:solidFill>
                   <a:schemeClr val="bg1"/>
                 </a:solidFill>
@@ -5312,7 +4873,7 @@
               <a:t>͏</a:t>
             </a:r>
             <a:r>
-              <a:rPr lang="en-GB" sz="2000" b="1" dirty="0" err="1" smtClean="0">
+              <a:rPr lang="en-GB" sz="2000" b="1" dirty="0" err="1">
                 <a:solidFill>
                   <a:schemeClr val="bg1"/>
                 </a:solidFill>
@@ -5320,7 +4881,7 @@
               <a:t>Deux</a:t>
             </a:r>
             <a:r>
-              <a:rPr lang="en-GB" sz="2000" b="1" dirty="0" smtClean="0">
+              <a:rPr lang="en-GB" sz="2000" b="1" dirty="0">
                 <a:solidFill>
                   <a:schemeClr val="bg1"/>
                 </a:solidFill>
@@ -5328,7 +4889,7 @@
               <a:t> judgements </a:t>
             </a:r>
             <a:r>
-              <a:rPr lang="en-GB" sz="2000" b="1" dirty="0" err="1" smtClean="0">
+              <a:rPr lang="en-GB" sz="2000" b="1" dirty="0" err="1">
                 <a:solidFill>
                   <a:schemeClr val="bg1"/>
                 </a:solidFill>
@@ -5347,31 +4908,15 @@
               <a:buAutoNum type="arabicPeriod"/>
             </a:pPr>
             <a:r>
-              <a:rPr lang="en-GB" sz="2000" dirty="0" smtClean="0">
-                <a:solidFill>
-                  <a:schemeClr val="bg1"/>
-                </a:solidFill>
-              </a:rPr>
-              <a:t>La </a:t>
-            </a:r>
-            <a:r>
               <a:rPr lang="en-GB" sz="2000" dirty="0">
                 <a:solidFill>
                   <a:schemeClr val="bg1"/>
                 </a:solidFill>
               </a:rPr>
-              <a:t>p</a:t>
-            </a:r>
-            <a:r>
-              <a:rPr lang="en-GB" sz="2000" dirty="0" smtClean="0">
-                <a:solidFill>
-                  <a:schemeClr val="bg1"/>
-                </a:solidFill>
-              </a:rPr>
-              <a:t>hase de </a:t>
-            </a:r>
-            <a:r>
-              <a:rPr lang="en-GB" sz="2000" b="1" dirty="0" smtClean="0">
+              <a:t>La phase de </a:t>
+            </a:r>
+            <a:r>
+              <a:rPr lang="en-GB" sz="2000" b="1" dirty="0">
                 <a:solidFill>
                   <a:schemeClr val="bg1"/>
                 </a:solidFill>
@@ -5385,7 +4930,7 @@
               <a:buAutoNum type="arabicPeriod"/>
             </a:pPr>
             <a:r>
-              <a:rPr lang="en-GB" sz="2000" dirty="0" smtClean="0">
+              <a:rPr lang="en-GB" sz="2000" dirty="0">
                 <a:solidFill>
                   <a:schemeClr val="bg1"/>
                 </a:solidFill>
@@ -5393,7 +4938,7 @@
               <a:t>La phase de </a:t>
             </a:r>
             <a:r>
-              <a:rPr lang="en-GB" sz="2000" b="1" dirty="0" smtClean="0">
+              <a:rPr lang="en-GB" sz="2000" b="1" dirty="0">
                 <a:solidFill>
                   <a:schemeClr val="bg1"/>
                 </a:solidFill>
@@ -5407,7 +4952,7 @@
               <a:buAutoNum type="arabicPeriod"/>
             </a:pPr>
             <a:r>
-              <a:rPr lang="en-GB" sz="2000" dirty="0" smtClean="0">
+              <a:rPr lang="en-GB" sz="2000" dirty="0">
                 <a:solidFill>
                   <a:schemeClr val="bg1"/>
                 </a:solidFill>
@@ -5415,7 +4960,7 @@
               <a:t>͏</a:t>
             </a:r>
             <a:r>
-              <a:rPr lang="en-GB" sz="2000" b="1" dirty="0" smtClean="0">
+              <a:rPr lang="en-GB" sz="2000" b="1" dirty="0">
                 <a:solidFill>
                   <a:schemeClr val="bg1"/>
                 </a:solidFill>
@@ -5423,7 +4968,7 @@
               <a:t>Judgement de </a:t>
             </a:r>
             <a:r>
-              <a:rPr lang="en-GB" sz="2000" b="1" dirty="0" err="1" smtClean="0">
+              <a:rPr lang="en-GB" sz="2000" b="1" dirty="0" err="1">
                 <a:solidFill>
                   <a:schemeClr val="bg1"/>
                 </a:solidFill>
@@ -5431,7 +4976,7 @@
               <a:t>confiance</a:t>
             </a:r>
             <a:r>
-              <a:rPr lang="en-GB" sz="2000" b="1" dirty="0" smtClean="0">
+              <a:rPr lang="en-GB" sz="2000" b="1" dirty="0">
                 <a:solidFill>
                   <a:schemeClr val="bg1"/>
                 </a:solidFill>
@@ -5439,7 +4984,7 @@
               <a:t> </a:t>
             </a:r>
             <a:r>
-              <a:rPr lang="en-GB" sz="2000" dirty="0" smtClean="0">
+              <a:rPr lang="en-GB" sz="2000" dirty="0">
                 <a:solidFill>
                   <a:schemeClr val="bg1"/>
                 </a:solidFill>
@@ -5447,7 +4992,7 @@
               <a:t>sur </a:t>
             </a:r>
             <a:r>
-              <a:rPr lang="en-GB" sz="2000" dirty="0" err="1" smtClean="0">
+              <a:rPr lang="en-GB" sz="2000" dirty="0" err="1">
                 <a:solidFill>
                   <a:schemeClr val="bg1"/>
                 </a:solidFill>
@@ -5455,7 +5000,7 @@
               <a:t>votre</a:t>
             </a:r>
             <a:r>
-              <a:rPr lang="en-GB" sz="2000" dirty="0" smtClean="0">
+              <a:rPr lang="en-GB" sz="2000" dirty="0">
                 <a:solidFill>
                   <a:schemeClr val="bg1"/>
                 </a:solidFill>
@@ -5463,7 +5008,7 @@
               <a:t> performance </a:t>
             </a:r>
             <a:r>
-              <a:rPr lang="en-GB" sz="2000" dirty="0" err="1" smtClean="0">
+              <a:rPr lang="en-GB" sz="2000" dirty="0" err="1">
                 <a:solidFill>
                   <a:schemeClr val="bg1"/>
                 </a:solidFill>
@@ -5471,7 +5016,7 @@
               <a:t>durant</a:t>
             </a:r>
             <a:r>
-              <a:rPr lang="en-GB" sz="2000" dirty="0" smtClean="0">
+              <a:rPr lang="en-GB" sz="2000" dirty="0">
                 <a:solidFill>
                   <a:schemeClr val="bg1"/>
                 </a:solidFill>
@@ -5504,7 +5049,7 @@
           <a:p>
             <a:pPr algn="ctr"/>
             <a:r>
-              <a:rPr lang="en-GB" dirty="0" err="1" smtClean="0">
+              <a:rPr lang="en-GB" dirty="0" err="1">
                 <a:solidFill>
                   <a:schemeClr val="bg1">
                     <a:lumMod val="65000"/>
@@ -5514,42 +5059,15 @@
               <a:t>Appuyez</a:t>
             </a:r>
             <a:r>
-              <a:rPr lang="en-GB" dirty="0" smtClean="0">
+              <a:rPr lang="en-GB" dirty="0">
                 <a:solidFill>
                   <a:schemeClr val="bg1">
                     <a:lumMod val="65000"/>
                   </a:schemeClr>
                 </a:solidFill>
               </a:rPr>
-              <a:t> sur </a:t>
-            </a:r>
-            <a:r>
-              <a:rPr lang="en-GB" dirty="0" smtClean="0">
-                <a:solidFill>
-                  <a:schemeClr val="bg1">
-                    <a:lumMod val="65000"/>
-                  </a:schemeClr>
-                </a:solidFill>
-              </a:rPr>
-              <a:t>la fleche de </a:t>
-            </a:r>
-            <a:r>
-              <a:rPr lang="en-GB" dirty="0" smtClean="0">
-                <a:solidFill>
-                  <a:schemeClr val="bg1">
-                    <a:lumMod val="65000"/>
-                  </a:schemeClr>
-                </a:solidFill>
-              </a:rPr>
-              <a:t>droit pour continuer</a:t>
-            </a:r>
-            <a:endParaRPr lang="en-GB" dirty="0">
-              <a:solidFill>
-                <a:schemeClr val="bg1">
-                  <a:lumMod val="65000"/>
-                </a:schemeClr>
-              </a:solidFill>
-            </a:endParaRPr>
+              <a:t> sur la fleche de droit pour continuer</a:t>
+            </a:r>
           </a:p>
         </p:txBody>
       </p:sp>
@@ -5563,27 +5081,12 @@
   <p:clrMapOvr>
     <a:masterClrMapping/>
   </p:clrMapOvr>
-  <p:timing>
-    <p:tnLst>
-      <p:par>
-        <p:cTn id="1" dur="indefinite" restart="never" nodeType="tmRoot"/>
-      </p:par>
-    </p:tnLst>
-  </p:timing>
 </p:sld>
 </file>
 
 <file path=ppt/slides/slide15.xml><?xml version="1.0" encoding="utf-8"?>
 <p:sld xmlns:a="http://schemas.openxmlformats.org/drawingml/2006/main" xmlns:r="http://schemas.openxmlformats.org/officeDocument/2006/relationships" xmlns:p="http://schemas.openxmlformats.org/presentationml/2006/main">
   <p:cSld>
-    <p:bg>
-      <p:bgPr>
-        <a:solidFill>
-          <a:schemeClr val="tx1"/>
-        </a:solidFill>
-        <a:effectLst/>
-      </p:bgPr>
-    </p:bg>
     <p:spTree>
       <p:nvGrpSpPr>
         <p:cNvPr id="1" name=""/>
@@ -5632,18 +5135,13 @@
               </a:spcAft>
             </a:pPr>
             <a:r>
-              <a:rPr lang="en-GB" sz="2400" b="1" dirty="0" smtClean="0">
+              <a:rPr lang="en-GB" sz="2400" b="1" dirty="0">
                 <a:solidFill>
                   <a:schemeClr val="accent4"/>
                 </a:solidFill>
               </a:rPr>
               <a:t>PRINCIPE DE L’EXPERIENCE</a:t>
             </a:r>
-            <a:endParaRPr lang="en-GB" sz="2400" b="1" dirty="0">
-              <a:solidFill>
-                <a:schemeClr val="accent4"/>
-              </a:solidFill>
-            </a:endParaRPr>
           </a:p>
         </p:txBody>
       </p:sp>
@@ -5670,7 +5168,7 @@
           <a:lstStyle/>
           <a:p>
             <a:r>
-              <a:rPr lang="en-GB" sz="2000" dirty="0" err="1" smtClean="0">
+              <a:rPr lang="en-GB" sz="2000" dirty="0" err="1">
                 <a:solidFill>
                   <a:schemeClr val="bg1"/>
                 </a:solidFill>
@@ -5678,7 +5176,7 @@
               <a:t>Etapes</a:t>
             </a:r>
             <a:r>
-              <a:rPr lang="en-GB" sz="2000" dirty="0" smtClean="0">
+              <a:rPr lang="en-GB" sz="2000" dirty="0">
                 <a:solidFill>
                   <a:schemeClr val="bg1"/>
                 </a:solidFill>
@@ -5692,7 +5190,7 @@
               <a:buAutoNum type="arabicPeriod"/>
             </a:pPr>
             <a:r>
-              <a:rPr lang="en-GB" sz="2000" dirty="0" err="1" smtClean="0">
+              <a:rPr lang="en-GB" sz="2000" dirty="0" err="1">
                 <a:solidFill>
                   <a:schemeClr val="bg1"/>
                 </a:solidFill>
@@ -5700,23 +5198,15 @@
               <a:t>Affichage</a:t>
             </a:r>
             <a:r>
-              <a:rPr lang="en-GB" sz="2000" dirty="0" smtClean="0">
-                <a:solidFill>
-                  <a:schemeClr val="bg1"/>
-                </a:solidFill>
-              </a:rPr>
-              <a:t> </a:t>
-            </a:r>
-            <a:r>
-              <a:rPr lang="en-GB" sz="2000" dirty="0" smtClean="0">
-                <a:solidFill>
-                  <a:schemeClr val="bg1"/>
-                </a:solidFill>
-              </a:rPr>
-              <a:t>de </a:t>
-            </a:r>
-            <a:r>
-              <a:rPr lang="en-GB" sz="2000" b="1" dirty="0" smtClean="0">
+              <a:rPr lang="en-GB" sz="2000" dirty="0">
+                <a:solidFill>
+                  <a:schemeClr val="bg1"/>
+                </a:solidFill>
+              </a:rPr>
+              <a:t> de </a:t>
+            </a:r>
+            <a:r>
+              <a:rPr lang="en-GB" sz="2000" b="1" dirty="0">
                 <a:solidFill>
                   <a:schemeClr val="bg1"/>
                 </a:solidFill>
@@ -5724,7 +5214,7 @@
               <a:t>la </a:t>
             </a:r>
             <a:r>
-              <a:rPr lang="en-GB" sz="2000" b="1" dirty="0" err="1" smtClean="0">
+              <a:rPr lang="en-GB" sz="2000" b="1" dirty="0" err="1">
                 <a:solidFill>
                   <a:schemeClr val="bg1"/>
                 </a:solidFill>
@@ -5732,7 +5222,7 @@
               <a:t>numero</a:t>
             </a:r>
             <a:r>
-              <a:rPr lang="en-GB" sz="2000" b="1" dirty="0" smtClean="0">
+              <a:rPr lang="en-GB" sz="2000" b="1" dirty="0">
                 <a:solidFill>
                   <a:schemeClr val="bg1"/>
                 </a:solidFill>
@@ -5740,7 +5230,7 @@
               <a:t> de </a:t>
             </a:r>
             <a:r>
-              <a:rPr lang="en-GB" sz="2000" b="1" dirty="0" err="1" smtClean="0">
+              <a:rPr lang="en-GB" sz="2000" b="1" dirty="0" err="1">
                 <a:solidFill>
                   <a:schemeClr val="bg1"/>
                 </a:solidFill>
@@ -5759,7 +5249,7 @@
               <a:buAutoNum type="arabicPeriod"/>
             </a:pPr>
             <a:r>
-              <a:rPr lang="en-GB" sz="2000" dirty="0" smtClean="0">
+              <a:rPr lang="en-GB" sz="2000" dirty="0">
                 <a:solidFill>
                   <a:schemeClr val="bg1"/>
                 </a:solidFill>
@@ -5767,7 +5257,7 @@
               <a:t>͏</a:t>
             </a:r>
             <a:r>
-              <a:rPr lang="en-GB" sz="2000" b="1" dirty="0" smtClean="0">
+              <a:rPr lang="en-GB" sz="2000" b="1" dirty="0">
                 <a:solidFill>
                   <a:schemeClr val="bg1"/>
                 </a:solidFill>
@@ -5775,7 +5265,7 @@
               <a:t>Un </a:t>
             </a:r>
             <a:r>
-              <a:rPr lang="en-GB" sz="2000" b="1" dirty="0" err="1" smtClean="0">
+              <a:rPr lang="en-GB" sz="2000" b="1" dirty="0" err="1">
                 <a:solidFill>
                   <a:schemeClr val="bg1"/>
                 </a:solidFill>
@@ -5783,7 +5273,7 @@
               <a:t>seul</a:t>
             </a:r>
             <a:r>
-              <a:rPr lang="en-GB" sz="2000" b="1" dirty="0" smtClean="0">
+              <a:rPr lang="en-GB" sz="2000" b="1" dirty="0">
                 <a:solidFill>
                   <a:schemeClr val="bg1"/>
                 </a:solidFill>
@@ -5791,7 +5281,7 @@
               <a:t> </a:t>
             </a:r>
             <a:r>
-              <a:rPr lang="en-GB" sz="2000" b="1" dirty="0" err="1" smtClean="0">
+              <a:rPr lang="en-GB" sz="2000" b="1" dirty="0" err="1">
                 <a:solidFill>
                   <a:schemeClr val="bg1"/>
                 </a:solidFill>
@@ -5799,7 +5289,7 @@
               <a:t>affichage</a:t>
             </a:r>
             <a:r>
-              <a:rPr lang="en-GB" sz="2000" b="1" dirty="0" smtClean="0">
+              <a:rPr lang="en-GB" sz="2000" b="1" dirty="0">
                 <a:solidFill>
                   <a:schemeClr val="bg1"/>
                 </a:solidFill>
@@ -5807,7 +5297,7 @@
               <a:t> </a:t>
             </a:r>
             <a:r>
-              <a:rPr lang="en-GB" sz="2000" dirty="0" smtClean="0">
+              <a:rPr lang="en-GB" sz="2000" dirty="0">
                 <a:solidFill>
                   <a:schemeClr val="bg1"/>
                 </a:solidFill>
@@ -5815,7 +5305,7 @@
               <a:t>de </a:t>
             </a:r>
             <a:r>
-              <a:rPr lang="en-GB" sz="2000" dirty="0" err="1" smtClean="0">
+              <a:rPr lang="en-GB" sz="2000" dirty="0" err="1">
                 <a:solidFill>
                   <a:schemeClr val="bg1"/>
                 </a:solidFill>
@@ -5823,7 +5313,7 @@
               <a:t>toutes</a:t>
             </a:r>
             <a:r>
-              <a:rPr lang="en-GB" sz="2000" dirty="0" smtClean="0">
+              <a:rPr lang="en-GB" sz="2000" dirty="0">
                 <a:solidFill>
                   <a:schemeClr val="bg1"/>
                 </a:solidFill>
@@ -5831,14 +5321,14 @@
               <a:t> les </a:t>
             </a:r>
             <a:r>
-              <a:rPr lang="en-GB" sz="2000" dirty="0" err="1" smtClean="0">
+              <a:rPr lang="en-GB" sz="2000" dirty="0" err="1">
                 <a:solidFill>
                   <a:schemeClr val="bg1"/>
                 </a:solidFill>
               </a:rPr>
               <a:t>paires</a:t>
             </a:r>
-            <a:endParaRPr lang="en-GB" sz="2000" dirty="0" smtClean="0">
+            <a:endParaRPr lang="en-GB" sz="2000" dirty="0">
               <a:solidFill>
                 <a:schemeClr val="bg1"/>
               </a:solidFill>
@@ -5850,7 +5340,7 @@
               <a:buAutoNum type="arabicPeriod"/>
             </a:pPr>
             <a:r>
-              <a:rPr lang="en-GB" sz="2000" dirty="0" smtClean="0">
+              <a:rPr lang="en-GB" sz="2000" dirty="0">
                 <a:solidFill>
                   <a:schemeClr val="bg1"/>
                 </a:solidFill>
@@ -5858,7 +5348,7 @@
               <a:t>͏</a:t>
             </a:r>
             <a:r>
-              <a:rPr lang="en-GB" sz="2000" b="1" dirty="0" err="1" smtClean="0">
+              <a:rPr lang="en-GB" sz="2000" b="1" dirty="0" err="1">
                 <a:solidFill>
                   <a:schemeClr val="bg1"/>
                 </a:solidFill>
@@ -5866,7 +5356,7 @@
               <a:t>Deux</a:t>
             </a:r>
             <a:r>
-              <a:rPr lang="en-GB" sz="2000" b="1" dirty="0" smtClean="0">
+              <a:rPr lang="en-GB" sz="2000" b="1" dirty="0">
                 <a:solidFill>
                   <a:schemeClr val="bg1"/>
                 </a:solidFill>
@@ -5874,7 +5364,7 @@
               <a:t> judgements </a:t>
             </a:r>
             <a:r>
-              <a:rPr lang="en-GB" sz="2000" b="1" dirty="0" err="1" smtClean="0">
+              <a:rPr lang="en-GB" sz="2000" b="1" dirty="0" err="1">
                 <a:solidFill>
                   <a:schemeClr val="bg1"/>
                 </a:solidFill>
@@ -5893,31 +5383,15 @@
               <a:buAutoNum type="arabicPeriod"/>
             </a:pPr>
             <a:r>
-              <a:rPr lang="en-GB" sz="2000" dirty="0" smtClean="0">
-                <a:solidFill>
-                  <a:schemeClr val="bg1"/>
-                </a:solidFill>
-              </a:rPr>
-              <a:t>La </a:t>
-            </a:r>
-            <a:r>
               <a:rPr lang="en-GB" sz="2000" dirty="0">
                 <a:solidFill>
                   <a:schemeClr val="bg1"/>
                 </a:solidFill>
               </a:rPr>
-              <a:t>p</a:t>
-            </a:r>
-            <a:r>
-              <a:rPr lang="en-GB" sz="2000" dirty="0" smtClean="0">
-                <a:solidFill>
-                  <a:schemeClr val="bg1"/>
-                </a:solidFill>
-              </a:rPr>
-              <a:t>hase de </a:t>
-            </a:r>
-            <a:r>
-              <a:rPr lang="en-GB" sz="2000" b="1" dirty="0" smtClean="0">
+              <a:t>La phase de </a:t>
+            </a:r>
+            <a:r>
+              <a:rPr lang="en-GB" sz="2000" b="1" dirty="0">
                 <a:solidFill>
                   <a:schemeClr val="bg1"/>
                 </a:solidFill>
@@ -5931,7 +5405,7 @@
               <a:buAutoNum type="arabicPeriod"/>
             </a:pPr>
             <a:r>
-              <a:rPr lang="en-GB" sz="2000" dirty="0" smtClean="0">
+              <a:rPr lang="en-GB" sz="2000" dirty="0">
                 <a:solidFill>
                   <a:schemeClr val="bg1"/>
                 </a:solidFill>
@@ -5939,7 +5413,7 @@
               <a:t>La phase de </a:t>
             </a:r>
             <a:r>
-              <a:rPr lang="en-GB" sz="2000" b="1" dirty="0" smtClean="0">
+              <a:rPr lang="en-GB" sz="2000" b="1" dirty="0">
                 <a:solidFill>
                   <a:schemeClr val="bg1"/>
                 </a:solidFill>
@@ -5953,7 +5427,7 @@
               <a:buAutoNum type="arabicPeriod"/>
             </a:pPr>
             <a:r>
-              <a:rPr lang="en-GB" sz="2000" dirty="0" smtClean="0">
+              <a:rPr lang="en-GB" sz="2000" dirty="0">
                 <a:solidFill>
                   <a:schemeClr val="bg1"/>
                 </a:solidFill>
@@ -5961,7 +5435,7 @@
               <a:t>͏</a:t>
             </a:r>
             <a:r>
-              <a:rPr lang="en-GB" sz="2000" b="1" dirty="0" smtClean="0">
+              <a:rPr lang="en-GB" sz="2000" b="1" dirty="0">
                 <a:solidFill>
                   <a:schemeClr val="bg1"/>
                 </a:solidFill>
@@ -5969,7 +5443,7 @@
               <a:t>Judgement de </a:t>
             </a:r>
             <a:r>
-              <a:rPr lang="en-GB" sz="2000" b="1" dirty="0" err="1" smtClean="0">
+              <a:rPr lang="en-GB" sz="2000" b="1" dirty="0" err="1">
                 <a:solidFill>
                   <a:schemeClr val="bg1"/>
                 </a:solidFill>
@@ -5977,7 +5451,7 @@
               <a:t>confiance</a:t>
             </a:r>
             <a:r>
-              <a:rPr lang="en-GB" sz="2000" b="1" dirty="0" smtClean="0">
+              <a:rPr lang="en-GB" sz="2000" b="1" dirty="0">
                 <a:solidFill>
                   <a:schemeClr val="bg1"/>
                 </a:solidFill>
@@ -5985,7 +5459,7 @@
               <a:t> </a:t>
             </a:r>
             <a:r>
-              <a:rPr lang="en-GB" sz="2000" dirty="0" smtClean="0">
+              <a:rPr lang="en-GB" sz="2000" dirty="0">
                 <a:solidFill>
                   <a:schemeClr val="bg1"/>
                 </a:solidFill>
@@ -5993,7 +5467,7 @@
               <a:t>sur </a:t>
             </a:r>
             <a:r>
-              <a:rPr lang="en-GB" sz="2000" dirty="0" err="1" smtClean="0">
+              <a:rPr lang="en-GB" sz="2000" dirty="0" err="1">
                 <a:solidFill>
                   <a:schemeClr val="bg1"/>
                 </a:solidFill>
@@ -6001,7 +5475,7 @@
               <a:t>votre</a:t>
             </a:r>
             <a:r>
-              <a:rPr lang="en-GB" sz="2000" dirty="0" smtClean="0">
+              <a:rPr lang="en-GB" sz="2000" dirty="0">
                 <a:solidFill>
                   <a:schemeClr val="bg1"/>
                 </a:solidFill>
@@ -6009,7 +5483,7 @@
               <a:t> performance </a:t>
             </a:r>
             <a:r>
-              <a:rPr lang="en-GB" sz="2000" dirty="0" err="1" smtClean="0">
+              <a:rPr lang="en-GB" sz="2000" dirty="0" err="1">
                 <a:solidFill>
                   <a:schemeClr val="bg1"/>
                 </a:solidFill>
@@ -6017,7 +5491,7 @@
               <a:t>durant</a:t>
             </a:r>
             <a:r>
-              <a:rPr lang="en-GB" sz="2000" dirty="0" smtClean="0">
+              <a:rPr lang="en-GB" sz="2000" dirty="0">
                 <a:solidFill>
                   <a:schemeClr val="bg1"/>
                 </a:solidFill>
@@ -6031,7 +5505,7 @@
               <a:buAutoNum type="arabicPeriod"/>
             </a:pPr>
             <a:r>
-              <a:rPr lang="en-GB" sz="2000" dirty="0" smtClean="0">
+              <a:rPr lang="en-GB" sz="2000" dirty="0">
                 <a:solidFill>
                   <a:schemeClr val="bg1"/>
                 </a:solidFill>
@@ -6039,7 +5513,7 @@
               <a:t>͏</a:t>
             </a:r>
             <a:r>
-              <a:rPr lang="en-GB" sz="2000" b="1" dirty="0" smtClean="0">
+              <a:rPr lang="en-GB" sz="2000" b="1" dirty="0">
                 <a:solidFill>
                   <a:schemeClr val="bg1"/>
                 </a:solidFill>
@@ -6047,7 +5521,7 @@
               <a:t>Retour </a:t>
             </a:r>
             <a:r>
-              <a:rPr lang="en-GB" sz="2000" dirty="0" smtClean="0">
+              <a:rPr lang="en-GB" sz="2000" dirty="0">
                 <a:solidFill>
                   <a:schemeClr val="bg1"/>
                 </a:solidFill>
@@ -6055,7 +5529,7 @@
               <a:t>sur </a:t>
             </a:r>
             <a:r>
-              <a:rPr lang="en-GB" sz="2000" dirty="0" err="1" smtClean="0">
+              <a:rPr lang="en-GB" sz="2000" dirty="0" err="1">
                 <a:solidFill>
                   <a:schemeClr val="bg1"/>
                 </a:solidFill>
@@ -6063,18 +5537,13 @@
               <a:t>votre</a:t>
             </a:r>
             <a:r>
-              <a:rPr lang="en-GB" sz="2000" dirty="0" smtClean="0">
+              <a:rPr lang="en-GB" sz="2000" dirty="0">
                 <a:solidFill>
                   <a:schemeClr val="bg1"/>
                 </a:solidFill>
               </a:rPr>
               <a:t> performance</a:t>
             </a:r>
-            <a:endParaRPr lang="en-GB" sz="2000" dirty="0" smtClean="0">
-              <a:solidFill>
-                <a:schemeClr val="bg1"/>
-              </a:solidFill>
-            </a:endParaRPr>
           </a:p>
         </p:txBody>
       </p:sp>
@@ -6101,7 +5570,7 @@
           <a:p>
             <a:pPr algn="ctr"/>
             <a:r>
-              <a:rPr lang="en-GB" dirty="0" err="1" smtClean="0">
+              <a:rPr lang="en-GB" dirty="0" err="1">
                 <a:solidFill>
                   <a:schemeClr val="bg1">
                     <a:lumMod val="65000"/>
@@ -6111,42 +5580,15 @@
               <a:t>Appuyez</a:t>
             </a:r>
             <a:r>
-              <a:rPr lang="en-GB" dirty="0" smtClean="0">
+              <a:rPr lang="en-GB" dirty="0">
                 <a:solidFill>
                   <a:schemeClr val="bg1">
                     <a:lumMod val="65000"/>
                   </a:schemeClr>
                 </a:solidFill>
               </a:rPr>
-              <a:t> sur </a:t>
-            </a:r>
-            <a:r>
-              <a:rPr lang="en-GB" dirty="0" smtClean="0">
-                <a:solidFill>
-                  <a:schemeClr val="bg1">
-                    <a:lumMod val="65000"/>
-                  </a:schemeClr>
-                </a:solidFill>
-              </a:rPr>
-              <a:t>la fleche de </a:t>
-            </a:r>
-            <a:r>
-              <a:rPr lang="en-GB" dirty="0" smtClean="0">
-                <a:solidFill>
-                  <a:schemeClr val="bg1">
-                    <a:lumMod val="65000"/>
-                  </a:schemeClr>
-                </a:solidFill>
-              </a:rPr>
-              <a:t>droit pour continuer</a:t>
-            </a:r>
-            <a:endParaRPr lang="en-GB" dirty="0">
-              <a:solidFill>
-                <a:schemeClr val="bg1">
-                  <a:lumMod val="65000"/>
-                </a:schemeClr>
-              </a:solidFill>
-            </a:endParaRPr>
+              <a:t> sur la fleche de droit pour continuer</a:t>
+            </a:r>
           </a:p>
         </p:txBody>
       </p:sp>
@@ -6160,27 +5602,12 @@
   <p:clrMapOvr>
     <a:masterClrMapping/>
   </p:clrMapOvr>
-  <p:timing>
-    <p:tnLst>
-      <p:par>
-        <p:cTn id="1" dur="indefinite" restart="never" nodeType="tmRoot"/>
-      </p:par>
-    </p:tnLst>
-  </p:timing>
 </p:sld>
 </file>
 
 <file path=ppt/slides/slide16.xml><?xml version="1.0" encoding="utf-8"?>
 <p:sld xmlns:a="http://schemas.openxmlformats.org/drawingml/2006/main" xmlns:r="http://schemas.openxmlformats.org/officeDocument/2006/relationships" xmlns:p="http://schemas.openxmlformats.org/presentationml/2006/main">
   <p:cSld>
-    <p:bg>
-      <p:bgPr>
-        <a:solidFill>
-          <a:schemeClr val="tx1"/>
-        </a:solidFill>
-        <a:effectLst/>
-      </p:bgPr>
-    </p:bg>
     <p:spTree>
       <p:nvGrpSpPr>
         <p:cNvPr id="1" name=""/>
@@ -6229,18 +5656,13 @@
               </a:spcAft>
             </a:pPr>
             <a:r>
-              <a:rPr lang="en-GB" sz="2400" b="1" dirty="0" smtClean="0">
+              <a:rPr lang="en-GB" sz="2400" b="1" dirty="0">
                 <a:solidFill>
                   <a:schemeClr val="accent4"/>
                 </a:solidFill>
               </a:rPr>
               <a:t>1. AFFICHAGE DE LA NUMERO D’ESSAI</a:t>
             </a:r>
-            <a:endParaRPr lang="en-GB" sz="2400" b="1" dirty="0">
-              <a:solidFill>
-                <a:schemeClr val="accent4"/>
-              </a:solidFill>
-            </a:endParaRPr>
           </a:p>
         </p:txBody>
       </p:sp>
@@ -6268,7 +5690,7 @@
           <a:p>
             <a:pPr algn="ctr"/>
             <a:r>
-              <a:rPr lang="en-GB" sz="2400" dirty="0" err="1" smtClean="0">
+              <a:rPr lang="en-GB" sz="2400" dirty="0" err="1">
                 <a:solidFill>
                   <a:schemeClr val="bg1"/>
                 </a:solidFill>
@@ -6276,7 +5698,7 @@
               <a:t>L’experience</a:t>
             </a:r>
             <a:r>
-              <a:rPr lang="en-GB" sz="2400" dirty="0" smtClean="0">
+              <a:rPr lang="en-GB" sz="2400" dirty="0">
                 <a:solidFill>
                   <a:schemeClr val="bg1"/>
                 </a:solidFill>
@@ -6284,7 +5706,7 @@
               <a:t> </a:t>
             </a:r>
             <a:r>
-              <a:rPr lang="en-GB" sz="2400" dirty="0" err="1" smtClean="0">
+              <a:rPr lang="en-GB" sz="2400" dirty="0" err="1">
                 <a:solidFill>
                   <a:schemeClr val="bg1"/>
                 </a:solidFill>
@@ -6292,7 +5714,7 @@
               <a:t>est</a:t>
             </a:r>
             <a:r>
-              <a:rPr lang="en-GB" sz="2400" dirty="0" smtClean="0">
+              <a:rPr lang="en-GB" sz="2400" dirty="0">
                 <a:solidFill>
                   <a:schemeClr val="bg1"/>
                 </a:solidFill>
@@ -6300,7 +5722,7 @@
               <a:t> </a:t>
             </a:r>
             <a:r>
-              <a:rPr lang="en-GB" sz="2400" dirty="0" err="1" smtClean="0">
+              <a:rPr lang="en-GB" sz="2400" dirty="0" err="1">
                 <a:solidFill>
                   <a:schemeClr val="bg1"/>
                 </a:solidFill>
@@ -6308,7 +5730,7 @@
               <a:t>structurée</a:t>
             </a:r>
             <a:r>
-              <a:rPr lang="en-GB" sz="2400" dirty="0" smtClean="0">
+              <a:rPr lang="en-GB" sz="2400" dirty="0">
                 <a:solidFill>
                   <a:schemeClr val="bg1"/>
                 </a:solidFill>
@@ -6316,7 +5738,7 @@
               <a:t> </a:t>
             </a:r>
             <a:r>
-              <a:rPr lang="en-GB" sz="2400" dirty="0" err="1" smtClean="0">
+              <a:rPr lang="en-GB" sz="2400" dirty="0" err="1">
                 <a:solidFill>
                   <a:schemeClr val="bg1"/>
                 </a:solidFill>
@@ -6324,7 +5746,7 @@
               <a:t>en</a:t>
             </a:r>
             <a:r>
-              <a:rPr lang="en-GB" sz="2400" dirty="0" smtClean="0">
+              <a:rPr lang="en-GB" sz="2400" dirty="0">
                 <a:solidFill>
                   <a:schemeClr val="bg1"/>
                 </a:solidFill>
@@ -6332,18 +5754,13 @@
               <a:t> </a:t>
             </a:r>
             <a:r>
-              <a:rPr lang="en-GB" sz="2400" b="1" dirty="0" smtClean="0">
+              <a:rPr lang="en-GB" sz="2400" b="1" dirty="0">
                 <a:solidFill>
                   <a:schemeClr val="bg1"/>
                 </a:solidFill>
               </a:rPr>
               <a:t># ESSAIS</a:t>
             </a:r>
-            <a:endParaRPr lang="en-GB" sz="2400" b="1" dirty="0">
-              <a:solidFill>
-                <a:schemeClr val="bg1"/>
-              </a:solidFill>
-            </a:endParaRPr>
           </a:p>
         </p:txBody>
       </p:sp>
@@ -6418,7 +5835,7 @@
           <a:p>
             <a:pPr algn="ctr"/>
             <a:r>
-              <a:rPr lang="en-GB" dirty="0" err="1" smtClean="0">
+              <a:rPr lang="en-GB" dirty="0" err="1">
                 <a:solidFill>
                   <a:schemeClr val="bg1">
                     <a:lumMod val="65000"/>
@@ -6428,42 +5845,15 @@
               <a:t>Appuyez</a:t>
             </a:r>
             <a:r>
-              <a:rPr lang="en-GB" dirty="0" smtClean="0">
+              <a:rPr lang="en-GB" dirty="0">
                 <a:solidFill>
                   <a:schemeClr val="bg1">
                     <a:lumMod val="65000"/>
                   </a:schemeClr>
                 </a:solidFill>
               </a:rPr>
-              <a:t> sur </a:t>
-            </a:r>
-            <a:r>
-              <a:rPr lang="en-GB" dirty="0" smtClean="0">
-                <a:solidFill>
-                  <a:schemeClr val="bg1">
-                    <a:lumMod val="65000"/>
-                  </a:schemeClr>
-                </a:solidFill>
-              </a:rPr>
-              <a:t>la fleche de </a:t>
-            </a:r>
-            <a:r>
-              <a:rPr lang="en-GB" dirty="0" smtClean="0">
-                <a:solidFill>
-                  <a:schemeClr val="bg1">
-                    <a:lumMod val="65000"/>
-                  </a:schemeClr>
-                </a:solidFill>
-              </a:rPr>
-              <a:t>droit pour continuer</a:t>
-            </a:r>
-            <a:endParaRPr lang="en-GB" dirty="0">
-              <a:solidFill>
-                <a:schemeClr val="bg1">
-                  <a:lumMod val="65000"/>
-                </a:schemeClr>
-              </a:solidFill>
-            </a:endParaRPr>
+              <a:t> sur la fleche de droit pour continuer</a:t>
+            </a:r>
           </a:p>
         </p:txBody>
       </p:sp>
@@ -6491,7 +5881,7 @@
           <a:p>
             <a:pPr algn="ctr"/>
             <a:r>
-              <a:rPr lang="en-GB" sz="2400" dirty="0" err="1" smtClean="0">
+              <a:rPr lang="en-GB" sz="2400" dirty="0" err="1">
                 <a:solidFill>
                   <a:schemeClr val="bg1"/>
                 </a:solidFill>
@@ -6499,7 +5889,7 @@
               <a:t>Essai</a:t>
             </a:r>
             <a:r>
-              <a:rPr lang="en-GB" sz="2400" dirty="0" smtClean="0">
+              <a:rPr lang="en-GB" sz="2400" dirty="0">
                 <a:solidFill>
                   <a:schemeClr val="bg1"/>
                 </a:solidFill>
@@ -6507,7 +5897,7 @@
               <a:t> </a:t>
             </a:r>
             <a:r>
-              <a:rPr lang="en-GB" sz="2400" dirty="0" err="1" smtClean="0">
+              <a:rPr lang="en-GB" sz="2400" dirty="0" err="1">
                 <a:solidFill>
                   <a:schemeClr val="bg1"/>
                 </a:solidFill>
@@ -6515,18 +5905,13 @@
               <a:t>numéro</a:t>
             </a:r>
             <a:r>
-              <a:rPr lang="en-GB" sz="2400" dirty="0" smtClean="0">
+              <a:rPr lang="en-GB" sz="2400" dirty="0">
                 <a:solidFill>
                   <a:schemeClr val="bg1"/>
                 </a:solidFill>
               </a:rPr>
               <a:t>: 6</a:t>
             </a:r>
-            <a:endParaRPr lang="en-GB" sz="2400" dirty="0">
-              <a:solidFill>
-                <a:schemeClr val="bg1"/>
-              </a:solidFill>
-            </a:endParaRPr>
           </a:p>
         </p:txBody>
       </p:sp>
@@ -6540,27 +5925,12 @@
   <p:clrMapOvr>
     <a:masterClrMapping/>
   </p:clrMapOvr>
-  <p:timing>
-    <p:tnLst>
-      <p:par>
-        <p:cTn id="1" dur="indefinite" restart="never" nodeType="tmRoot"/>
-      </p:par>
-    </p:tnLst>
-  </p:timing>
 </p:sld>
 </file>
 
 <file path=ppt/slides/slide17.xml><?xml version="1.0" encoding="utf-8"?>
 <p:sld xmlns:a="http://schemas.openxmlformats.org/drawingml/2006/main" xmlns:r="http://schemas.openxmlformats.org/officeDocument/2006/relationships" xmlns:p="http://schemas.openxmlformats.org/presentationml/2006/main">
   <p:cSld>
-    <p:bg>
-      <p:bgPr>
-        <a:solidFill>
-          <a:schemeClr val="tx1"/>
-        </a:solidFill>
-        <a:effectLst/>
-      </p:bgPr>
-    </p:bg>
     <p:spTree>
       <p:nvGrpSpPr>
         <p:cNvPr id="1" name=""/>
@@ -6609,7 +5979,7 @@
               </a:spcAft>
             </a:pPr>
             <a:r>
-              <a:rPr lang="fr-FR" sz="2400" b="1" dirty="0" smtClean="0">
+              <a:rPr lang="fr-FR" sz="2400" b="1" dirty="0">
                 <a:solidFill>
                   <a:schemeClr val="accent4"/>
                 </a:solidFill>
@@ -6648,7 +6018,7 @@
           <a:p>
             <a:pPr algn="ctr"/>
             <a:r>
-              <a:rPr lang="en-GB" sz="2400" dirty="0" err="1" smtClean="0">
+              <a:rPr lang="en-GB" sz="2400" dirty="0" err="1">
                 <a:solidFill>
                   <a:schemeClr val="bg1"/>
                 </a:solidFill>
@@ -6656,7 +6026,7 @@
               <a:t>Une</a:t>
             </a:r>
             <a:r>
-              <a:rPr lang="en-GB" sz="2400" dirty="0" smtClean="0">
+              <a:rPr lang="en-GB" sz="2400" dirty="0">
                 <a:solidFill>
                   <a:schemeClr val="bg1"/>
                 </a:solidFill>
@@ -6664,7 +6034,7 @@
               <a:t> </a:t>
             </a:r>
             <a:r>
-              <a:rPr lang="en-GB" sz="2400" dirty="0" err="1" smtClean="0">
+              <a:rPr lang="en-GB" sz="2400" dirty="0" err="1">
                 <a:solidFill>
                   <a:schemeClr val="bg1"/>
                 </a:solidFill>
@@ -6672,7 +6042,7 @@
               <a:t>fois</a:t>
             </a:r>
             <a:r>
-              <a:rPr lang="en-GB" sz="2400" dirty="0" smtClean="0">
+              <a:rPr lang="en-GB" sz="2400" dirty="0">
                 <a:solidFill>
                   <a:schemeClr val="bg1"/>
                 </a:solidFill>
@@ -6680,7 +6050,7 @@
               <a:t>, nous </a:t>
             </a:r>
             <a:r>
-              <a:rPr lang="en-GB" sz="2400" dirty="0" err="1" smtClean="0">
+              <a:rPr lang="en-GB" sz="2400" dirty="0" err="1">
                 <a:solidFill>
                   <a:schemeClr val="bg1"/>
                 </a:solidFill>
@@ -6688,7 +6058,7 @@
               <a:t>vous</a:t>
             </a:r>
             <a:r>
-              <a:rPr lang="en-GB" sz="2400" dirty="0" smtClean="0">
+              <a:rPr lang="en-GB" sz="2400" dirty="0">
                 <a:solidFill>
                   <a:schemeClr val="bg1"/>
                 </a:solidFill>
@@ -6696,7 +6066,7 @@
               <a:t> </a:t>
             </a:r>
             <a:r>
-              <a:rPr lang="en-GB" sz="2400" dirty="0" err="1" smtClean="0">
+              <a:rPr lang="en-GB" sz="2400" dirty="0" err="1">
                 <a:solidFill>
                   <a:schemeClr val="bg1"/>
                 </a:solidFill>
@@ -6704,7 +6074,7 @@
               <a:t>montrerons</a:t>
             </a:r>
             <a:r>
-              <a:rPr lang="en-GB" sz="2400" dirty="0" smtClean="0">
+              <a:rPr lang="en-GB" sz="2400" dirty="0">
                 <a:solidFill>
                   <a:schemeClr val="bg1"/>
                 </a:solidFill>
@@ -6712,7 +6082,7 @@
               <a:t> les emplacements de </a:t>
             </a:r>
             <a:r>
-              <a:rPr lang="en-GB" sz="2400" dirty="0" err="1" smtClean="0">
+              <a:rPr lang="en-GB" sz="2400" dirty="0" err="1">
                 <a:solidFill>
                   <a:schemeClr val="bg1"/>
                 </a:solidFill>
@@ -6720,7 +6090,7 @@
               <a:t>toutes</a:t>
             </a:r>
             <a:r>
-              <a:rPr lang="en-GB" sz="2400" dirty="0" smtClean="0">
+              <a:rPr lang="en-GB" sz="2400" dirty="0">
                 <a:solidFill>
                   <a:schemeClr val="bg1"/>
                 </a:solidFill>
@@ -6728,7 +6098,7 @@
               <a:t> les </a:t>
             </a:r>
             <a:r>
-              <a:rPr lang="en-GB" sz="2400" dirty="0" err="1" smtClean="0">
+              <a:rPr lang="en-GB" sz="2400" dirty="0" err="1">
                 <a:solidFill>
                   <a:schemeClr val="bg1"/>
                 </a:solidFill>
@@ -6736,7 +6106,7 @@
               <a:t>paires</a:t>
             </a:r>
             <a:r>
-              <a:rPr lang="en-GB" sz="2400" dirty="0" smtClean="0">
+              <a:rPr lang="en-GB" sz="2400" dirty="0">
                 <a:solidFill>
                   <a:schemeClr val="bg1"/>
                 </a:solidFill>
@@ -6744,7 +6114,7 @@
               <a:t> pour </a:t>
             </a:r>
             <a:r>
-              <a:rPr lang="en-GB" sz="2400" dirty="0" err="1" smtClean="0">
+              <a:rPr lang="en-GB" sz="2400" dirty="0" err="1">
                 <a:solidFill>
                   <a:schemeClr val="bg1"/>
                 </a:solidFill>
@@ -6752,7 +6122,7 @@
               <a:t>cet</a:t>
             </a:r>
             <a:r>
-              <a:rPr lang="en-GB" sz="2400" dirty="0" smtClean="0">
+              <a:rPr lang="en-GB" sz="2400" dirty="0">
                 <a:solidFill>
                   <a:schemeClr val="bg1"/>
                 </a:solidFill>
@@ -6760,7 +6130,7 @@
               <a:t> </a:t>
             </a:r>
             <a:r>
-              <a:rPr lang="en-GB" sz="2400" dirty="0" err="1" smtClean="0">
+              <a:rPr lang="en-GB" sz="2400" dirty="0" err="1">
                 <a:solidFill>
                   <a:schemeClr val="bg1"/>
                 </a:solidFill>
@@ -6798,7 +6168,7 @@
           <a:p>
             <a:pPr algn="ctr"/>
             <a:r>
-              <a:rPr lang="en-GB" dirty="0" err="1" smtClean="0">
+              <a:rPr lang="en-GB" dirty="0" err="1">
                 <a:solidFill>
                   <a:schemeClr val="bg1">
                     <a:lumMod val="65000"/>
@@ -6808,42 +6178,15 @@
               <a:t>Appuyez</a:t>
             </a:r>
             <a:r>
-              <a:rPr lang="en-GB" dirty="0" smtClean="0">
+              <a:rPr lang="en-GB" dirty="0">
                 <a:solidFill>
                   <a:schemeClr val="bg1">
                     <a:lumMod val="65000"/>
                   </a:schemeClr>
                 </a:solidFill>
               </a:rPr>
-              <a:t> sur </a:t>
-            </a:r>
-            <a:r>
-              <a:rPr lang="en-GB" dirty="0" smtClean="0">
-                <a:solidFill>
-                  <a:schemeClr val="bg1">
-                    <a:lumMod val="65000"/>
-                  </a:schemeClr>
-                </a:solidFill>
-              </a:rPr>
-              <a:t>la fleche de </a:t>
-            </a:r>
-            <a:r>
-              <a:rPr lang="en-GB" dirty="0" smtClean="0">
-                <a:solidFill>
-                  <a:schemeClr val="bg1">
-                    <a:lumMod val="65000"/>
-                  </a:schemeClr>
-                </a:solidFill>
-              </a:rPr>
-              <a:t>droit pour continuer</a:t>
-            </a:r>
-            <a:endParaRPr lang="en-GB" dirty="0">
-              <a:solidFill>
-                <a:schemeClr val="bg1">
-                  <a:lumMod val="65000"/>
-                </a:schemeClr>
-              </a:solidFill>
-            </a:endParaRPr>
+              <a:t> sur la fleche de droit pour continuer</a:t>
+            </a:r>
           </a:p>
         </p:txBody>
       </p:sp>
@@ -6934,27 +6277,12 @@
   <p:clrMapOvr>
     <a:masterClrMapping/>
   </p:clrMapOvr>
-  <p:timing>
-    <p:tnLst>
-      <p:par>
-        <p:cTn id="1" dur="indefinite" restart="never" nodeType="tmRoot"/>
-      </p:par>
-    </p:tnLst>
-  </p:timing>
 </p:sld>
 </file>
 
 <file path=ppt/slides/slide18.xml><?xml version="1.0" encoding="utf-8"?>
 <p:sld xmlns:a="http://schemas.openxmlformats.org/drawingml/2006/main" xmlns:r="http://schemas.openxmlformats.org/officeDocument/2006/relationships" xmlns:p="http://schemas.openxmlformats.org/presentationml/2006/main">
   <p:cSld>
-    <p:bg>
-      <p:bgPr>
-        <a:solidFill>
-          <a:schemeClr val="tx1"/>
-        </a:solidFill>
-        <a:effectLst/>
-      </p:bgPr>
-    </p:bg>
     <p:spTree>
       <p:nvGrpSpPr>
         <p:cNvPr id="1" name=""/>
@@ -7003,7 +6331,7 @@
               </a:spcAft>
             </a:pPr>
             <a:r>
-              <a:rPr lang="fr-FR" sz="2400" b="1" dirty="0" smtClean="0">
+              <a:rPr lang="fr-FR" sz="2400" b="1" dirty="0">
                 <a:solidFill>
                   <a:schemeClr val="accent4"/>
                 </a:solidFill>
@@ -7046,7 +6374,7 @@
               </a:spcAft>
             </a:pPr>
             <a:r>
-              <a:rPr lang="en-GB" sz="2400" dirty="0" smtClean="0">
+              <a:rPr lang="en-GB" sz="2400" dirty="0">
                 <a:solidFill>
                   <a:schemeClr val="bg1"/>
                 </a:solidFill>
@@ -7054,7 +6382,7 @@
               <a:t>Nous </a:t>
             </a:r>
             <a:r>
-              <a:rPr lang="en-GB" sz="2400" dirty="0" err="1" smtClean="0">
+              <a:rPr lang="en-GB" sz="2400" dirty="0" err="1">
                 <a:solidFill>
                   <a:schemeClr val="bg1"/>
                 </a:solidFill>
@@ -7062,7 +6390,7 @@
               <a:t>vous</a:t>
             </a:r>
             <a:r>
-              <a:rPr lang="en-GB" sz="2400" dirty="0" smtClean="0">
+              <a:rPr lang="en-GB" sz="2400" dirty="0">
                 <a:solidFill>
                   <a:schemeClr val="bg1"/>
                 </a:solidFill>
@@ -7070,7 +6398,7 @@
               <a:t> </a:t>
             </a:r>
             <a:r>
-              <a:rPr lang="en-GB" sz="2400" dirty="0" err="1" smtClean="0">
+              <a:rPr lang="en-GB" sz="2400" dirty="0" err="1">
                 <a:solidFill>
                   <a:schemeClr val="bg1"/>
                 </a:solidFill>
@@ -7078,7 +6406,7 @@
               <a:t>demanderons</a:t>
             </a:r>
             <a:r>
-              <a:rPr lang="en-GB" sz="2400" dirty="0" smtClean="0">
+              <a:rPr lang="en-GB" sz="2400" dirty="0">
                 <a:solidFill>
                   <a:schemeClr val="bg1"/>
                 </a:solidFill>
@@ -7086,7 +6414,7 @@
               <a:t> </a:t>
             </a:r>
             <a:r>
-              <a:rPr lang="en-GB" sz="2400" dirty="0" err="1" smtClean="0">
+              <a:rPr lang="en-GB" sz="2400" dirty="0" err="1">
                 <a:solidFill>
                   <a:schemeClr val="bg1"/>
                 </a:solidFill>
@@ -7094,7 +6422,7 @@
               <a:t>deux</a:t>
             </a:r>
             <a:r>
-              <a:rPr lang="en-GB" sz="2400" dirty="0" smtClean="0">
+              <a:rPr lang="en-GB" sz="2400" dirty="0">
                 <a:solidFill>
                   <a:schemeClr val="bg1"/>
                 </a:solidFill>
@@ -7102,7 +6430,7 @@
               <a:t> question </a:t>
             </a:r>
             <a:r>
-              <a:rPr lang="en-GB" sz="2400" dirty="0" err="1" smtClean="0">
+              <a:rPr lang="en-GB" sz="2400" dirty="0" err="1">
                 <a:solidFill>
                   <a:schemeClr val="bg1"/>
                 </a:solidFill>
@@ -7110,14 +6438,14 @@
               <a:t>d’</a:t>
             </a:r>
             <a:r>
-              <a:rPr lang="en-GB" sz="2400" b="1" dirty="0" err="1" smtClean="0">
+              <a:rPr lang="en-GB" sz="2400" b="1" dirty="0" err="1">
                 <a:solidFill>
                   <a:schemeClr val="bg1"/>
                 </a:solidFill>
               </a:rPr>
               <a:t>auto-efficacité</a:t>
             </a:r>
-            <a:endParaRPr lang="en-GB" sz="2400" b="1" dirty="0" smtClean="0">
+            <a:endParaRPr lang="en-GB" sz="2400" b="1" dirty="0">
               <a:solidFill>
                 <a:schemeClr val="bg1"/>
               </a:solidFill>
@@ -7138,7 +6466,7 @@
               <a:t>Le sentiment d’auto-efficacité constitue la croyance qu’a </a:t>
             </a:r>
             <a:r>
-              <a:rPr lang="fr-FR" sz="2400" dirty="0" err="1" smtClean="0">
+              <a:rPr lang="fr-FR" sz="2400" dirty="0" err="1">
                 <a:solidFill>
                   <a:schemeClr val="bg1"/>
                 </a:solidFill>
@@ -7146,7 +6474,7 @@
               <a:t>un.e</a:t>
             </a:r>
             <a:r>
-              <a:rPr lang="fr-FR" sz="2400" dirty="0" smtClean="0">
+              <a:rPr lang="fr-FR" sz="2400" dirty="0">
                 <a:solidFill>
                   <a:schemeClr val="bg1"/>
                 </a:solidFill>
@@ -7154,7 +6482,7 @@
               <a:t> </a:t>
             </a:r>
             <a:r>
-              <a:rPr lang="fr-FR" sz="2400" dirty="0" err="1" smtClean="0">
+              <a:rPr lang="fr-FR" sz="2400" dirty="0" err="1">
                 <a:solidFill>
                   <a:schemeClr val="bg1"/>
                 </a:solidFill>
@@ -7162,7 +6490,26 @@
               <a:t>individu.e</a:t>
             </a:r>
             <a:r>
-              <a:rPr lang="fr-FR" sz="2400" dirty="0" smtClean="0">
+              <a:rPr lang="fr-FR" sz="2400" dirty="0">
+                <a:solidFill>
+                  <a:schemeClr val="bg1"/>
+                </a:solidFill>
+              </a:rPr>
+              <a:t> en sa capacité de réaliser une tâche</a:t>
+            </a:r>
+          </a:p>
+          <a:p>
+            <a:pPr algn="ctr"/>
+            <a:r>
+              <a:rPr lang="en-GB" sz="2400" dirty="0" err="1">
+                <a:solidFill>
+                  <a:schemeClr val="bg1"/>
+                </a:solidFill>
+              </a:rPr>
+              <a:t>Vous</a:t>
+            </a:r>
+            <a:r>
+              <a:rPr lang="en-GB" sz="2400" dirty="0">
                 <a:solidFill>
                   <a:schemeClr val="bg1"/>
                 </a:solidFill>
@@ -7170,34 +6517,47 @@
               <a:t> </a:t>
             </a:r>
             <a:r>
+              <a:rPr lang="en-GB" sz="2400" dirty="0" err="1">
+                <a:solidFill>
+                  <a:schemeClr val="bg1"/>
+                </a:solidFill>
+              </a:rPr>
+              <a:t>devrez</a:t>
+            </a:r>
+            <a:r>
+              <a:rPr lang="en-GB" sz="2400" dirty="0">
+                <a:solidFill>
+                  <a:schemeClr val="bg1"/>
+                </a:solidFill>
+              </a:rPr>
+              <a:t> </a:t>
+            </a:r>
+            <a:r>
+              <a:rPr lang="en-GB" sz="2400" dirty="0" err="1">
+                <a:solidFill>
+                  <a:schemeClr val="bg1"/>
+                </a:solidFill>
+              </a:rPr>
+              <a:t>répondre</a:t>
+            </a:r>
+            <a:r>
+              <a:rPr lang="en-GB" sz="2400" dirty="0">
+                <a:solidFill>
+                  <a:schemeClr val="bg1"/>
+                </a:solidFill>
+              </a:rPr>
+              <a:t> </a:t>
+            </a:r>
+            <a:r>
               <a:rPr lang="fr-FR" sz="2400" dirty="0">
                 <a:solidFill>
                   <a:schemeClr val="bg1"/>
                 </a:solidFill>
               </a:rPr>
-              <a:t>en sa capacité de réaliser une </a:t>
-            </a:r>
-            <a:r>
-              <a:rPr lang="fr-FR" sz="2400" dirty="0" smtClean="0">
-                <a:solidFill>
-                  <a:schemeClr val="bg1"/>
-                </a:solidFill>
-              </a:rPr>
-              <a:t>tâche</a:t>
-            </a:r>
-          </a:p>
-          <a:p>
-            <a:pPr algn="ctr"/>
-            <a:r>
-              <a:rPr lang="en-GB" sz="2400" dirty="0" err="1" smtClean="0">
-                <a:solidFill>
-                  <a:schemeClr val="bg1"/>
-                </a:solidFill>
-              </a:rPr>
-              <a:t>Vous</a:t>
-            </a:r>
-            <a:r>
-              <a:rPr lang="en-GB" sz="2400" dirty="0" smtClean="0">
+              <a:t>à</a:t>
+            </a:r>
+            <a:r>
+              <a:rPr lang="en-GB" sz="2400" dirty="0">
                 <a:solidFill>
                   <a:schemeClr val="bg1"/>
                 </a:solidFill>
@@ -7205,15 +6565,63 @@
               <a:t> </a:t>
             </a:r>
             <a:r>
-              <a:rPr lang="en-GB" sz="2400" dirty="0" err="1" smtClean="0">
-                <a:solidFill>
-                  <a:schemeClr val="bg1"/>
-                </a:solidFill>
-              </a:rPr>
-              <a:t>devrez</a:t>
-            </a:r>
-            <a:r>
-              <a:rPr lang="en-GB" sz="2400" dirty="0" smtClean="0">
+              <a:rPr lang="en-GB" sz="2400" dirty="0" err="1">
+                <a:solidFill>
+                  <a:schemeClr val="bg1"/>
+                </a:solidFill>
+              </a:rPr>
+              <a:t>ces</a:t>
+            </a:r>
+            <a:r>
+              <a:rPr lang="en-GB" sz="2400" dirty="0">
+                <a:solidFill>
+                  <a:schemeClr val="bg1"/>
+                </a:solidFill>
+              </a:rPr>
+              <a:t> question par rapport au </a:t>
+            </a:r>
+            <a:r>
+              <a:rPr lang="en-GB" sz="2400" dirty="0" err="1">
+                <a:solidFill>
+                  <a:schemeClr val="bg1"/>
+                </a:solidFill>
+              </a:rPr>
+              <a:t>affichage</a:t>
+            </a:r>
+            <a:r>
+              <a:rPr lang="en-GB" sz="2400" dirty="0">
+                <a:solidFill>
+                  <a:schemeClr val="bg1"/>
+                </a:solidFill>
+              </a:rPr>
+              <a:t> des emplacements des </a:t>
+            </a:r>
+            <a:r>
+              <a:rPr lang="en-GB" sz="2400" dirty="0" err="1">
+                <a:solidFill>
+                  <a:schemeClr val="bg1"/>
+                </a:solidFill>
+              </a:rPr>
+              <a:t>paires</a:t>
+            </a:r>
+            <a:r>
+              <a:rPr lang="en-GB" sz="2400" dirty="0">
+                <a:solidFill>
+                  <a:schemeClr val="bg1"/>
+                </a:solidFill>
+              </a:rPr>
+              <a:t> que </a:t>
+            </a:r>
+            <a:r>
+              <a:rPr lang="en-GB" sz="2400" dirty="0" err="1">
+                <a:solidFill>
+                  <a:schemeClr val="bg1"/>
+                </a:solidFill>
+              </a:rPr>
+              <a:t>vous</a:t>
+            </a:r>
+            <a:r>
+              <a:rPr lang="en-GB" sz="2400" dirty="0">
                 <a:solidFill>
                   <a:schemeClr val="bg1"/>
                 </a:solidFill>
@@ -7221,15 +6629,31 @@
               <a:t> </a:t>
             </a:r>
             <a:r>
-              <a:rPr lang="en-GB" sz="2400" dirty="0" err="1" smtClean="0">
-                <a:solidFill>
-                  <a:schemeClr val="bg1"/>
-                </a:solidFill>
-              </a:rPr>
-              <a:t>répondre</a:t>
-            </a:r>
-            <a:r>
-              <a:rPr lang="en-GB" sz="2400" dirty="0" smtClean="0">
+              <a:rPr lang="en-GB" sz="2400" dirty="0" err="1">
+                <a:solidFill>
+                  <a:schemeClr val="bg1"/>
+                </a:solidFill>
+              </a:rPr>
+              <a:t>venez</a:t>
+            </a:r>
+            <a:r>
+              <a:rPr lang="en-GB" sz="2400" dirty="0">
+                <a:solidFill>
+                  <a:schemeClr val="bg1"/>
+                </a:solidFill>
+              </a:rPr>
+              <a:t> de </a:t>
+            </a:r>
+            <a:r>
+              <a:rPr lang="en-GB" sz="2400" dirty="0" err="1">
+                <a:solidFill>
+                  <a:schemeClr val="bg1"/>
+                </a:solidFill>
+              </a:rPr>
+              <a:t>voir</a:t>
+            </a:r>
+            <a:r>
+              <a:rPr lang="en-GB" sz="2400" dirty="0">
                 <a:solidFill>
                   <a:schemeClr val="bg1"/>
                 </a:solidFill>
@@ -7237,15 +6661,31 @@
               <a:t> </a:t>
             </a:r>
             <a:r>
-              <a:rPr lang="fr-FR" sz="2400" dirty="0" smtClean="0">
-                <a:solidFill>
-                  <a:schemeClr val="bg1"/>
-                </a:solidFill>
-              </a:rPr>
-              <a:t>à</a:t>
-            </a:r>
-            <a:r>
-              <a:rPr lang="en-GB" sz="2400" dirty="0" smtClean="0">
+              <a:rPr lang="en-GB" sz="2400" dirty="0" err="1">
+                <a:solidFill>
+                  <a:schemeClr val="bg1"/>
+                </a:solidFill>
+              </a:rPr>
+              <a:t>dans</a:t>
+            </a:r>
+            <a:r>
+              <a:rPr lang="en-GB" sz="2400" dirty="0">
+                <a:solidFill>
+                  <a:schemeClr val="bg1"/>
+                </a:solidFill>
+              </a:rPr>
+              <a:t> la </a:t>
+            </a:r>
+            <a:r>
+              <a:rPr lang="en-GB" sz="2400" dirty="0" err="1">
+                <a:solidFill>
+                  <a:schemeClr val="bg1"/>
+                </a:solidFill>
+              </a:rPr>
+              <a:t>dernier</a:t>
+            </a:r>
+            <a:r>
+              <a:rPr lang="en-GB" sz="2400" dirty="0">
                 <a:solidFill>
                   <a:schemeClr val="bg1"/>
                 </a:solidFill>
@@ -7253,135 +6693,7 @@
               <a:t> </a:t>
             </a:r>
             <a:r>
-              <a:rPr lang="en-GB" sz="2400" dirty="0" err="1" smtClean="0">
-                <a:solidFill>
-                  <a:schemeClr val="bg1"/>
-                </a:solidFill>
-              </a:rPr>
-              <a:t>ces</a:t>
-            </a:r>
-            <a:r>
-              <a:rPr lang="en-GB" sz="2400" dirty="0" smtClean="0">
-                <a:solidFill>
-                  <a:schemeClr val="bg1"/>
-                </a:solidFill>
-              </a:rPr>
-              <a:t> question par rapport au </a:t>
-            </a:r>
-            <a:r>
-              <a:rPr lang="en-GB" sz="2400" dirty="0" err="1" smtClean="0">
-                <a:solidFill>
-                  <a:schemeClr val="bg1"/>
-                </a:solidFill>
-              </a:rPr>
-              <a:t>affichage</a:t>
-            </a:r>
-            <a:r>
-              <a:rPr lang="en-GB" sz="2400" dirty="0" smtClean="0">
-                <a:solidFill>
-                  <a:schemeClr val="bg1"/>
-                </a:solidFill>
-              </a:rPr>
-              <a:t> des emplacements des </a:t>
-            </a:r>
-            <a:r>
-              <a:rPr lang="en-GB" sz="2400" dirty="0" err="1" smtClean="0">
-                <a:solidFill>
-                  <a:schemeClr val="bg1"/>
-                </a:solidFill>
-              </a:rPr>
-              <a:t>paires</a:t>
-            </a:r>
-            <a:r>
-              <a:rPr lang="en-GB" sz="2400" dirty="0" smtClean="0">
-                <a:solidFill>
-                  <a:schemeClr val="bg1"/>
-                </a:solidFill>
-              </a:rPr>
-              <a:t> que </a:t>
-            </a:r>
-            <a:r>
-              <a:rPr lang="en-GB" sz="2400" dirty="0" err="1" smtClean="0">
-                <a:solidFill>
-                  <a:schemeClr val="bg1"/>
-                </a:solidFill>
-              </a:rPr>
-              <a:t>vous</a:t>
-            </a:r>
-            <a:r>
-              <a:rPr lang="en-GB" sz="2400" dirty="0" smtClean="0">
-                <a:solidFill>
-                  <a:schemeClr val="bg1"/>
-                </a:solidFill>
-              </a:rPr>
-              <a:t> </a:t>
-            </a:r>
-            <a:r>
-              <a:rPr lang="en-GB" sz="2400" dirty="0" err="1" smtClean="0">
-                <a:solidFill>
-                  <a:schemeClr val="bg1"/>
-                </a:solidFill>
-              </a:rPr>
-              <a:t>venez</a:t>
-            </a:r>
-            <a:r>
-              <a:rPr lang="en-GB" sz="2400" dirty="0" smtClean="0">
-                <a:solidFill>
-                  <a:schemeClr val="bg1"/>
-                </a:solidFill>
-              </a:rPr>
-              <a:t> de </a:t>
-            </a:r>
-            <a:r>
-              <a:rPr lang="en-GB" sz="2400" dirty="0" err="1" smtClean="0">
-                <a:solidFill>
-                  <a:schemeClr val="bg1"/>
-                </a:solidFill>
-              </a:rPr>
-              <a:t>voir</a:t>
-            </a:r>
-            <a:r>
-              <a:rPr lang="en-GB" sz="2400" dirty="0" smtClean="0">
-                <a:solidFill>
-                  <a:schemeClr val="bg1"/>
-                </a:solidFill>
-              </a:rPr>
-              <a:t> </a:t>
-            </a:r>
-            <a:r>
-              <a:rPr lang="en-GB" sz="2400" dirty="0" err="1" smtClean="0">
-                <a:solidFill>
-                  <a:schemeClr val="bg1"/>
-                </a:solidFill>
-              </a:rPr>
-              <a:t>dans</a:t>
-            </a:r>
-            <a:r>
-              <a:rPr lang="en-GB" sz="2400" dirty="0" smtClean="0">
-                <a:solidFill>
-                  <a:schemeClr val="bg1"/>
-                </a:solidFill>
-              </a:rPr>
-              <a:t> la </a:t>
-            </a:r>
-            <a:r>
-              <a:rPr lang="en-GB" sz="2400" dirty="0" err="1" smtClean="0">
-                <a:solidFill>
-                  <a:schemeClr val="bg1"/>
-                </a:solidFill>
-              </a:rPr>
-              <a:t>dernier</a:t>
-            </a:r>
-            <a:r>
-              <a:rPr lang="en-GB" sz="2400" dirty="0" smtClean="0">
-                <a:solidFill>
-                  <a:schemeClr val="bg1"/>
-                </a:solidFill>
-              </a:rPr>
-              <a:t> </a:t>
-            </a:r>
-            <a:r>
-              <a:rPr lang="en-GB" sz="2400" dirty="0" err="1" smtClean="0">
+              <a:rPr lang="en-GB" sz="2400" dirty="0" err="1">
                 <a:solidFill>
                   <a:schemeClr val="bg1"/>
                 </a:solidFill>
@@ -7419,7 +6731,7 @@
           <a:p>
             <a:pPr algn="ctr"/>
             <a:r>
-              <a:rPr lang="en-GB" dirty="0" err="1" smtClean="0">
+              <a:rPr lang="en-GB" dirty="0" err="1">
                 <a:solidFill>
                   <a:schemeClr val="bg1">
                     <a:lumMod val="65000"/>
@@ -7429,42 +6741,15 @@
               <a:t>Appuyez</a:t>
             </a:r>
             <a:r>
-              <a:rPr lang="en-GB" dirty="0" smtClean="0">
+              <a:rPr lang="en-GB" dirty="0">
                 <a:solidFill>
                   <a:schemeClr val="bg1">
                     <a:lumMod val="65000"/>
                   </a:schemeClr>
                 </a:solidFill>
               </a:rPr>
-              <a:t> sur </a:t>
-            </a:r>
-            <a:r>
-              <a:rPr lang="en-GB" dirty="0" smtClean="0">
-                <a:solidFill>
-                  <a:schemeClr val="bg1">
-                    <a:lumMod val="65000"/>
-                  </a:schemeClr>
-                </a:solidFill>
-              </a:rPr>
-              <a:t>la fleche de </a:t>
-            </a:r>
-            <a:r>
-              <a:rPr lang="en-GB" dirty="0" smtClean="0">
-                <a:solidFill>
-                  <a:schemeClr val="bg1">
-                    <a:lumMod val="65000"/>
-                  </a:schemeClr>
-                </a:solidFill>
-              </a:rPr>
-              <a:t>droit pour continuer</a:t>
-            </a:r>
-            <a:endParaRPr lang="en-GB" dirty="0">
-              <a:solidFill>
-                <a:schemeClr val="bg1">
-                  <a:lumMod val="65000"/>
-                </a:schemeClr>
-              </a:solidFill>
-            </a:endParaRPr>
+              <a:t> sur la fleche de droit pour continuer</a:t>
+            </a:r>
           </a:p>
         </p:txBody>
       </p:sp>
@@ -7478,27 +6763,12 @@
   <p:clrMapOvr>
     <a:masterClrMapping/>
   </p:clrMapOvr>
-  <p:timing>
-    <p:tnLst>
-      <p:par>
-        <p:cTn id="1" dur="indefinite" restart="never" nodeType="tmRoot"/>
-      </p:par>
-    </p:tnLst>
-  </p:timing>
 </p:sld>
 </file>
 
 <file path=ppt/slides/slide19.xml><?xml version="1.0" encoding="utf-8"?>
 <p:sld xmlns:a="http://schemas.openxmlformats.org/drawingml/2006/main" xmlns:r="http://schemas.openxmlformats.org/officeDocument/2006/relationships" xmlns:p="http://schemas.openxmlformats.org/presentationml/2006/main">
   <p:cSld>
-    <p:bg>
-      <p:bgPr>
-        <a:solidFill>
-          <a:schemeClr val="tx1"/>
-        </a:solidFill>
-        <a:effectLst/>
-      </p:bgPr>
-    </p:bg>
     <p:spTree>
       <p:nvGrpSpPr>
         <p:cNvPr id="1" name=""/>
@@ -7547,7 +6817,7 @@
               </a:spcAft>
             </a:pPr>
             <a:r>
-              <a:rPr lang="fr-FR" sz="2400" b="1" dirty="0" smtClean="0">
+              <a:rPr lang="fr-FR" sz="2400" b="1" dirty="0">
                 <a:solidFill>
                   <a:schemeClr val="accent4"/>
                 </a:solidFill>
@@ -7590,7 +6860,7 @@
               </a:spcAft>
             </a:pPr>
             <a:r>
-              <a:rPr lang="en-GB" sz="2400" dirty="0" smtClean="0">
+              <a:rPr lang="en-GB" sz="2400" dirty="0">
                 <a:solidFill>
                   <a:schemeClr val="bg1"/>
                 </a:solidFill>
@@ -7605,7 +6875,7 @@
               </a:spcAft>
             </a:pPr>
             <a:r>
-              <a:rPr lang="fr-FR" sz="2400" b="1" dirty="0" smtClean="0">
+              <a:rPr lang="fr-FR" sz="2400" b="1" dirty="0">
                 <a:solidFill>
                   <a:schemeClr val="bg1"/>
                 </a:solidFill>
@@ -7613,7 +6883,7 @@
               <a:t>« </a:t>
             </a:r>
             <a:r>
-              <a:rPr lang="en-GB" sz="2400" b="1" dirty="0" err="1" smtClean="0">
+              <a:rPr lang="en-GB" sz="2400" b="1" dirty="0" err="1">
                 <a:solidFill>
                   <a:schemeClr val="bg1"/>
                 </a:solidFill>
@@ -7621,7 +6891,7 @@
               <a:t>Combien</a:t>
             </a:r>
             <a:r>
-              <a:rPr lang="en-GB" sz="2400" b="1" dirty="0" smtClean="0">
+              <a:rPr lang="en-GB" sz="2400" b="1" dirty="0">
                 <a:solidFill>
                   <a:schemeClr val="bg1"/>
                 </a:solidFill>
@@ -7629,7 +6899,7 @@
               <a:t> de </a:t>
             </a:r>
             <a:r>
-              <a:rPr lang="en-GB" sz="2400" b="1" dirty="0" err="1" smtClean="0">
+              <a:rPr lang="en-GB" sz="2400" b="1" dirty="0" err="1">
                 <a:solidFill>
                   <a:schemeClr val="bg1"/>
                 </a:solidFill>
@@ -7637,7 +6907,7 @@
               <a:t>paires</a:t>
             </a:r>
             <a:r>
-              <a:rPr lang="en-GB" sz="2400" b="1" dirty="0" smtClean="0">
+              <a:rPr lang="en-GB" sz="2400" b="1" dirty="0">
                 <a:solidFill>
                   <a:schemeClr val="bg1"/>
                 </a:solidFill>
@@ -7645,7 +6915,7 @@
               <a:t> </a:t>
             </a:r>
             <a:r>
-              <a:rPr lang="en-GB" sz="2400" b="1" dirty="0" err="1" smtClean="0">
+              <a:rPr lang="en-GB" sz="2400" b="1" dirty="0" err="1">
                 <a:solidFill>
                   <a:schemeClr val="bg1"/>
                 </a:solidFill>
@@ -7653,7 +6923,7 @@
               <a:t>vous</a:t>
             </a:r>
             <a:r>
-              <a:rPr lang="en-GB" sz="2400" b="1" dirty="0" smtClean="0">
+              <a:rPr lang="en-GB" sz="2400" b="1" dirty="0">
                 <a:solidFill>
                   <a:schemeClr val="bg1"/>
                 </a:solidFill>
@@ -7661,7 +6931,7 @@
               <a:t> </a:t>
             </a:r>
             <a:r>
-              <a:rPr lang="en-GB" sz="2400" b="1" dirty="0" err="1" smtClean="0">
+              <a:rPr lang="en-GB" sz="2400" b="1" dirty="0" err="1">
                 <a:solidFill>
                   <a:schemeClr val="bg1"/>
                 </a:solidFill>
@@ -7669,7 +6939,7 @@
               <a:t>souviendriez-vous</a:t>
             </a:r>
             <a:r>
-              <a:rPr lang="en-GB" sz="2400" b="1" dirty="0" smtClean="0">
+              <a:rPr lang="en-GB" sz="2400" b="1" dirty="0">
                 <a:solidFill>
                   <a:schemeClr val="bg1"/>
                 </a:solidFill>
@@ -7677,7 +6947,7 @@
               <a:t> </a:t>
             </a:r>
             <a:r>
-              <a:rPr lang="en-GB" sz="2400" b="1" dirty="0" err="1" smtClean="0">
+              <a:rPr lang="en-GB" sz="2400" b="1" dirty="0" err="1">
                 <a:solidFill>
                   <a:schemeClr val="bg1"/>
                 </a:solidFill>
@@ -7685,7 +6955,7 @@
               <a:t>si</a:t>
             </a:r>
             <a:r>
-              <a:rPr lang="en-GB" sz="2400" b="1" dirty="0" smtClean="0">
+              <a:rPr lang="en-GB" sz="2400" b="1" dirty="0">
                 <a:solidFill>
                   <a:schemeClr val="bg1"/>
                 </a:solidFill>
@@ -7693,7 +6963,7 @@
               <a:t> nous </a:t>
             </a:r>
             <a:r>
-              <a:rPr lang="en-GB" sz="2400" b="1" dirty="0" err="1" smtClean="0">
+              <a:rPr lang="en-GB" sz="2400" b="1" dirty="0" err="1">
                 <a:solidFill>
                   <a:schemeClr val="bg1"/>
                 </a:solidFill>
@@ -7701,7 +6971,7 @@
               <a:t>vous</a:t>
             </a:r>
             <a:r>
-              <a:rPr lang="en-GB" sz="2400" b="1" dirty="0" smtClean="0">
+              <a:rPr lang="en-GB" sz="2400" b="1" dirty="0">
                 <a:solidFill>
                   <a:schemeClr val="bg1"/>
                 </a:solidFill>
@@ -7709,7 +6979,7 @@
               <a:t> </a:t>
             </a:r>
             <a:r>
-              <a:rPr lang="en-GB" sz="2400" b="1" dirty="0" err="1" smtClean="0">
+              <a:rPr lang="en-GB" sz="2400" b="1" dirty="0" err="1">
                 <a:solidFill>
                   <a:schemeClr val="bg1"/>
                 </a:solidFill>
@@ -7717,7 +6987,7 @@
               <a:t>montrions</a:t>
             </a:r>
             <a:r>
-              <a:rPr lang="en-GB" sz="2400" b="1" dirty="0" smtClean="0">
+              <a:rPr lang="en-GB" sz="2400" b="1" dirty="0">
                 <a:solidFill>
                   <a:schemeClr val="bg1"/>
                 </a:solidFill>
@@ -7725,7 +6995,7 @@
               <a:t> </a:t>
             </a:r>
             <a:r>
-              <a:rPr lang="en-GB" sz="2400" b="1" dirty="0" err="1" smtClean="0">
+              <a:rPr lang="en-GB" sz="2400" b="1" dirty="0" err="1">
                 <a:solidFill>
                   <a:schemeClr val="bg1"/>
                 </a:solidFill>
@@ -7733,7 +7003,7 @@
               <a:t>leurs</a:t>
             </a:r>
             <a:r>
-              <a:rPr lang="en-GB" sz="2400" b="1" dirty="0" smtClean="0">
+              <a:rPr lang="en-GB" sz="2400" b="1" dirty="0">
                 <a:solidFill>
                   <a:schemeClr val="bg1"/>
                 </a:solidFill>
@@ -7741,7 +7011,7 @@
               <a:t> emplacements # </a:t>
             </a:r>
             <a:r>
-              <a:rPr lang="en-GB" sz="2400" b="1" dirty="0" err="1" smtClean="0">
+              <a:rPr lang="en-GB" sz="2400" b="1" dirty="0" err="1">
                 <a:solidFill>
                   <a:schemeClr val="bg1"/>
                 </a:solidFill>
@@ -7749,7 +7019,7 @@
               <a:t>fois</a:t>
             </a:r>
             <a:r>
-              <a:rPr lang="en-GB" sz="2400" b="1" dirty="0" smtClean="0">
+              <a:rPr lang="en-GB" sz="2400" b="1" dirty="0">
                 <a:solidFill>
                   <a:schemeClr val="bg1"/>
                 </a:solidFill>
@@ -7757,7 +7027,7 @@
               <a:t> ?</a:t>
             </a:r>
             <a:r>
-              <a:rPr lang="fr-FR" sz="2400" b="1" dirty="0" smtClean="0">
+              <a:rPr lang="fr-FR" sz="2400" b="1" dirty="0">
                 <a:solidFill>
                   <a:schemeClr val="bg1"/>
                 </a:solidFill>
@@ -7772,7 +7042,7 @@
               </a:spcAft>
             </a:pPr>
             <a:r>
-              <a:rPr lang="en-GB" sz="2400" dirty="0" err="1" smtClean="0">
+              <a:rPr lang="en-GB" sz="2400" dirty="0" err="1">
                 <a:solidFill>
                   <a:schemeClr val="bg1"/>
                 </a:solidFill>
@@ -7780,7 +7050,7 @@
               <a:t>Dans</a:t>
             </a:r>
             <a:r>
-              <a:rPr lang="en-GB" sz="2400" dirty="0" smtClean="0">
+              <a:rPr lang="en-GB" sz="2400" dirty="0">
                 <a:solidFill>
                   <a:schemeClr val="bg1"/>
                 </a:solidFill>
@@ -7788,7 +7058,7 @@
               <a:t> </a:t>
             </a:r>
             <a:r>
-              <a:rPr lang="en-GB" sz="2400" dirty="0" err="1" smtClean="0">
+              <a:rPr lang="en-GB" sz="2400" dirty="0" err="1">
                 <a:solidFill>
                   <a:schemeClr val="bg1"/>
                 </a:solidFill>
@@ -7796,7 +7066,7 @@
               <a:t>chaque</a:t>
             </a:r>
             <a:r>
-              <a:rPr lang="en-GB" sz="2400" dirty="0" smtClean="0">
+              <a:rPr lang="en-GB" sz="2400" dirty="0">
                 <a:solidFill>
                   <a:schemeClr val="bg1"/>
                 </a:solidFill>
@@ -7804,7 +7074,7 @@
               <a:t> </a:t>
             </a:r>
             <a:r>
-              <a:rPr lang="en-GB" sz="2400" dirty="0" err="1" smtClean="0">
+              <a:rPr lang="en-GB" sz="2400" dirty="0" err="1">
                 <a:solidFill>
                   <a:schemeClr val="bg1"/>
                 </a:solidFill>
@@ -7812,7 +7082,7 @@
               <a:t>essai</a:t>
             </a:r>
             <a:r>
-              <a:rPr lang="en-GB" sz="2400" dirty="0" smtClean="0">
+              <a:rPr lang="en-GB" sz="2400" dirty="0">
                 <a:solidFill>
                   <a:schemeClr val="bg1"/>
                 </a:solidFill>
@@ -7820,7 +7090,7 @@
               <a:t>, nous </a:t>
             </a:r>
             <a:r>
-              <a:rPr lang="en-GB" sz="2400" dirty="0" err="1" smtClean="0">
+              <a:rPr lang="en-GB" sz="2400" dirty="0" err="1">
                 <a:solidFill>
                   <a:schemeClr val="bg1"/>
                 </a:solidFill>
@@ -7828,7 +7098,7 @@
               <a:t>vous</a:t>
             </a:r>
             <a:r>
-              <a:rPr lang="en-GB" sz="2400" dirty="0" smtClean="0">
+              <a:rPr lang="en-GB" sz="2400" dirty="0">
                 <a:solidFill>
                   <a:schemeClr val="bg1"/>
                 </a:solidFill>
@@ -7836,7 +7106,7 @@
               <a:t> </a:t>
             </a:r>
             <a:r>
-              <a:rPr lang="en-GB" sz="2400" dirty="0" err="1" smtClean="0">
+              <a:rPr lang="en-GB" sz="2400" dirty="0" err="1">
                 <a:solidFill>
                   <a:schemeClr val="bg1"/>
                 </a:solidFill>
@@ -7844,7 +7114,7 @@
               <a:t>demanderons</a:t>
             </a:r>
             <a:r>
-              <a:rPr lang="en-GB" sz="2400" dirty="0" smtClean="0">
+              <a:rPr lang="en-GB" sz="2400" dirty="0">
                 <a:solidFill>
                   <a:schemeClr val="bg1"/>
                 </a:solidFill>
@@ -7852,7 +7122,7 @@
               <a:t> un </a:t>
             </a:r>
             <a:r>
-              <a:rPr lang="en-GB" sz="2400" dirty="0" err="1" smtClean="0">
+              <a:rPr lang="en-GB" sz="2400" dirty="0" err="1">
                 <a:solidFill>
                   <a:schemeClr val="bg1"/>
                 </a:solidFill>
@@ -7860,7 +7130,7 @@
               <a:t>nombre</a:t>
             </a:r>
             <a:r>
-              <a:rPr lang="en-GB" sz="2400" dirty="0" smtClean="0">
+              <a:rPr lang="en-GB" sz="2400" dirty="0">
                 <a:solidFill>
                   <a:schemeClr val="bg1"/>
                 </a:solidFill>
@@ -7868,7 +7138,7 @@
               <a:t> de </a:t>
             </a:r>
             <a:r>
-              <a:rPr lang="en-GB" sz="2400" dirty="0" err="1" smtClean="0">
+              <a:rPr lang="en-GB" sz="2400" dirty="0" err="1">
                 <a:solidFill>
                   <a:schemeClr val="bg1"/>
                 </a:solidFill>
@@ -7876,7 +7146,7 @@
               <a:t>fois</a:t>
             </a:r>
             <a:r>
-              <a:rPr lang="en-GB" sz="2400" dirty="0" smtClean="0">
+              <a:rPr lang="en-GB" sz="2400" dirty="0">
                 <a:solidFill>
                   <a:schemeClr val="bg1"/>
                 </a:solidFill>
@@ -7884,7 +7154,7 @@
               <a:t> </a:t>
             </a:r>
             <a:r>
-              <a:rPr lang="en-GB" sz="2400" dirty="0" err="1" smtClean="0">
+              <a:rPr lang="en-GB" sz="2400" dirty="0" err="1">
                 <a:solidFill>
                   <a:schemeClr val="bg1"/>
                 </a:solidFill>
@@ -7922,7 +7192,7 @@
           <a:p>
             <a:pPr algn="ctr"/>
             <a:r>
-              <a:rPr lang="en-GB" dirty="0" err="1" smtClean="0">
+              <a:rPr lang="en-GB" dirty="0" err="1">
                 <a:solidFill>
                   <a:schemeClr val="bg1">
                     <a:lumMod val="65000"/>
@@ -7932,42 +7202,15 @@
               <a:t>Appuyez</a:t>
             </a:r>
             <a:r>
-              <a:rPr lang="en-GB" dirty="0" smtClean="0">
+              <a:rPr lang="en-GB" dirty="0">
                 <a:solidFill>
                   <a:schemeClr val="bg1">
                     <a:lumMod val="65000"/>
                   </a:schemeClr>
                 </a:solidFill>
               </a:rPr>
-              <a:t> sur </a:t>
-            </a:r>
-            <a:r>
-              <a:rPr lang="en-GB" dirty="0" smtClean="0">
-                <a:solidFill>
-                  <a:schemeClr val="bg1">
-                    <a:lumMod val="65000"/>
-                  </a:schemeClr>
-                </a:solidFill>
-              </a:rPr>
-              <a:t>la fleche de </a:t>
-            </a:r>
-            <a:r>
-              <a:rPr lang="en-GB" dirty="0" smtClean="0">
-                <a:solidFill>
-                  <a:schemeClr val="bg1">
-                    <a:lumMod val="65000"/>
-                  </a:schemeClr>
-                </a:solidFill>
-              </a:rPr>
-              <a:t>droit pour continuer</a:t>
-            </a:r>
-            <a:endParaRPr lang="en-GB" dirty="0">
-              <a:solidFill>
-                <a:schemeClr val="bg1">
-                  <a:lumMod val="65000"/>
-                </a:schemeClr>
-              </a:solidFill>
-            </a:endParaRPr>
+              <a:t> sur la fleche de droit pour continuer</a:t>
+            </a:r>
           </a:p>
         </p:txBody>
       </p:sp>
@@ -7981,27 +7224,12 @@
   <p:clrMapOvr>
     <a:masterClrMapping/>
   </p:clrMapOvr>
-  <p:timing>
-    <p:tnLst>
-      <p:par>
-        <p:cTn id="1" dur="indefinite" restart="never" nodeType="tmRoot"/>
-      </p:par>
-    </p:tnLst>
-  </p:timing>
 </p:sld>
 </file>
 
 <file path=ppt/slides/slide2.xml><?xml version="1.0" encoding="utf-8"?>
 <p:sld xmlns:a="http://schemas.openxmlformats.org/drawingml/2006/main" xmlns:r="http://schemas.openxmlformats.org/officeDocument/2006/relationships" xmlns:p="http://schemas.openxmlformats.org/presentationml/2006/main">
   <p:cSld>
-    <p:bg>
-      <p:bgPr>
-        <a:solidFill>
-          <a:schemeClr val="tx1"/>
-        </a:solidFill>
-        <a:effectLst/>
-      </p:bgPr>
-    </p:bg>
     <p:spTree>
       <p:nvGrpSpPr>
         <p:cNvPr id="1" name=""/>
@@ -8025,7 +7253,7 @@
         <p:spPr>
           <a:xfrm>
             <a:off x="1874196" y="1536174"/>
-            <a:ext cx="8443609" cy="3785652"/>
+            <a:ext cx="8443609" cy="4154984"/>
           </a:xfrm>
           <a:prstGeom prst="rect">
             <a:avLst/>
@@ -8040,261 +7268,168 @@
           <a:p>
             <a:pPr algn="ctr"/>
             <a:r>
-              <a:rPr lang="en-GB" sz="2400" dirty="0">
-                <a:solidFill>
-                  <a:schemeClr val="bg1"/>
-                </a:solidFill>
-              </a:rPr>
+              <a:rPr lang="en-GB" sz="2400" dirty="0"/>
               <a:t>Au </a:t>
             </a:r>
             <a:r>
-              <a:rPr lang="en-GB" sz="2400" dirty="0" err="1">
-                <a:solidFill>
-                  <a:schemeClr val="bg1"/>
-                </a:solidFill>
-              </a:rPr>
+              <a:rPr lang="en-GB" sz="2400" dirty="0" err="1"/>
               <a:t>cours</a:t>
             </a:r>
             <a:r>
-              <a:rPr lang="en-GB" sz="2400" dirty="0">
-                <a:solidFill>
-                  <a:schemeClr val="bg1"/>
-                </a:solidFill>
-              </a:rPr>
+              <a:rPr lang="en-GB" sz="2400" dirty="0"/>
               <a:t> de </a:t>
             </a:r>
             <a:r>
-              <a:rPr lang="en-GB" sz="2400" dirty="0" err="1">
-                <a:solidFill>
-                  <a:schemeClr val="bg1"/>
-                </a:solidFill>
-              </a:rPr>
+              <a:rPr lang="en-GB" sz="2400" dirty="0" err="1"/>
               <a:t>l’experience</a:t>
             </a:r>
             <a:r>
-              <a:rPr lang="en-GB" sz="2400" dirty="0">
-                <a:solidFill>
-                  <a:schemeClr val="bg1"/>
-                </a:solidFill>
-              </a:rPr>
+              <a:rPr lang="en-GB" sz="2400" dirty="0"/>
               <a:t>, </a:t>
             </a:r>
             <a:r>
-              <a:rPr lang="en-GB" sz="2400" dirty="0" err="1">
-                <a:solidFill>
-                  <a:schemeClr val="bg1"/>
-                </a:solidFill>
-              </a:rPr>
+              <a:rPr lang="en-GB" sz="2400" dirty="0" err="1"/>
               <a:t>vous</a:t>
             </a:r>
             <a:r>
-              <a:rPr lang="en-GB" sz="2400" dirty="0">
-                <a:solidFill>
-                  <a:schemeClr val="bg1"/>
-                </a:solidFill>
-              </a:rPr>
+              <a:rPr lang="en-GB" sz="2400" dirty="0"/>
               <a:t> </a:t>
             </a:r>
             <a:r>
-              <a:rPr lang="en-GB" sz="2400" dirty="0" err="1">
-                <a:solidFill>
-                  <a:schemeClr val="bg1"/>
-                </a:solidFill>
-              </a:rPr>
+              <a:rPr lang="en-GB" sz="2400" dirty="0" err="1"/>
               <a:t>devrez</a:t>
             </a:r>
             <a:r>
-              <a:rPr lang="en-GB" sz="2400" dirty="0">
-                <a:solidFill>
-                  <a:schemeClr val="bg1"/>
-                </a:solidFill>
-              </a:rPr>
+              <a:rPr lang="en-GB" sz="2400" dirty="0"/>
               <a:t> </a:t>
             </a:r>
             <a:r>
-              <a:rPr lang="en-GB" sz="2400" dirty="0" err="1">
-                <a:solidFill>
-                  <a:schemeClr val="bg1"/>
-                </a:solidFill>
-              </a:rPr>
+              <a:rPr lang="en-GB" sz="2400" dirty="0" err="1"/>
               <a:t>vous</a:t>
             </a:r>
             <a:r>
-              <a:rPr lang="en-GB" sz="2400" dirty="0">
-                <a:solidFill>
-                  <a:schemeClr val="bg1"/>
-                </a:solidFill>
-              </a:rPr>
+              <a:rPr lang="en-GB" sz="2400" dirty="0"/>
               <a:t> </a:t>
             </a:r>
             <a:r>
-              <a:rPr lang="en-GB" sz="2400" dirty="0" err="1">
-                <a:solidFill>
-                  <a:schemeClr val="bg1"/>
-                </a:solidFill>
-              </a:rPr>
+              <a:rPr lang="en-GB" sz="2400" dirty="0" err="1"/>
               <a:t>rappelez</a:t>
             </a:r>
             <a:r>
-              <a:rPr lang="en-GB" sz="2400" dirty="0">
-                <a:solidFill>
-                  <a:schemeClr val="bg1"/>
-                </a:solidFill>
-              </a:rPr>
+              <a:rPr lang="en-GB" sz="2400" dirty="0"/>
+              <a:t> les emplacements des </a:t>
+            </a:r>
+            <a:r>
+              <a:rPr lang="en-GB" sz="2400" dirty="0" err="1"/>
+              <a:t>paires</a:t>
+            </a:r>
+            <a:r>
+              <a:rPr lang="en-GB" sz="2400" dirty="0"/>
+              <a:t> de </a:t>
+            </a:r>
+            <a:r>
+              <a:rPr lang="en-GB" sz="2400" dirty="0" err="1"/>
+              <a:t>nombres</a:t>
+            </a:r>
+            <a:r>
+              <a:rPr lang="en-GB" sz="2400" dirty="0"/>
+              <a:t> sur la grille</a:t>
+            </a:r>
+          </a:p>
+          <a:p>
+            <a:pPr algn="ctr"/>
+            <a:endParaRPr lang="en-GB" sz="2400" dirty="0"/>
+          </a:p>
+          <a:p>
+            <a:pPr algn="ctr"/>
+            <a:r>
+              <a:rPr lang="en-GB" sz="2400" dirty="0" err="1"/>
+              <a:t>Chaque</a:t>
+            </a:r>
+            <a:r>
+              <a:rPr lang="en-GB" sz="2400" dirty="0"/>
+              <a:t> tour de </a:t>
+            </a:r>
+            <a:r>
+              <a:rPr lang="en-GB" sz="2400" dirty="0" err="1"/>
+              <a:t>l’experience</a:t>
+            </a:r>
+            <a:r>
+              <a:rPr lang="en-GB" sz="2400" dirty="0"/>
               <a:t> </a:t>
             </a:r>
             <a:r>
-              <a:rPr lang="en-GB" sz="2400" dirty="0" smtClean="0">
-                <a:solidFill>
-                  <a:schemeClr val="bg1"/>
-                </a:solidFill>
-              </a:rPr>
-              <a:t>les emplacements </a:t>
-            </a:r>
-            <a:r>
-              <a:rPr lang="en-GB" sz="2400" dirty="0">
-                <a:solidFill>
-                  <a:schemeClr val="bg1"/>
-                </a:solidFill>
-              </a:rPr>
-              <a:t>des </a:t>
-            </a:r>
-            <a:r>
-              <a:rPr lang="en-GB" sz="2400" dirty="0" err="1">
-                <a:solidFill>
-                  <a:schemeClr val="bg1"/>
-                </a:solidFill>
-              </a:rPr>
-              <a:t>paires</a:t>
-            </a:r>
-            <a:r>
-              <a:rPr lang="en-GB" sz="2400" dirty="0">
-                <a:solidFill>
-                  <a:schemeClr val="bg1"/>
-                </a:solidFill>
-              </a:rPr>
-              <a:t> de </a:t>
-            </a:r>
-            <a:r>
-              <a:rPr lang="en-GB" sz="2400" dirty="0" err="1">
-                <a:solidFill>
-                  <a:schemeClr val="bg1"/>
-                </a:solidFill>
-              </a:rPr>
-              <a:t>nombres</a:t>
-            </a:r>
-            <a:r>
-              <a:rPr lang="en-GB" sz="2400" dirty="0">
-                <a:solidFill>
-                  <a:schemeClr val="bg1"/>
-                </a:solidFill>
-              </a:rPr>
-              <a:t> sur la </a:t>
-            </a:r>
-            <a:r>
-              <a:rPr lang="en-GB" sz="2400" dirty="0" smtClean="0">
-                <a:solidFill>
-                  <a:schemeClr val="bg1"/>
-                </a:solidFill>
-              </a:rPr>
-              <a:t>grille</a:t>
-            </a:r>
-            <a:endParaRPr lang="en-GB" sz="2400" dirty="0">
-              <a:solidFill>
-                <a:schemeClr val="bg1"/>
-              </a:solidFill>
-            </a:endParaRPr>
+              <a:rPr lang="en-GB" sz="2400" dirty="0" err="1"/>
+              <a:t>est</a:t>
+            </a:r>
+            <a:r>
+              <a:rPr lang="en-GB" sz="2400" dirty="0"/>
+              <a:t> </a:t>
+            </a:r>
+            <a:r>
+              <a:rPr lang="en-GB" sz="2400" dirty="0" err="1"/>
+              <a:t>associé</a:t>
+            </a:r>
+            <a:r>
+              <a:rPr lang="en-GB" sz="2400" dirty="0"/>
+              <a:t> </a:t>
+            </a:r>
+            <a:r>
+              <a:rPr lang="fr-FR" sz="2400" dirty="0"/>
+              <a:t>à</a:t>
+            </a:r>
+            <a:r>
+              <a:rPr lang="en-GB" sz="2400" dirty="0"/>
+              <a:t> un score </a:t>
+            </a:r>
+            <a:r>
+              <a:rPr lang="en-GB" sz="2400" dirty="0" err="1"/>
+              <a:t>cible</a:t>
+            </a:r>
+            <a:endParaRPr lang="en-GB" sz="2400" dirty="0"/>
           </a:p>
           <a:p>
             <a:pPr algn="ctr"/>
-            <a:endParaRPr lang="en-GB" sz="2400" dirty="0" smtClean="0">
-              <a:solidFill>
-                <a:schemeClr val="bg1"/>
-              </a:solidFill>
-            </a:endParaRPr>
+            <a:endParaRPr lang="en-GB" sz="2400" dirty="0"/>
           </a:p>
           <a:p>
             <a:pPr algn="ctr"/>
-            <a:endParaRPr lang="en-GB" sz="2400" dirty="0" smtClean="0">
-              <a:solidFill>
-                <a:schemeClr val="bg1"/>
-              </a:solidFill>
-            </a:endParaRPr>
+            <a:r>
+              <a:rPr lang="en-GB" sz="2400" dirty="0" err="1"/>
+              <a:t>Vous</a:t>
+            </a:r>
+            <a:r>
+              <a:rPr lang="en-GB" sz="2400" dirty="0"/>
+              <a:t> </a:t>
+            </a:r>
+            <a:r>
+              <a:rPr lang="en-GB" sz="2400" dirty="0" err="1"/>
+              <a:t>devrez</a:t>
+            </a:r>
+            <a:r>
+              <a:rPr lang="en-GB" sz="2400" dirty="0"/>
+              <a:t>: </a:t>
+            </a:r>
+            <a:r>
+              <a:rPr lang="en-GB" sz="2400" b="1" dirty="0"/>
+              <a:t>RAPELLEZ-VOUS AUTANT D’EMPLACEMENTS DES PAIRES QUE POSSIBLE</a:t>
+            </a:r>
           </a:p>
           <a:p>
             <a:pPr algn="ctr"/>
-            <a:r>
-              <a:rPr lang="en-GB" sz="2400" dirty="0" err="1" smtClean="0">
-                <a:solidFill>
-                  <a:schemeClr val="bg1"/>
-                </a:solidFill>
-              </a:rPr>
-              <a:t>Vous</a:t>
-            </a:r>
-            <a:r>
-              <a:rPr lang="en-GB" sz="2400" dirty="0" smtClean="0">
-                <a:solidFill>
-                  <a:schemeClr val="bg1"/>
-                </a:solidFill>
-              </a:rPr>
-              <a:t> </a:t>
-            </a:r>
-            <a:r>
-              <a:rPr lang="en-GB" sz="2400" dirty="0" err="1" smtClean="0">
-                <a:solidFill>
-                  <a:schemeClr val="bg1"/>
-                </a:solidFill>
-              </a:rPr>
-              <a:t>devrez</a:t>
-            </a:r>
-            <a:r>
-              <a:rPr lang="en-GB" sz="2400" dirty="0" smtClean="0">
-                <a:solidFill>
-                  <a:schemeClr val="bg1"/>
-                </a:solidFill>
-              </a:rPr>
-              <a:t>: </a:t>
-            </a:r>
-            <a:r>
-              <a:rPr lang="en-GB" sz="2400" b="1" dirty="0" smtClean="0">
-                <a:solidFill>
-                  <a:schemeClr val="bg1"/>
-                </a:solidFill>
-              </a:rPr>
-              <a:t>RAPELLEZ-VOUS AUTANT D’EMPLACEMENTS DES PAIRES QUE POSSIBLE</a:t>
-            </a:r>
+            <a:endParaRPr lang="en-GB" sz="2400" dirty="0"/>
           </a:p>
           <a:p>
             <a:pPr algn="ctr"/>
-            <a:endParaRPr lang="en-GB" sz="2400" dirty="0" smtClean="0">
-              <a:solidFill>
-                <a:schemeClr val="bg1"/>
-              </a:solidFill>
-            </a:endParaRPr>
+            <a:endParaRPr lang="en-GB" sz="2400" dirty="0"/>
           </a:p>
           <a:p>
             <a:pPr algn="ctr"/>
-            <a:endParaRPr lang="en-GB" sz="2400" dirty="0" smtClean="0">
-              <a:solidFill>
-                <a:schemeClr val="bg1"/>
-              </a:solidFill>
-            </a:endParaRPr>
-          </a:p>
-          <a:p>
-            <a:pPr algn="ctr"/>
-            <a:r>
-              <a:rPr lang="fr-FR" sz="2400" dirty="0" smtClean="0">
-                <a:solidFill>
-                  <a:schemeClr val="bg1"/>
-                </a:solidFill>
-              </a:rPr>
+            <a:r>
+              <a:rPr lang="fr-FR" sz="2400" dirty="0"/>
               <a:t>Votre performance vous permettra de gagner une somme mise en jeu en plus de la somme de départ</a:t>
             </a:r>
-            <a:endParaRPr lang="en-GB" sz="2400" dirty="0">
-              <a:solidFill>
-                <a:schemeClr val="bg1"/>
-              </a:solidFill>
-            </a:endParaRPr>
+            <a:endParaRPr lang="en-GB" sz="2400" dirty="0"/>
           </a:p>
         </p:txBody>
       </p:sp>
@@ -8321,52 +7456,13 @@
           <a:p>
             <a:pPr algn="ctr"/>
             <a:r>
-              <a:rPr lang="en-GB" dirty="0" err="1" smtClean="0">
-                <a:solidFill>
-                  <a:schemeClr val="bg1">
-                    <a:lumMod val="65000"/>
-                  </a:schemeClr>
-                </a:solidFill>
-              </a:rPr>
+              <a:rPr lang="en-GB" dirty="0" err="1"/>
               <a:t>Appuyez</a:t>
             </a:r>
             <a:r>
-              <a:rPr lang="en-GB" dirty="0" smtClean="0">
-                <a:solidFill>
-                  <a:schemeClr val="bg1">
-                    <a:lumMod val="65000"/>
-                  </a:schemeClr>
-                </a:solidFill>
-              </a:rPr>
-              <a:t> sur </a:t>
-            </a:r>
-            <a:r>
-              <a:rPr lang="en-GB" dirty="0" smtClean="0">
-                <a:solidFill>
-                  <a:schemeClr val="bg1">
-                    <a:lumMod val="65000"/>
-                  </a:schemeClr>
-                </a:solidFill>
-              </a:rPr>
-              <a:t>la fleche de </a:t>
-            </a:r>
-            <a:r>
-              <a:rPr lang="en-GB" dirty="0" smtClean="0">
-                <a:solidFill>
-                  <a:schemeClr val="bg1">
-                    <a:lumMod val="65000"/>
-                  </a:schemeClr>
-                </a:solidFill>
-              </a:rPr>
-              <a:t>droit pour continuer</a:t>
-            </a:r>
-            <a:endParaRPr lang="en-GB" dirty="0">
-              <a:solidFill>
-                <a:schemeClr val="bg1">
-                  <a:lumMod val="65000"/>
-                </a:schemeClr>
-              </a:solidFill>
-            </a:endParaRPr>
+              <a:rPr lang="en-GB" dirty="0"/>
+              <a:t> sur la fleche de droit pour continuer</a:t>
+            </a:r>
           </a:p>
         </p:txBody>
       </p:sp>
@@ -8380,27 +7476,12 @@
   <p:clrMapOvr>
     <a:masterClrMapping/>
   </p:clrMapOvr>
-  <p:timing>
-    <p:tnLst>
-      <p:par>
-        <p:cTn id="1" dur="indefinite" restart="never" nodeType="tmRoot"/>
-      </p:par>
-    </p:tnLst>
-  </p:timing>
 </p:sld>
 </file>
 
 <file path=ppt/slides/slide20.xml><?xml version="1.0" encoding="utf-8"?>
 <p:sld xmlns:a="http://schemas.openxmlformats.org/drawingml/2006/main" xmlns:r="http://schemas.openxmlformats.org/officeDocument/2006/relationships" xmlns:p="http://schemas.openxmlformats.org/presentationml/2006/main">
   <p:cSld>
-    <p:bg>
-      <p:bgPr>
-        <a:solidFill>
-          <a:schemeClr val="tx1"/>
-        </a:solidFill>
-        <a:effectLst/>
-      </p:bgPr>
-    </p:bg>
     <p:spTree>
       <p:nvGrpSpPr>
         <p:cNvPr id="1" name=""/>
@@ -8449,7 +7530,7 @@
               </a:spcAft>
             </a:pPr>
             <a:r>
-              <a:rPr lang="fr-FR" sz="2400" b="1" dirty="0" smtClean="0">
+              <a:rPr lang="fr-FR" sz="2400" b="1" dirty="0">
                 <a:solidFill>
                   <a:schemeClr val="accent4"/>
                 </a:solidFill>
@@ -8492,7 +7573,7 @@
               </a:spcAft>
             </a:pPr>
             <a:r>
-              <a:rPr lang="en-GB" sz="2400" dirty="0" smtClean="0">
+              <a:rPr lang="en-GB" sz="2400" dirty="0">
                 <a:solidFill>
                   <a:schemeClr val="bg1"/>
                 </a:solidFill>
@@ -8500,7 +7581,7 @@
               <a:t>La </a:t>
             </a:r>
             <a:r>
-              <a:rPr lang="en-GB" sz="2400" dirty="0" err="1" smtClean="0">
+              <a:rPr lang="en-GB" sz="2400" dirty="0" err="1">
                 <a:solidFill>
                   <a:schemeClr val="bg1"/>
                 </a:solidFill>
@@ -8508,7 +7589,7 @@
               <a:t>deuxi</a:t>
             </a:r>
             <a:r>
-              <a:rPr lang="fr-FR" sz="2400" dirty="0" smtClean="0">
+              <a:rPr lang="fr-FR" sz="2400" dirty="0">
                 <a:solidFill>
                   <a:schemeClr val="bg1"/>
                 </a:solidFill>
@@ -8516,7 +7597,7 @@
               <a:t>è</a:t>
             </a:r>
             <a:r>
-              <a:rPr lang="en-GB" sz="2400" dirty="0" smtClean="0">
+              <a:rPr lang="en-GB" sz="2400" dirty="0">
                 <a:solidFill>
                   <a:schemeClr val="bg1"/>
                 </a:solidFill>
@@ -8531,7 +7612,7 @@
               </a:spcAft>
             </a:pPr>
             <a:r>
-              <a:rPr lang="fr-FR" sz="2400" b="1" dirty="0" smtClean="0">
+              <a:rPr lang="fr-FR" sz="2400" b="1" dirty="0">
                 <a:solidFill>
                   <a:schemeClr val="bg1"/>
                 </a:solidFill>
@@ -8539,7 +7620,7 @@
               <a:t>« </a:t>
             </a:r>
             <a:r>
-              <a:rPr lang="en-GB" sz="2400" b="1" dirty="0" err="1" smtClean="0">
+              <a:rPr lang="en-GB" sz="2400" b="1" dirty="0" err="1">
                 <a:solidFill>
                   <a:schemeClr val="bg1"/>
                 </a:solidFill>
@@ -8547,7 +7628,7 @@
               <a:t>Combien</a:t>
             </a:r>
             <a:r>
-              <a:rPr lang="en-GB" sz="2400" b="1" dirty="0" smtClean="0">
+              <a:rPr lang="en-GB" sz="2400" b="1" dirty="0">
                 <a:solidFill>
                   <a:schemeClr val="bg1"/>
                 </a:solidFill>
@@ -8555,7 +7636,7 @@
               <a:t> de </a:t>
             </a:r>
             <a:r>
-              <a:rPr lang="en-GB" sz="2400" b="1" dirty="0" err="1" smtClean="0">
+              <a:rPr lang="en-GB" sz="2400" b="1" dirty="0" err="1">
                 <a:solidFill>
                   <a:schemeClr val="bg1"/>
                 </a:solidFill>
@@ -8563,7 +7644,7 @@
               <a:t>fois</a:t>
             </a:r>
             <a:r>
-              <a:rPr lang="en-GB" sz="2400" b="1" dirty="0" smtClean="0">
+              <a:rPr lang="en-GB" sz="2400" b="1" dirty="0">
                 <a:solidFill>
                   <a:schemeClr val="bg1"/>
                 </a:solidFill>
@@ -8571,7 +7652,7 @@
               <a:t> </a:t>
             </a:r>
             <a:r>
-              <a:rPr lang="en-GB" sz="2400" b="1" dirty="0" err="1" smtClean="0">
+              <a:rPr lang="en-GB" sz="2400" b="1" dirty="0" err="1">
                 <a:solidFill>
                   <a:schemeClr val="bg1"/>
                 </a:solidFill>
@@ -8579,7 +7660,7 @@
               <a:t>auriez-vous</a:t>
             </a:r>
             <a:r>
-              <a:rPr lang="en-GB" sz="2400" b="1" dirty="0" smtClean="0">
+              <a:rPr lang="en-GB" sz="2400" b="1" dirty="0">
                 <a:solidFill>
                   <a:schemeClr val="bg1"/>
                 </a:solidFill>
@@ -8587,7 +7668,7 @@
               <a:t> </a:t>
             </a:r>
             <a:r>
-              <a:rPr lang="en-GB" sz="2400" b="1" dirty="0" err="1" smtClean="0">
+              <a:rPr lang="en-GB" sz="2400" b="1" dirty="0" err="1">
                 <a:solidFill>
                   <a:schemeClr val="bg1"/>
                 </a:solidFill>
@@ -8595,7 +7676,7 @@
               <a:t>besoin</a:t>
             </a:r>
             <a:r>
-              <a:rPr lang="en-GB" sz="2400" b="1" dirty="0" smtClean="0">
+              <a:rPr lang="en-GB" sz="2400" b="1" dirty="0">
                 <a:solidFill>
                   <a:schemeClr val="bg1"/>
                 </a:solidFill>
@@ -8603,7 +7684,7 @@
               <a:t> de </a:t>
             </a:r>
             <a:r>
-              <a:rPr lang="en-GB" sz="2400" b="1" dirty="0" err="1" smtClean="0">
+              <a:rPr lang="en-GB" sz="2400" b="1" dirty="0" err="1">
                 <a:solidFill>
                   <a:schemeClr val="bg1"/>
                 </a:solidFill>
@@ -8611,7 +7692,7 @@
               <a:t>voir</a:t>
             </a:r>
             <a:r>
-              <a:rPr lang="en-GB" sz="2400" b="1" dirty="0" smtClean="0">
+              <a:rPr lang="en-GB" sz="2400" b="1" dirty="0">
                 <a:solidFill>
                   <a:schemeClr val="bg1"/>
                 </a:solidFill>
@@ -8619,7 +7700,7 @@
               <a:t> </a:t>
             </a:r>
             <a:r>
-              <a:rPr lang="en-GB" sz="2400" b="1" dirty="0" err="1" smtClean="0">
+              <a:rPr lang="en-GB" sz="2400" b="1" dirty="0" err="1">
                 <a:solidFill>
                   <a:schemeClr val="bg1"/>
                 </a:solidFill>
@@ -8627,7 +7708,7 @@
               <a:t>leur</a:t>
             </a:r>
             <a:r>
-              <a:rPr lang="en-GB" sz="2400" b="1" dirty="0" smtClean="0">
+              <a:rPr lang="en-GB" sz="2400" b="1" dirty="0">
                 <a:solidFill>
                   <a:schemeClr val="bg1"/>
                 </a:solidFill>
@@ -8635,7 +7716,7 @@
               <a:t> emplacements pour se </a:t>
             </a:r>
             <a:r>
-              <a:rPr lang="en-GB" sz="2400" b="1" dirty="0" err="1" smtClean="0">
+              <a:rPr lang="en-GB" sz="2400" b="1" dirty="0" err="1">
                 <a:solidFill>
                   <a:schemeClr val="bg1"/>
                 </a:solidFill>
@@ -8643,7 +7724,7 @@
               <a:t>rappeler</a:t>
             </a:r>
             <a:r>
-              <a:rPr lang="en-GB" sz="2400" b="1" dirty="0" smtClean="0">
+              <a:rPr lang="en-GB" sz="2400" b="1" dirty="0">
                 <a:solidFill>
                   <a:schemeClr val="bg1"/>
                 </a:solidFill>
@@ -8651,7 +7732,7 @@
               <a:t> # </a:t>
             </a:r>
             <a:r>
-              <a:rPr lang="en-GB" sz="2400" b="1" dirty="0" err="1" smtClean="0">
+              <a:rPr lang="en-GB" sz="2400" b="1" dirty="0" err="1">
                 <a:solidFill>
                   <a:schemeClr val="bg1"/>
                 </a:solidFill>
@@ -8664,18 +7745,10 @@
                   <a:schemeClr val="bg1"/>
                 </a:solidFill>
               </a:rPr>
-              <a:t> </a:t>
-            </a:r>
-            <a:r>
-              <a:rPr lang="en-GB" sz="2400" b="1" dirty="0" smtClean="0">
-                <a:solidFill>
-                  <a:schemeClr val="bg1"/>
-                </a:solidFill>
-              </a:rPr>
-              <a:t>?</a:t>
-            </a:r>
-            <a:r>
-              <a:rPr lang="fr-FR" sz="2400" b="1" dirty="0" smtClean="0">
+              <a:t> ?</a:t>
+            </a:r>
+            <a:r>
+              <a:rPr lang="fr-FR" sz="2400" b="1" dirty="0">
                 <a:solidFill>
                   <a:schemeClr val="bg1"/>
                 </a:solidFill>
@@ -8690,28 +7763,12 @@
               </a:spcAft>
             </a:pPr>
             <a:r>
-              <a:rPr lang="fr-FR" sz="2400" dirty="0" smtClean="0">
-                <a:solidFill>
-                  <a:schemeClr val="bg1"/>
-                </a:solidFill>
-              </a:rPr>
-              <a:t>Dans </a:t>
-            </a:r>
-            <a:r>
               <a:rPr lang="fr-FR" sz="2400" dirty="0">
                 <a:solidFill>
                   <a:schemeClr val="bg1"/>
                 </a:solidFill>
               </a:rPr>
-              <a:t>chaque essai, nous vous demanderons un nombre de paires qui est un plus élevé que vous avez répondu à la question </a:t>
-            </a:r>
-            <a:r>
-              <a:rPr lang="fr-FR" sz="2400" dirty="0" smtClean="0">
-                <a:solidFill>
-                  <a:schemeClr val="bg1"/>
-                </a:solidFill>
-              </a:rPr>
-              <a:t>précédente</a:t>
+              <a:t>Dans chaque essai, nous vous demanderons un nombre de paires qui est un plus élevé que vous avez répondu à la question précédente</a:t>
             </a:r>
           </a:p>
         </p:txBody>
@@ -8739,7 +7796,7 @@
           <a:p>
             <a:pPr algn="ctr"/>
             <a:r>
-              <a:rPr lang="en-GB" dirty="0" err="1" smtClean="0">
+              <a:rPr lang="en-GB" dirty="0" err="1">
                 <a:solidFill>
                   <a:schemeClr val="bg1">
                     <a:lumMod val="65000"/>
@@ -8749,42 +7806,15 @@
               <a:t>Appuyez</a:t>
             </a:r>
             <a:r>
-              <a:rPr lang="en-GB" dirty="0" smtClean="0">
+              <a:rPr lang="en-GB" dirty="0">
                 <a:solidFill>
                   <a:schemeClr val="bg1">
                     <a:lumMod val="65000"/>
                   </a:schemeClr>
                 </a:solidFill>
               </a:rPr>
-              <a:t> sur </a:t>
-            </a:r>
-            <a:r>
-              <a:rPr lang="en-GB" dirty="0" smtClean="0">
-                <a:solidFill>
-                  <a:schemeClr val="bg1">
-                    <a:lumMod val="65000"/>
-                  </a:schemeClr>
-                </a:solidFill>
-              </a:rPr>
-              <a:t>la fleche de </a:t>
-            </a:r>
-            <a:r>
-              <a:rPr lang="en-GB" dirty="0" smtClean="0">
-                <a:solidFill>
-                  <a:schemeClr val="bg1">
-                    <a:lumMod val="65000"/>
-                  </a:schemeClr>
-                </a:solidFill>
-              </a:rPr>
-              <a:t>droit pour continuer</a:t>
-            </a:r>
-            <a:endParaRPr lang="en-GB" dirty="0">
-              <a:solidFill>
-                <a:schemeClr val="bg1">
-                  <a:lumMod val="65000"/>
-                </a:schemeClr>
-              </a:solidFill>
-            </a:endParaRPr>
+              <a:t> sur la fleche de droit pour continuer</a:t>
+            </a:r>
           </a:p>
         </p:txBody>
       </p:sp>
@@ -8798,27 +7828,12 @@
   <p:clrMapOvr>
     <a:masterClrMapping/>
   </p:clrMapOvr>
-  <p:timing>
-    <p:tnLst>
-      <p:par>
-        <p:cTn id="1" dur="indefinite" restart="never" nodeType="tmRoot"/>
-      </p:par>
-    </p:tnLst>
-  </p:timing>
 </p:sld>
 </file>
 
 <file path=ppt/slides/slide21.xml><?xml version="1.0" encoding="utf-8"?>
 <p:sld xmlns:a="http://schemas.openxmlformats.org/drawingml/2006/main" xmlns:r="http://schemas.openxmlformats.org/officeDocument/2006/relationships" xmlns:p="http://schemas.openxmlformats.org/presentationml/2006/main">
   <p:cSld>
-    <p:bg>
-      <p:bgPr>
-        <a:solidFill>
-          <a:schemeClr val="tx1"/>
-        </a:solidFill>
-        <a:effectLst/>
-      </p:bgPr>
-    </p:bg>
     <p:spTree>
       <p:nvGrpSpPr>
         <p:cNvPr id="1" name=""/>
@@ -8867,18 +7882,13 @@
               </a:spcAft>
             </a:pPr>
             <a:r>
-              <a:rPr lang="en-GB" sz="2400" b="1" dirty="0" smtClean="0">
+              <a:rPr lang="en-GB" sz="2400" b="1" dirty="0">
                 <a:solidFill>
                   <a:schemeClr val="accent4"/>
                 </a:solidFill>
               </a:rPr>
               <a:t>4. LA PHASE DE MEMORISATION</a:t>
             </a:r>
-            <a:endParaRPr lang="en-GB" sz="2400" b="1" dirty="0">
-              <a:solidFill>
-                <a:schemeClr val="accent4"/>
-              </a:solidFill>
-            </a:endParaRPr>
           </a:p>
         </p:txBody>
       </p:sp>
@@ -8910,7 +7920,7 @@
               </a:spcAft>
             </a:pPr>
             <a:r>
-              <a:rPr lang="en-GB" sz="2400" dirty="0" smtClean="0">
+              <a:rPr lang="en-GB" sz="2400" dirty="0">
                 <a:solidFill>
                   <a:schemeClr val="bg1"/>
                 </a:solidFill>
@@ -8918,7 +7928,7 @@
               <a:t>Durant </a:t>
             </a:r>
             <a:r>
-              <a:rPr lang="en-GB" sz="2400" dirty="0" err="1" smtClean="0">
+              <a:rPr lang="en-GB" sz="2400" dirty="0" err="1">
                 <a:solidFill>
                   <a:schemeClr val="bg1"/>
                 </a:solidFill>
@@ -8926,7 +7936,7 @@
               <a:t>cette</a:t>
             </a:r>
             <a:r>
-              <a:rPr lang="en-GB" sz="2400" dirty="0" smtClean="0">
+              <a:rPr lang="en-GB" sz="2400" dirty="0">
                 <a:solidFill>
                   <a:schemeClr val="bg1"/>
                 </a:solidFill>
@@ -8950,7 +7960,7 @@
               <a:t> </a:t>
             </a:r>
             <a:r>
-              <a:rPr lang="en-GB" sz="2400" b="1" dirty="0" err="1" smtClean="0">
+              <a:rPr lang="en-GB" sz="2400" b="1" dirty="0" err="1">
                 <a:solidFill>
                   <a:schemeClr val="bg1"/>
                 </a:solidFill>
@@ -8958,7 +7968,7 @@
               <a:t>pouvez</a:t>
             </a:r>
             <a:r>
-              <a:rPr lang="en-GB" sz="2400" b="1" dirty="0" smtClean="0">
+              <a:rPr lang="en-GB" sz="2400" b="1" dirty="0">
                 <a:solidFill>
                   <a:schemeClr val="bg1"/>
                 </a:solidFill>
@@ -9070,14 +8080,14 @@
               <a:t> le </a:t>
             </a:r>
             <a:r>
-              <a:rPr lang="en-GB" sz="2400" b="1" dirty="0" err="1" smtClean="0">
+              <a:rPr lang="en-GB" sz="2400" b="1" dirty="0" err="1">
                 <a:solidFill>
                   <a:schemeClr val="bg1"/>
                 </a:solidFill>
               </a:rPr>
               <a:t>souhaitez</a:t>
             </a:r>
-            <a:endParaRPr lang="en-GB" sz="2400" b="1" dirty="0" smtClean="0">
+            <a:endParaRPr lang="en-GB" sz="2400" b="1" dirty="0">
               <a:solidFill>
                 <a:schemeClr val="bg1"/>
               </a:solidFill>
@@ -9090,7 +8100,7 @@
               </a:spcAft>
             </a:pPr>
             <a:r>
-              <a:rPr lang="en-GB" sz="2400" dirty="0" smtClean="0">
+              <a:rPr lang="en-GB" sz="2400" dirty="0">
                 <a:solidFill>
                   <a:schemeClr val="bg1"/>
                 </a:solidFill>
@@ -9098,7 +8108,7 @@
               <a:t>Pour </a:t>
             </a:r>
             <a:r>
-              <a:rPr lang="en-GB" sz="2400" dirty="0" err="1" smtClean="0">
+              <a:rPr lang="en-GB" sz="2400" dirty="0" err="1">
                 <a:solidFill>
                   <a:schemeClr val="bg1"/>
                 </a:solidFill>
@@ -9106,7 +8116,7 @@
               <a:t>ce</a:t>
             </a:r>
             <a:r>
-              <a:rPr lang="en-GB" sz="2400" dirty="0" smtClean="0">
+              <a:rPr lang="en-GB" sz="2400" dirty="0">
                 <a:solidFill>
                   <a:schemeClr val="bg1"/>
                 </a:solidFill>
@@ -9114,7 +8124,7 @@
               <a:t> faire, </a:t>
             </a:r>
             <a:r>
-              <a:rPr lang="en-GB" sz="2400" dirty="0" err="1" smtClean="0">
+              <a:rPr lang="en-GB" sz="2400" dirty="0" err="1">
                 <a:solidFill>
                   <a:schemeClr val="bg1"/>
                 </a:solidFill>
@@ -9122,7 +8132,7 @@
               <a:t>simplement</a:t>
             </a:r>
             <a:r>
-              <a:rPr lang="en-GB" sz="2400" dirty="0" smtClean="0">
+              <a:rPr lang="en-GB" sz="2400" dirty="0">
                 <a:solidFill>
                   <a:schemeClr val="bg1"/>
                 </a:solidFill>
@@ -9130,7 +8140,7 @@
               <a:t> </a:t>
             </a:r>
             <a:r>
-              <a:rPr lang="en-GB" sz="2400" dirty="0" err="1" smtClean="0">
+              <a:rPr lang="en-GB" sz="2400" dirty="0" err="1">
                 <a:solidFill>
                   <a:schemeClr val="bg1"/>
                 </a:solidFill>
@@ -9138,7 +8148,7 @@
               <a:t>appuyez</a:t>
             </a:r>
             <a:r>
-              <a:rPr lang="en-GB" sz="2400" dirty="0" smtClean="0">
+              <a:rPr lang="en-GB" sz="2400" dirty="0">
                 <a:solidFill>
                   <a:schemeClr val="bg1"/>
                 </a:solidFill>
@@ -9146,7 +8156,7 @@
               <a:t> sur </a:t>
             </a:r>
             <a:r>
-              <a:rPr lang="fr-FR" sz="2400" b="1" dirty="0" smtClean="0">
+              <a:rPr lang="fr-FR" sz="2400" b="1" dirty="0">
                 <a:solidFill>
                   <a:schemeClr val="bg1"/>
                 </a:solidFill>
@@ -9154,7 +8164,7 @@
               <a:t>« </a:t>
             </a:r>
             <a:r>
-              <a:rPr lang="en-GB" sz="2400" b="1" dirty="0" smtClean="0">
+              <a:rPr lang="en-GB" sz="2400" b="1" dirty="0">
                 <a:solidFill>
                   <a:schemeClr val="bg1"/>
                 </a:solidFill>
@@ -9162,7 +8172,7 @@
               <a:t>la barre </a:t>
             </a:r>
             <a:r>
-              <a:rPr lang="en-GB" sz="2400" b="1" dirty="0" err="1" smtClean="0">
+              <a:rPr lang="en-GB" sz="2400" b="1" dirty="0" err="1">
                 <a:solidFill>
                   <a:schemeClr val="bg1"/>
                 </a:solidFill>
@@ -9170,7 +8180,7 @@
               <a:t>d’espace</a:t>
             </a:r>
             <a:r>
-              <a:rPr lang="fr-FR" sz="2400" b="1" dirty="0" smtClean="0">
+              <a:rPr lang="fr-FR" sz="2400" b="1" dirty="0">
                 <a:solidFill>
                   <a:schemeClr val="bg1"/>
                 </a:solidFill>
@@ -9178,30 +8188,14 @@
               <a:t> » </a:t>
             </a:r>
             <a:r>
-              <a:rPr lang="fr-FR" sz="2400" dirty="0" smtClean="0">
-                <a:solidFill>
-                  <a:schemeClr val="bg1"/>
-                </a:solidFill>
-              </a:rPr>
-              <a:t>lorsque vous </a:t>
-            </a:r>
-            <a:r>
               <a:rPr lang="fr-FR" sz="2400" dirty="0">
                 <a:solidFill>
                   <a:schemeClr val="bg1"/>
                 </a:solidFill>
               </a:rPr>
-              <a:t>y </a:t>
-            </a:r>
-            <a:r>
-              <a:rPr lang="fr-FR" sz="2400" dirty="0" smtClean="0">
-                <a:solidFill>
-                  <a:schemeClr val="bg1"/>
-                </a:solidFill>
-              </a:rPr>
-              <a:t>êtes invité</a:t>
-            </a:r>
-            <a:endParaRPr lang="en-GB" sz="2400" dirty="0" smtClean="0">
+              <a:t>lorsque vous y êtes invité</a:t>
+            </a:r>
+            <a:endParaRPr lang="en-GB" sz="2400" dirty="0">
               <a:solidFill>
                 <a:schemeClr val="bg1"/>
               </a:solidFill>
@@ -9309,7 +8303,7 @@
           <a:p>
             <a:pPr algn="ctr"/>
             <a:r>
-              <a:rPr lang="en-GB" dirty="0" err="1" smtClean="0">
+              <a:rPr lang="en-GB" dirty="0" err="1">
                 <a:solidFill>
                   <a:schemeClr val="bg1">
                     <a:lumMod val="65000"/>
@@ -9319,42 +8313,15 @@
               <a:t>Appuyez</a:t>
             </a:r>
             <a:r>
-              <a:rPr lang="en-GB" dirty="0" smtClean="0">
+              <a:rPr lang="en-GB" dirty="0">
                 <a:solidFill>
                   <a:schemeClr val="bg1">
                     <a:lumMod val="65000"/>
                   </a:schemeClr>
                 </a:solidFill>
               </a:rPr>
-              <a:t> sur </a:t>
-            </a:r>
-            <a:r>
-              <a:rPr lang="en-GB" dirty="0" smtClean="0">
-                <a:solidFill>
-                  <a:schemeClr val="bg1">
-                    <a:lumMod val="65000"/>
-                  </a:schemeClr>
-                </a:solidFill>
-              </a:rPr>
-              <a:t>la fleche de </a:t>
-            </a:r>
-            <a:r>
-              <a:rPr lang="en-GB" dirty="0" smtClean="0">
-                <a:solidFill>
-                  <a:schemeClr val="bg1">
-                    <a:lumMod val="65000"/>
-                  </a:schemeClr>
-                </a:solidFill>
-              </a:rPr>
-              <a:t>droit pour continuer</a:t>
-            </a:r>
-            <a:endParaRPr lang="en-GB" dirty="0">
-              <a:solidFill>
-                <a:schemeClr val="bg1">
-                  <a:lumMod val="65000"/>
-                </a:schemeClr>
-              </a:solidFill>
-            </a:endParaRPr>
+              <a:t> sur la fleche de droit pour continuer</a:t>
+            </a:r>
           </a:p>
         </p:txBody>
       </p:sp>
@@ -9368,27 +8335,12 @@
   <p:clrMapOvr>
     <a:masterClrMapping/>
   </p:clrMapOvr>
-  <p:timing>
-    <p:tnLst>
-      <p:par>
-        <p:cTn id="1" dur="indefinite" restart="never" nodeType="tmRoot"/>
-      </p:par>
-    </p:tnLst>
-  </p:timing>
 </p:sld>
 </file>
 
 <file path=ppt/slides/slide22.xml><?xml version="1.0" encoding="utf-8"?>
 <p:sld xmlns:a="http://schemas.openxmlformats.org/drawingml/2006/main" xmlns:r="http://schemas.openxmlformats.org/officeDocument/2006/relationships" xmlns:p="http://schemas.openxmlformats.org/presentationml/2006/main">
   <p:cSld>
-    <p:bg>
-      <p:bgPr>
-        <a:solidFill>
-          <a:schemeClr val="tx1"/>
-        </a:solidFill>
-        <a:effectLst/>
-      </p:bgPr>
-    </p:bg>
     <p:spTree>
       <p:nvGrpSpPr>
         <p:cNvPr id="1" name=""/>
@@ -9437,18 +8389,13 @@
               </a:spcAft>
             </a:pPr>
             <a:r>
-              <a:rPr lang="en-GB" sz="2400" b="1" dirty="0" smtClean="0">
+              <a:rPr lang="en-GB" sz="2400" b="1" dirty="0">
                 <a:solidFill>
                   <a:schemeClr val="accent4"/>
                 </a:solidFill>
               </a:rPr>
               <a:t>PRINCIPE DE L’EXPERIENCE</a:t>
             </a:r>
-            <a:endParaRPr lang="en-GB" sz="2400" b="1" dirty="0">
-              <a:solidFill>
-                <a:schemeClr val="accent4"/>
-              </a:solidFill>
-            </a:endParaRPr>
           </a:p>
         </p:txBody>
       </p:sp>
@@ -9528,7 +8475,7 @@
               </a:spcAft>
             </a:pPr>
             <a:r>
-              <a:rPr lang="en-GB" sz="2400" b="1" dirty="0" smtClean="0">
+              <a:rPr lang="en-GB" sz="2400" b="1" dirty="0">
                 <a:solidFill>
                   <a:schemeClr val="bg1"/>
                 </a:solidFill>
@@ -9543,7 +8490,7 @@
               </a:spcAft>
             </a:pPr>
             <a:r>
-              <a:rPr lang="en-GB" sz="2400" dirty="0" err="1" smtClean="0">
+              <a:rPr lang="en-GB" sz="2400" dirty="0" err="1">
                 <a:solidFill>
                   <a:schemeClr val="bg1"/>
                 </a:solidFill>
@@ -9551,7 +8498,7 @@
               <a:t>Vous</a:t>
             </a:r>
             <a:r>
-              <a:rPr lang="en-GB" sz="2400" dirty="0" smtClean="0">
+              <a:rPr lang="en-GB" sz="2400" dirty="0">
                 <a:solidFill>
                   <a:schemeClr val="bg1"/>
                 </a:solidFill>
@@ -9559,7 +8506,7 @@
               <a:t> </a:t>
             </a:r>
             <a:r>
-              <a:rPr lang="en-GB" sz="2400" dirty="0" err="1" smtClean="0">
+              <a:rPr lang="en-GB" sz="2400" dirty="0" err="1">
                 <a:solidFill>
                   <a:schemeClr val="bg1"/>
                 </a:solidFill>
@@ -9567,7 +8514,7 @@
               <a:t>aurez</a:t>
             </a:r>
             <a:r>
-              <a:rPr lang="en-GB" sz="2400" dirty="0" smtClean="0">
+              <a:rPr lang="en-GB" sz="2400" dirty="0">
                 <a:solidFill>
                   <a:schemeClr val="bg1"/>
                 </a:solidFill>
@@ -9575,7 +8522,7 @@
               <a:t> </a:t>
             </a:r>
             <a:r>
-              <a:rPr lang="en-GB" sz="2400" dirty="0" err="1" smtClean="0">
+              <a:rPr lang="en-GB" sz="2400" dirty="0" err="1">
                 <a:solidFill>
                   <a:schemeClr val="bg1"/>
                 </a:solidFill>
@@ -9583,7 +8530,7 @@
               <a:t>seulement</a:t>
             </a:r>
             <a:r>
-              <a:rPr lang="en-GB" sz="2400" dirty="0" smtClean="0">
+              <a:rPr lang="en-GB" sz="2400" dirty="0">
                 <a:solidFill>
                   <a:schemeClr val="bg1"/>
                 </a:solidFill>
@@ -9591,7 +8538,7 @@
               <a:t> 2 </a:t>
             </a:r>
             <a:r>
-              <a:rPr lang="en-GB" sz="2400" dirty="0" err="1" smtClean="0">
+              <a:rPr lang="en-GB" sz="2400" dirty="0" err="1">
                 <a:solidFill>
                   <a:schemeClr val="bg1"/>
                 </a:solidFill>
@@ -9599,7 +8546,7 @@
               <a:t>secondes</a:t>
             </a:r>
             <a:r>
-              <a:rPr lang="en-GB" sz="2400" dirty="0" smtClean="0">
+              <a:rPr lang="en-GB" sz="2400" dirty="0">
                 <a:solidFill>
                   <a:schemeClr val="bg1"/>
                 </a:solidFill>
@@ -9607,7 +8554,7 @@
               <a:t> pour </a:t>
             </a:r>
             <a:r>
-              <a:rPr lang="en-GB" sz="2400" dirty="0" err="1" smtClean="0">
+              <a:rPr lang="en-GB" sz="2400" dirty="0" err="1">
                 <a:solidFill>
                   <a:schemeClr val="bg1"/>
                 </a:solidFill>
@@ -9615,7 +8562,7 @@
               <a:t>répondre</a:t>
             </a:r>
             <a:r>
-              <a:rPr lang="en-GB" sz="2400" dirty="0" smtClean="0">
+              <a:rPr lang="en-GB" sz="2400" dirty="0">
                 <a:solidFill>
                   <a:schemeClr val="bg1"/>
                 </a:solidFill>
@@ -9623,7 +8570,7 @@
               <a:t> </a:t>
             </a:r>
             <a:r>
-              <a:rPr lang="fr-FR" sz="2400" dirty="0" smtClean="0">
+              <a:rPr lang="fr-FR" sz="2400" dirty="0">
                 <a:solidFill>
                   <a:schemeClr val="bg1"/>
                 </a:solidFill>
@@ -9631,7 +8578,7 @@
               <a:t>à</a:t>
             </a:r>
             <a:r>
-              <a:rPr lang="en-GB" sz="2400" dirty="0" smtClean="0">
+              <a:rPr lang="en-GB" sz="2400" dirty="0">
                 <a:solidFill>
                   <a:schemeClr val="bg1"/>
                 </a:solidFill>
@@ -9639,7 +8586,7 @@
               <a:t> </a:t>
             </a:r>
             <a:r>
-              <a:rPr lang="en-GB" sz="2400" dirty="0" err="1" smtClean="0">
+              <a:rPr lang="en-GB" sz="2400" dirty="0" err="1">
                 <a:solidFill>
                   <a:schemeClr val="bg1"/>
                 </a:solidFill>
@@ -9647,7 +8594,7 @@
               <a:t>chaque</a:t>
             </a:r>
             <a:r>
-              <a:rPr lang="en-GB" sz="2400" dirty="0" smtClean="0">
+              <a:rPr lang="en-GB" sz="2400" dirty="0">
                 <a:solidFill>
                   <a:schemeClr val="bg1"/>
                 </a:solidFill>
@@ -9655,7 +8602,7 @@
               <a:t> </a:t>
             </a:r>
             <a:r>
-              <a:rPr lang="en-GB" sz="2400" dirty="0" err="1" smtClean="0">
+              <a:rPr lang="en-GB" sz="2400" dirty="0" err="1">
                 <a:solidFill>
                   <a:schemeClr val="bg1"/>
                 </a:solidFill>
@@ -9723,7 +8670,7 @@
           <a:p>
             <a:pPr algn="ctr"/>
             <a:r>
-              <a:rPr lang="en-GB" dirty="0" err="1" smtClean="0">
+              <a:rPr lang="en-GB" dirty="0" err="1">
                 <a:solidFill>
                   <a:schemeClr val="bg1">
                     <a:lumMod val="65000"/>
@@ -9733,42 +8680,15 @@
               <a:t>Appuyez</a:t>
             </a:r>
             <a:r>
-              <a:rPr lang="en-GB" dirty="0" smtClean="0">
+              <a:rPr lang="en-GB" dirty="0">
                 <a:solidFill>
                   <a:schemeClr val="bg1">
                     <a:lumMod val="65000"/>
                   </a:schemeClr>
                 </a:solidFill>
               </a:rPr>
-              <a:t> sur </a:t>
-            </a:r>
-            <a:r>
-              <a:rPr lang="en-GB" dirty="0" smtClean="0">
-                <a:solidFill>
-                  <a:schemeClr val="bg1">
-                    <a:lumMod val="65000"/>
-                  </a:schemeClr>
-                </a:solidFill>
-              </a:rPr>
-              <a:t>la fleche de </a:t>
-            </a:r>
-            <a:r>
-              <a:rPr lang="en-GB" dirty="0" smtClean="0">
-                <a:solidFill>
-                  <a:schemeClr val="bg1">
-                    <a:lumMod val="65000"/>
-                  </a:schemeClr>
-                </a:solidFill>
-              </a:rPr>
-              <a:t>droit pour continuer</a:t>
-            </a:r>
-            <a:endParaRPr lang="en-GB" dirty="0">
-              <a:solidFill>
-                <a:schemeClr val="bg1">
-                  <a:lumMod val="65000"/>
-                </a:schemeClr>
-              </a:solidFill>
-            </a:endParaRPr>
+              <a:t> sur la fleche de droit pour continuer</a:t>
+            </a:r>
           </a:p>
         </p:txBody>
       </p:sp>
@@ -9782,27 +8702,12 @@
   <p:clrMapOvr>
     <a:masterClrMapping/>
   </p:clrMapOvr>
-  <p:timing>
-    <p:tnLst>
-      <p:par>
-        <p:cTn id="1" dur="indefinite" restart="never" nodeType="tmRoot"/>
-      </p:par>
-    </p:tnLst>
-  </p:timing>
 </p:sld>
 </file>
 
 <file path=ppt/slides/slide3.xml><?xml version="1.0" encoding="utf-8"?>
 <p:sld xmlns:a="http://schemas.openxmlformats.org/drawingml/2006/main" xmlns:r="http://schemas.openxmlformats.org/officeDocument/2006/relationships" xmlns:p="http://schemas.openxmlformats.org/presentationml/2006/main">
   <p:cSld>
-    <p:bg>
-      <p:bgPr>
-        <a:solidFill>
-          <a:schemeClr val="tx1"/>
-        </a:solidFill>
-        <a:effectLst/>
-      </p:bgPr>
-    </p:bg>
     <p:spTree>
       <p:nvGrpSpPr>
         <p:cNvPr id="1" name=""/>
@@ -9855,18 +8760,13 @@
               </a:spcAft>
             </a:pPr>
             <a:r>
-              <a:rPr lang="en-GB" sz="2400" b="1" dirty="0" smtClean="0">
+              <a:rPr lang="en-GB" sz="2400" b="1" dirty="0">
                 <a:solidFill>
                   <a:schemeClr val="accent4"/>
                 </a:solidFill>
               </a:rPr>
               <a:t>PRINCIPE DE L’EXPERIENCE</a:t>
             </a:r>
-            <a:endParaRPr lang="en-GB" sz="2400" b="1" dirty="0">
-              <a:solidFill>
-                <a:schemeClr val="accent4"/>
-              </a:solidFill>
-            </a:endParaRPr>
           </a:p>
         </p:txBody>
       </p:sp>
@@ -9897,7 +8797,7 @@
               </a:lnSpc>
             </a:pPr>
             <a:r>
-              <a:rPr lang="en-GB" dirty="0" smtClean="0">
+              <a:rPr lang="en-GB" dirty="0">
                 <a:solidFill>
                   <a:schemeClr val="bg1">
                     <a:lumMod val="65000"/>
@@ -9907,7 +8807,7 @@
               <a:t>Les instructions </a:t>
             </a:r>
             <a:r>
-              <a:rPr lang="en-GB" dirty="0" err="1" smtClean="0">
+              <a:rPr lang="en-GB" dirty="0" err="1">
                 <a:solidFill>
                   <a:schemeClr val="bg1">
                     <a:lumMod val="65000"/>
@@ -9917,7 +8817,7 @@
               <a:t>vont</a:t>
             </a:r>
             <a:r>
-              <a:rPr lang="en-GB" dirty="0" smtClean="0">
+              <a:rPr lang="en-GB" dirty="0">
                 <a:solidFill>
                   <a:schemeClr val="bg1">
                     <a:lumMod val="65000"/>
@@ -9927,7 +8827,7 @@
               <a:t> </a:t>
             </a:r>
             <a:r>
-              <a:rPr lang="en-GB" dirty="0" err="1" smtClean="0">
+              <a:rPr lang="en-GB" dirty="0" err="1">
                 <a:solidFill>
                   <a:schemeClr val="bg1">
                     <a:lumMod val="65000"/>
@@ -9937,7 +8837,7 @@
               <a:t>maintenant</a:t>
             </a:r>
             <a:r>
-              <a:rPr lang="en-GB" dirty="0" smtClean="0">
+              <a:rPr lang="en-GB" dirty="0">
                 <a:solidFill>
                   <a:schemeClr val="bg1">
                     <a:lumMod val="65000"/>
@@ -9947,7 +8847,7 @@
               <a:t> </a:t>
             </a:r>
             <a:r>
-              <a:rPr lang="en-GB" dirty="0" err="1" smtClean="0">
+              <a:rPr lang="en-GB" dirty="0" err="1">
                 <a:solidFill>
                   <a:schemeClr val="bg1">
                     <a:lumMod val="65000"/>
@@ -9956,7 +8856,7 @@
               </a:rPr>
               <a:t>s’afficher</a:t>
             </a:r>
-            <a:endParaRPr lang="en-GB" dirty="0" smtClean="0">
+            <a:endParaRPr lang="en-GB" dirty="0">
               <a:solidFill>
                 <a:schemeClr val="bg1">
                   <a:lumMod val="65000"/>
@@ -9971,7 +8871,7 @@
               </a:lnSpc>
             </a:pPr>
             <a:r>
-              <a:rPr lang="en-GB" dirty="0" err="1" smtClean="0">
+              <a:rPr lang="en-GB" dirty="0" err="1">
                 <a:solidFill>
                   <a:schemeClr val="bg1">
                     <a:lumMod val="65000"/>
@@ -9981,7 +8881,7 @@
               <a:t>Veuillez</a:t>
             </a:r>
             <a:r>
-              <a:rPr lang="en-GB" dirty="0" smtClean="0">
+              <a:rPr lang="en-GB" dirty="0">
                 <a:solidFill>
                   <a:schemeClr val="bg1">
                     <a:lumMod val="65000"/>
@@ -9991,7 +8891,7 @@
               <a:t> les </a:t>
             </a:r>
             <a:r>
-              <a:rPr lang="en-GB" dirty="0" err="1" smtClean="0">
+              <a:rPr lang="en-GB" dirty="0" err="1">
                 <a:solidFill>
                   <a:schemeClr val="bg1">
                     <a:lumMod val="65000"/>
@@ -10001,7 +8901,7 @@
               <a:t>lires</a:t>
             </a:r>
             <a:r>
-              <a:rPr lang="en-GB" dirty="0" smtClean="0">
+              <a:rPr lang="en-GB" dirty="0">
                 <a:solidFill>
                   <a:schemeClr val="bg1">
                     <a:lumMod val="65000"/>
@@ -10011,7 +8911,7 @@
               <a:t> </a:t>
             </a:r>
             <a:r>
-              <a:rPr lang="en-GB" dirty="0" err="1" smtClean="0">
+              <a:rPr lang="en-GB" dirty="0" err="1">
                 <a:solidFill>
                   <a:schemeClr val="bg1">
                     <a:lumMod val="65000"/>
@@ -10020,7 +8920,7 @@
               </a:rPr>
               <a:t>attentivement</a:t>
             </a:r>
-            <a:endParaRPr lang="en-GB" dirty="0" smtClean="0">
+            <a:endParaRPr lang="en-GB" dirty="0">
               <a:solidFill>
                 <a:schemeClr val="bg1">
                   <a:lumMod val="65000"/>
@@ -10035,7 +8935,7 @@
               </a:lnSpc>
             </a:pPr>
             <a:r>
-              <a:rPr lang="en-GB" u="sng" dirty="0" smtClean="0">
+              <a:rPr lang="en-GB" u="sng" dirty="0">
                 <a:solidFill>
                   <a:schemeClr val="bg1">
                     <a:lumMod val="65000"/>
@@ -10045,7 +8945,7 @@
               <a:t>A </a:t>
             </a:r>
             <a:r>
-              <a:rPr lang="en-GB" u="sng" dirty="0" err="1" smtClean="0">
+              <a:rPr lang="en-GB" u="sng" dirty="0" err="1">
                 <a:solidFill>
                   <a:schemeClr val="bg1">
                     <a:lumMod val="65000"/>
@@ -10055,7 +8955,7 @@
               <a:t>chaque</a:t>
             </a:r>
             <a:r>
-              <a:rPr lang="en-GB" u="sng" dirty="0" smtClean="0">
+              <a:rPr lang="en-GB" u="sng" dirty="0">
                 <a:solidFill>
                   <a:schemeClr val="bg1">
                     <a:lumMod val="65000"/>
@@ -10065,7 +8965,7 @@
               <a:t> </a:t>
             </a:r>
             <a:r>
-              <a:rPr lang="en-GB" u="sng" dirty="0" err="1" smtClean="0">
+              <a:rPr lang="en-GB" u="sng" dirty="0" err="1">
                 <a:solidFill>
                   <a:schemeClr val="bg1">
                     <a:lumMod val="65000"/>
@@ -10075,7 +8975,7 @@
               <a:t>fois</a:t>
             </a:r>
             <a:r>
-              <a:rPr lang="en-GB" u="sng" dirty="0" smtClean="0">
+              <a:rPr lang="en-GB" u="sng" dirty="0">
                 <a:solidFill>
                   <a:schemeClr val="bg1">
                     <a:lumMod val="65000"/>
@@ -10085,7 +8985,7 @@
               <a:t>, </a:t>
             </a:r>
             <a:r>
-              <a:rPr lang="en-GB" u="sng" dirty="0" err="1" smtClean="0">
+              <a:rPr lang="en-GB" u="sng" dirty="0" err="1">
                 <a:solidFill>
                   <a:schemeClr val="bg1">
                     <a:lumMod val="65000"/>
@@ -10095,7 +8995,7 @@
               <a:t>appuyez</a:t>
             </a:r>
             <a:r>
-              <a:rPr lang="en-GB" u="sng" dirty="0" smtClean="0">
+              <a:rPr lang="en-GB" u="sng" dirty="0">
                 <a:solidFill>
                   <a:schemeClr val="bg1">
                     <a:lumMod val="65000"/>
@@ -10105,7 +9005,7 @@
               <a:t> sur </a:t>
             </a:r>
             <a:r>
-              <a:rPr lang="fr-FR" b="1" u="sng" dirty="0" smtClean="0">
+              <a:rPr lang="fr-FR" b="1" u="sng" dirty="0">
                 <a:solidFill>
                   <a:schemeClr val="bg1">
                     <a:lumMod val="65000"/>
@@ -10115,7 +9015,7 @@
               <a:t>« </a:t>
             </a:r>
             <a:r>
-              <a:rPr lang="en-GB" b="1" u="sng" dirty="0" smtClean="0">
+              <a:rPr lang="en-GB" b="1" u="sng" dirty="0">
                 <a:solidFill>
                   <a:schemeClr val="bg1">
                     <a:lumMod val="65000"/>
@@ -10125,7 +9025,7 @@
               <a:t>la fleche de droit</a:t>
             </a:r>
             <a:r>
-              <a:rPr lang="fr-FR" b="1" u="sng" dirty="0" smtClean="0">
+              <a:rPr lang="fr-FR" b="1" u="sng" dirty="0">
                 <a:solidFill>
                   <a:schemeClr val="bg1">
                     <a:lumMod val="65000"/>
@@ -10135,7 +9035,7 @@
               <a:t> »</a:t>
             </a:r>
             <a:r>
-              <a:rPr lang="en-GB" b="1" u="sng" dirty="0" smtClean="0">
+              <a:rPr lang="en-GB" b="1" u="sng" dirty="0">
                 <a:solidFill>
                   <a:schemeClr val="bg1">
                     <a:lumMod val="65000"/>
@@ -10145,7 +9045,7 @@
               <a:t> </a:t>
             </a:r>
             <a:r>
-              <a:rPr lang="en-GB" u="sng" dirty="0" smtClean="0">
+              <a:rPr lang="en-GB" u="sng" dirty="0">
                 <a:solidFill>
                   <a:schemeClr val="bg1">
                     <a:lumMod val="65000"/>
@@ -10162,7 +9062,7 @@
               </a:lnSpc>
             </a:pPr>
             <a:r>
-              <a:rPr lang="en-GB" u="sng" dirty="0" err="1" smtClean="0">
+              <a:rPr lang="en-GB" u="sng" dirty="0" err="1">
                 <a:solidFill>
                   <a:schemeClr val="bg1">
                     <a:lumMod val="65000"/>
@@ -10172,7 +9072,7 @@
               <a:t>Appuyez</a:t>
             </a:r>
             <a:r>
-              <a:rPr lang="en-GB" u="sng" dirty="0" smtClean="0">
+              <a:rPr lang="en-GB" u="sng" dirty="0">
                 <a:solidFill>
                   <a:schemeClr val="bg1">
                     <a:lumMod val="65000"/>
@@ -10182,7 +9082,7 @@
               <a:t> sur </a:t>
             </a:r>
             <a:r>
-              <a:rPr lang="fr-FR" b="1" u="sng" dirty="0" smtClean="0">
+              <a:rPr lang="fr-FR" b="1" u="sng" dirty="0">
                 <a:solidFill>
                   <a:schemeClr val="bg1">
                     <a:lumMod val="65000"/>
@@ -10192,7 +9092,7 @@
               <a:t>« </a:t>
             </a:r>
             <a:r>
-              <a:rPr lang="en-GB" b="1" u="sng" dirty="0" smtClean="0">
+              <a:rPr lang="en-GB" b="1" u="sng" dirty="0">
                 <a:solidFill>
                   <a:schemeClr val="bg1">
                     <a:lumMod val="65000"/>
@@ -10202,7 +9102,7 @@
               <a:t>la fleche de gauche </a:t>
             </a:r>
             <a:r>
-              <a:rPr lang="fr-FR" b="1" u="sng" dirty="0" smtClean="0">
+              <a:rPr lang="fr-FR" b="1" u="sng" dirty="0">
                 <a:solidFill>
                   <a:schemeClr val="bg1">
                     <a:lumMod val="65000"/>
@@ -10212,7 +9112,7 @@
               <a:t>»</a:t>
             </a:r>
             <a:r>
-              <a:rPr lang="en-GB" b="1" u="sng" dirty="0" smtClean="0">
+              <a:rPr lang="en-GB" b="1" u="sng" dirty="0">
                 <a:solidFill>
                   <a:schemeClr val="bg1">
                     <a:lumMod val="65000"/>
@@ -10222,7 +9122,7 @@
               <a:t> </a:t>
             </a:r>
             <a:r>
-              <a:rPr lang="en-GB" u="sng" dirty="0" smtClean="0">
+              <a:rPr lang="en-GB" u="sng" dirty="0">
                 <a:solidFill>
                   <a:schemeClr val="bg1">
                     <a:lumMod val="65000"/>
@@ -10232,7 +9132,7 @@
               <a:t>pour </a:t>
             </a:r>
             <a:r>
-              <a:rPr lang="en-GB" u="sng" dirty="0" err="1" smtClean="0">
+              <a:rPr lang="en-GB" u="sng" dirty="0" err="1">
                 <a:solidFill>
                   <a:schemeClr val="bg1">
                     <a:lumMod val="65000"/>
@@ -10242,7 +9142,7 @@
               <a:t>revenir</a:t>
             </a:r>
             <a:r>
-              <a:rPr lang="en-GB" u="sng" dirty="0" smtClean="0">
+              <a:rPr lang="en-GB" u="sng" dirty="0">
                 <a:solidFill>
                   <a:schemeClr val="bg1">
                     <a:lumMod val="65000"/>
@@ -10252,7 +9152,7 @@
               <a:t> et lire la </a:t>
             </a:r>
             <a:r>
-              <a:rPr lang="en-GB" u="sng" dirty="0" err="1" smtClean="0">
+              <a:rPr lang="en-GB" u="sng" dirty="0" err="1">
                 <a:solidFill>
                   <a:schemeClr val="bg1">
                     <a:lumMod val="65000"/>
@@ -10261,7 +9161,7 @@
               </a:rPr>
               <a:t>précédente</a:t>
             </a:r>
-            <a:endParaRPr lang="fr-FR" u="sng" dirty="0" smtClean="0">
+            <a:endParaRPr lang="fr-FR" u="sng" dirty="0">
               <a:solidFill>
                 <a:schemeClr val="bg1">
                   <a:lumMod val="65000"/>
@@ -10281,27 +9181,12 @@
   <p:clrMapOvr>
     <a:masterClrMapping/>
   </p:clrMapOvr>
-  <p:timing>
-    <p:tnLst>
-      <p:par>
-        <p:cTn id="1" dur="indefinite" restart="never" nodeType="tmRoot"/>
-      </p:par>
-    </p:tnLst>
-  </p:timing>
 </p:sld>
 </file>
 
 <file path=ppt/slides/slide4.xml><?xml version="1.0" encoding="utf-8"?>
 <p:sld xmlns:a="http://schemas.openxmlformats.org/drawingml/2006/main" xmlns:r="http://schemas.openxmlformats.org/officeDocument/2006/relationships" xmlns:p="http://schemas.openxmlformats.org/presentationml/2006/main">
   <p:cSld>
-    <p:bg>
-      <p:bgPr>
-        <a:solidFill>
-          <a:schemeClr val="tx1"/>
-        </a:solidFill>
-        <a:effectLst/>
-      </p:bgPr>
-    </p:bg>
     <p:spTree>
       <p:nvGrpSpPr>
         <p:cNvPr id="1" name=""/>
@@ -10350,18 +9235,13 @@
               </a:spcAft>
             </a:pPr>
             <a:r>
-              <a:rPr lang="en-GB" sz="2400" b="1" dirty="0" smtClean="0">
+              <a:rPr lang="en-GB" sz="2400" b="1" dirty="0">
                 <a:solidFill>
                   <a:schemeClr val="accent4"/>
                 </a:solidFill>
               </a:rPr>
               <a:t>PRINCIPE DE L’EXPERIENCE</a:t>
             </a:r>
-            <a:endParaRPr lang="en-GB" sz="2400" b="1" dirty="0">
-              <a:solidFill>
-                <a:schemeClr val="accent4"/>
-              </a:solidFill>
-            </a:endParaRPr>
           </a:p>
         </p:txBody>
       </p:sp>
@@ -10393,7 +9273,7 @@
               </a:spcAft>
             </a:pPr>
             <a:r>
-              <a:rPr lang="en-GB" sz="2400" dirty="0" smtClean="0">
+              <a:rPr lang="en-GB" sz="2400" dirty="0">
                 <a:solidFill>
                   <a:schemeClr val="bg1"/>
                 </a:solidFill>
@@ -10401,7 +9281,7 @@
               <a:t>Le but </a:t>
             </a:r>
             <a:r>
-              <a:rPr lang="en-GB" sz="2400" dirty="0" err="1" smtClean="0">
+              <a:rPr lang="en-GB" sz="2400" dirty="0" err="1">
                 <a:solidFill>
                   <a:schemeClr val="bg1"/>
                 </a:solidFill>
@@ -10409,23 +9289,18 @@
               <a:t>est</a:t>
             </a:r>
             <a:r>
-              <a:rPr lang="en-GB" sz="2400" dirty="0" smtClean="0">
+              <a:rPr lang="en-GB" sz="2400" dirty="0">
                 <a:solidFill>
                   <a:schemeClr val="bg1"/>
                 </a:solidFill>
               </a:rPr>
               <a:t>:</a:t>
             </a:r>
-            <a:endParaRPr lang="en-GB" sz="2400" dirty="0">
-              <a:solidFill>
-                <a:schemeClr val="bg1"/>
-              </a:solidFill>
-            </a:endParaRPr>
           </a:p>
           <a:p>
             <a:pPr algn="ctr"/>
             <a:r>
-              <a:rPr lang="en-GB" sz="2400" b="1" dirty="0" err="1" smtClean="0">
+              <a:rPr lang="en-GB" sz="2400" b="1" dirty="0" err="1">
                 <a:solidFill>
                   <a:schemeClr val="bg1"/>
                 </a:solidFill>
@@ -10433,7 +9308,82 @@
               <a:t>Rappelez-vous</a:t>
             </a:r>
             <a:r>
-              <a:rPr lang="en-GB" sz="2400" b="1" dirty="0" smtClean="0">
+              <a:rPr lang="en-GB" sz="2400" b="1" dirty="0">
+                <a:solidFill>
+                  <a:schemeClr val="bg1"/>
+                </a:solidFill>
+              </a:rPr>
+              <a:t> les emplacements des </a:t>
+            </a:r>
+            <a:r>
+              <a:rPr lang="en-GB" sz="2400" b="1" dirty="0" err="1">
+                <a:solidFill>
+                  <a:schemeClr val="bg1"/>
+                </a:solidFill>
+              </a:rPr>
+              <a:t>paires</a:t>
+            </a:r>
+            <a:r>
+              <a:rPr lang="en-GB" sz="2400" b="1" dirty="0">
+                <a:solidFill>
+                  <a:schemeClr val="bg1"/>
+                </a:solidFill>
+              </a:rPr>
+              <a:t> de </a:t>
+            </a:r>
+            <a:r>
+              <a:rPr lang="en-GB" sz="2400" b="1" dirty="0" err="1">
+                <a:solidFill>
+                  <a:schemeClr val="bg1"/>
+                </a:solidFill>
+              </a:rPr>
+              <a:t>nombres</a:t>
+            </a:r>
+            <a:r>
+              <a:rPr lang="en-GB" sz="2400" b="1" dirty="0">
+                <a:solidFill>
+                  <a:schemeClr val="bg1"/>
+                </a:solidFill>
+              </a:rPr>
+              <a:t> sur la grille</a:t>
+            </a:r>
+          </a:p>
+          <a:p>
+            <a:pPr algn="ctr"/>
+            <a:r>
+              <a:rPr lang="en-GB" sz="2400" dirty="0">
+                <a:solidFill>
+                  <a:schemeClr val="bg1"/>
+                </a:solidFill>
+              </a:rPr>
+              <a:t>Les </a:t>
+            </a:r>
+            <a:r>
+              <a:rPr lang="en-GB" sz="2400" dirty="0" err="1">
+                <a:solidFill>
+                  <a:schemeClr val="bg1"/>
+                </a:solidFill>
+              </a:rPr>
+              <a:t>paires</a:t>
+            </a:r>
+            <a:r>
+              <a:rPr lang="en-GB" sz="2400" dirty="0">
+                <a:solidFill>
+                  <a:schemeClr val="bg1"/>
+                </a:solidFill>
+              </a:rPr>
+              <a:t> de </a:t>
+            </a:r>
+            <a:r>
+              <a:rPr lang="en-GB" sz="2400" dirty="0" err="1">
+                <a:solidFill>
+                  <a:schemeClr val="bg1"/>
+                </a:solidFill>
+              </a:rPr>
+              <a:t>nombres</a:t>
+            </a:r>
+            <a:r>
+              <a:rPr lang="en-GB" sz="2400" dirty="0">
                 <a:solidFill>
                   <a:schemeClr val="bg1"/>
                 </a:solidFill>
@@ -10441,90 +9391,15 @@
               <a:t> </a:t>
             </a:r>
             <a:r>
-              <a:rPr lang="en-GB" sz="2400" b="1" dirty="0" smtClean="0">
-                <a:solidFill>
-                  <a:schemeClr val="bg1"/>
-                </a:solidFill>
-              </a:rPr>
-              <a:t>les emplacements </a:t>
-            </a:r>
-            <a:r>
-              <a:rPr lang="en-GB" sz="2400" b="1" dirty="0" smtClean="0">
-                <a:solidFill>
-                  <a:schemeClr val="bg1"/>
-                </a:solidFill>
-              </a:rPr>
-              <a:t>des </a:t>
-            </a:r>
-            <a:r>
-              <a:rPr lang="en-GB" sz="2400" b="1" dirty="0" err="1" smtClean="0">
-                <a:solidFill>
-                  <a:schemeClr val="bg1"/>
-                </a:solidFill>
-              </a:rPr>
-              <a:t>paires</a:t>
-            </a:r>
-            <a:r>
-              <a:rPr lang="en-GB" sz="2400" b="1" dirty="0" smtClean="0">
-                <a:solidFill>
-                  <a:schemeClr val="bg1"/>
-                </a:solidFill>
-              </a:rPr>
-              <a:t> de </a:t>
-            </a:r>
-            <a:r>
-              <a:rPr lang="en-GB" sz="2400" b="1" dirty="0" err="1" smtClean="0">
-                <a:solidFill>
-                  <a:schemeClr val="bg1"/>
-                </a:solidFill>
-              </a:rPr>
-              <a:t>nombres</a:t>
-            </a:r>
-            <a:r>
-              <a:rPr lang="en-GB" sz="2400" b="1" dirty="0" smtClean="0">
-                <a:solidFill>
-                  <a:schemeClr val="bg1"/>
-                </a:solidFill>
-              </a:rPr>
-              <a:t> sur la grille</a:t>
-            </a:r>
-          </a:p>
-          <a:p>
-            <a:pPr algn="ctr"/>
-            <a:r>
-              <a:rPr lang="en-GB" sz="2400" dirty="0" smtClean="0">
-                <a:solidFill>
-                  <a:schemeClr val="bg1"/>
-                </a:solidFill>
-              </a:rPr>
-              <a:t>Les </a:t>
-            </a:r>
-            <a:r>
-              <a:rPr lang="en-GB" sz="2400" dirty="0" err="1" smtClean="0">
-                <a:solidFill>
-                  <a:schemeClr val="bg1"/>
-                </a:solidFill>
-              </a:rPr>
-              <a:t>paires</a:t>
-            </a:r>
-            <a:r>
-              <a:rPr lang="en-GB" sz="2400" dirty="0" smtClean="0">
-                <a:solidFill>
-                  <a:schemeClr val="bg1"/>
-                </a:solidFill>
-              </a:rPr>
-              <a:t> de </a:t>
-            </a:r>
-            <a:r>
-              <a:rPr lang="en-GB" sz="2400" dirty="0" err="1" smtClean="0">
-                <a:solidFill>
-                  <a:schemeClr val="bg1"/>
-                </a:solidFill>
-              </a:rPr>
-              <a:t>nombres</a:t>
-            </a:r>
-            <a:r>
-              <a:rPr lang="en-GB" sz="2400" dirty="0" smtClean="0">
+              <a:rPr lang="en-GB" sz="2400" dirty="0" err="1">
+                <a:solidFill>
+                  <a:schemeClr val="bg1"/>
+                </a:solidFill>
+              </a:rPr>
+              <a:t>apparaîtront</a:t>
+            </a:r>
+            <a:r>
+              <a:rPr lang="en-GB" sz="2400" dirty="0">
                 <a:solidFill>
                   <a:schemeClr val="bg1"/>
                 </a:solidFill>
@@ -10532,15 +9407,15 @@
               <a:t> </a:t>
             </a:r>
             <a:r>
-              <a:rPr lang="en-GB" sz="2400" dirty="0" err="1" smtClean="0">
-                <a:solidFill>
-                  <a:schemeClr val="bg1"/>
-                </a:solidFill>
-              </a:rPr>
-              <a:t>apparaîtront</a:t>
-            </a:r>
-            <a:r>
-              <a:rPr lang="en-GB" sz="2400" dirty="0" smtClean="0">
+              <a:rPr lang="en-GB" sz="2400" dirty="0" err="1">
+                <a:solidFill>
+                  <a:schemeClr val="bg1"/>
+                </a:solidFill>
+              </a:rPr>
+              <a:t>comme</a:t>
+            </a:r>
+            <a:r>
+              <a:rPr lang="en-GB" sz="2400" dirty="0">
                 <a:solidFill>
                   <a:schemeClr val="bg1"/>
                 </a:solidFill>
@@ -10548,23 +9423,7 @@
               <a:t> </a:t>
             </a:r>
             <a:r>
-              <a:rPr lang="en-GB" sz="2400" dirty="0" err="1" smtClean="0">
-                <a:solidFill>
-                  <a:schemeClr val="bg1"/>
-                </a:solidFill>
-              </a:rPr>
-              <a:t>comme</a:t>
-            </a:r>
-            <a:r>
-              <a:rPr lang="en-GB" sz="2400" dirty="0" smtClean="0">
-                <a:solidFill>
-                  <a:schemeClr val="bg1"/>
-                </a:solidFill>
-              </a:rPr>
-              <a:t> </a:t>
-            </a:r>
-            <a:r>
-              <a:rPr lang="en-GB" sz="2400" dirty="0" err="1" smtClean="0">
+              <a:rPr lang="en-GB" sz="2400" dirty="0" err="1">
                 <a:solidFill>
                   <a:schemeClr val="bg1"/>
                 </a:solidFill>
@@ -10572,18 +9431,13 @@
               <a:t>dessous</a:t>
             </a:r>
             <a:r>
-              <a:rPr lang="en-GB" sz="2400" dirty="0" smtClean="0">
+              <a:rPr lang="en-GB" sz="2400" dirty="0">
                 <a:solidFill>
                   <a:schemeClr val="bg1"/>
                 </a:solidFill>
               </a:rPr>
               <a:t>:</a:t>
             </a:r>
-            <a:endParaRPr lang="en-GB" sz="2400" dirty="0" smtClean="0">
-              <a:solidFill>
-                <a:schemeClr val="bg1"/>
-              </a:solidFill>
-            </a:endParaRPr>
           </a:p>
         </p:txBody>
       </p:sp>
@@ -10687,7 +9541,7 @@
           <a:p>
             <a:pPr algn="ctr"/>
             <a:r>
-              <a:rPr lang="en-GB" dirty="0" err="1" smtClean="0">
+              <a:rPr lang="en-GB" dirty="0" err="1">
                 <a:solidFill>
                   <a:schemeClr val="bg1">
                     <a:lumMod val="65000"/>
@@ -10697,42 +9551,15 @@
               <a:t>Appuyez</a:t>
             </a:r>
             <a:r>
-              <a:rPr lang="en-GB" dirty="0" smtClean="0">
+              <a:rPr lang="en-GB" dirty="0">
                 <a:solidFill>
                   <a:schemeClr val="bg1">
                     <a:lumMod val="65000"/>
                   </a:schemeClr>
                 </a:solidFill>
               </a:rPr>
-              <a:t> sur </a:t>
-            </a:r>
-            <a:r>
-              <a:rPr lang="en-GB" dirty="0" smtClean="0">
-                <a:solidFill>
-                  <a:schemeClr val="bg1">
-                    <a:lumMod val="65000"/>
-                  </a:schemeClr>
-                </a:solidFill>
-              </a:rPr>
-              <a:t>la fleche de </a:t>
-            </a:r>
-            <a:r>
-              <a:rPr lang="en-GB" dirty="0" smtClean="0">
-                <a:solidFill>
-                  <a:schemeClr val="bg1">
-                    <a:lumMod val="65000"/>
-                  </a:schemeClr>
-                </a:solidFill>
-              </a:rPr>
-              <a:t>droit pour continuer</a:t>
-            </a:r>
-            <a:endParaRPr lang="en-GB" dirty="0">
-              <a:solidFill>
-                <a:schemeClr val="bg1">
-                  <a:lumMod val="65000"/>
-                </a:schemeClr>
-              </a:solidFill>
-            </a:endParaRPr>
+              <a:t> sur la fleche de droit pour continuer</a:t>
+            </a:r>
           </a:p>
         </p:txBody>
       </p:sp>
@@ -10746,27 +9573,12 @@
   <p:clrMapOvr>
     <a:masterClrMapping/>
   </p:clrMapOvr>
-  <p:timing>
-    <p:tnLst>
-      <p:par>
-        <p:cTn id="1" dur="indefinite" restart="never" nodeType="tmRoot"/>
-      </p:par>
-    </p:tnLst>
-  </p:timing>
 </p:sld>
 </file>
 
 <file path=ppt/slides/slide5.xml><?xml version="1.0" encoding="utf-8"?>
 <p:sld xmlns:a="http://schemas.openxmlformats.org/drawingml/2006/main" xmlns:r="http://schemas.openxmlformats.org/officeDocument/2006/relationships" xmlns:p="http://schemas.openxmlformats.org/presentationml/2006/main">
   <p:cSld>
-    <p:bg>
-      <p:bgPr>
-        <a:solidFill>
-          <a:schemeClr val="tx1"/>
-        </a:solidFill>
-        <a:effectLst/>
-      </p:bgPr>
-    </p:bg>
     <p:spTree>
       <p:nvGrpSpPr>
         <p:cNvPr id="1" name=""/>
@@ -10815,18 +9627,13 @@
               </a:spcAft>
             </a:pPr>
             <a:r>
-              <a:rPr lang="en-GB" sz="2400" b="1" dirty="0" smtClean="0">
+              <a:rPr lang="en-GB" sz="2400" b="1" dirty="0">
                 <a:solidFill>
                   <a:schemeClr val="accent4"/>
                 </a:solidFill>
               </a:rPr>
               <a:t>PRINCIPE DE L’EXPERIENCE</a:t>
             </a:r>
-            <a:endParaRPr lang="en-GB" sz="2400" b="1" dirty="0">
-              <a:solidFill>
-                <a:schemeClr val="accent4"/>
-              </a:solidFill>
-            </a:endParaRPr>
           </a:p>
         </p:txBody>
       </p:sp>
@@ -10906,7 +9713,7 @@
               </a:spcAft>
             </a:pPr>
             <a:r>
-              <a:rPr lang="en-GB" sz="2400" dirty="0" smtClean="0">
+              <a:rPr lang="en-GB" sz="2400" dirty="0">
                 <a:solidFill>
                   <a:schemeClr val="bg1"/>
                 </a:solidFill>
@@ -10914,7 +9721,7 @@
               <a:t>Durant la phase de test, </a:t>
             </a:r>
             <a:r>
-              <a:rPr lang="en-GB" sz="2400" dirty="0" err="1" smtClean="0">
+              <a:rPr lang="en-GB" sz="2400" dirty="0" err="1">
                 <a:solidFill>
                   <a:schemeClr val="bg1"/>
                 </a:solidFill>
@@ -10922,7 +9729,7 @@
               <a:t>l’un</a:t>
             </a:r>
             <a:r>
-              <a:rPr lang="en-GB" sz="2400" dirty="0" smtClean="0">
+              <a:rPr lang="en-GB" sz="2400" dirty="0">
                 <a:solidFill>
                   <a:schemeClr val="bg1"/>
                 </a:solidFill>
@@ -10930,7 +9737,7 @@
               <a:t> de </a:t>
             </a:r>
             <a:r>
-              <a:rPr lang="en-GB" sz="2400" dirty="0" err="1" smtClean="0">
+              <a:rPr lang="en-GB" sz="2400" dirty="0" err="1">
                 <a:solidFill>
                   <a:schemeClr val="bg1"/>
                 </a:solidFill>
@@ -10938,7 +9745,7 @@
               <a:t>numéro</a:t>
             </a:r>
             <a:r>
-              <a:rPr lang="en-GB" sz="2400" dirty="0" smtClean="0">
+              <a:rPr lang="en-GB" sz="2400" dirty="0">
                 <a:solidFill>
                   <a:schemeClr val="bg1"/>
                 </a:solidFill>
@@ -10946,7 +9753,7 @@
               <a:t> de </a:t>
             </a:r>
             <a:r>
-              <a:rPr lang="en-GB" sz="2400" dirty="0" err="1" smtClean="0">
+              <a:rPr lang="en-GB" sz="2400" dirty="0" err="1">
                 <a:solidFill>
                   <a:schemeClr val="bg1"/>
                 </a:solidFill>
@@ -10954,7 +9761,7 @@
               <a:t>chaque</a:t>
             </a:r>
             <a:r>
-              <a:rPr lang="en-GB" sz="2400" dirty="0" smtClean="0">
+              <a:rPr lang="en-GB" sz="2400" dirty="0">
                 <a:solidFill>
                   <a:schemeClr val="bg1"/>
                 </a:solidFill>
@@ -10962,7 +9769,7 @@
               <a:t> </a:t>
             </a:r>
             <a:r>
-              <a:rPr lang="en-GB" sz="2400" dirty="0" err="1" smtClean="0">
+              <a:rPr lang="en-GB" sz="2400" dirty="0" err="1">
                 <a:solidFill>
                   <a:schemeClr val="bg1"/>
                 </a:solidFill>
@@ -10991,34 +9798,26 @@
                   <a:schemeClr val="bg1"/>
                 </a:solidFill>
               </a:rPr>
+              <a:t> sur la grille (</a:t>
+            </a:r>
+            <a:r>
+              <a:rPr lang="en-GB" sz="2400" dirty="0" err="1">
+                <a:solidFill>
+                  <a:schemeClr val="bg1"/>
+                </a:solidFill>
+              </a:rPr>
+              <a:t>comme</a:t>
+            </a:r>
+            <a:r>
+              <a:rPr lang="en-GB" sz="2400" dirty="0">
+                <a:solidFill>
+                  <a:schemeClr val="bg1"/>
+                </a:solidFill>
+              </a:rPr>
               <a:t> </a:t>
             </a:r>
             <a:r>
-              <a:rPr lang="en-GB" sz="2400" dirty="0" smtClean="0">
-                <a:solidFill>
-                  <a:schemeClr val="bg1"/>
-                </a:solidFill>
-              </a:rPr>
-              <a:t>sur la grille (</a:t>
-            </a:r>
-            <a:r>
-              <a:rPr lang="en-GB" sz="2400" dirty="0" err="1" smtClean="0">
-                <a:solidFill>
-                  <a:schemeClr val="bg1"/>
-                </a:solidFill>
-              </a:rPr>
-              <a:t>comme</a:t>
-            </a:r>
-            <a:r>
-              <a:rPr lang="en-GB" sz="2400" dirty="0" smtClean="0">
-                <a:solidFill>
-                  <a:schemeClr val="bg1"/>
-                </a:solidFill>
-              </a:rPr>
-              <a:t> </a:t>
-            </a:r>
-            <a:r>
-              <a:rPr lang="en-GB" sz="2400" dirty="0" err="1" smtClean="0">
+              <a:rPr lang="en-GB" sz="2400" dirty="0" err="1">
                 <a:solidFill>
                   <a:schemeClr val="bg1"/>
                 </a:solidFill>
@@ -11026,7 +9825,7 @@
               <a:t>dessous</a:t>
             </a:r>
             <a:r>
-              <a:rPr lang="en-GB" sz="2400" dirty="0" smtClean="0">
+              <a:rPr lang="en-GB" sz="2400" dirty="0">
                 <a:solidFill>
                   <a:schemeClr val="bg1"/>
                 </a:solidFill>
@@ -11041,7 +9840,7 @@
               </a:spcAft>
             </a:pPr>
             <a:r>
-              <a:rPr lang="en-GB" sz="2400" dirty="0" err="1" smtClean="0">
+              <a:rPr lang="en-GB" sz="2400" dirty="0" err="1">
                 <a:solidFill>
                   <a:schemeClr val="bg1"/>
                 </a:solidFill>
@@ -11049,7 +9848,7 @@
               <a:t>Vous</a:t>
             </a:r>
             <a:r>
-              <a:rPr lang="en-GB" sz="2400" dirty="0" smtClean="0">
+              <a:rPr lang="en-GB" sz="2400" dirty="0">
                 <a:solidFill>
                   <a:schemeClr val="bg1"/>
                 </a:solidFill>
@@ -11057,7 +9856,7 @@
               <a:t> </a:t>
             </a:r>
             <a:r>
-              <a:rPr lang="en-GB" sz="2400" dirty="0" err="1" smtClean="0">
+              <a:rPr lang="en-GB" sz="2400" dirty="0" err="1">
                 <a:solidFill>
                   <a:schemeClr val="bg1"/>
                 </a:solidFill>
@@ -11065,7 +9864,7 @@
               <a:t>devrez</a:t>
             </a:r>
             <a:r>
-              <a:rPr lang="en-GB" sz="2400" dirty="0" smtClean="0">
+              <a:rPr lang="en-GB" sz="2400" dirty="0">
                 <a:solidFill>
                   <a:schemeClr val="bg1"/>
                 </a:solidFill>
@@ -11073,7 +9872,7 @@
               <a:t>: </a:t>
             </a:r>
             <a:r>
-              <a:rPr lang="en-GB" sz="2400" b="1" dirty="0" err="1" smtClean="0">
+              <a:rPr lang="en-GB" sz="2400" b="1" dirty="0" err="1">
                 <a:solidFill>
                   <a:schemeClr val="bg1"/>
                 </a:solidFill>
@@ -11081,7 +9880,7 @@
               <a:t>Cliquez</a:t>
             </a:r>
             <a:r>
-              <a:rPr lang="en-GB" sz="2400" b="1" dirty="0" smtClean="0">
+              <a:rPr lang="en-GB" sz="2400" b="1" dirty="0">
                 <a:solidFill>
                   <a:schemeClr val="bg1"/>
                 </a:solidFill>
@@ -11089,7 +9888,7 @@
               <a:t> sur </a:t>
             </a:r>
             <a:r>
-              <a:rPr lang="en-GB" sz="2400" b="1" dirty="0" err="1" smtClean="0">
+              <a:rPr lang="en-GB" sz="2400" b="1" dirty="0" err="1">
                 <a:solidFill>
                   <a:schemeClr val="bg1"/>
                 </a:solidFill>
@@ -11097,7 +9896,7 @@
               <a:t>l’emplacement</a:t>
             </a:r>
             <a:r>
-              <a:rPr lang="en-GB" sz="2400" b="1" dirty="0" smtClean="0">
+              <a:rPr lang="en-GB" sz="2400" b="1" dirty="0">
                 <a:solidFill>
                   <a:schemeClr val="bg1"/>
                 </a:solidFill>
@@ -11105,7 +9904,7 @@
               <a:t> de </a:t>
             </a:r>
             <a:r>
-              <a:rPr lang="en-GB" sz="2400" b="1" dirty="0" err="1" smtClean="0">
+              <a:rPr lang="en-GB" sz="2400" b="1" dirty="0" err="1">
                 <a:solidFill>
                   <a:schemeClr val="bg1"/>
                 </a:solidFill>
@@ -11113,7 +9912,7 @@
               <a:t>l’autre</a:t>
             </a:r>
             <a:r>
-              <a:rPr lang="en-GB" sz="2400" b="1" dirty="0" smtClean="0">
+              <a:rPr lang="en-GB" sz="2400" b="1" dirty="0">
                 <a:solidFill>
                   <a:schemeClr val="bg1"/>
                 </a:solidFill>
@@ -11121,7 +9920,7 @@
               <a:t> </a:t>
             </a:r>
             <a:r>
-              <a:rPr lang="en-GB" sz="2400" b="1" dirty="0" err="1" smtClean="0">
+              <a:rPr lang="en-GB" sz="2400" b="1" dirty="0" err="1">
                 <a:solidFill>
                   <a:schemeClr val="bg1"/>
                 </a:solidFill>
@@ -11129,7 +9928,7 @@
               <a:t>numéro</a:t>
             </a:r>
             <a:r>
-              <a:rPr lang="en-GB" sz="2400" b="1" dirty="0" smtClean="0">
+              <a:rPr lang="en-GB" sz="2400" b="1" dirty="0">
                 <a:solidFill>
                   <a:schemeClr val="bg1"/>
                 </a:solidFill>
@@ -11137,7 +9936,7 @@
               <a:t> de </a:t>
             </a:r>
             <a:r>
-              <a:rPr lang="en-GB" sz="2400" b="1" dirty="0" err="1" smtClean="0">
+              <a:rPr lang="en-GB" sz="2400" b="1" dirty="0" err="1">
                 <a:solidFill>
                   <a:schemeClr val="bg1"/>
                 </a:solidFill>
@@ -11145,7 +9944,7 @@
               <a:t>cette</a:t>
             </a:r>
             <a:r>
-              <a:rPr lang="en-GB" sz="2400" b="1" dirty="0" smtClean="0">
+              <a:rPr lang="en-GB" sz="2400" b="1" dirty="0">
                 <a:solidFill>
                   <a:schemeClr val="bg1"/>
                 </a:solidFill>
@@ -11153,14 +9952,14 @@
               <a:t> </a:t>
             </a:r>
             <a:r>
-              <a:rPr lang="en-GB" sz="2400" b="1" dirty="0" err="1" smtClean="0">
+              <a:rPr lang="en-GB" sz="2400" b="1" dirty="0" err="1">
                 <a:solidFill>
                   <a:schemeClr val="bg1"/>
                 </a:solidFill>
               </a:rPr>
               <a:t>paire</a:t>
             </a:r>
-            <a:endParaRPr lang="en-GB" sz="2400" b="1" dirty="0" smtClean="0">
+            <a:endParaRPr lang="en-GB" sz="2400" b="1" dirty="0">
               <a:solidFill>
                 <a:schemeClr val="bg1"/>
               </a:solidFill>
@@ -11221,7 +10020,7 @@
           <a:p>
             <a:pPr algn="ctr"/>
             <a:r>
-              <a:rPr lang="en-GB" dirty="0" err="1" smtClean="0">
+              <a:rPr lang="en-GB" dirty="0" err="1">
                 <a:solidFill>
                   <a:schemeClr val="bg1">
                     <a:lumMod val="65000"/>
@@ -11231,42 +10030,15 @@
               <a:t>Appuyez</a:t>
             </a:r>
             <a:r>
-              <a:rPr lang="en-GB" dirty="0" smtClean="0">
+              <a:rPr lang="en-GB" dirty="0">
                 <a:solidFill>
                   <a:schemeClr val="bg1">
                     <a:lumMod val="65000"/>
                   </a:schemeClr>
                 </a:solidFill>
               </a:rPr>
-              <a:t> sur </a:t>
-            </a:r>
-            <a:r>
-              <a:rPr lang="en-GB" dirty="0" smtClean="0">
-                <a:solidFill>
-                  <a:schemeClr val="bg1">
-                    <a:lumMod val="65000"/>
-                  </a:schemeClr>
-                </a:solidFill>
-              </a:rPr>
-              <a:t>la fleche de </a:t>
-            </a:r>
-            <a:r>
-              <a:rPr lang="en-GB" dirty="0" smtClean="0">
-                <a:solidFill>
-                  <a:schemeClr val="bg1">
-                    <a:lumMod val="65000"/>
-                  </a:schemeClr>
-                </a:solidFill>
-              </a:rPr>
-              <a:t>droit pour continuer</a:t>
-            </a:r>
-            <a:endParaRPr lang="en-GB" dirty="0">
-              <a:solidFill>
-                <a:schemeClr val="bg1">
-                  <a:lumMod val="65000"/>
-                </a:schemeClr>
-              </a:solidFill>
-            </a:endParaRPr>
+              <a:t> sur la fleche de droit pour continuer</a:t>
+            </a:r>
           </a:p>
         </p:txBody>
       </p:sp>
@@ -11280,27 +10052,12 @@
   <p:clrMapOvr>
     <a:masterClrMapping/>
   </p:clrMapOvr>
-  <p:timing>
-    <p:tnLst>
-      <p:par>
-        <p:cTn id="1" dur="indefinite" restart="never" nodeType="tmRoot"/>
-      </p:par>
-    </p:tnLst>
-  </p:timing>
 </p:sld>
 </file>
 
 <file path=ppt/slides/slide6.xml><?xml version="1.0" encoding="utf-8"?>
 <p:sld xmlns:a="http://schemas.openxmlformats.org/drawingml/2006/main" xmlns:r="http://schemas.openxmlformats.org/officeDocument/2006/relationships" xmlns:p="http://schemas.openxmlformats.org/presentationml/2006/main">
   <p:cSld>
-    <p:bg>
-      <p:bgPr>
-        <a:solidFill>
-          <a:schemeClr val="tx1"/>
-        </a:solidFill>
-        <a:effectLst/>
-      </p:bgPr>
-    </p:bg>
     <p:spTree>
       <p:nvGrpSpPr>
         <p:cNvPr id="1" name=""/>
@@ -11349,18 +10106,13 @@
               </a:spcAft>
             </a:pPr>
             <a:r>
-              <a:rPr lang="en-GB" sz="2400" b="1" dirty="0" smtClean="0">
+              <a:rPr lang="en-GB" sz="2400" b="1" dirty="0">
                 <a:solidFill>
                   <a:schemeClr val="accent4"/>
                 </a:solidFill>
               </a:rPr>
               <a:t>PRINCIPE DE L’EXPERIENCE</a:t>
             </a:r>
-            <a:endParaRPr lang="en-GB" sz="2400" b="1" dirty="0">
-              <a:solidFill>
-                <a:schemeClr val="accent4"/>
-              </a:solidFill>
-            </a:endParaRPr>
           </a:p>
         </p:txBody>
       </p:sp>
@@ -11392,7 +10144,7 @@
               </a:spcAft>
             </a:pPr>
             <a:r>
-              <a:rPr lang="en-GB" sz="2400" dirty="0" smtClean="0">
+              <a:rPr lang="en-GB" sz="2400" dirty="0">
                 <a:solidFill>
                   <a:schemeClr val="bg1"/>
                 </a:solidFill>
@@ -11400,7 +10152,7 @@
               <a:t>Durant </a:t>
             </a:r>
             <a:r>
-              <a:rPr lang="en-GB" sz="2400" dirty="0" err="1" smtClean="0">
+              <a:rPr lang="en-GB" sz="2400" dirty="0" err="1">
                 <a:solidFill>
                   <a:schemeClr val="bg1"/>
                 </a:solidFill>
@@ -11408,7 +10160,7 @@
               <a:t>chaque</a:t>
             </a:r>
             <a:r>
-              <a:rPr lang="en-GB" sz="2400" dirty="0" smtClean="0">
+              <a:rPr lang="en-GB" sz="2400" dirty="0">
                 <a:solidFill>
                   <a:schemeClr val="bg1"/>
                 </a:solidFill>
@@ -11416,7 +10168,7 @@
               <a:t> </a:t>
             </a:r>
             <a:r>
-              <a:rPr lang="en-GB" sz="2400" dirty="0" err="1" smtClean="0">
+              <a:rPr lang="en-GB" sz="2400" dirty="0" err="1">
                 <a:solidFill>
                   <a:schemeClr val="bg1"/>
                 </a:solidFill>
@@ -11424,7 +10176,7 @@
               <a:t>essai</a:t>
             </a:r>
             <a:r>
-              <a:rPr lang="en-GB" sz="2400" dirty="0" smtClean="0">
+              <a:rPr lang="en-GB" sz="2400" dirty="0">
                 <a:solidFill>
                   <a:schemeClr val="bg1"/>
                 </a:solidFill>
@@ -11432,23 +10184,15 @@
               <a:t>, </a:t>
             </a:r>
             <a:r>
-              <a:rPr lang="en-GB" sz="2400" dirty="0" err="1" smtClean="0">
-                <a:solidFill>
-                  <a:schemeClr val="bg1"/>
-                </a:solidFill>
-              </a:rPr>
-              <a:t>v</a:t>
-            </a:r>
-            <a:r>
-              <a:rPr lang="en-GB" sz="2400" dirty="0" err="1" smtClean="0">
-                <a:solidFill>
-                  <a:schemeClr val="bg1"/>
-                </a:solidFill>
-              </a:rPr>
-              <a:t>ous</a:t>
-            </a:r>
-            <a:r>
-              <a:rPr lang="en-GB" sz="2400" dirty="0" smtClean="0">
+              <a:rPr lang="en-GB" sz="2400" dirty="0" err="1">
+                <a:solidFill>
+                  <a:schemeClr val="bg1"/>
+                </a:solidFill>
+              </a:rPr>
+              <a:t>vous</a:t>
+            </a:r>
+            <a:r>
+              <a:rPr lang="en-GB" sz="2400" dirty="0">
                 <a:solidFill>
                   <a:schemeClr val="bg1"/>
                 </a:solidFill>
@@ -11456,7 +10200,7 @@
               <a:t> </a:t>
             </a:r>
             <a:r>
-              <a:rPr lang="en-GB" sz="2400" dirty="0" err="1" smtClean="0">
+              <a:rPr lang="en-GB" sz="2400" dirty="0" err="1">
                 <a:solidFill>
                   <a:schemeClr val="bg1"/>
                 </a:solidFill>
@@ -11464,7 +10208,7 @@
               <a:t>pourrez</a:t>
             </a:r>
             <a:r>
-              <a:rPr lang="en-GB" sz="2400" dirty="0" smtClean="0">
+              <a:rPr lang="en-GB" sz="2400" dirty="0">
                 <a:solidFill>
                   <a:schemeClr val="bg1"/>
                 </a:solidFill>
@@ -11472,7 +10216,7 @@
               <a:t> </a:t>
             </a:r>
             <a:r>
-              <a:rPr lang="en-GB" sz="2400" dirty="0" err="1" smtClean="0">
+              <a:rPr lang="en-GB" sz="2400" dirty="0" err="1">
                 <a:solidFill>
                   <a:schemeClr val="bg1"/>
                 </a:solidFill>
@@ -11480,7 +10224,7 @@
               <a:t>choisir</a:t>
             </a:r>
             <a:r>
-              <a:rPr lang="en-GB" sz="2400" dirty="0" smtClean="0">
+              <a:rPr lang="en-GB" sz="2400" dirty="0">
                 <a:solidFill>
                   <a:schemeClr val="bg1"/>
                 </a:solidFill>
@@ -11488,7 +10232,7 @@
               <a:t> de </a:t>
             </a:r>
             <a:r>
-              <a:rPr lang="en-GB" sz="2400" dirty="0" err="1" smtClean="0">
+              <a:rPr lang="en-GB" sz="2400" dirty="0" err="1">
                 <a:solidFill>
                   <a:schemeClr val="bg1"/>
                 </a:solidFill>
@@ -11496,7 +10240,7 @@
               <a:t>voir</a:t>
             </a:r>
             <a:r>
-              <a:rPr lang="en-GB" sz="2400" dirty="0" smtClean="0">
+              <a:rPr lang="en-GB" sz="2400" dirty="0">
                 <a:solidFill>
                   <a:schemeClr val="bg1"/>
                 </a:solidFill>
@@ -11504,7 +10248,7 @@
               <a:t> les emplacements des </a:t>
             </a:r>
             <a:r>
-              <a:rPr lang="en-GB" sz="2400" dirty="0" err="1" smtClean="0">
+              <a:rPr lang="en-GB" sz="2400" dirty="0" err="1">
                 <a:solidFill>
                   <a:schemeClr val="bg1"/>
                 </a:solidFill>
@@ -11512,7 +10256,7 @@
               <a:t>paires</a:t>
             </a:r>
             <a:r>
-              <a:rPr lang="en-GB" sz="2400" dirty="0" smtClean="0">
+              <a:rPr lang="en-GB" sz="2400" dirty="0">
                 <a:solidFill>
                   <a:schemeClr val="bg1"/>
                 </a:solidFill>
@@ -11520,7 +10264,7 @@
               <a:t> </a:t>
             </a:r>
             <a:r>
-              <a:rPr lang="en-GB" sz="2400" dirty="0" err="1" smtClean="0">
+              <a:rPr lang="en-GB" sz="2400" dirty="0" err="1">
                 <a:solidFill>
                   <a:schemeClr val="bg1"/>
                 </a:solidFill>
@@ -11528,7 +10272,7 @@
               <a:t>autant</a:t>
             </a:r>
             <a:r>
-              <a:rPr lang="en-GB" sz="2400" dirty="0" smtClean="0">
+              <a:rPr lang="en-GB" sz="2400" dirty="0">
                 <a:solidFill>
                   <a:schemeClr val="bg1"/>
                 </a:solidFill>
@@ -11536,7 +10280,7 @@
               <a:t> de </a:t>
             </a:r>
             <a:r>
-              <a:rPr lang="en-GB" sz="2400" dirty="0" err="1" smtClean="0">
+              <a:rPr lang="en-GB" sz="2400" dirty="0" err="1">
                 <a:solidFill>
                   <a:schemeClr val="bg1"/>
                 </a:solidFill>
@@ -11544,7 +10288,7 @@
               <a:t>fois</a:t>
             </a:r>
             <a:r>
-              <a:rPr lang="en-GB" sz="2400" dirty="0" smtClean="0">
+              <a:rPr lang="en-GB" sz="2400" dirty="0">
                 <a:solidFill>
                   <a:schemeClr val="bg1"/>
                 </a:solidFill>
@@ -11552,7 +10296,7 @@
               <a:t> que </a:t>
             </a:r>
             <a:r>
-              <a:rPr lang="en-GB" sz="2400" dirty="0" err="1" smtClean="0">
+              <a:rPr lang="en-GB" sz="2400" dirty="0" err="1">
                 <a:solidFill>
                   <a:schemeClr val="bg1"/>
                 </a:solidFill>
@@ -11560,7 +10304,7 @@
               <a:t>vous</a:t>
             </a:r>
             <a:r>
-              <a:rPr lang="en-GB" sz="2400" dirty="0" smtClean="0">
+              <a:rPr lang="en-GB" sz="2400" dirty="0">
                 <a:solidFill>
                   <a:schemeClr val="bg1"/>
                 </a:solidFill>
@@ -11568,14 +10312,14 @@
               <a:t> le </a:t>
             </a:r>
             <a:r>
-              <a:rPr lang="en-GB" sz="2400" dirty="0" err="1" smtClean="0">
+              <a:rPr lang="en-GB" sz="2400" dirty="0" err="1">
                 <a:solidFill>
                   <a:schemeClr val="bg1"/>
                 </a:solidFill>
               </a:rPr>
               <a:t>souhaitez</a:t>
             </a:r>
-            <a:endParaRPr lang="en-GB" sz="2400" dirty="0" smtClean="0">
+            <a:endParaRPr lang="en-GB" sz="2400" dirty="0">
               <a:solidFill>
                 <a:schemeClr val="bg1"/>
               </a:solidFill>
@@ -11588,7 +10332,7 @@
               </a:spcAft>
             </a:pPr>
             <a:r>
-              <a:rPr lang="en-GB" sz="2400" dirty="0" smtClean="0">
+              <a:rPr lang="en-GB" sz="2400" dirty="0">
                 <a:solidFill>
                   <a:schemeClr val="bg1"/>
                 </a:solidFill>
@@ -11596,7 +10340,7 @@
               <a:t>Sur </a:t>
             </a:r>
             <a:r>
-              <a:rPr lang="en-GB" sz="2400" dirty="0" err="1" smtClean="0">
+              <a:rPr lang="en-GB" sz="2400" dirty="0" err="1">
                 <a:solidFill>
                   <a:schemeClr val="bg1"/>
                 </a:solidFill>
@@ -11604,7 +10348,7 @@
               <a:t>chaque</a:t>
             </a:r>
             <a:r>
-              <a:rPr lang="en-GB" sz="2400" dirty="0" smtClean="0">
+              <a:rPr lang="en-GB" sz="2400" dirty="0">
                 <a:solidFill>
                   <a:schemeClr val="bg1"/>
                 </a:solidFill>
@@ -11612,7 +10356,7 @@
               <a:t> </a:t>
             </a:r>
             <a:r>
-              <a:rPr lang="en-GB" sz="2400" dirty="0" err="1" smtClean="0">
+              <a:rPr lang="en-GB" sz="2400" dirty="0" err="1">
                 <a:solidFill>
                   <a:schemeClr val="bg1"/>
                 </a:solidFill>
@@ -11620,7 +10364,7 @@
               <a:t>essai</a:t>
             </a:r>
             <a:r>
-              <a:rPr lang="en-GB" sz="2400" dirty="0" smtClean="0">
+              <a:rPr lang="en-GB" sz="2400" dirty="0">
                 <a:solidFill>
                   <a:schemeClr val="bg1"/>
                 </a:solidFill>
@@ -11628,7 +10372,7 @@
               <a:t>, </a:t>
             </a:r>
             <a:r>
-              <a:rPr lang="en-GB" sz="2400" b="1" dirty="0" err="1" smtClean="0">
+              <a:rPr lang="en-GB" sz="2400" b="1" dirty="0" err="1">
                 <a:solidFill>
                   <a:schemeClr val="bg1"/>
                 </a:solidFill>
@@ -11636,7 +10380,7 @@
               <a:t>c’est</a:t>
             </a:r>
             <a:r>
-              <a:rPr lang="en-GB" sz="2400" b="1" dirty="0" smtClean="0">
+              <a:rPr lang="en-GB" sz="2400" b="1" dirty="0">
                 <a:solidFill>
                   <a:schemeClr val="bg1"/>
                 </a:solidFill>
@@ -11644,7 +10388,7 @@
               <a:t> à </a:t>
             </a:r>
             <a:r>
-              <a:rPr lang="en-GB" sz="2400" b="1" dirty="0" err="1" smtClean="0">
+              <a:rPr lang="en-GB" sz="2400" b="1" dirty="0" err="1">
                 <a:solidFill>
                   <a:schemeClr val="bg1"/>
                 </a:solidFill>
@@ -11652,7 +10396,7 @@
               <a:t>vous</a:t>
             </a:r>
             <a:r>
-              <a:rPr lang="en-GB" sz="2400" b="1" dirty="0" smtClean="0">
+              <a:rPr lang="en-GB" sz="2400" b="1" dirty="0">
                 <a:solidFill>
                   <a:schemeClr val="bg1"/>
                 </a:solidFill>
@@ -11660,7 +10404,7 @@
               <a:t> </a:t>
             </a:r>
             <a:r>
-              <a:rPr lang="en-GB" sz="2400" dirty="0" smtClean="0">
+              <a:rPr lang="en-GB" sz="2400" dirty="0">
                 <a:solidFill>
                   <a:schemeClr val="bg1"/>
                 </a:solidFill>
@@ -11668,7 +10412,7 @@
               <a:t>de decider </a:t>
             </a:r>
             <a:r>
-              <a:rPr lang="en-GB" sz="2400" dirty="0" err="1" smtClean="0">
+              <a:rPr lang="en-GB" sz="2400" dirty="0" err="1">
                 <a:solidFill>
                   <a:schemeClr val="bg1"/>
                 </a:solidFill>
@@ -11676,7 +10420,7 @@
               <a:t>combien</a:t>
             </a:r>
             <a:r>
-              <a:rPr lang="en-GB" sz="2400" dirty="0" smtClean="0">
+              <a:rPr lang="en-GB" sz="2400" dirty="0">
                 <a:solidFill>
                   <a:schemeClr val="bg1"/>
                 </a:solidFill>
@@ -11684,7 +10428,7 @@
               <a:t> de </a:t>
             </a:r>
             <a:r>
-              <a:rPr lang="en-GB" sz="2400" dirty="0" err="1" smtClean="0">
+              <a:rPr lang="en-GB" sz="2400" dirty="0" err="1">
                 <a:solidFill>
                   <a:schemeClr val="bg1"/>
                 </a:solidFill>
@@ -11692,7 +10436,7 @@
               <a:t>fois</a:t>
             </a:r>
             <a:r>
-              <a:rPr lang="en-GB" sz="2400" dirty="0" smtClean="0">
+              <a:rPr lang="en-GB" sz="2400" dirty="0">
                 <a:solidFill>
                   <a:schemeClr val="bg1"/>
                 </a:solidFill>
@@ -11700,7 +10444,7 @@
               <a:t> </a:t>
             </a:r>
             <a:r>
-              <a:rPr lang="en-GB" sz="2400" dirty="0" err="1" smtClean="0">
+              <a:rPr lang="en-GB" sz="2400" dirty="0" err="1">
                 <a:solidFill>
                   <a:schemeClr val="bg1"/>
                 </a:solidFill>
@@ -11708,7 +10452,7 @@
               <a:t>vous</a:t>
             </a:r>
             <a:r>
-              <a:rPr lang="en-GB" sz="2400" dirty="0" smtClean="0">
+              <a:rPr lang="en-GB" sz="2400" dirty="0">
                 <a:solidFill>
                   <a:schemeClr val="bg1"/>
                 </a:solidFill>
@@ -11716,7 +10460,7 @@
               <a:t> </a:t>
             </a:r>
             <a:r>
-              <a:rPr lang="en-GB" sz="2400" dirty="0" err="1" smtClean="0">
+              <a:rPr lang="en-GB" sz="2400" dirty="0" err="1">
                 <a:solidFill>
                   <a:schemeClr val="bg1"/>
                 </a:solidFill>
@@ -11724,7 +10468,7 @@
               <a:t>souhaitez</a:t>
             </a:r>
             <a:r>
-              <a:rPr lang="en-GB" sz="2400" dirty="0" smtClean="0">
+              <a:rPr lang="en-GB" sz="2400" dirty="0">
                 <a:solidFill>
                   <a:schemeClr val="bg1"/>
                 </a:solidFill>
@@ -11732,7 +10476,7 @@
               <a:t> revoir les emplacements des </a:t>
             </a:r>
             <a:r>
-              <a:rPr lang="en-GB" sz="2400" dirty="0" err="1" smtClean="0">
+              <a:rPr lang="en-GB" sz="2400" dirty="0" err="1">
                 <a:solidFill>
                   <a:schemeClr val="bg1"/>
                 </a:solidFill>
@@ -11740,14 +10484,14 @@
               <a:t>paires</a:t>
             </a:r>
             <a:r>
-              <a:rPr lang="en-GB" sz="2400" dirty="0" smtClean="0">
+              <a:rPr lang="en-GB" sz="2400" dirty="0">
                 <a:solidFill>
                   <a:schemeClr val="bg1"/>
                 </a:solidFill>
               </a:rPr>
               <a:t> </a:t>
             </a:r>
-            <a:endParaRPr lang="en-GB" sz="2400" b="1" dirty="0" smtClean="0">
+            <a:endParaRPr lang="en-GB" sz="2400" b="1" dirty="0">
               <a:solidFill>
                 <a:schemeClr val="bg1"/>
               </a:solidFill>
@@ -11826,7 +10570,7 @@
           <a:p>
             <a:pPr algn="ctr"/>
             <a:r>
-              <a:rPr lang="en-GB" dirty="0" err="1" smtClean="0">
+              <a:rPr lang="en-GB" dirty="0" err="1">
                 <a:solidFill>
                   <a:schemeClr val="bg1">
                     <a:lumMod val="65000"/>
@@ -11836,42 +10580,15 @@
               <a:t>Appuyez</a:t>
             </a:r>
             <a:r>
-              <a:rPr lang="en-GB" dirty="0" smtClean="0">
+              <a:rPr lang="en-GB" dirty="0">
                 <a:solidFill>
                   <a:schemeClr val="bg1">
                     <a:lumMod val="65000"/>
                   </a:schemeClr>
                 </a:solidFill>
               </a:rPr>
-              <a:t> sur </a:t>
-            </a:r>
-            <a:r>
-              <a:rPr lang="en-GB" dirty="0" smtClean="0">
-                <a:solidFill>
-                  <a:schemeClr val="bg1">
-                    <a:lumMod val="65000"/>
-                  </a:schemeClr>
-                </a:solidFill>
-              </a:rPr>
-              <a:t>la fleche de </a:t>
-            </a:r>
-            <a:r>
-              <a:rPr lang="en-GB" dirty="0" smtClean="0">
-                <a:solidFill>
-                  <a:schemeClr val="bg1">
-                    <a:lumMod val="65000"/>
-                  </a:schemeClr>
-                </a:solidFill>
-              </a:rPr>
-              <a:t>droit pour continuer</a:t>
-            </a:r>
-            <a:endParaRPr lang="en-GB" dirty="0">
-              <a:solidFill>
-                <a:schemeClr val="bg1">
-                  <a:lumMod val="65000"/>
-                </a:schemeClr>
-              </a:solidFill>
-            </a:endParaRPr>
+              <a:t> sur la fleche de droit pour continuer</a:t>
+            </a:r>
           </a:p>
         </p:txBody>
       </p:sp>
@@ -11899,7 +10616,7 @@
           <a:p>
             <a:pPr algn="ctr"/>
             <a:r>
-              <a:rPr lang="en-GB" sz="2000" dirty="0" smtClean="0">
+              <a:rPr lang="en-GB" sz="2000" dirty="0">
                 <a:solidFill>
                   <a:schemeClr val="bg1"/>
                 </a:solidFill>
@@ -11907,7 +10624,7 @@
               <a:t>Est-</a:t>
             </a:r>
             <a:r>
-              <a:rPr lang="en-GB" sz="2000" dirty="0" err="1" smtClean="0">
+              <a:rPr lang="en-GB" sz="2000" dirty="0" err="1">
                 <a:solidFill>
                   <a:schemeClr val="bg1"/>
                 </a:solidFill>
@@ -11915,7 +10632,7 @@
               <a:t>ce</a:t>
             </a:r>
             <a:r>
-              <a:rPr lang="en-GB" sz="2000" dirty="0" smtClean="0">
+              <a:rPr lang="en-GB" sz="2000" dirty="0">
                 <a:solidFill>
                   <a:schemeClr val="bg1"/>
                 </a:solidFill>
@@ -11923,7 +10640,7 @@
               <a:t> que </a:t>
             </a:r>
             <a:r>
-              <a:rPr lang="en-GB" sz="2000" dirty="0" err="1" smtClean="0">
+              <a:rPr lang="en-GB" sz="2000" dirty="0" err="1">
                 <a:solidFill>
                   <a:schemeClr val="bg1"/>
                 </a:solidFill>
@@ -11931,7 +10648,7 @@
               <a:t>vous</a:t>
             </a:r>
             <a:r>
-              <a:rPr lang="en-GB" sz="2000" dirty="0" smtClean="0">
+              <a:rPr lang="en-GB" sz="2000" dirty="0">
                 <a:solidFill>
                   <a:schemeClr val="bg1"/>
                 </a:solidFill>
@@ -11939,7 +10656,7 @@
               <a:t> </a:t>
             </a:r>
             <a:r>
-              <a:rPr lang="en-GB" sz="2000" dirty="0" err="1" smtClean="0">
+              <a:rPr lang="en-GB" sz="2000" dirty="0" err="1">
                 <a:solidFill>
                   <a:schemeClr val="bg1"/>
                 </a:solidFill>
@@ -11947,7 +10664,7 @@
               <a:t>voulez</a:t>
             </a:r>
             <a:r>
-              <a:rPr lang="en-GB" sz="2000" dirty="0" smtClean="0">
+              <a:rPr lang="en-GB" sz="2000" dirty="0">
                 <a:solidFill>
                   <a:schemeClr val="bg1"/>
                 </a:solidFill>
@@ -11955,7 +10672,7 @@
               <a:t> </a:t>
             </a:r>
             <a:r>
-              <a:rPr lang="en-GB" sz="2000" dirty="0" err="1" smtClean="0">
+              <a:rPr lang="en-GB" sz="2000" dirty="0" err="1">
                 <a:solidFill>
                   <a:schemeClr val="bg1"/>
                 </a:solidFill>
@@ -11963,7 +10680,7 @@
               <a:t>voir</a:t>
             </a:r>
             <a:r>
-              <a:rPr lang="en-GB" sz="2000" dirty="0" smtClean="0">
+              <a:rPr lang="en-GB" sz="2000" dirty="0">
                 <a:solidFill>
                   <a:schemeClr val="bg1"/>
                 </a:solidFill>
@@ -11971,7 +10688,7 @@
               <a:t> les </a:t>
             </a:r>
             <a:r>
-              <a:rPr lang="en-GB" sz="2000" dirty="0" err="1" smtClean="0">
+              <a:rPr lang="en-GB" sz="2000" dirty="0" err="1">
                 <a:solidFill>
                   <a:schemeClr val="bg1"/>
                 </a:solidFill>
@@ -11979,7 +10696,7 @@
               <a:t>paires</a:t>
             </a:r>
             <a:r>
-              <a:rPr lang="en-GB" sz="2000" dirty="0" smtClean="0">
+              <a:rPr lang="en-GB" sz="2000" dirty="0">
                 <a:solidFill>
                   <a:schemeClr val="bg1"/>
                 </a:solidFill>
@@ -11987,7 +10704,7 @@
               <a:t> pour </a:t>
             </a:r>
             <a:r>
-              <a:rPr lang="en-GB" sz="2000" dirty="0" err="1" smtClean="0">
+              <a:rPr lang="en-GB" sz="2000" dirty="0" err="1">
                 <a:solidFill>
                   <a:schemeClr val="bg1"/>
                 </a:solidFill>
@@ -11995,7 +10712,7 @@
               <a:t>une</a:t>
             </a:r>
             <a:r>
-              <a:rPr lang="en-GB" sz="2000" dirty="0" smtClean="0">
+              <a:rPr lang="en-GB" sz="2000" dirty="0">
                 <a:solidFill>
                   <a:schemeClr val="bg1"/>
                 </a:solidFill>
@@ -12003,7 +10720,7 @@
               <a:t> </a:t>
             </a:r>
             <a:r>
-              <a:rPr lang="en-GB" sz="2000" dirty="0" err="1" smtClean="0">
+              <a:rPr lang="en-GB" sz="2000" dirty="0" err="1">
                 <a:solidFill>
                   <a:schemeClr val="bg1"/>
                 </a:solidFill>
@@ -12011,7 +10728,7 @@
               <a:t>autre</a:t>
             </a:r>
             <a:r>
-              <a:rPr lang="en-GB" sz="2000" dirty="0" smtClean="0">
+              <a:rPr lang="en-GB" sz="2000" dirty="0">
                 <a:solidFill>
                   <a:schemeClr val="bg1"/>
                 </a:solidFill>
@@ -12019,7 +10736,7 @@
               <a:t> </a:t>
             </a:r>
             <a:r>
-              <a:rPr lang="en-GB" sz="2000" dirty="0" err="1" smtClean="0">
+              <a:rPr lang="en-GB" sz="2000" dirty="0" err="1">
                 <a:solidFill>
                   <a:schemeClr val="bg1"/>
                 </a:solidFill>
@@ -12027,7 +10744,7 @@
               <a:t>fois</a:t>
             </a:r>
             <a:r>
-              <a:rPr lang="en-GB" sz="2000" dirty="0" smtClean="0">
+              <a:rPr lang="en-GB" sz="2000" dirty="0">
                 <a:solidFill>
                   <a:schemeClr val="bg1"/>
                 </a:solidFill>
@@ -12037,7 +10754,7 @@
           </a:p>
           <a:p>
             <a:pPr algn="ctr"/>
-            <a:endParaRPr lang="en-GB" sz="2000" dirty="0" smtClean="0">
+            <a:endParaRPr lang="en-GB" sz="2000" dirty="0">
               <a:solidFill>
                 <a:schemeClr val="bg1"/>
               </a:solidFill>
@@ -12046,7 +10763,7 @@
           <a:p>
             <a:pPr algn="ctr"/>
             <a:r>
-              <a:rPr lang="en-GB" sz="2000" dirty="0" smtClean="0">
+              <a:rPr lang="en-GB" sz="2000" dirty="0">
                 <a:solidFill>
                   <a:schemeClr val="bg1"/>
                 </a:solidFill>
@@ -12054,7 +10771,7 @@
               <a:t>Si </a:t>
             </a:r>
             <a:r>
-              <a:rPr lang="en-GB" sz="2000" dirty="0" err="1" smtClean="0">
+              <a:rPr lang="en-GB" sz="2000" dirty="0" err="1">
                 <a:solidFill>
                   <a:schemeClr val="bg1"/>
                 </a:solidFill>
@@ -12062,7 +10779,7 @@
               <a:t>oui</a:t>
             </a:r>
             <a:r>
-              <a:rPr lang="en-GB" sz="2000" dirty="0" smtClean="0">
+              <a:rPr lang="en-GB" sz="2000" dirty="0">
                 <a:solidFill>
                   <a:schemeClr val="bg1"/>
                 </a:solidFill>
@@ -12070,7 +10787,7 @@
               <a:t>, </a:t>
             </a:r>
             <a:r>
-              <a:rPr lang="en-GB" sz="2000" dirty="0" err="1" smtClean="0">
+              <a:rPr lang="en-GB" sz="2000" dirty="0" err="1">
                 <a:solidFill>
                   <a:schemeClr val="bg1"/>
                 </a:solidFill>
@@ -12078,7 +10795,7 @@
               <a:t>appuyez</a:t>
             </a:r>
             <a:r>
-              <a:rPr lang="en-GB" sz="2000" dirty="0" smtClean="0">
+              <a:rPr lang="en-GB" sz="2000" dirty="0">
                 <a:solidFill>
                   <a:schemeClr val="bg1"/>
                 </a:solidFill>
@@ -12086,7 +10803,7 @@
               <a:t> sur </a:t>
             </a:r>
             <a:r>
-              <a:rPr lang="fr-FR" sz="2000" dirty="0" smtClean="0">
+              <a:rPr lang="fr-FR" sz="2000" dirty="0">
                 <a:solidFill>
                   <a:schemeClr val="bg1"/>
                 </a:solidFill>
@@ -12094,7 +10811,7 @@
               <a:t>« la barre d</a:t>
             </a:r>
             <a:r>
-              <a:rPr lang="en-GB" sz="2000" dirty="0" smtClean="0">
+              <a:rPr lang="en-GB" sz="2000" dirty="0">
                 <a:solidFill>
                   <a:schemeClr val="bg1"/>
                 </a:solidFill>
@@ -12102,7 +10819,7 @@
               <a:t>’</a:t>
             </a:r>
             <a:r>
-              <a:rPr lang="en-GB" sz="2000" dirty="0" err="1" smtClean="0">
+              <a:rPr lang="en-GB" sz="2000" dirty="0" err="1">
                 <a:solidFill>
                   <a:schemeClr val="bg1"/>
                 </a:solidFill>
@@ -12110,7 +10827,7 @@
               <a:t>espace</a:t>
             </a:r>
             <a:r>
-              <a:rPr lang="fr-FR" sz="2000" dirty="0" smtClean="0">
+              <a:rPr lang="fr-FR" sz="2000" dirty="0">
                 <a:solidFill>
                   <a:schemeClr val="bg1"/>
                 </a:solidFill>
@@ -12135,27 +10852,12 @@
   <p:clrMapOvr>
     <a:masterClrMapping/>
   </p:clrMapOvr>
-  <p:timing>
-    <p:tnLst>
-      <p:par>
-        <p:cTn id="1" dur="indefinite" restart="never" nodeType="tmRoot"/>
-      </p:par>
-    </p:tnLst>
-  </p:timing>
 </p:sld>
 </file>
 
 <file path=ppt/slides/slide7.xml><?xml version="1.0" encoding="utf-8"?>
 <p:sld xmlns:a="http://schemas.openxmlformats.org/drawingml/2006/main" xmlns:r="http://schemas.openxmlformats.org/officeDocument/2006/relationships" xmlns:p="http://schemas.openxmlformats.org/presentationml/2006/main">
   <p:cSld>
-    <p:bg>
-      <p:bgPr>
-        <a:solidFill>
-          <a:schemeClr val="tx1"/>
-        </a:solidFill>
-        <a:effectLst/>
-      </p:bgPr>
-    </p:bg>
     <p:spTree>
       <p:nvGrpSpPr>
         <p:cNvPr id="1" name=""/>
@@ -12204,18 +10906,13 @@
               </a:spcAft>
             </a:pPr>
             <a:r>
-              <a:rPr lang="en-GB" sz="2400" b="1" dirty="0" smtClean="0">
+              <a:rPr lang="en-GB" sz="2400" b="1" dirty="0">
                 <a:solidFill>
                   <a:schemeClr val="accent4"/>
                 </a:solidFill>
               </a:rPr>
               <a:t>PRINCIPE DE L’EXPERIENCE</a:t>
             </a:r>
-            <a:endParaRPr lang="en-GB" sz="2400" b="1" dirty="0">
-              <a:solidFill>
-                <a:schemeClr val="accent4"/>
-              </a:solidFill>
-            </a:endParaRPr>
           </a:p>
         </p:txBody>
       </p:sp>
@@ -12243,7 +10940,7 @@
           <a:p>
             <a:pPr algn="ctr"/>
             <a:r>
-              <a:rPr lang="en-GB" sz="2400" dirty="0" err="1" smtClean="0">
+              <a:rPr lang="en-GB" sz="2400" dirty="0" err="1">
                 <a:solidFill>
                   <a:schemeClr val="bg1"/>
                 </a:solidFill>
@@ -12251,7 +10948,7 @@
               <a:t>L’experience</a:t>
             </a:r>
             <a:r>
-              <a:rPr lang="en-GB" sz="2400" dirty="0" smtClean="0">
+              <a:rPr lang="en-GB" sz="2400" dirty="0">
                 <a:solidFill>
                   <a:schemeClr val="bg1"/>
                 </a:solidFill>
@@ -12259,7 +10956,7 @@
               <a:t> </a:t>
             </a:r>
             <a:r>
-              <a:rPr lang="en-GB" sz="2400" dirty="0" err="1" smtClean="0">
+              <a:rPr lang="en-GB" sz="2400" dirty="0" err="1">
                 <a:solidFill>
                   <a:schemeClr val="bg1"/>
                 </a:solidFill>
@@ -12267,7 +10964,7 @@
               <a:t>est</a:t>
             </a:r>
             <a:r>
-              <a:rPr lang="en-GB" sz="2400" dirty="0" smtClean="0">
+              <a:rPr lang="en-GB" sz="2400" dirty="0">
                 <a:solidFill>
                   <a:schemeClr val="bg1"/>
                 </a:solidFill>
@@ -12275,7 +10972,7 @@
               <a:t> </a:t>
             </a:r>
             <a:r>
-              <a:rPr lang="en-GB" sz="2400" dirty="0" err="1" smtClean="0">
+              <a:rPr lang="en-GB" sz="2400" dirty="0" err="1">
                 <a:solidFill>
                   <a:schemeClr val="bg1"/>
                 </a:solidFill>
@@ -12283,7 +10980,7 @@
               <a:t>structurée</a:t>
             </a:r>
             <a:r>
-              <a:rPr lang="en-GB" sz="2400" dirty="0" smtClean="0">
+              <a:rPr lang="en-GB" sz="2400" dirty="0">
                 <a:solidFill>
                   <a:schemeClr val="bg1"/>
                 </a:solidFill>
@@ -12291,7 +10988,7 @@
               <a:t> </a:t>
             </a:r>
             <a:r>
-              <a:rPr lang="en-GB" sz="2400" dirty="0" err="1" smtClean="0">
+              <a:rPr lang="en-GB" sz="2400" dirty="0" err="1">
                 <a:solidFill>
                   <a:schemeClr val="bg1"/>
                 </a:solidFill>
@@ -12299,7 +10996,7 @@
               <a:t>en</a:t>
             </a:r>
             <a:r>
-              <a:rPr lang="en-GB" sz="2400" dirty="0" smtClean="0">
+              <a:rPr lang="en-GB" sz="2400" dirty="0">
                 <a:solidFill>
                   <a:schemeClr val="bg1"/>
                 </a:solidFill>
@@ -12307,7 +11004,7 @@
               <a:t> </a:t>
             </a:r>
             <a:r>
-              <a:rPr lang="en-GB" sz="2400" b="1" dirty="0" smtClean="0">
+              <a:rPr lang="en-GB" sz="2400" b="1" dirty="0">
                 <a:solidFill>
                   <a:schemeClr val="bg1"/>
                 </a:solidFill>
@@ -12326,7 +11023,7 @@
           <a:p>
             <a:pPr algn="ctr"/>
             <a:r>
-              <a:rPr lang="en-GB" sz="2400" dirty="0" smtClean="0">
+              <a:rPr lang="en-GB" sz="2400" dirty="0">
                 <a:solidFill>
                   <a:schemeClr val="bg1"/>
                 </a:solidFill>
@@ -12334,7 +11031,7 @@
               <a:t>Durant </a:t>
             </a:r>
             <a:r>
-              <a:rPr lang="en-GB" sz="2400" dirty="0" err="1" smtClean="0">
+              <a:rPr lang="en-GB" sz="2400" dirty="0" err="1">
                 <a:solidFill>
                   <a:schemeClr val="bg1"/>
                 </a:solidFill>
@@ -12342,7 +11039,7 @@
               <a:t>chaque</a:t>
             </a:r>
             <a:r>
-              <a:rPr lang="en-GB" sz="2400" dirty="0" smtClean="0">
+              <a:rPr lang="en-GB" sz="2400" dirty="0">
                 <a:solidFill>
                   <a:schemeClr val="bg1"/>
                 </a:solidFill>
@@ -12350,7 +11047,7 @@
               <a:t> </a:t>
             </a:r>
             <a:r>
-              <a:rPr lang="en-GB" sz="2400" dirty="0" err="1" smtClean="0">
+              <a:rPr lang="en-GB" sz="2400" dirty="0" err="1">
                 <a:solidFill>
                   <a:schemeClr val="bg1"/>
                 </a:solidFill>
@@ -12358,7 +11055,7 @@
               <a:t>essai</a:t>
             </a:r>
             <a:r>
-              <a:rPr lang="en-GB" sz="2400" dirty="0" smtClean="0">
+              <a:rPr lang="en-GB" sz="2400" dirty="0">
                 <a:solidFill>
                   <a:schemeClr val="bg1"/>
                 </a:solidFill>
@@ -12366,7 +11063,7 @@
               <a:t>, </a:t>
             </a:r>
             <a:r>
-              <a:rPr lang="en-GB" sz="2400" dirty="0" err="1" smtClean="0">
+              <a:rPr lang="en-GB" sz="2400" dirty="0" err="1">
                 <a:solidFill>
                   <a:schemeClr val="bg1"/>
                 </a:solidFill>
@@ -12374,7 +11071,7 @@
               <a:t>il</a:t>
             </a:r>
             <a:r>
-              <a:rPr lang="en-GB" sz="2400" dirty="0" smtClean="0">
+              <a:rPr lang="en-GB" sz="2400" dirty="0">
                 <a:solidFill>
                   <a:schemeClr val="bg1"/>
                 </a:solidFill>
@@ -12382,7 +11079,7 @@
               <a:t> </a:t>
             </a:r>
             <a:r>
-              <a:rPr lang="en-GB" sz="2400" dirty="0" err="1" smtClean="0">
+              <a:rPr lang="en-GB" sz="2400" dirty="0" err="1">
                 <a:solidFill>
                   <a:schemeClr val="bg1"/>
                 </a:solidFill>
@@ -12390,7 +11087,7 @@
               <a:t>vous</a:t>
             </a:r>
             <a:r>
-              <a:rPr lang="en-GB" sz="2400" dirty="0" smtClean="0">
+              <a:rPr lang="en-GB" sz="2400" dirty="0">
                 <a:solidFill>
                   <a:schemeClr val="bg1"/>
                 </a:solidFill>
@@ -12398,7 +11095,7 @@
               <a:t> </a:t>
             </a:r>
             <a:r>
-              <a:rPr lang="en-GB" sz="2400" dirty="0" err="1" smtClean="0">
+              <a:rPr lang="en-GB" sz="2400" dirty="0" err="1">
                 <a:solidFill>
                   <a:schemeClr val="bg1"/>
                 </a:solidFill>
@@ -12406,7 +11103,7 @@
               <a:t>est</a:t>
             </a:r>
             <a:r>
-              <a:rPr lang="en-GB" sz="2400" dirty="0" smtClean="0">
+              <a:rPr lang="en-GB" sz="2400" dirty="0">
                 <a:solidFill>
                   <a:schemeClr val="bg1"/>
                 </a:solidFill>
@@ -12414,7 +11111,7 @@
               <a:t> </a:t>
             </a:r>
             <a:r>
-              <a:rPr lang="en-GB" sz="2400" dirty="0" err="1" smtClean="0">
+              <a:rPr lang="en-GB" sz="2400" dirty="0" err="1">
                 <a:solidFill>
                   <a:schemeClr val="bg1"/>
                 </a:solidFill>
@@ -12422,18 +11119,13 @@
               <a:t>demandé</a:t>
             </a:r>
             <a:r>
-              <a:rPr lang="en-GB" sz="2400" dirty="0" smtClean="0">
+              <a:rPr lang="en-GB" sz="2400" dirty="0">
                 <a:solidFill>
                   <a:schemeClr val="bg1"/>
                 </a:solidFill>
               </a:rPr>
               <a:t> de […]</a:t>
             </a:r>
-            <a:endParaRPr lang="en-GB" sz="2400" dirty="0">
-              <a:solidFill>
-                <a:schemeClr val="bg1"/>
-              </a:solidFill>
-            </a:endParaRPr>
           </a:p>
         </p:txBody>
       </p:sp>
@@ -12460,7 +11152,7 @@
           <a:p>
             <a:pPr algn="ctr"/>
             <a:r>
-              <a:rPr lang="en-GB" dirty="0" err="1" smtClean="0">
+              <a:rPr lang="en-GB" dirty="0" err="1">
                 <a:solidFill>
                   <a:schemeClr val="bg1">
                     <a:lumMod val="65000"/>
@@ -12470,42 +11162,15 @@
               <a:t>Appuyez</a:t>
             </a:r>
             <a:r>
-              <a:rPr lang="en-GB" dirty="0" smtClean="0">
+              <a:rPr lang="en-GB" dirty="0">
                 <a:solidFill>
                   <a:schemeClr val="bg1">
                     <a:lumMod val="65000"/>
                   </a:schemeClr>
                 </a:solidFill>
               </a:rPr>
-              <a:t> sur </a:t>
-            </a:r>
-            <a:r>
-              <a:rPr lang="en-GB" dirty="0" smtClean="0">
-                <a:solidFill>
-                  <a:schemeClr val="bg1">
-                    <a:lumMod val="65000"/>
-                  </a:schemeClr>
-                </a:solidFill>
-              </a:rPr>
-              <a:t>la fleche de </a:t>
-            </a:r>
-            <a:r>
-              <a:rPr lang="en-GB" dirty="0" smtClean="0">
-                <a:solidFill>
-                  <a:schemeClr val="bg1">
-                    <a:lumMod val="65000"/>
-                  </a:schemeClr>
-                </a:solidFill>
-              </a:rPr>
-              <a:t>droit pour continuer</a:t>
-            </a:r>
-            <a:endParaRPr lang="en-GB" dirty="0">
-              <a:solidFill>
-                <a:schemeClr val="bg1">
-                  <a:lumMod val="65000"/>
-                </a:schemeClr>
-              </a:solidFill>
-            </a:endParaRPr>
+              <a:t> sur la fleche de droit pour continuer</a:t>
+            </a:r>
           </a:p>
         </p:txBody>
       </p:sp>
@@ -12519,27 +11184,12 @@
   <p:clrMapOvr>
     <a:masterClrMapping/>
   </p:clrMapOvr>
-  <p:timing>
-    <p:tnLst>
-      <p:par>
-        <p:cTn id="1" dur="indefinite" restart="never" nodeType="tmRoot"/>
-      </p:par>
-    </p:tnLst>
-  </p:timing>
 </p:sld>
 </file>
 
 <file path=ppt/slides/slide8.xml><?xml version="1.0" encoding="utf-8"?>
 <p:sld xmlns:a="http://schemas.openxmlformats.org/drawingml/2006/main" xmlns:r="http://schemas.openxmlformats.org/officeDocument/2006/relationships" xmlns:p="http://schemas.openxmlformats.org/presentationml/2006/main">
   <p:cSld>
-    <p:bg>
-      <p:bgPr>
-        <a:solidFill>
-          <a:schemeClr val="tx1"/>
-        </a:solidFill>
-        <a:effectLst/>
-      </p:bgPr>
-    </p:bg>
     <p:spTree>
       <p:nvGrpSpPr>
         <p:cNvPr id="1" name=""/>
@@ -12588,18 +11238,13 @@
               </a:spcAft>
             </a:pPr>
             <a:r>
-              <a:rPr lang="en-GB" sz="2400" b="1" dirty="0" smtClean="0">
+              <a:rPr lang="en-GB" sz="2400" b="1" dirty="0">
                 <a:solidFill>
                   <a:schemeClr val="accent4"/>
                 </a:solidFill>
               </a:rPr>
               <a:t>PRINCIPE DE L’EXPERIENCE</a:t>
             </a:r>
-            <a:endParaRPr lang="en-GB" sz="2400" b="1" dirty="0">
-              <a:solidFill>
-                <a:schemeClr val="accent4"/>
-              </a:solidFill>
-            </a:endParaRPr>
           </a:p>
         </p:txBody>
       </p:sp>
@@ -12627,7 +11272,7 @@
           <a:p>
             <a:pPr algn="ctr"/>
             <a:r>
-              <a:rPr lang="en-GB" sz="2400" dirty="0" err="1" smtClean="0">
+              <a:rPr lang="en-GB" sz="2400" dirty="0" err="1">
                 <a:solidFill>
                   <a:schemeClr val="bg1"/>
                 </a:solidFill>
@@ -12635,7 +11280,7 @@
               <a:t>Chaque</a:t>
             </a:r>
             <a:r>
-              <a:rPr lang="en-GB" sz="2400" dirty="0" smtClean="0">
+              <a:rPr lang="en-GB" sz="2400" dirty="0">
                 <a:solidFill>
                   <a:schemeClr val="bg1"/>
                 </a:solidFill>
@@ -12643,7 +11288,7 @@
               <a:t> </a:t>
             </a:r>
             <a:r>
-              <a:rPr lang="en-GB" sz="2400" dirty="0" err="1" smtClean="0">
+              <a:rPr lang="en-GB" sz="2400" dirty="0" err="1">
                 <a:solidFill>
                   <a:schemeClr val="bg1"/>
                 </a:solidFill>
@@ -12651,7 +11296,7 @@
               <a:t>essai</a:t>
             </a:r>
             <a:r>
-              <a:rPr lang="en-GB" sz="2400" dirty="0" smtClean="0">
+              <a:rPr lang="en-GB" sz="2400" dirty="0">
                 <a:solidFill>
                   <a:schemeClr val="bg1"/>
                 </a:solidFill>
@@ -12659,7 +11304,7 @@
               <a:t> se </a:t>
             </a:r>
             <a:r>
-              <a:rPr lang="en-GB" sz="2400" dirty="0" err="1" smtClean="0">
+              <a:rPr lang="en-GB" sz="2400" dirty="0" err="1">
                 <a:solidFill>
                   <a:schemeClr val="bg1"/>
                 </a:solidFill>
@@ -12667,7 +11312,7 @@
               <a:t>déroulera</a:t>
             </a:r>
             <a:r>
-              <a:rPr lang="en-GB" sz="2400" dirty="0" smtClean="0">
+              <a:rPr lang="en-GB" sz="2400" dirty="0">
                 <a:solidFill>
                   <a:schemeClr val="bg1"/>
                 </a:solidFill>
@@ -12675,7 +11320,7 @@
               <a:t> </a:t>
             </a:r>
             <a:r>
-              <a:rPr lang="en-GB" sz="2400" dirty="0" err="1" smtClean="0">
+              <a:rPr lang="en-GB" sz="2400" dirty="0" err="1">
                 <a:solidFill>
                   <a:schemeClr val="bg1"/>
                 </a:solidFill>
@@ -12683,7 +11328,7 @@
               <a:t>en</a:t>
             </a:r>
             <a:r>
-              <a:rPr lang="en-GB" sz="2400" dirty="0" smtClean="0">
+              <a:rPr lang="en-GB" sz="2400" dirty="0">
                 <a:solidFill>
                   <a:schemeClr val="bg1"/>
                 </a:solidFill>
@@ -12691,7 +11336,7 @@
               <a:t> </a:t>
             </a:r>
             <a:r>
-              <a:rPr lang="en-GB" sz="2400" dirty="0" err="1" smtClean="0">
+              <a:rPr lang="en-GB" sz="2400" dirty="0" err="1">
                 <a:solidFill>
                   <a:schemeClr val="bg1"/>
                 </a:solidFill>
@@ -12699,7 +11344,7 @@
               <a:t>plusieurs</a:t>
             </a:r>
             <a:r>
-              <a:rPr lang="en-GB" sz="2400" dirty="0" smtClean="0">
+              <a:rPr lang="en-GB" sz="2400" dirty="0">
                 <a:solidFill>
                   <a:schemeClr val="bg1"/>
                 </a:solidFill>
@@ -12707,7 +11352,7 @@
               <a:t> </a:t>
             </a:r>
             <a:r>
-              <a:rPr lang="fr-FR" sz="2400" dirty="0" smtClean="0">
+              <a:rPr lang="fr-FR" sz="2400" dirty="0">
                 <a:solidFill>
                   <a:schemeClr val="bg1"/>
                 </a:solidFill>
@@ -12715,7 +11360,7 @@
               <a:t>« </a:t>
             </a:r>
             <a:r>
-              <a:rPr lang="en-GB" sz="2400" dirty="0" err="1" smtClean="0">
+              <a:rPr lang="en-GB" sz="2400" dirty="0" err="1">
                 <a:solidFill>
                   <a:schemeClr val="bg1"/>
                 </a:solidFill>
@@ -12723,7 +11368,7 @@
               <a:t>étapes</a:t>
             </a:r>
             <a:r>
-              <a:rPr lang="fr-FR" sz="2400" dirty="0" smtClean="0">
+              <a:rPr lang="fr-FR" sz="2400" dirty="0">
                 <a:solidFill>
                   <a:schemeClr val="bg1"/>
                 </a:solidFill>
@@ -12733,7 +11378,7 @@
           </a:p>
           <a:p>
             <a:pPr algn="ctr"/>
-            <a:endParaRPr lang="fr-FR" sz="2400" dirty="0" smtClean="0">
+            <a:endParaRPr lang="fr-FR" sz="2400" dirty="0">
               <a:solidFill>
                 <a:schemeClr val="bg1"/>
               </a:solidFill>
@@ -12742,7 +11387,7 @@
           <a:p>
             <a:pPr algn="ctr"/>
             <a:r>
-              <a:rPr lang="fr-FR" sz="2400" dirty="0" smtClean="0">
+              <a:rPr lang="fr-FR" sz="2400" dirty="0">
                 <a:solidFill>
                   <a:schemeClr val="bg1"/>
                 </a:solidFill>
@@ -12750,7 +11395,7 @@
               <a:t>Différentes « </a:t>
             </a:r>
             <a:r>
-              <a:rPr lang="en-GB" sz="2400" dirty="0" err="1" smtClean="0">
+              <a:rPr lang="en-GB" sz="2400" dirty="0" err="1">
                 <a:solidFill>
                   <a:schemeClr val="bg1"/>
                 </a:solidFill>
@@ -12758,7 +11403,7 @@
               <a:t>étapes</a:t>
             </a:r>
             <a:r>
-              <a:rPr lang="fr-FR" sz="2400" dirty="0" smtClean="0">
+              <a:rPr lang="fr-FR" sz="2400" dirty="0">
                 <a:solidFill>
                   <a:schemeClr val="bg1"/>
                 </a:solidFill>
@@ -12766,7 +11411,7 @@
               <a:t> »</a:t>
             </a:r>
             <a:r>
-              <a:rPr lang="en-GB" sz="2400" dirty="0" smtClean="0">
+              <a:rPr lang="en-GB" sz="2400" dirty="0">
                 <a:solidFill>
                   <a:schemeClr val="bg1"/>
                 </a:solidFill>
@@ -12774,7 +11419,7 @@
               <a:t> correspondent </a:t>
             </a:r>
             <a:r>
-              <a:rPr lang="fr-FR" sz="2400" dirty="0" smtClean="0">
+              <a:rPr lang="fr-FR" sz="2400" dirty="0">
                 <a:solidFill>
                   <a:schemeClr val="bg1"/>
                 </a:solidFill>
@@ -12782,7 +11427,7 @@
               <a:t>à</a:t>
             </a:r>
             <a:r>
-              <a:rPr lang="en-GB" sz="2400" dirty="0" smtClean="0">
+              <a:rPr lang="en-GB" sz="2400" dirty="0">
                 <a:solidFill>
                   <a:schemeClr val="bg1"/>
                 </a:solidFill>
@@ -12790,7 +11435,7 @@
               <a:t> </a:t>
             </a:r>
             <a:r>
-              <a:rPr lang="en-GB" sz="2400" dirty="0" err="1" smtClean="0">
+              <a:rPr lang="en-GB" sz="2400" dirty="0" err="1">
                 <a:solidFill>
                   <a:schemeClr val="bg1"/>
                 </a:solidFill>
@@ -12798,7 +11443,7 @@
               <a:t>différents</a:t>
             </a:r>
             <a:r>
-              <a:rPr lang="en-GB" sz="2400" dirty="0" smtClean="0">
+              <a:rPr lang="en-GB" sz="2400" dirty="0">
                 <a:solidFill>
                   <a:schemeClr val="bg1"/>
                 </a:solidFill>
@@ -12806,7 +11451,7 @@
               <a:t> </a:t>
             </a:r>
             <a:r>
-              <a:rPr lang="en-GB" sz="2400" dirty="0" err="1" smtClean="0">
+              <a:rPr lang="en-GB" sz="2400" dirty="0" err="1">
                 <a:solidFill>
                   <a:schemeClr val="bg1"/>
                 </a:solidFill>
@@ -12814,7 +11459,7 @@
               <a:t>écrans</a:t>
             </a:r>
             <a:r>
-              <a:rPr lang="en-GB" sz="2400" dirty="0" smtClean="0">
+              <a:rPr lang="en-GB" sz="2400" dirty="0">
                 <a:solidFill>
                   <a:schemeClr val="bg1"/>
                 </a:solidFill>
@@ -12822,7 +11467,7 @@
               <a:t> </a:t>
             </a:r>
             <a:r>
-              <a:rPr lang="en-GB" sz="2400" dirty="0" err="1" smtClean="0">
+              <a:rPr lang="en-GB" sz="2400" dirty="0" err="1">
                 <a:solidFill>
                   <a:schemeClr val="bg1"/>
                 </a:solidFill>
@@ -12830,7 +11475,7 @@
               <a:t>affichés</a:t>
             </a:r>
             <a:r>
-              <a:rPr lang="en-GB" sz="2400" dirty="0" smtClean="0">
+              <a:rPr lang="en-GB" sz="2400" dirty="0">
                 <a:solidFill>
                   <a:schemeClr val="bg1"/>
                 </a:solidFill>
@@ -12838,7 +11483,7 @@
               <a:t> sur </a:t>
             </a:r>
             <a:r>
-              <a:rPr lang="en-GB" sz="2400" dirty="0" err="1" smtClean="0">
+              <a:rPr lang="en-GB" sz="2400" dirty="0" err="1">
                 <a:solidFill>
                   <a:schemeClr val="bg1"/>
                 </a:solidFill>
@@ -12846,7 +11491,7 @@
               <a:t>cet</a:t>
             </a:r>
             <a:r>
-              <a:rPr lang="en-GB" sz="2400" dirty="0" smtClean="0">
+              <a:rPr lang="en-GB" sz="2400" dirty="0">
                 <a:solidFill>
                   <a:schemeClr val="bg1"/>
                 </a:solidFill>
@@ -12854,7 +11499,7 @@
               <a:t> </a:t>
             </a:r>
             <a:r>
-              <a:rPr lang="en-GB" sz="2400" dirty="0" err="1" smtClean="0">
+              <a:rPr lang="en-GB" sz="2400" dirty="0" err="1">
                 <a:solidFill>
                   <a:schemeClr val="bg1"/>
                 </a:solidFill>
@@ -12892,7 +11537,7 @@
           <a:p>
             <a:pPr algn="ctr"/>
             <a:r>
-              <a:rPr lang="en-GB" dirty="0" err="1" smtClean="0">
+              <a:rPr lang="en-GB" dirty="0" err="1">
                 <a:solidFill>
                   <a:schemeClr val="bg1">
                     <a:lumMod val="65000"/>
@@ -12902,42 +11547,15 @@
               <a:t>Appuyez</a:t>
             </a:r>
             <a:r>
-              <a:rPr lang="en-GB" dirty="0" smtClean="0">
+              <a:rPr lang="en-GB" dirty="0">
                 <a:solidFill>
                   <a:schemeClr val="bg1">
                     <a:lumMod val="65000"/>
                   </a:schemeClr>
                 </a:solidFill>
               </a:rPr>
-              <a:t> sur </a:t>
-            </a:r>
-            <a:r>
-              <a:rPr lang="en-GB" dirty="0" smtClean="0">
-                <a:solidFill>
-                  <a:schemeClr val="bg1">
-                    <a:lumMod val="65000"/>
-                  </a:schemeClr>
-                </a:solidFill>
-              </a:rPr>
-              <a:t>la fleche de </a:t>
-            </a:r>
-            <a:r>
-              <a:rPr lang="en-GB" dirty="0" smtClean="0">
-                <a:solidFill>
-                  <a:schemeClr val="bg1">
-                    <a:lumMod val="65000"/>
-                  </a:schemeClr>
-                </a:solidFill>
-              </a:rPr>
-              <a:t>droit pour continuer</a:t>
-            </a:r>
-            <a:endParaRPr lang="en-GB" dirty="0">
-              <a:solidFill>
-                <a:schemeClr val="bg1">
-                  <a:lumMod val="65000"/>
-                </a:schemeClr>
-              </a:solidFill>
-            </a:endParaRPr>
+              <a:t> sur la fleche de droit pour continuer</a:t>
+            </a:r>
           </a:p>
         </p:txBody>
       </p:sp>
@@ -12951,27 +11569,12 @@
   <p:clrMapOvr>
     <a:masterClrMapping/>
   </p:clrMapOvr>
-  <p:timing>
-    <p:tnLst>
-      <p:par>
-        <p:cTn id="1" dur="indefinite" restart="never" nodeType="tmRoot"/>
-      </p:par>
-    </p:tnLst>
-  </p:timing>
 </p:sld>
 </file>
 
 <file path=ppt/slides/slide9.xml><?xml version="1.0" encoding="utf-8"?>
 <p:sld xmlns:a="http://schemas.openxmlformats.org/drawingml/2006/main" xmlns:r="http://schemas.openxmlformats.org/officeDocument/2006/relationships" xmlns:p="http://schemas.openxmlformats.org/presentationml/2006/main">
   <p:cSld>
-    <p:bg>
-      <p:bgPr>
-        <a:solidFill>
-          <a:schemeClr val="tx1"/>
-        </a:solidFill>
-        <a:effectLst/>
-      </p:bgPr>
-    </p:bg>
     <p:spTree>
       <p:nvGrpSpPr>
         <p:cNvPr id="1" name=""/>
@@ -13020,18 +11623,13 @@
               </a:spcAft>
             </a:pPr>
             <a:r>
-              <a:rPr lang="en-GB" sz="2400" b="1" dirty="0" smtClean="0">
+              <a:rPr lang="en-GB" sz="2400" b="1" dirty="0">
                 <a:solidFill>
                   <a:schemeClr val="accent4"/>
                 </a:solidFill>
               </a:rPr>
               <a:t>PRINCIPE DE L’EXPERIENCE</a:t>
             </a:r>
-            <a:endParaRPr lang="en-GB" sz="2400" b="1" dirty="0">
-              <a:solidFill>
-                <a:schemeClr val="accent4"/>
-              </a:solidFill>
-            </a:endParaRPr>
           </a:p>
         </p:txBody>
       </p:sp>
@@ -13058,7 +11656,7 @@
           <a:lstStyle/>
           <a:p>
             <a:r>
-              <a:rPr lang="en-GB" sz="2000" dirty="0" err="1" smtClean="0">
+              <a:rPr lang="en-GB" sz="2000" dirty="0" err="1">
                 <a:solidFill>
                   <a:schemeClr val="bg1"/>
                 </a:solidFill>
@@ -13066,7 +11664,7 @@
               <a:t>Etapes</a:t>
             </a:r>
             <a:r>
-              <a:rPr lang="en-GB" sz="2000" dirty="0" smtClean="0">
+              <a:rPr lang="en-GB" sz="2000" dirty="0">
                 <a:solidFill>
                   <a:schemeClr val="bg1"/>
                 </a:solidFill>
@@ -13080,7 +11678,7 @@
               <a:buAutoNum type="arabicPeriod"/>
             </a:pPr>
             <a:r>
-              <a:rPr lang="en-GB" sz="2000" dirty="0" err="1" smtClean="0">
+              <a:rPr lang="en-GB" sz="2000" dirty="0" err="1">
                 <a:solidFill>
                   <a:schemeClr val="bg1"/>
                 </a:solidFill>
@@ -13088,23 +11686,15 @@
               <a:t>Affichage</a:t>
             </a:r>
             <a:r>
-              <a:rPr lang="en-GB" sz="2000" dirty="0" smtClean="0">
-                <a:solidFill>
-                  <a:schemeClr val="bg1"/>
-                </a:solidFill>
-              </a:rPr>
-              <a:t> </a:t>
-            </a:r>
-            <a:r>
-              <a:rPr lang="en-GB" sz="2000" dirty="0" smtClean="0">
-                <a:solidFill>
-                  <a:schemeClr val="bg1"/>
-                </a:solidFill>
-              </a:rPr>
-              <a:t>de </a:t>
-            </a:r>
-            <a:r>
-              <a:rPr lang="en-GB" sz="2000" b="1" dirty="0" smtClean="0">
+              <a:rPr lang="en-GB" sz="2000" dirty="0">
+                <a:solidFill>
+                  <a:schemeClr val="bg1"/>
+                </a:solidFill>
+              </a:rPr>
+              <a:t> de </a:t>
+            </a:r>
+            <a:r>
+              <a:rPr lang="en-GB" sz="2000" b="1" dirty="0">
                 <a:solidFill>
                   <a:schemeClr val="bg1"/>
                 </a:solidFill>
@@ -13112,7 +11702,7 @@
               <a:t>la </a:t>
             </a:r>
             <a:r>
-              <a:rPr lang="en-GB" sz="2000" b="1" dirty="0" err="1" smtClean="0">
+              <a:rPr lang="en-GB" sz="2000" b="1" dirty="0" err="1">
                 <a:solidFill>
                   <a:schemeClr val="bg1"/>
                 </a:solidFill>
@@ -13120,7 +11710,7 @@
               <a:t>numero</a:t>
             </a:r>
             <a:r>
-              <a:rPr lang="en-GB" sz="2000" b="1" dirty="0" smtClean="0">
+              <a:rPr lang="en-GB" sz="2000" b="1" dirty="0">
                 <a:solidFill>
                   <a:schemeClr val="bg1"/>
                 </a:solidFill>
@@ -13128,7 +11718,7 @@
               <a:t> de </a:t>
             </a:r>
             <a:r>
-              <a:rPr lang="en-GB" sz="2000" b="1" dirty="0" err="1" smtClean="0">
+              <a:rPr lang="en-GB" sz="2000" b="1" dirty="0" err="1">
                 <a:solidFill>
                   <a:schemeClr val="bg1"/>
                 </a:solidFill>
@@ -13166,7 +11756,7 @@
           <a:p>
             <a:pPr algn="ctr"/>
             <a:r>
-              <a:rPr lang="en-GB" dirty="0" err="1" smtClean="0">
+              <a:rPr lang="en-GB" dirty="0" err="1">
                 <a:solidFill>
                   <a:schemeClr val="bg1">
                     <a:lumMod val="65000"/>
@@ -13176,42 +11766,15 @@
               <a:t>Appuyez</a:t>
             </a:r>
             <a:r>
-              <a:rPr lang="en-GB" dirty="0" smtClean="0">
+              <a:rPr lang="en-GB" dirty="0">
                 <a:solidFill>
                   <a:schemeClr val="bg1">
                     <a:lumMod val="65000"/>
                   </a:schemeClr>
                 </a:solidFill>
               </a:rPr>
-              <a:t> sur </a:t>
-            </a:r>
-            <a:r>
-              <a:rPr lang="en-GB" dirty="0" smtClean="0">
-                <a:solidFill>
-                  <a:schemeClr val="bg1">
-                    <a:lumMod val="65000"/>
-                  </a:schemeClr>
-                </a:solidFill>
-              </a:rPr>
-              <a:t>la fleche de </a:t>
-            </a:r>
-            <a:r>
-              <a:rPr lang="en-GB" dirty="0" smtClean="0">
-                <a:solidFill>
-                  <a:schemeClr val="bg1">
-                    <a:lumMod val="65000"/>
-                  </a:schemeClr>
-                </a:solidFill>
-              </a:rPr>
-              <a:t>droit pour continuer</a:t>
-            </a:r>
-            <a:endParaRPr lang="en-GB" dirty="0">
-              <a:solidFill>
-                <a:schemeClr val="bg1">
-                  <a:lumMod val="65000"/>
-                </a:schemeClr>
-              </a:solidFill>
-            </a:endParaRPr>
+              <a:t> sur la fleche de droit pour continuer</a:t>
+            </a:r>
           </a:p>
         </p:txBody>
       </p:sp>
@@ -13225,13 +11788,6 @@
   <p:clrMapOvr>
     <a:masterClrMapping/>
   </p:clrMapOvr>
-  <p:timing>
-    <p:tnLst>
-      <p:par>
-        <p:cTn id="1" dur="indefinite" restart="never" nodeType="tmRoot"/>
-      </p:par>
-    </p:tnLst>
-  </p:timing>
 </p:sld>
 </file>
 

--- a/Self_Efficacy/Stimuli/Instructions.pptx
+++ b/Self_Efficacy/Stimuli/Instructions.pptx
@@ -175,7 +175,7 @@
           </a:lstStyle>
           <a:p>
             <a:r>
-              <a:rPr lang="fr-FR"/>
+              <a:rPr lang="fr-FR" smtClean="0"/>
               <a:t>Modifiez le style du titre</a:t>
             </a:r>
             <a:endParaRPr lang="en-GB"/>
@@ -240,7 +240,7 @@
           </a:lstStyle>
           <a:p>
             <a:r>
-              <a:rPr lang="fr-FR"/>
+              <a:rPr lang="fr-FR" smtClean="0"/>
               <a:t>Modifier le style des sous-titres du masque</a:t>
             </a:r>
             <a:endParaRPr lang="en-GB"/>
@@ -264,7 +264,7 @@
           <a:p>
             <a:fld id="{1C2A38D2-D57A-4E64-B95F-0826012D069A}" type="datetimeFigureOut">
               <a:rPr lang="en-GB" smtClean="0"/>
-              <a:t>07/05/2020</a:t>
+              <a:t>02/03/2020</a:t>
             </a:fld>
             <a:endParaRPr lang="en-GB" dirty="0"/>
           </a:p>
@@ -306,7 +306,7 @@
           <a:p>
             <a:fld id="{9D7F7A4F-C86B-4E97-8396-79EF10BBD040}" type="slidenum">
               <a:rPr lang="en-GB" smtClean="0"/>
-              <a:t>‹#›</a:t>
+              <a:t>‹N°›</a:t>
             </a:fld>
             <a:endParaRPr lang="en-GB" dirty="0"/>
           </a:p>
@@ -358,7 +358,7 @@
           <a:lstStyle/>
           <a:p>
             <a:r>
-              <a:rPr lang="fr-FR"/>
+              <a:rPr lang="fr-FR" smtClean="0"/>
               <a:t>Modifiez le style du titre</a:t>
             </a:r>
             <a:endParaRPr lang="en-GB"/>
@@ -382,35 +382,35 @@
           <a:p>
             <a:pPr lvl="0"/>
             <a:r>
-              <a:rPr lang="fr-FR"/>
+              <a:rPr lang="fr-FR" smtClean="0"/>
               <a:t>Modifier les styles du texte du masque</a:t>
             </a:r>
           </a:p>
           <a:p>
             <a:pPr lvl="1"/>
             <a:r>
-              <a:rPr lang="fr-FR"/>
+              <a:rPr lang="fr-FR" smtClean="0"/>
               <a:t>Deuxième niveau</a:t>
             </a:r>
           </a:p>
           <a:p>
             <a:pPr lvl="2"/>
             <a:r>
-              <a:rPr lang="fr-FR"/>
+              <a:rPr lang="fr-FR" smtClean="0"/>
               <a:t>Troisième niveau</a:t>
             </a:r>
           </a:p>
           <a:p>
             <a:pPr lvl="3"/>
             <a:r>
-              <a:rPr lang="fr-FR"/>
+              <a:rPr lang="fr-FR" smtClean="0"/>
               <a:t>Quatrième niveau</a:t>
             </a:r>
           </a:p>
           <a:p>
             <a:pPr lvl="4"/>
             <a:r>
-              <a:rPr lang="fr-FR"/>
+              <a:rPr lang="fr-FR" smtClean="0"/>
               <a:t>Cinquième niveau</a:t>
             </a:r>
             <a:endParaRPr lang="en-GB"/>
@@ -434,7 +434,7 @@
           <a:p>
             <a:fld id="{1C2A38D2-D57A-4E64-B95F-0826012D069A}" type="datetimeFigureOut">
               <a:rPr lang="en-GB" smtClean="0"/>
-              <a:t>07/05/2020</a:t>
+              <a:t>02/03/2020</a:t>
             </a:fld>
             <a:endParaRPr lang="en-GB" dirty="0"/>
           </a:p>
@@ -476,7 +476,7 @@
           <a:p>
             <a:fld id="{9D7F7A4F-C86B-4E97-8396-79EF10BBD040}" type="slidenum">
               <a:rPr lang="en-GB" smtClean="0"/>
-              <a:t>‹#›</a:t>
+              <a:t>‹N°›</a:t>
             </a:fld>
             <a:endParaRPr lang="en-GB" dirty="0"/>
           </a:p>
@@ -533,7 +533,7 @@
           <a:lstStyle/>
           <a:p>
             <a:r>
-              <a:rPr lang="fr-FR"/>
+              <a:rPr lang="fr-FR" smtClean="0"/>
               <a:t>Modifiez le style du titre</a:t>
             </a:r>
             <a:endParaRPr lang="en-GB"/>
@@ -562,35 +562,35 @@
           <a:p>
             <a:pPr lvl="0"/>
             <a:r>
-              <a:rPr lang="fr-FR"/>
+              <a:rPr lang="fr-FR" smtClean="0"/>
               <a:t>Modifier les styles du texte du masque</a:t>
             </a:r>
           </a:p>
           <a:p>
             <a:pPr lvl="1"/>
             <a:r>
-              <a:rPr lang="fr-FR"/>
+              <a:rPr lang="fr-FR" smtClean="0"/>
               <a:t>Deuxième niveau</a:t>
             </a:r>
           </a:p>
           <a:p>
             <a:pPr lvl="2"/>
             <a:r>
-              <a:rPr lang="fr-FR"/>
+              <a:rPr lang="fr-FR" smtClean="0"/>
               <a:t>Troisième niveau</a:t>
             </a:r>
           </a:p>
           <a:p>
             <a:pPr lvl="3"/>
             <a:r>
-              <a:rPr lang="fr-FR"/>
+              <a:rPr lang="fr-FR" smtClean="0"/>
               <a:t>Quatrième niveau</a:t>
             </a:r>
           </a:p>
           <a:p>
             <a:pPr lvl="4"/>
             <a:r>
-              <a:rPr lang="fr-FR"/>
+              <a:rPr lang="fr-FR" smtClean="0"/>
               <a:t>Cinquième niveau</a:t>
             </a:r>
             <a:endParaRPr lang="en-GB"/>
@@ -614,7 +614,7 @@
           <a:p>
             <a:fld id="{1C2A38D2-D57A-4E64-B95F-0826012D069A}" type="datetimeFigureOut">
               <a:rPr lang="en-GB" smtClean="0"/>
-              <a:t>07/05/2020</a:t>
+              <a:t>02/03/2020</a:t>
             </a:fld>
             <a:endParaRPr lang="en-GB" dirty="0"/>
           </a:p>
@@ -656,7 +656,7 @@
           <a:p>
             <a:fld id="{9D7F7A4F-C86B-4E97-8396-79EF10BBD040}" type="slidenum">
               <a:rPr lang="en-GB" smtClean="0"/>
-              <a:t>‹#›</a:t>
+              <a:t>‹N°›</a:t>
             </a:fld>
             <a:endParaRPr lang="en-GB" dirty="0"/>
           </a:p>
@@ -708,7 +708,7 @@
           <a:lstStyle/>
           <a:p>
             <a:r>
-              <a:rPr lang="fr-FR"/>
+              <a:rPr lang="fr-FR" smtClean="0"/>
               <a:t>Modifiez le style du titre</a:t>
             </a:r>
             <a:endParaRPr lang="en-GB"/>
@@ -732,35 +732,35 @@
           <a:p>
             <a:pPr lvl="0"/>
             <a:r>
-              <a:rPr lang="fr-FR"/>
+              <a:rPr lang="fr-FR" smtClean="0"/>
               <a:t>Modifier les styles du texte du masque</a:t>
             </a:r>
           </a:p>
           <a:p>
             <a:pPr lvl="1"/>
             <a:r>
-              <a:rPr lang="fr-FR"/>
+              <a:rPr lang="fr-FR" smtClean="0"/>
               <a:t>Deuxième niveau</a:t>
             </a:r>
           </a:p>
           <a:p>
             <a:pPr lvl="2"/>
             <a:r>
-              <a:rPr lang="fr-FR"/>
+              <a:rPr lang="fr-FR" smtClean="0"/>
               <a:t>Troisième niveau</a:t>
             </a:r>
           </a:p>
           <a:p>
             <a:pPr lvl="3"/>
             <a:r>
-              <a:rPr lang="fr-FR"/>
+              <a:rPr lang="fr-FR" smtClean="0"/>
               <a:t>Quatrième niveau</a:t>
             </a:r>
           </a:p>
           <a:p>
             <a:pPr lvl="4"/>
             <a:r>
-              <a:rPr lang="fr-FR"/>
+              <a:rPr lang="fr-FR" smtClean="0"/>
               <a:t>Cinquième niveau</a:t>
             </a:r>
             <a:endParaRPr lang="en-GB"/>
@@ -784,7 +784,7 @@
           <a:p>
             <a:fld id="{1C2A38D2-D57A-4E64-B95F-0826012D069A}" type="datetimeFigureOut">
               <a:rPr lang="en-GB" smtClean="0"/>
-              <a:t>07/05/2020</a:t>
+              <a:t>02/03/2020</a:t>
             </a:fld>
             <a:endParaRPr lang="en-GB" dirty="0"/>
           </a:p>
@@ -826,7 +826,7 @@
           <a:p>
             <a:fld id="{9D7F7A4F-C86B-4E97-8396-79EF10BBD040}" type="slidenum">
               <a:rPr lang="en-GB" smtClean="0"/>
-              <a:t>‹#›</a:t>
+              <a:t>‹N°›</a:t>
             </a:fld>
             <a:endParaRPr lang="en-GB" dirty="0"/>
           </a:p>
@@ -887,7 +887,7 @@
           </a:lstStyle>
           <a:p>
             <a:r>
-              <a:rPr lang="fr-FR"/>
+              <a:rPr lang="fr-FR" smtClean="0"/>
               <a:t>Modifiez le style du titre</a:t>
             </a:r>
             <a:endParaRPr lang="en-GB"/>
@@ -1007,7 +1007,7 @@
           <a:p>
             <a:pPr lvl="0"/>
             <a:r>
-              <a:rPr lang="fr-FR"/>
+              <a:rPr lang="fr-FR" smtClean="0"/>
               <a:t>Modifier les styles du texte du masque</a:t>
             </a:r>
           </a:p>
@@ -1030,7 +1030,7 @@
           <a:p>
             <a:fld id="{1C2A38D2-D57A-4E64-B95F-0826012D069A}" type="datetimeFigureOut">
               <a:rPr lang="en-GB" smtClean="0"/>
-              <a:t>07/05/2020</a:t>
+              <a:t>02/03/2020</a:t>
             </a:fld>
             <a:endParaRPr lang="en-GB" dirty="0"/>
           </a:p>
@@ -1072,7 +1072,7 @@
           <a:p>
             <a:fld id="{9D7F7A4F-C86B-4E97-8396-79EF10BBD040}" type="slidenum">
               <a:rPr lang="en-GB" smtClean="0"/>
-              <a:t>‹#›</a:t>
+              <a:t>‹N°›</a:t>
             </a:fld>
             <a:endParaRPr lang="en-GB" dirty="0"/>
           </a:p>
@@ -1124,7 +1124,7 @@
           <a:lstStyle/>
           <a:p>
             <a:r>
-              <a:rPr lang="fr-FR"/>
+              <a:rPr lang="fr-FR" smtClean="0"/>
               <a:t>Modifiez le style du titre</a:t>
             </a:r>
             <a:endParaRPr lang="en-GB"/>
@@ -1153,35 +1153,35 @@
           <a:p>
             <a:pPr lvl="0"/>
             <a:r>
-              <a:rPr lang="fr-FR"/>
+              <a:rPr lang="fr-FR" smtClean="0"/>
               <a:t>Modifier les styles du texte du masque</a:t>
             </a:r>
           </a:p>
           <a:p>
             <a:pPr lvl="1"/>
             <a:r>
-              <a:rPr lang="fr-FR"/>
+              <a:rPr lang="fr-FR" smtClean="0"/>
               <a:t>Deuxième niveau</a:t>
             </a:r>
           </a:p>
           <a:p>
             <a:pPr lvl="2"/>
             <a:r>
-              <a:rPr lang="fr-FR"/>
+              <a:rPr lang="fr-FR" smtClean="0"/>
               <a:t>Troisième niveau</a:t>
             </a:r>
           </a:p>
           <a:p>
             <a:pPr lvl="3"/>
             <a:r>
-              <a:rPr lang="fr-FR"/>
+              <a:rPr lang="fr-FR" smtClean="0"/>
               <a:t>Quatrième niveau</a:t>
             </a:r>
           </a:p>
           <a:p>
             <a:pPr lvl="4"/>
             <a:r>
-              <a:rPr lang="fr-FR"/>
+              <a:rPr lang="fr-FR" smtClean="0"/>
               <a:t>Cinquième niveau</a:t>
             </a:r>
             <a:endParaRPr lang="en-GB"/>
@@ -1210,35 +1210,35 @@
           <a:p>
             <a:pPr lvl="0"/>
             <a:r>
-              <a:rPr lang="fr-FR"/>
+              <a:rPr lang="fr-FR" smtClean="0"/>
               <a:t>Modifier les styles du texte du masque</a:t>
             </a:r>
           </a:p>
           <a:p>
             <a:pPr lvl="1"/>
             <a:r>
-              <a:rPr lang="fr-FR"/>
+              <a:rPr lang="fr-FR" smtClean="0"/>
               <a:t>Deuxième niveau</a:t>
             </a:r>
           </a:p>
           <a:p>
             <a:pPr lvl="2"/>
             <a:r>
-              <a:rPr lang="fr-FR"/>
+              <a:rPr lang="fr-FR" smtClean="0"/>
               <a:t>Troisième niveau</a:t>
             </a:r>
           </a:p>
           <a:p>
             <a:pPr lvl="3"/>
             <a:r>
-              <a:rPr lang="fr-FR"/>
+              <a:rPr lang="fr-FR" smtClean="0"/>
               <a:t>Quatrième niveau</a:t>
             </a:r>
           </a:p>
           <a:p>
             <a:pPr lvl="4"/>
             <a:r>
-              <a:rPr lang="fr-FR"/>
+              <a:rPr lang="fr-FR" smtClean="0"/>
               <a:t>Cinquième niveau</a:t>
             </a:r>
             <a:endParaRPr lang="en-GB"/>
@@ -1262,7 +1262,7 @@
           <a:p>
             <a:fld id="{1C2A38D2-D57A-4E64-B95F-0826012D069A}" type="datetimeFigureOut">
               <a:rPr lang="en-GB" smtClean="0"/>
-              <a:t>07/05/2020</a:t>
+              <a:t>02/03/2020</a:t>
             </a:fld>
             <a:endParaRPr lang="en-GB" dirty="0"/>
           </a:p>
@@ -1304,7 +1304,7 @@
           <a:p>
             <a:fld id="{9D7F7A4F-C86B-4E97-8396-79EF10BBD040}" type="slidenum">
               <a:rPr lang="en-GB" smtClean="0"/>
-              <a:t>‹#›</a:t>
+              <a:t>‹N°›</a:t>
             </a:fld>
             <a:endParaRPr lang="en-GB" dirty="0"/>
           </a:p>
@@ -1361,7 +1361,7 @@
           <a:lstStyle/>
           <a:p>
             <a:r>
-              <a:rPr lang="fr-FR"/>
+              <a:rPr lang="fr-FR" smtClean="0"/>
               <a:t>Modifiez le style du titre</a:t>
             </a:r>
             <a:endParaRPr lang="en-GB"/>
@@ -1427,7 +1427,7 @@
           <a:p>
             <a:pPr lvl="0"/>
             <a:r>
-              <a:rPr lang="fr-FR"/>
+              <a:rPr lang="fr-FR" smtClean="0"/>
               <a:t>Modifier les styles du texte du masque</a:t>
             </a:r>
           </a:p>
@@ -1455,35 +1455,35 @@
           <a:p>
             <a:pPr lvl="0"/>
             <a:r>
-              <a:rPr lang="fr-FR"/>
+              <a:rPr lang="fr-FR" smtClean="0"/>
               <a:t>Modifier les styles du texte du masque</a:t>
             </a:r>
           </a:p>
           <a:p>
             <a:pPr lvl="1"/>
             <a:r>
-              <a:rPr lang="fr-FR"/>
+              <a:rPr lang="fr-FR" smtClean="0"/>
               <a:t>Deuxième niveau</a:t>
             </a:r>
           </a:p>
           <a:p>
             <a:pPr lvl="2"/>
             <a:r>
-              <a:rPr lang="fr-FR"/>
+              <a:rPr lang="fr-FR" smtClean="0"/>
               <a:t>Troisième niveau</a:t>
             </a:r>
           </a:p>
           <a:p>
             <a:pPr lvl="3"/>
             <a:r>
-              <a:rPr lang="fr-FR"/>
+              <a:rPr lang="fr-FR" smtClean="0"/>
               <a:t>Quatrième niveau</a:t>
             </a:r>
           </a:p>
           <a:p>
             <a:pPr lvl="4"/>
             <a:r>
-              <a:rPr lang="fr-FR"/>
+              <a:rPr lang="fr-FR" smtClean="0"/>
               <a:t>Cinquième niveau</a:t>
             </a:r>
             <a:endParaRPr lang="en-GB"/>
@@ -1549,7 +1549,7 @@
           <a:p>
             <a:pPr lvl="0"/>
             <a:r>
-              <a:rPr lang="fr-FR"/>
+              <a:rPr lang="fr-FR" smtClean="0"/>
               <a:t>Modifier les styles du texte du masque</a:t>
             </a:r>
           </a:p>
@@ -1577,35 +1577,35 @@
           <a:p>
             <a:pPr lvl="0"/>
             <a:r>
-              <a:rPr lang="fr-FR"/>
+              <a:rPr lang="fr-FR" smtClean="0"/>
               <a:t>Modifier les styles du texte du masque</a:t>
             </a:r>
           </a:p>
           <a:p>
             <a:pPr lvl="1"/>
             <a:r>
-              <a:rPr lang="fr-FR"/>
+              <a:rPr lang="fr-FR" smtClean="0"/>
               <a:t>Deuxième niveau</a:t>
             </a:r>
           </a:p>
           <a:p>
             <a:pPr lvl="2"/>
             <a:r>
-              <a:rPr lang="fr-FR"/>
+              <a:rPr lang="fr-FR" smtClean="0"/>
               <a:t>Troisième niveau</a:t>
             </a:r>
           </a:p>
           <a:p>
             <a:pPr lvl="3"/>
             <a:r>
-              <a:rPr lang="fr-FR"/>
+              <a:rPr lang="fr-FR" smtClean="0"/>
               <a:t>Quatrième niveau</a:t>
             </a:r>
           </a:p>
           <a:p>
             <a:pPr lvl="4"/>
             <a:r>
-              <a:rPr lang="fr-FR"/>
+              <a:rPr lang="fr-FR" smtClean="0"/>
               <a:t>Cinquième niveau</a:t>
             </a:r>
             <a:endParaRPr lang="en-GB"/>
@@ -1629,7 +1629,7 @@
           <a:p>
             <a:fld id="{1C2A38D2-D57A-4E64-B95F-0826012D069A}" type="datetimeFigureOut">
               <a:rPr lang="en-GB" smtClean="0"/>
-              <a:t>07/05/2020</a:t>
+              <a:t>02/03/2020</a:t>
             </a:fld>
             <a:endParaRPr lang="en-GB" dirty="0"/>
           </a:p>
@@ -1671,7 +1671,7 @@
           <a:p>
             <a:fld id="{9D7F7A4F-C86B-4E97-8396-79EF10BBD040}" type="slidenum">
               <a:rPr lang="en-GB" smtClean="0"/>
-              <a:t>‹#›</a:t>
+              <a:t>‹N°›</a:t>
             </a:fld>
             <a:endParaRPr lang="en-GB" dirty="0"/>
           </a:p>
@@ -1723,7 +1723,7 @@
           <a:lstStyle/>
           <a:p>
             <a:r>
-              <a:rPr lang="fr-FR"/>
+              <a:rPr lang="fr-FR" smtClean="0"/>
               <a:t>Modifiez le style du titre</a:t>
             </a:r>
             <a:endParaRPr lang="en-GB"/>
@@ -1747,7 +1747,7 @@
           <a:p>
             <a:fld id="{1C2A38D2-D57A-4E64-B95F-0826012D069A}" type="datetimeFigureOut">
               <a:rPr lang="en-GB" smtClean="0"/>
-              <a:t>07/05/2020</a:t>
+              <a:t>02/03/2020</a:t>
             </a:fld>
             <a:endParaRPr lang="en-GB" dirty="0"/>
           </a:p>
@@ -1789,7 +1789,7 @@
           <a:p>
             <a:fld id="{9D7F7A4F-C86B-4E97-8396-79EF10BBD040}" type="slidenum">
               <a:rPr lang="en-GB" smtClean="0"/>
-              <a:t>‹#›</a:t>
+              <a:t>‹N°›</a:t>
             </a:fld>
             <a:endParaRPr lang="en-GB" dirty="0"/>
           </a:p>
@@ -1842,7 +1842,7 @@
           <a:p>
             <a:fld id="{1C2A38D2-D57A-4E64-B95F-0826012D069A}" type="datetimeFigureOut">
               <a:rPr lang="en-GB" smtClean="0"/>
-              <a:t>07/05/2020</a:t>
+              <a:t>02/03/2020</a:t>
             </a:fld>
             <a:endParaRPr lang="en-GB" dirty="0"/>
           </a:p>
@@ -1884,7 +1884,7 @@
           <a:p>
             <a:fld id="{9D7F7A4F-C86B-4E97-8396-79EF10BBD040}" type="slidenum">
               <a:rPr lang="en-GB" smtClean="0"/>
-              <a:t>‹#›</a:t>
+              <a:t>‹N°›</a:t>
             </a:fld>
             <a:endParaRPr lang="en-GB" dirty="0"/>
           </a:p>
@@ -1945,7 +1945,7 @@
           </a:lstStyle>
           <a:p>
             <a:r>
-              <a:rPr lang="fr-FR"/>
+              <a:rPr lang="fr-FR" smtClean="0"/>
               <a:t>Modifiez le style du titre</a:t>
             </a:r>
             <a:endParaRPr lang="en-GB"/>
@@ -2002,35 +2002,35 @@
           <a:p>
             <a:pPr lvl="0"/>
             <a:r>
-              <a:rPr lang="fr-FR"/>
+              <a:rPr lang="fr-FR" smtClean="0"/>
               <a:t>Modifier les styles du texte du masque</a:t>
             </a:r>
           </a:p>
           <a:p>
             <a:pPr lvl="1"/>
             <a:r>
-              <a:rPr lang="fr-FR"/>
+              <a:rPr lang="fr-FR" smtClean="0"/>
               <a:t>Deuxième niveau</a:t>
             </a:r>
           </a:p>
           <a:p>
             <a:pPr lvl="2"/>
             <a:r>
-              <a:rPr lang="fr-FR"/>
+              <a:rPr lang="fr-FR" smtClean="0"/>
               <a:t>Troisième niveau</a:t>
             </a:r>
           </a:p>
           <a:p>
             <a:pPr lvl="3"/>
             <a:r>
-              <a:rPr lang="fr-FR"/>
+              <a:rPr lang="fr-FR" smtClean="0"/>
               <a:t>Quatrième niveau</a:t>
             </a:r>
           </a:p>
           <a:p>
             <a:pPr lvl="4"/>
             <a:r>
-              <a:rPr lang="fr-FR"/>
+              <a:rPr lang="fr-FR" smtClean="0"/>
               <a:t>Cinquième niveau</a:t>
             </a:r>
             <a:endParaRPr lang="en-GB"/>
@@ -2096,7 +2096,7 @@
           <a:p>
             <a:pPr lvl="0"/>
             <a:r>
-              <a:rPr lang="fr-FR"/>
+              <a:rPr lang="fr-FR" smtClean="0"/>
               <a:t>Modifier les styles du texte du masque</a:t>
             </a:r>
           </a:p>
@@ -2119,7 +2119,7 @@
           <a:p>
             <a:fld id="{1C2A38D2-D57A-4E64-B95F-0826012D069A}" type="datetimeFigureOut">
               <a:rPr lang="en-GB" smtClean="0"/>
-              <a:t>07/05/2020</a:t>
+              <a:t>02/03/2020</a:t>
             </a:fld>
             <a:endParaRPr lang="en-GB" dirty="0"/>
           </a:p>
@@ -2161,7 +2161,7 @@
           <a:p>
             <a:fld id="{9D7F7A4F-C86B-4E97-8396-79EF10BBD040}" type="slidenum">
               <a:rPr lang="en-GB" smtClean="0"/>
-              <a:t>‹#›</a:t>
+              <a:t>‹N°›</a:t>
             </a:fld>
             <a:endParaRPr lang="en-GB" dirty="0"/>
           </a:p>
@@ -2222,7 +2222,7 @@
           </a:lstStyle>
           <a:p>
             <a:r>
-              <a:rPr lang="fr-FR"/>
+              <a:rPr lang="fr-FR" smtClean="0"/>
               <a:t>Modifiez le style du titre</a:t>
             </a:r>
             <a:endParaRPr lang="en-GB"/>
@@ -2349,7 +2349,7 @@
           <a:p>
             <a:pPr lvl="0"/>
             <a:r>
-              <a:rPr lang="fr-FR"/>
+              <a:rPr lang="fr-FR" smtClean="0"/>
               <a:t>Modifier les styles du texte du masque</a:t>
             </a:r>
           </a:p>
@@ -2372,7 +2372,7 @@
           <a:p>
             <a:fld id="{1C2A38D2-D57A-4E64-B95F-0826012D069A}" type="datetimeFigureOut">
               <a:rPr lang="en-GB" smtClean="0"/>
-              <a:t>07/05/2020</a:t>
+              <a:t>02/03/2020</a:t>
             </a:fld>
             <a:endParaRPr lang="en-GB" dirty="0"/>
           </a:p>
@@ -2414,7 +2414,7 @@
           <a:p>
             <a:fld id="{9D7F7A4F-C86B-4E97-8396-79EF10BBD040}" type="slidenum">
               <a:rPr lang="en-GB" smtClean="0"/>
-              <a:t>‹#›</a:t>
+              <a:t>‹N°›</a:t>
             </a:fld>
             <a:endParaRPr lang="en-GB" dirty="0"/>
           </a:p>
@@ -2481,7 +2481,7 @@
           <a:lstStyle/>
           <a:p>
             <a:r>
-              <a:rPr lang="fr-FR"/>
+              <a:rPr lang="fr-FR" smtClean="0"/>
               <a:t>Modifiez le style du titre</a:t>
             </a:r>
             <a:endParaRPr lang="en-GB"/>
@@ -2515,35 +2515,35 @@
           <a:p>
             <a:pPr lvl="0"/>
             <a:r>
-              <a:rPr lang="fr-FR"/>
+              <a:rPr lang="fr-FR" smtClean="0"/>
               <a:t>Modifier les styles du texte du masque</a:t>
             </a:r>
           </a:p>
           <a:p>
             <a:pPr lvl="1"/>
             <a:r>
-              <a:rPr lang="fr-FR"/>
+              <a:rPr lang="fr-FR" smtClean="0"/>
               <a:t>Deuxième niveau</a:t>
             </a:r>
           </a:p>
           <a:p>
             <a:pPr lvl="2"/>
             <a:r>
-              <a:rPr lang="fr-FR"/>
+              <a:rPr lang="fr-FR" smtClean="0"/>
               <a:t>Troisième niveau</a:t>
             </a:r>
           </a:p>
           <a:p>
             <a:pPr lvl="3"/>
             <a:r>
-              <a:rPr lang="fr-FR"/>
+              <a:rPr lang="fr-FR" smtClean="0"/>
               <a:t>Quatrième niveau</a:t>
             </a:r>
           </a:p>
           <a:p>
             <a:pPr lvl="4"/>
             <a:r>
-              <a:rPr lang="fr-FR"/>
+              <a:rPr lang="fr-FR" smtClean="0"/>
               <a:t>Cinquième niveau</a:t>
             </a:r>
             <a:endParaRPr lang="en-GB"/>
@@ -2585,7 +2585,7 @@
           <a:p>
             <a:fld id="{1C2A38D2-D57A-4E64-B95F-0826012D069A}" type="datetimeFigureOut">
               <a:rPr lang="en-GB" smtClean="0"/>
-              <a:t>07/05/2020</a:t>
+              <a:t>02/03/2020</a:t>
             </a:fld>
             <a:endParaRPr lang="en-GB" dirty="0"/>
           </a:p>
@@ -2663,7 +2663,7 @@
           <a:p>
             <a:fld id="{9D7F7A4F-C86B-4E97-8396-79EF10BBD040}" type="slidenum">
               <a:rPr lang="en-GB" smtClean="0"/>
-              <a:t>‹#›</a:t>
+              <a:t>‹N°›</a:t>
             </a:fld>
             <a:endParaRPr lang="en-GB" dirty="0"/>
           </a:p>
@@ -2976,6 +2976,14 @@
 <file path=ppt/slides/slide1.xml><?xml version="1.0" encoding="utf-8"?>
 <p:sld xmlns:a="http://schemas.openxmlformats.org/drawingml/2006/main" xmlns:r="http://schemas.openxmlformats.org/officeDocument/2006/relationships" xmlns:p="http://schemas.openxmlformats.org/presentationml/2006/main">
   <p:cSld>
+    <p:bg>
+      <p:bgPr>
+        <a:solidFill>
+          <a:schemeClr val="tx1"/>
+        </a:solidFill>
+        <a:effectLst/>
+      </p:bgPr>
+    </p:bg>
     <p:spTree>
       <p:nvGrpSpPr>
         <p:cNvPr id="1" name=""/>
@@ -3014,117 +3022,229 @@
           <a:p>
             <a:pPr algn="ctr"/>
             <a:r>
-              <a:rPr lang="en-GB" sz="2400" dirty="0"/>
+              <a:rPr lang="en-GB" sz="2400" dirty="0" smtClean="0">
+                <a:solidFill>
+                  <a:schemeClr val="bg1"/>
+                </a:solidFill>
+              </a:rPr>
               <a:t>Bonjour ! </a:t>
             </a:r>
             <a:r>
-              <a:rPr lang="en-GB" sz="2400" dirty="0" err="1"/>
+              <a:rPr lang="en-GB" sz="2400" dirty="0" err="1" smtClean="0">
+                <a:solidFill>
+                  <a:schemeClr val="bg1"/>
+                </a:solidFill>
+              </a:rPr>
               <a:t>Merci</a:t>
             </a:r>
             <a:r>
-              <a:rPr lang="en-GB" sz="2400" dirty="0"/>
+              <a:rPr lang="en-GB" sz="2400" dirty="0" smtClean="0">
+                <a:solidFill>
+                  <a:schemeClr val="bg1"/>
+                </a:solidFill>
+              </a:rPr>
               <a:t> </a:t>
             </a:r>
             <a:r>
-              <a:rPr lang="en-GB" sz="2400" dirty="0" err="1"/>
+              <a:rPr lang="en-GB" sz="2400" dirty="0" err="1" smtClean="0">
+                <a:solidFill>
+                  <a:schemeClr val="bg1"/>
+                </a:solidFill>
+              </a:rPr>
               <a:t>d’avoir</a:t>
             </a:r>
             <a:r>
-              <a:rPr lang="en-GB" sz="2400" dirty="0"/>
+              <a:rPr lang="en-GB" sz="2400" dirty="0" smtClean="0">
+                <a:solidFill>
+                  <a:schemeClr val="bg1"/>
+                </a:solidFill>
+              </a:rPr>
               <a:t> </a:t>
             </a:r>
             <a:r>
-              <a:rPr lang="en-GB" sz="2400" dirty="0" err="1"/>
+              <a:rPr lang="en-GB" sz="2400" dirty="0" err="1" smtClean="0">
+                <a:solidFill>
+                  <a:schemeClr val="bg1"/>
+                </a:solidFill>
+              </a:rPr>
               <a:t>accepté</a:t>
             </a:r>
             <a:r>
-              <a:rPr lang="en-GB" sz="2400" dirty="0"/>
+              <a:rPr lang="en-GB" sz="2400" dirty="0" smtClean="0">
+                <a:solidFill>
+                  <a:schemeClr val="bg1"/>
+                </a:solidFill>
+              </a:rPr>
               <a:t> de </a:t>
             </a:r>
             <a:r>
-              <a:rPr lang="en-GB" sz="2400" dirty="0" err="1"/>
+              <a:rPr lang="en-GB" sz="2400" dirty="0" err="1" smtClean="0">
+                <a:solidFill>
+                  <a:schemeClr val="bg1"/>
+                </a:solidFill>
+              </a:rPr>
               <a:t>participer</a:t>
             </a:r>
             <a:r>
-              <a:rPr lang="en-GB" sz="2400" dirty="0"/>
+              <a:rPr lang="en-GB" sz="2400" dirty="0" smtClean="0">
+                <a:solidFill>
+                  <a:schemeClr val="bg1"/>
+                </a:solidFill>
+              </a:rPr>
               <a:t> </a:t>
             </a:r>
             <a:r>
-              <a:rPr lang="fr-FR" sz="2400" dirty="0"/>
+              <a:rPr lang="fr-FR" sz="2400" dirty="0" smtClean="0">
+                <a:solidFill>
+                  <a:schemeClr val="bg1"/>
+                </a:solidFill>
+              </a:rPr>
               <a:t>à</a:t>
             </a:r>
             <a:r>
-              <a:rPr lang="en-GB" sz="2400" dirty="0"/>
+              <a:rPr lang="en-GB" sz="2400" dirty="0" smtClean="0">
+                <a:solidFill>
+                  <a:schemeClr val="bg1"/>
+                </a:solidFill>
+              </a:rPr>
               <a:t> </a:t>
             </a:r>
             <a:r>
-              <a:rPr lang="en-GB" sz="2400" dirty="0" err="1"/>
+              <a:rPr lang="en-GB" sz="2400" dirty="0" err="1" smtClean="0">
+                <a:solidFill>
+                  <a:schemeClr val="bg1"/>
+                </a:solidFill>
+              </a:rPr>
               <a:t>notre</a:t>
             </a:r>
             <a:r>
-              <a:rPr lang="en-GB" sz="2400" dirty="0"/>
+              <a:rPr lang="en-GB" sz="2400" dirty="0" smtClean="0">
+                <a:solidFill>
+                  <a:schemeClr val="bg1"/>
+                </a:solidFill>
+              </a:rPr>
               <a:t> experience</a:t>
             </a:r>
           </a:p>
           <a:p>
             <a:pPr algn="ctr"/>
-            <a:endParaRPr lang="en-GB" sz="2400" dirty="0"/>
+            <a:endParaRPr lang="en-GB" sz="2400" dirty="0">
+              <a:solidFill>
+                <a:schemeClr val="bg1"/>
+              </a:solidFill>
+            </a:endParaRPr>
           </a:p>
           <a:p>
             <a:pPr algn="ctr"/>
-            <a:endParaRPr lang="en-GB" sz="2400" dirty="0"/>
+            <a:endParaRPr lang="en-GB" sz="2400" dirty="0" smtClean="0">
+              <a:solidFill>
+                <a:schemeClr val="bg1"/>
+              </a:solidFill>
+            </a:endParaRPr>
           </a:p>
           <a:p>
             <a:pPr algn="ctr"/>
-            <a:endParaRPr lang="en-GB" sz="2400" dirty="0"/>
+            <a:endParaRPr lang="en-GB" sz="2400" dirty="0">
+              <a:solidFill>
+                <a:schemeClr val="bg1"/>
+              </a:solidFill>
+            </a:endParaRPr>
           </a:p>
           <a:p>
             <a:pPr algn="ctr"/>
             <a:r>
-              <a:rPr lang="en-GB" sz="2400" dirty="0"/>
+              <a:rPr lang="en-GB" sz="2400" dirty="0" smtClean="0">
+                <a:solidFill>
+                  <a:schemeClr val="bg1"/>
+                </a:solidFill>
+              </a:rPr>
               <a:t>Avant de commencer, </a:t>
             </a:r>
             <a:r>
-              <a:rPr lang="en-GB" sz="2400" dirty="0" err="1"/>
+              <a:rPr lang="en-GB" sz="2400" dirty="0" err="1" smtClean="0">
+                <a:solidFill>
+                  <a:schemeClr val="bg1"/>
+                </a:solidFill>
+              </a:rPr>
               <a:t>merci</a:t>
             </a:r>
             <a:r>
-              <a:rPr lang="en-GB" sz="2400" dirty="0"/>
+              <a:rPr lang="en-GB" sz="2400" dirty="0" smtClean="0">
+                <a:solidFill>
+                  <a:schemeClr val="bg1"/>
+                </a:solidFill>
+              </a:rPr>
               <a:t> de </a:t>
             </a:r>
             <a:r>
-              <a:rPr lang="en-GB" sz="2400" dirty="0" err="1"/>
+              <a:rPr lang="en-GB" sz="2400" dirty="0" err="1" smtClean="0">
+                <a:solidFill>
+                  <a:schemeClr val="bg1"/>
+                </a:solidFill>
+              </a:rPr>
               <a:t>bien</a:t>
             </a:r>
             <a:r>
-              <a:rPr lang="en-GB" sz="2400" dirty="0"/>
+              <a:rPr lang="en-GB" sz="2400" dirty="0" smtClean="0">
+                <a:solidFill>
+                  <a:schemeClr val="bg1"/>
+                </a:solidFill>
+              </a:rPr>
               <a:t> </a:t>
             </a:r>
             <a:r>
-              <a:rPr lang="en-GB" sz="2400" dirty="0" err="1"/>
+              <a:rPr lang="en-GB" sz="2400" dirty="0" err="1" smtClean="0">
+                <a:solidFill>
+                  <a:schemeClr val="bg1"/>
+                </a:solidFill>
+              </a:rPr>
               <a:t>vouloir</a:t>
             </a:r>
             <a:r>
-              <a:rPr lang="en-GB" sz="2400" dirty="0"/>
+              <a:rPr lang="en-GB" sz="2400" dirty="0" smtClean="0">
+                <a:solidFill>
+                  <a:schemeClr val="bg1"/>
+                </a:solidFill>
+              </a:rPr>
               <a:t> </a:t>
             </a:r>
             <a:r>
-              <a:rPr lang="en-GB" sz="2400" dirty="0" err="1"/>
+              <a:rPr lang="en-GB" sz="2400" dirty="0" err="1" smtClean="0">
+                <a:solidFill>
+                  <a:schemeClr val="bg1"/>
+                </a:solidFill>
+              </a:rPr>
               <a:t>éteindre</a:t>
             </a:r>
             <a:r>
-              <a:rPr lang="en-GB" sz="2400" dirty="0"/>
+              <a:rPr lang="en-GB" sz="2400" dirty="0" smtClean="0">
+                <a:solidFill>
+                  <a:schemeClr val="bg1"/>
+                </a:solidFill>
+              </a:rPr>
               <a:t> </a:t>
             </a:r>
             <a:r>
-              <a:rPr lang="en-GB" sz="2400" dirty="0" err="1"/>
+              <a:rPr lang="en-GB" sz="2400" dirty="0" err="1" smtClean="0">
+                <a:solidFill>
+                  <a:schemeClr val="bg1"/>
+                </a:solidFill>
+              </a:rPr>
               <a:t>votre</a:t>
             </a:r>
             <a:r>
-              <a:rPr lang="en-GB" sz="2400" dirty="0"/>
+              <a:rPr lang="en-GB" sz="2400" dirty="0" smtClean="0">
+                <a:solidFill>
+                  <a:schemeClr val="bg1"/>
+                </a:solidFill>
+              </a:rPr>
               <a:t> telephone portable</a:t>
             </a:r>
-            <a:endParaRPr lang="en-GB" sz="1600" dirty="0"/>
+            <a:endParaRPr lang="en-GB" sz="1600" dirty="0">
+              <a:solidFill>
+                <a:schemeClr val="bg1"/>
+              </a:solidFill>
+            </a:endParaRPr>
           </a:p>
         </p:txBody>
       </p:sp>
@@ -3151,13 +3271,52 @@
           <a:p>
             <a:pPr algn="ctr"/>
             <a:r>
-              <a:rPr lang="en-GB" dirty="0" err="1"/>
+              <a:rPr lang="en-GB" dirty="0" err="1" smtClean="0">
+                <a:solidFill>
+                  <a:schemeClr val="bg1">
+                    <a:lumMod val="65000"/>
+                  </a:schemeClr>
+                </a:solidFill>
+              </a:rPr>
               <a:t>Appuyez</a:t>
             </a:r>
             <a:r>
-              <a:rPr lang="en-GB" dirty="0"/>
-              <a:t> sur la fleche de droit pour continuer</a:t>
-            </a:r>
+              <a:rPr lang="en-GB" dirty="0" smtClean="0">
+                <a:solidFill>
+                  <a:schemeClr val="bg1">
+                    <a:lumMod val="65000"/>
+                  </a:schemeClr>
+                </a:solidFill>
+              </a:rPr>
+              <a:t> sur </a:t>
+            </a:r>
+            <a:r>
+              <a:rPr lang="en-GB" dirty="0" smtClean="0">
+                <a:solidFill>
+                  <a:schemeClr val="bg1">
+                    <a:lumMod val="65000"/>
+                  </a:schemeClr>
+                </a:solidFill>
+              </a:rPr>
+              <a:t>la fleche de </a:t>
+            </a:r>
+            <a:r>
+              <a:rPr lang="en-GB" dirty="0" smtClean="0">
+                <a:solidFill>
+                  <a:schemeClr val="bg1">
+                    <a:lumMod val="65000"/>
+                  </a:schemeClr>
+                </a:solidFill>
+              </a:rPr>
+              <a:t>droit pour continuer</a:t>
+            </a:r>
+            <a:endParaRPr lang="en-GB" dirty="0">
+              <a:solidFill>
+                <a:schemeClr val="bg1">
+                  <a:lumMod val="65000"/>
+                </a:schemeClr>
+              </a:solidFill>
+            </a:endParaRPr>
           </a:p>
         </p:txBody>
       </p:sp>
@@ -3171,12 +3330,27 @@
   <p:clrMapOvr>
     <a:masterClrMapping/>
   </p:clrMapOvr>
+  <p:timing>
+    <p:tnLst>
+      <p:par>
+        <p:cTn id="1" dur="indefinite" restart="never" nodeType="tmRoot"/>
+      </p:par>
+    </p:tnLst>
+  </p:timing>
 </p:sld>
 </file>
 
 <file path=ppt/slides/slide10.xml><?xml version="1.0" encoding="utf-8"?>
 <p:sld xmlns:a="http://schemas.openxmlformats.org/drawingml/2006/main" xmlns:r="http://schemas.openxmlformats.org/officeDocument/2006/relationships" xmlns:p="http://schemas.openxmlformats.org/presentationml/2006/main">
   <p:cSld>
+    <p:bg>
+      <p:bgPr>
+        <a:solidFill>
+          <a:schemeClr val="tx1"/>
+        </a:solidFill>
+        <a:effectLst/>
+      </p:bgPr>
+    </p:bg>
     <p:spTree>
       <p:nvGrpSpPr>
         <p:cNvPr id="1" name=""/>
@@ -3225,13 +3399,18 @@
               </a:spcAft>
             </a:pPr>
             <a:r>
-              <a:rPr lang="en-GB" sz="2400" b="1" dirty="0">
+              <a:rPr lang="en-GB" sz="2400" b="1" dirty="0" smtClean="0">
                 <a:solidFill>
                   <a:schemeClr val="accent4"/>
                 </a:solidFill>
               </a:rPr>
               <a:t>PRINCIPE DE L’EXPERIENCE</a:t>
             </a:r>
+            <a:endParaRPr lang="en-GB" sz="2400" b="1" dirty="0">
+              <a:solidFill>
+                <a:schemeClr val="accent4"/>
+              </a:solidFill>
+            </a:endParaRPr>
           </a:p>
         </p:txBody>
       </p:sp>
@@ -3258,7 +3437,7 @@
           <a:lstStyle/>
           <a:p>
             <a:r>
-              <a:rPr lang="en-GB" sz="2000" dirty="0" err="1">
+              <a:rPr lang="en-GB" sz="2000" dirty="0" err="1" smtClean="0">
                 <a:solidFill>
                   <a:schemeClr val="bg1"/>
                 </a:solidFill>
@@ -3266,7 +3445,7 @@
               <a:t>Etapes</a:t>
             </a:r>
             <a:r>
-              <a:rPr lang="en-GB" sz="2000" dirty="0">
+              <a:rPr lang="en-GB" sz="2000" dirty="0" smtClean="0">
                 <a:solidFill>
                   <a:schemeClr val="bg1"/>
                 </a:solidFill>
@@ -3280,7 +3459,7 @@
               <a:buAutoNum type="arabicPeriod"/>
             </a:pPr>
             <a:r>
-              <a:rPr lang="en-GB" sz="2000" dirty="0" err="1">
+              <a:rPr lang="en-GB" sz="2000" dirty="0" err="1" smtClean="0">
                 <a:solidFill>
                   <a:schemeClr val="bg1"/>
                 </a:solidFill>
@@ -3288,7 +3467,39 @@
               <a:t>Affichage</a:t>
             </a:r>
             <a:r>
-              <a:rPr lang="en-GB" sz="2000" dirty="0">
+              <a:rPr lang="en-GB" sz="2000" dirty="0" smtClean="0">
+                <a:solidFill>
+                  <a:schemeClr val="bg1"/>
+                </a:solidFill>
+              </a:rPr>
+              <a:t> </a:t>
+            </a:r>
+            <a:r>
+              <a:rPr lang="en-GB" sz="2000" dirty="0" smtClean="0">
+                <a:solidFill>
+                  <a:schemeClr val="bg1"/>
+                </a:solidFill>
+              </a:rPr>
+              <a:t>de </a:t>
+            </a:r>
+            <a:r>
+              <a:rPr lang="en-GB" sz="2000" b="1" dirty="0" smtClean="0">
+                <a:solidFill>
+                  <a:schemeClr val="bg1"/>
+                </a:solidFill>
+              </a:rPr>
+              <a:t>la </a:t>
+            </a:r>
+            <a:r>
+              <a:rPr lang="en-GB" sz="2000" b="1" dirty="0" err="1" smtClean="0">
+                <a:solidFill>
+                  <a:schemeClr val="bg1"/>
+                </a:solidFill>
+              </a:rPr>
+              <a:t>numero</a:t>
+            </a:r>
+            <a:r>
+              <a:rPr lang="en-GB" sz="2000" b="1" dirty="0" smtClean="0">
                 <a:solidFill>
                   <a:schemeClr val="bg1"/>
                 </a:solidFill>
@@ -3296,31 +3507,7 @@
               <a:t> de </a:t>
             </a:r>
             <a:r>
-              <a:rPr lang="en-GB" sz="2000" b="1" dirty="0">
-                <a:solidFill>
-                  <a:schemeClr val="bg1"/>
-                </a:solidFill>
-              </a:rPr>
-              <a:t>la </a:t>
-            </a:r>
-            <a:r>
-              <a:rPr lang="en-GB" sz="2000" b="1" dirty="0" err="1">
-                <a:solidFill>
-                  <a:schemeClr val="bg1"/>
-                </a:solidFill>
-              </a:rPr>
-              <a:t>numero</a:t>
-            </a:r>
-            <a:r>
-              <a:rPr lang="en-GB" sz="2000" b="1" dirty="0">
-                <a:solidFill>
-                  <a:schemeClr val="bg1"/>
-                </a:solidFill>
-              </a:rPr>
-              <a:t> de </a:t>
-            </a:r>
-            <a:r>
-              <a:rPr lang="en-GB" sz="2000" b="1" dirty="0" err="1">
+              <a:rPr lang="en-GB" sz="2000" b="1" dirty="0" err="1" smtClean="0">
                 <a:solidFill>
                   <a:schemeClr val="bg1"/>
                 </a:solidFill>
@@ -3339,7 +3526,7 @@
               <a:buAutoNum type="arabicPeriod"/>
             </a:pPr>
             <a:r>
-              <a:rPr lang="en-GB" sz="2000" dirty="0">
+              <a:rPr lang="en-GB" sz="2000" dirty="0" smtClean="0">
                 <a:solidFill>
                   <a:schemeClr val="bg1"/>
                 </a:solidFill>
@@ -3347,7 +3534,7 @@
               <a:t>͏</a:t>
             </a:r>
             <a:r>
-              <a:rPr lang="en-GB" sz="2000" b="1" dirty="0">
+              <a:rPr lang="en-GB" sz="2000" b="1" dirty="0" smtClean="0">
                 <a:solidFill>
                   <a:schemeClr val="bg1"/>
                 </a:solidFill>
@@ -3355,7 +3542,7 @@
               <a:t>Un </a:t>
             </a:r>
             <a:r>
-              <a:rPr lang="en-GB" sz="2000" b="1" dirty="0" err="1">
+              <a:rPr lang="en-GB" sz="2000" b="1" dirty="0" err="1" smtClean="0">
                 <a:solidFill>
                   <a:schemeClr val="bg1"/>
                 </a:solidFill>
@@ -3363,7 +3550,7 @@
               <a:t>seul</a:t>
             </a:r>
             <a:r>
-              <a:rPr lang="en-GB" sz="2000" b="1" dirty="0">
+              <a:rPr lang="en-GB" sz="2000" b="1" dirty="0" smtClean="0">
                 <a:solidFill>
                   <a:schemeClr val="bg1"/>
                 </a:solidFill>
@@ -3371,7 +3558,7 @@
               <a:t> </a:t>
             </a:r>
             <a:r>
-              <a:rPr lang="en-GB" sz="2000" b="1" dirty="0" err="1">
+              <a:rPr lang="en-GB" sz="2000" b="1" dirty="0" err="1" smtClean="0">
                 <a:solidFill>
                   <a:schemeClr val="bg1"/>
                 </a:solidFill>
@@ -3379,7 +3566,7 @@
               <a:t>affichage</a:t>
             </a:r>
             <a:r>
-              <a:rPr lang="en-GB" sz="2000" b="1" dirty="0">
+              <a:rPr lang="en-GB" sz="2000" b="1" dirty="0" smtClean="0">
                 <a:solidFill>
                   <a:schemeClr val="bg1"/>
                 </a:solidFill>
@@ -3387,7 +3574,7 @@
               <a:t> </a:t>
             </a:r>
             <a:r>
-              <a:rPr lang="en-GB" sz="2000" dirty="0">
+              <a:rPr lang="en-GB" sz="2000" dirty="0" smtClean="0">
                 <a:solidFill>
                   <a:schemeClr val="bg1"/>
                 </a:solidFill>
@@ -3395,7 +3582,7 @@
               <a:t>de </a:t>
             </a:r>
             <a:r>
-              <a:rPr lang="en-GB" sz="2000" dirty="0" err="1">
+              <a:rPr lang="en-GB" sz="2000" dirty="0" err="1" smtClean="0">
                 <a:solidFill>
                   <a:schemeClr val="bg1"/>
                 </a:solidFill>
@@ -3403,7 +3590,7 @@
               <a:t>toutes</a:t>
             </a:r>
             <a:r>
-              <a:rPr lang="en-GB" sz="2000" dirty="0">
+              <a:rPr lang="en-GB" sz="2000" dirty="0" smtClean="0">
                 <a:solidFill>
                   <a:schemeClr val="bg1"/>
                 </a:solidFill>
@@ -3411,14 +3598,14 @@
               <a:t> les </a:t>
             </a:r>
             <a:r>
-              <a:rPr lang="en-GB" sz="2000" dirty="0" err="1">
+              <a:rPr lang="en-GB" sz="2000" dirty="0" err="1" smtClean="0">
                 <a:solidFill>
                   <a:schemeClr val="bg1"/>
                 </a:solidFill>
               </a:rPr>
               <a:t>paires</a:t>
             </a:r>
-            <a:endParaRPr lang="en-GB" sz="2000" dirty="0">
+            <a:endParaRPr lang="en-GB" sz="2000" dirty="0" smtClean="0">
               <a:solidFill>
                 <a:schemeClr val="bg1"/>
               </a:solidFill>
@@ -3449,7 +3636,7 @@
           <a:p>
             <a:pPr algn="ctr"/>
             <a:r>
-              <a:rPr lang="en-GB" dirty="0" err="1">
+              <a:rPr lang="en-GB" dirty="0" err="1" smtClean="0">
                 <a:solidFill>
                   <a:schemeClr val="bg1">
                     <a:lumMod val="65000"/>
@@ -3459,15 +3646,42 @@
               <a:t>Appuyez</a:t>
             </a:r>
             <a:r>
-              <a:rPr lang="en-GB" dirty="0">
+              <a:rPr lang="en-GB" dirty="0" smtClean="0">
                 <a:solidFill>
                   <a:schemeClr val="bg1">
                     <a:lumMod val="65000"/>
                   </a:schemeClr>
                 </a:solidFill>
               </a:rPr>
-              <a:t> sur la fleche de droit pour continuer</a:t>
-            </a:r>
+              <a:t> sur </a:t>
+            </a:r>
+            <a:r>
+              <a:rPr lang="en-GB" dirty="0" smtClean="0">
+                <a:solidFill>
+                  <a:schemeClr val="bg1">
+                    <a:lumMod val="65000"/>
+                  </a:schemeClr>
+                </a:solidFill>
+              </a:rPr>
+              <a:t>la fleche de </a:t>
+            </a:r>
+            <a:r>
+              <a:rPr lang="en-GB" dirty="0" smtClean="0">
+                <a:solidFill>
+                  <a:schemeClr val="bg1">
+                    <a:lumMod val="65000"/>
+                  </a:schemeClr>
+                </a:solidFill>
+              </a:rPr>
+              <a:t>droit pour continuer</a:t>
+            </a:r>
+            <a:endParaRPr lang="en-GB" dirty="0">
+              <a:solidFill>
+                <a:schemeClr val="bg1">
+                  <a:lumMod val="65000"/>
+                </a:schemeClr>
+              </a:solidFill>
+            </a:endParaRPr>
           </a:p>
         </p:txBody>
       </p:sp>
@@ -3481,12 +3695,27 @@
   <p:clrMapOvr>
     <a:masterClrMapping/>
   </p:clrMapOvr>
+  <p:timing>
+    <p:tnLst>
+      <p:par>
+        <p:cTn id="1" dur="indefinite" restart="never" nodeType="tmRoot"/>
+      </p:par>
+    </p:tnLst>
+  </p:timing>
 </p:sld>
 </file>
 
 <file path=ppt/slides/slide11.xml><?xml version="1.0" encoding="utf-8"?>
 <p:sld xmlns:a="http://schemas.openxmlformats.org/drawingml/2006/main" xmlns:r="http://schemas.openxmlformats.org/officeDocument/2006/relationships" xmlns:p="http://schemas.openxmlformats.org/presentationml/2006/main">
   <p:cSld>
+    <p:bg>
+      <p:bgPr>
+        <a:solidFill>
+          <a:schemeClr val="tx1"/>
+        </a:solidFill>
+        <a:effectLst/>
+      </p:bgPr>
+    </p:bg>
     <p:spTree>
       <p:nvGrpSpPr>
         <p:cNvPr id="1" name=""/>
@@ -3535,13 +3764,18 @@
               </a:spcAft>
             </a:pPr>
             <a:r>
-              <a:rPr lang="en-GB" sz="2400" b="1" dirty="0">
+              <a:rPr lang="en-GB" sz="2400" b="1" dirty="0" smtClean="0">
                 <a:solidFill>
                   <a:schemeClr val="accent4"/>
                 </a:solidFill>
               </a:rPr>
               <a:t>PRINCIPE DE L’EXPERIENCE</a:t>
             </a:r>
+            <a:endParaRPr lang="en-GB" sz="2400" b="1" dirty="0">
+              <a:solidFill>
+                <a:schemeClr val="accent4"/>
+              </a:solidFill>
+            </a:endParaRPr>
           </a:p>
         </p:txBody>
       </p:sp>
@@ -3568,7 +3802,7 @@
           <a:lstStyle/>
           <a:p>
             <a:r>
-              <a:rPr lang="en-GB" sz="2000" dirty="0" err="1">
+              <a:rPr lang="en-GB" sz="2000" dirty="0" err="1" smtClean="0">
                 <a:solidFill>
                   <a:schemeClr val="bg1"/>
                 </a:solidFill>
@@ -3576,7 +3810,7 @@
               <a:t>Etapes</a:t>
             </a:r>
             <a:r>
-              <a:rPr lang="en-GB" sz="2000" dirty="0">
+              <a:rPr lang="en-GB" sz="2000" dirty="0" smtClean="0">
                 <a:solidFill>
                   <a:schemeClr val="bg1"/>
                 </a:solidFill>
@@ -3590,7 +3824,7 @@
               <a:buAutoNum type="arabicPeriod"/>
             </a:pPr>
             <a:r>
-              <a:rPr lang="en-GB" sz="2000" dirty="0" err="1">
+              <a:rPr lang="en-GB" sz="2000" dirty="0" err="1" smtClean="0">
                 <a:solidFill>
                   <a:schemeClr val="bg1"/>
                 </a:solidFill>
@@ -3598,7 +3832,39 @@
               <a:t>Affichage</a:t>
             </a:r>
             <a:r>
-              <a:rPr lang="en-GB" sz="2000" dirty="0">
+              <a:rPr lang="en-GB" sz="2000" dirty="0" smtClean="0">
+                <a:solidFill>
+                  <a:schemeClr val="bg1"/>
+                </a:solidFill>
+              </a:rPr>
+              <a:t> </a:t>
+            </a:r>
+            <a:r>
+              <a:rPr lang="en-GB" sz="2000" dirty="0" smtClean="0">
+                <a:solidFill>
+                  <a:schemeClr val="bg1"/>
+                </a:solidFill>
+              </a:rPr>
+              <a:t>de </a:t>
+            </a:r>
+            <a:r>
+              <a:rPr lang="en-GB" sz="2000" b="1" dirty="0" smtClean="0">
+                <a:solidFill>
+                  <a:schemeClr val="bg1"/>
+                </a:solidFill>
+              </a:rPr>
+              <a:t>la </a:t>
+            </a:r>
+            <a:r>
+              <a:rPr lang="en-GB" sz="2000" b="1" dirty="0" err="1" smtClean="0">
+                <a:solidFill>
+                  <a:schemeClr val="bg1"/>
+                </a:solidFill>
+              </a:rPr>
+              <a:t>numero</a:t>
+            </a:r>
+            <a:r>
+              <a:rPr lang="en-GB" sz="2000" b="1" dirty="0" smtClean="0">
                 <a:solidFill>
                   <a:schemeClr val="bg1"/>
                 </a:solidFill>
@@ -3606,31 +3872,7 @@
               <a:t> de </a:t>
             </a:r>
             <a:r>
-              <a:rPr lang="en-GB" sz="2000" b="1" dirty="0">
-                <a:solidFill>
-                  <a:schemeClr val="bg1"/>
-                </a:solidFill>
-              </a:rPr>
-              <a:t>la </a:t>
-            </a:r>
-            <a:r>
-              <a:rPr lang="en-GB" sz="2000" b="1" dirty="0" err="1">
-                <a:solidFill>
-                  <a:schemeClr val="bg1"/>
-                </a:solidFill>
-              </a:rPr>
-              <a:t>numero</a:t>
-            </a:r>
-            <a:r>
-              <a:rPr lang="en-GB" sz="2000" b="1" dirty="0">
-                <a:solidFill>
-                  <a:schemeClr val="bg1"/>
-                </a:solidFill>
-              </a:rPr>
-              <a:t> de </a:t>
-            </a:r>
-            <a:r>
-              <a:rPr lang="en-GB" sz="2000" b="1" dirty="0" err="1">
+              <a:rPr lang="en-GB" sz="2000" b="1" dirty="0" err="1" smtClean="0">
                 <a:solidFill>
                   <a:schemeClr val="bg1"/>
                 </a:solidFill>
@@ -3649,7 +3891,7 @@
               <a:buAutoNum type="arabicPeriod"/>
             </a:pPr>
             <a:r>
-              <a:rPr lang="en-GB" sz="2000" dirty="0">
+              <a:rPr lang="en-GB" sz="2000" dirty="0" smtClean="0">
                 <a:solidFill>
                   <a:schemeClr val="bg1"/>
                 </a:solidFill>
@@ -3657,7 +3899,7 @@
               <a:t>͏</a:t>
             </a:r>
             <a:r>
-              <a:rPr lang="en-GB" sz="2000" b="1" dirty="0">
+              <a:rPr lang="en-GB" sz="2000" b="1" dirty="0" smtClean="0">
                 <a:solidFill>
                   <a:schemeClr val="bg1"/>
                 </a:solidFill>
@@ -3665,7 +3907,7 @@
               <a:t>Un </a:t>
             </a:r>
             <a:r>
-              <a:rPr lang="en-GB" sz="2000" b="1" dirty="0" err="1">
+              <a:rPr lang="en-GB" sz="2000" b="1" dirty="0" err="1" smtClean="0">
                 <a:solidFill>
                   <a:schemeClr val="bg1"/>
                 </a:solidFill>
@@ -3673,7 +3915,7 @@
               <a:t>seul</a:t>
             </a:r>
             <a:r>
-              <a:rPr lang="en-GB" sz="2000" b="1" dirty="0">
+              <a:rPr lang="en-GB" sz="2000" b="1" dirty="0" smtClean="0">
                 <a:solidFill>
                   <a:schemeClr val="bg1"/>
                 </a:solidFill>
@@ -3681,7 +3923,7 @@
               <a:t> </a:t>
             </a:r>
             <a:r>
-              <a:rPr lang="en-GB" sz="2000" b="1" dirty="0" err="1">
+              <a:rPr lang="en-GB" sz="2000" b="1" dirty="0" err="1" smtClean="0">
                 <a:solidFill>
                   <a:schemeClr val="bg1"/>
                 </a:solidFill>
@@ -3689,7 +3931,7 @@
               <a:t>affichage</a:t>
             </a:r>
             <a:r>
-              <a:rPr lang="en-GB" sz="2000" b="1" dirty="0">
+              <a:rPr lang="en-GB" sz="2000" b="1" dirty="0" smtClean="0">
                 <a:solidFill>
                   <a:schemeClr val="bg1"/>
                 </a:solidFill>
@@ -3697,7 +3939,7 @@
               <a:t> </a:t>
             </a:r>
             <a:r>
-              <a:rPr lang="en-GB" sz="2000" dirty="0">
+              <a:rPr lang="en-GB" sz="2000" dirty="0" smtClean="0">
                 <a:solidFill>
                   <a:schemeClr val="bg1"/>
                 </a:solidFill>
@@ -3705,7 +3947,7 @@
               <a:t>de </a:t>
             </a:r>
             <a:r>
-              <a:rPr lang="en-GB" sz="2000" dirty="0" err="1">
+              <a:rPr lang="en-GB" sz="2000" dirty="0" err="1" smtClean="0">
                 <a:solidFill>
                   <a:schemeClr val="bg1"/>
                 </a:solidFill>
@@ -3713,7 +3955,7 @@
               <a:t>toutes</a:t>
             </a:r>
             <a:r>
-              <a:rPr lang="en-GB" sz="2000" dirty="0">
+              <a:rPr lang="en-GB" sz="2000" dirty="0" smtClean="0">
                 <a:solidFill>
                   <a:schemeClr val="bg1"/>
                 </a:solidFill>
@@ -3721,14 +3963,14 @@
               <a:t> les </a:t>
             </a:r>
             <a:r>
-              <a:rPr lang="en-GB" sz="2000" dirty="0" err="1">
+              <a:rPr lang="en-GB" sz="2000" dirty="0" err="1" smtClean="0">
                 <a:solidFill>
                   <a:schemeClr val="bg1"/>
                 </a:solidFill>
               </a:rPr>
               <a:t>paires</a:t>
             </a:r>
-            <a:endParaRPr lang="en-GB" sz="2000" dirty="0">
+            <a:endParaRPr lang="en-GB" sz="2000" dirty="0" smtClean="0">
               <a:solidFill>
                 <a:schemeClr val="bg1"/>
               </a:solidFill>
@@ -3740,7 +3982,7 @@
               <a:buAutoNum type="arabicPeriod"/>
             </a:pPr>
             <a:r>
-              <a:rPr lang="en-GB" sz="2000" dirty="0">
+              <a:rPr lang="en-GB" sz="2000" dirty="0" smtClean="0">
                 <a:solidFill>
                   <a:schemeClr val="bg1"/>
                 </a:solidFill>
@@ -3748,7 +3990,7 @@
               <a:t>͏</a:t>
             </a:r>
             <a:r>
-              <a:rPr lang="en-GB" sz="2000" b="1" dirty="0" err="1">
+              <a:rPr lang="en-GB" sz="2000" b="1" dirty="0" err="1" smtClean="0">
                 <a:solidFill>
                   <a:schemeClr val="bg1"/>
                 </a:solidFill>
@@ -3756,7 +3998,7 @@
               <a:t>Deux</a:t>
             </a:r>
             <a:r>
-              <a:rPr lang="en-GB" sz="2000" b="1" dirty="0">
+              <a:rPr lang="en-GB" sz="2000" b="1" dirty="0" smtClean="0">
                 <a:solidFill>
                   <a:schemeClr val="bg1"/>
                 </a:solidFill>
@@ -3764,14 +4006,14 @@
               <a:t> judgements </a:t>
             </a:r>
             <a:r>
-              <a:rPr lang="en-GB" sz="2000" b="1" dirty="0" err="1">
+              <a:rPr lang="en-GB" sz="2000" b="1" dirty="0" err="1" smtClean="0">
                 <a:solidFill>
                   <a:schemeClr val="bg1"/>
                 </a:solidFill>
               </a:rPr>
               <a:t>d’auto-efficacité</a:t>
             </a:r>
-            <a:endParaRPr lang="en-GB" sz="2000" dirty="0">
+            <a:endParaRPr lang="en-GB" sz="2000" dirty="0" smtClean="0">
               <a:solidFill>
                 <a:schemeClr val="bg1"/>
               </a:solidFill>
@@ -3802,7 +4044,7 @@
           <a:p>
             <a:pPr algn="ctr"/>
             <a:r>
-              <a:rPr lang="en-GB" dirty="0" err="1">
+              <a:rPr lang="en-GB" dirty="0" err="1" smtClean="0">
                 <a:solidFill>
                   <a:schemeClr val="bg1">
                     <a:lumMod val="65000"/>
@@ -3812,15 +4054,42 @@
               <a:t>Appuyez</a:t>
             </a:r>
             <a:r>
-              <a:rPr lang="en-GB" dirty="0">
+              <a:rPr lang="en-GB" dirty="0" smtClean="0">
                 <a:solidFill>
                   <a:schemeClr val="bg1">
                     <a:lumMod val="65000"/>
                   </a:schemeClr>
                 </a:solidFill>
               </a:rPr>
-              <a:t> sur la fleche de droit pour continuer</a:t>
-            </a:r>
+              <a:t> sur </a:t>
+            </a:r>
+            <a:r>
+              <a:rPr lang="en-GB" dirty="0" smtClean="0">
+                <a:solidFill>
+                  <a:schemeClr val="bg1">
+                    <a:lumMod val="65000"/>
+                  </a:schemeClr>
+                </a:solidFill>
+              </a:rPr>
+              <a:t>la fleche de </a:t>
+            </a:r>
+            <a:r>
+              <a:rPr lang="en-GB" dirty="0" smtClean="0">
+                <a:solidFill>
+                  <a:schemeClr val="bg1">
+                    <a:lumMod val="65000"/>
+                  </a:schemeClr>
+                </a:solidFill>
+              </a:rPr>
+              <a:t>droit pour continuer</a:t>
+            </a:r>
+            <a:endParaRPr lang="en-GB" dirty="0">
+              <a:solidFill>
+                <a:schemeClr val="bg1">
+                  <a:lumMod val="65000"/>
+                </a:schemeClr>
+              </a:solidFill>
+            </a:endParaRPr>
           </a:p>
         </p:txBody>
       </p:sp>
@@ -3834,12 +4103,27 @@
   <p:clrMapOvr>
     <a:masterClrMapping/>
   </p:clrMapOvr>
+  <p:timing>
+    <p:tnLst>
+      <p:par>
+        <p:cTn id="1" dur="indefinite" restart="never" nodeType="tmRoot"/>
+      </p:par>
+    </p:tnLst>
+  </p:timing>
 </p:sld>
 </file>
 
 <file path=ppt/slides/slide12.xml><?xml version="1.0" encoding="utf-8"?>
 <p:sld xmlns:a="http://schemas.openxmlformats.org/drawingml/2006/main" xmlns:r="http://schemas.openxmlformats.org/officeDocument/2006/relationships" xmlns:p="http://schemas.openxmlformats.org/presentationml/2006/main">
   <p:cSld>
+    <p:bg>
+      <p:bgPr>
+        <a:solidFill>
+          <a:schemeClr val="tx1"/>
+        </a:solidFill>
+        <a:effectLst/>
+      </p:bgPr>
+    </p:bg>
     <p:spTree>
       <p:nvGrpSpPr>
         <p:cNvPr id="1" name=""/>
@@ -3888,13 +4172,18 @@
               </a:spcAft>
             </a:pPr>
             <a:r>
-              <a:rPr lang="en-GB" sz="2400" b="1" dirty="0">
+              <a:rPr lang="en-GB" sz="2400" b="1" dirty="0" smtClean="0">
                 <a:solidFill>
                   <a:schemeClr val="accent4"/>
                 </a:solidFill>
               </a:rPr>
               <a:t>PRINCIPE DE L’EXPERIENCE</a:t>
             </a:r>
+            <a:endParaRPr lang="en-GB" sz="2400" b="1" dirty="0">
+              <a:solidFill>
+                <a:schemeClr val="accent4"/>
+              </a:solidFill>
+            </a:endParaRPr>
           </a:p>
         </p:txBody>
       </p:sp>
@@ -3921,7 +4210,7 @@
           <a:lstStyle/>
           <a:p>
             <a:r>
-              <a:rPr lang="en-GB" sz="2000" dirty="0" err="1">
+              <a:rPr lang="en-GB" sz="2000" dirty="0" err="1" smtClean="0">
                 <a:solidFill>
                   <a:schemeClr val="bg1"/>
                 </a:solidFill>
@@ -3929,7 +4218,7 @@
               <a:t>Etapes</a:t>
             </a:r>
             <a:r>
-              <a:rPr lang="en-GB" sz="2000" dirty="0">
+              <a:rPr lang="en-GB" sz="2000" dirty="0" smtClean="0">
                 <a:solidFill>
                   <a:schemeClr val="bg1"/>
                 </a:solidFill>
@@ -3943,7 +4232,7 @@
               <a:buAutoNum type="arabicPeriod"/>
             </a:pPr>
             <a:r>
-              <a:rPr lang="en-GB" sz="2000" dirty="0" err="1">
+              <a:rPr lang="en-GB" sz="2000" dirty="0" err="1" smtClean="0">
                 <a:solidFill>
                   <a:schemeClr val="bg1"/>
                 </a:solidFill>
@@ -3951,7 +4240,39 @@
               <a:t>Affichage</a:t>
             </a:r>
             <a:r>
-              <a:rPr lang="en-GB" sz="2000" dirty="0">
+              <a:rPr lang="en-GB" sz="2000" dirty="0" smtClean="0">
+                <a:solidFill>
+                  <a:schemeClr val="bg1"/>
+                </a:solidFill>
+              </a:rPr>
+              <a:t> </a:t>
+            </a:r>
+            <a:r>
+              <a:rPr lang="en-GB" sz="2000" dirty="0" smtClean="0">
+                <a:solidFill>
+                  <a:schemeClr val="bg1"/>
+                </a:solidFill>
+              </a:rPr>
+              <a:t>de </a:t>
+            </a:r>
+            <a:r>
+              <a:rPr lang="en-GB" sz="2000" b="1" dirty="0" smtClean="0">
+                <a:solidFill>
+                  <a:schemeClr val="bg1"/>
+                </a:solidFill>
+              </a:rPr>
+              <a:t>la </a:t>
+            </a:r>
+            <a:r>
+              <a:rPr lang="en-GB" sz="2000" b="1" dirty="0" err="1" smtClean="0">
+                <a:solidFill>
+                  <a:schemeClr val="bg1"/>
+                </a:solidFill>
+              </a:rPr>
+              <a:t>numero</a:t>
+            </a:r>
+            <a:r>
+              <a:rPr lang="en-GB" sz="2000" b="1" dirty="0" smtClean="0">
                 <a:solidFill>
                   <a:schemeClr val="bg1"/>
                 </a:solidFill>
@@ -3959,31 +4280,7 @@
               <a:t> de </a:t>
             </a:r>
             <a:r>
-              <a:rPr lang="en-GB" sz="2000" b="1" dirty="0">
-                <a:solidFill>
-                  <a:schemeClr val="bg1"/>
-                </a:solidFill>
-              </a:rPr>
-              <a:t>la </a:t>
-            </a:r>
-            <a:r>
-              <a:rPr lang="en-GB" sz="2000" b="1" dirty="0" err="1">
-                <a:solidFill>
-                  <a:schemeClr val="bg1"/>
-                </a:solidFill>
-              </a:rPr>
-              <a:t>numero</a:t>
-            </a:r>
-            <a:r>
-              <a:rPr lang="en-GB" sz="2000" b="1" dirty="0">
-                <a:solidFill>
-                  <a:schemeClr val="bg1"/>
-                </a:solidFill>
-              </a:rPr>
-              <a:t> de </a:t>
-            </a:r>
-            <a:r>
-              <a:rPr lang="en-GB" sz="2000" b="1" dirty="0" err="1">
+              <a:rPr lang="en-GB" sz="2000" b="1" dirty="0" err="1" smtClean="0">
                 <a:solidFill>
                   <a:schemeClr val="bg1"/>
                 </a:solidFill>
@@ -4002,7 +4299,7 @@
               <a:buAutoNum type="arabicPeriod"/>
             </a:pPr>
             <a:r>
-              <a:rPr lang="en-GB" sz="2000" dirty="0">
+              <a:rPr lang="en-GB" sz="2000" dirty="0" smtClean="0">
                 <a:solidFill>
                   <a:schemeClr val="bg1"/>
                 </a:solidFill>
@@ -4010,7 +4307,7 @@
               <a:t>͏</a:t>
             </a:r>
             <a:r>
-              <a:rPr lang="en-GB" sz="2000" b="1" dirty="0">
+              <a:rPr lang="en-GB" sz="2000" b="1" dirty="0" smtClean="0">
                 <a:solidFill>
                   <a:schemeClr val="bg1"/>
                 </a:solidFill>
@@ -4018,7 +4315,7 @@
               <a:t>Un </a:t>
             </a:r>
             <a:r>
-              <a:rPr lang="en-GB" sz="2000" b="1" dirty="0" err="1">
+              <a:rPr lang="en-GB" sz="2000" b="1" dirty="0" err="1" smtClean="0">
                 <a:solidFill>
                   <a:schemeClr val="bg1"/>
                 </a:solidFill>
@@ -4026,7 +4323,7 @@
               <a:t>seul</a:t>
             </a:r>
             <a:r>
-              <a:rPr lang="en-GB" sz="2000" b="1" dirty="0">
+              <a:rPr lang="en-GB" sz="2000" b="1" dirty="0" smtClean="0">
                 <a:solidFill>
                   <a:schemeClr val="bg1"/>
                 </a:solidFill>
@@ -4034,7 +4331,7 @@
               <a:t> </a:t>
             </a:r>
             <a:r>
-              <a:rPr lang="en-GB" sz="2000" b="1" dirty="0" err="1">
+              <a:rPr lang="en-GB" sz="2000" b="1" dirty="0" err="1" smtClean="0">
                 <a:solidFill>
                   <a:schemeClr val="bg1"/>
                 </a:solidFill>
@@ -4042,7 +4339,7 @@
               <a:t>affichage</a:t>
             </a:r>
             <a:r>
-              <a:rPr lang="en-GB" sz="2000" b="1" dirty="0">
+              <a:rPr lang="en-GB" sz="2000" b="1" dirty="0" smtClean="0">
                 <a:solidFill>
                   <a:schemeClr val="bg1"/>
                 </a:solidFill>
@@ -4050,7 +4347,7 @@
               <a:t> </a:t>
             </a:r>
             <a:r>
-              <a:rPr lang="en-GB" sz="2000" dirty="0">
+              <a:rPr lang="en-GB" sz="2000" dirty="0" smtClean="0">
                 <a:solidFill>
                   <a:schemeClr val="bg1"/>
                 </a:solidFill>
@@ -4058,7 +4355,7 @@
               <a:t>de </a:t>
             </a:r>
             <a:r>
-              <a:rPr lang="en-GB" sz="2000" dirty="0" err="1">
+              <a:rPr lang="en-GB" sz="2000" dirty="0" err="1" smtClean="0">
                 <a:solidFill>
                   <a:schemeClr val="bg1"/>
                 </a:solidFill>
@@ -4066,7 +4363,7 @@
               <a:t>toutes</a:t>
             </a:r>
             <a:r>
-              <a:rPr lang="en-GB" sz="2000" dirty="0">
+              <a:rPr lang="en-GB" sz="2000" dirty="0" smtClean="0">
                 <a:solidFill>
                   <a:schemeClr val="bg1"/>
                 </a:solidFill>
@@ -4074,14 +4371,14 @@
               <a:t> les </a:t>
             </a:r>
             <a:r>
-              <a:rPr lang="en-GB" sz="2000" dirty="0" err="1">
+              <a:rPr lang="en-GB" sz="2000" dirty="0" err="1" smtClean="0">
                 <a:solidFill>
                   <a:schemeClr val="bg1"/>
                 </a:solidFill>
               </a:rPr>
               <a:t>paires</a:t>
             </a:r>
-            <a:endParaRPr lang="en-GB" sz="2000" dirty="0">
+            <a:endParaRPr lang="en-GB" sz="2000" dirty="0" smtClean="0">
               <a:solidFill>
                 <a:schemeClr val="bg1"/>
               </a:solidFill>
@@ -4093,7 +4390,7 @@
               <a:buAutoNum type="arabicPeriod"/>
             </a:pPr>
             <a:r>
-              <a:rPr lang="en-GB" sz="2000" dirty="0">
+              <a:rPr lang="en-GB" sz="2000" dirty="0" smtClean="0">
                 <a:solidFill>
                   <a:schemeClr val="bg1"/>
                 </a:solidFill>
@@ -4101,7 +4398,7 @@
               <a:t>͏</a:t>
             </a:r>
             <a:r>
-              <a:rPr lang="en-GB" sz="2000" b="1" dirty="0" err="1">
+              <a:rPr lang="en-GB" sz="2000" b="1" dirty="0" err="1" smtClean="0">
                 <a:solidFill>
                   <a:schemeClr val="bg1"/>
                 </a:solidFill>
@@ -4109,7 +4406,7 @@
               <a:t>Deux</a:t>
             </a:r>
             <a:r>
-              <a:rPr lang="en-GB" sz="2000" b="1" dirty="0">
+              <a:rPr lang="en-GB" sz="2000" b="1" dirty="0" smtClean="0">
                 <a:solidFill>
                   <a:schemeClr val="bg1"/>
                 </a:solidFill>
@@ -4117,14 +4414,14 @@
               <a:t> judgements </a:t>
             </a:r>
             <a:r>
-              <a:rPr lang="en-GB" sz="2000" b="1" dirty="0" err="1">
+              <a:rPr lang="en-GB" sz="2000" b="1" dirty="0" err="1" smtClean="0">
                 <a:solidFill>
                   <a:schemeClr val="bg1"/>
                 </a:solidFill>
               </a:rPr>
               <a:t>d’auto-efficacité</a:t>
             </a:r>
-            <a:endParaRPr lang="en-GB" sz="2000" dirty="0">
+            <a:endParaRPr lang="en-GB" sz="2000" dirty="0" smtClean="0">
               <a:solidFill>
                 <a:schemeClr val="bg1"/>
               </a:solidFill>
@@ -4136,15 +4433,31 @@
               <a:buAutoNum type="arabicPeriod"/>
             </a:pPr>
             <a:r>
+              <a:rPr lang="en-GB" sz="2000" dirty="0" smtClean="0">
+                <a:solidFill>
+                  <a:schemeClr val="bg1"/>
+                </a:solidFill>
+              </a:rPr>
+              <a:t>La </a:t>
+            </a:r>
+            <a:r>
               <a:rPr lang="en-GB" sz="2000" dirty="0">
                 <a:solidFill>
                   <a:schemeClr val="bg1"/>
                 </a:solidFill>
               </a:rPr>
-              <a:t>La phase de </a:t>
-            </a:r>
-            <a:r>
-              <a:rPr lang="en-GB" sz="2000" b="1" dirty="0">
+              <a:t>p</a:t>
+            </a:r>
+            <a:r>
+              <a:rPr lang="en-GB" sz="2000" dirty="0" smtClean="0">
+                <a:solidFill>
+                  <a:schemeClr val="bg1"/>
+                </a:solidFill>
+              </a:rPr>
+              <a:t>hase de </a:t>
+            </a:r>
+            <a:r>
+              <a:rPr lang="en-GB" sz="2000" b="1" dirty="0" smtClean="0">
                 <a:solidFill>
                   <a:schemeClr val="bg1"/>
                 </a:solidFill>
@@ -4177,7 +4490,7 @@
           <a:p>
             <a:pPr algn="ctr"/>
             <a:r>
-              <a:rPr lang="en-GB" dirty="0" err="1">
+              <a:rPr lang="en-GB" dirty="0" err="1" smtClean="0">
                 <a:solidFill>
                   <a:schemeClr val="bg1">
                     <a:lumMod val="65000"/>
@@ -4187,15 +4500,42 @@
               <a:t>Appuyez</a:t>
             </a:r>
             <a:r>
-              <a:rPr lang="en-GB" dirty="0">
+              <a:rPr lang="en-GB" dirty="0" smtClean="0">
                 <a:solidFill>
                   <a:schemeClr val="bg1">
                     <a:lumMod val="65000"/>
                   </a:schemeClr>
                 </a:solidFill>
               </a:rPr>
-              <a:t> sur la fleche de droit pour continuer</a:t>
-            </a:r>
+              <a:t> sur </a:t>
+            </a:r>
+            <a:r>
+              <a:rPr lang="en-GB" dirty="0" smtClean="0">
+                <a:solidFill>
+                  <a:schemeClr val="bg1">
+                    <a:lumMod val="65000"/>
+                  </a:schemeClr>
+                </a:solidFill>
+              </a:rPr>
+              <a:t>la fleche de </a:t>
+            </a:r>
+            <a:r>
+              <a:rPr lang="en-GB" dirty="0" smtClean="0">
+                <a:solidFill>
+                  <a:schemeClr val="bg1">
+                    <a:lumMod val="65000"/>
+                  </a:schemeClr>
+                </a:solidFill>
+              </a:rPr>
+              <a:t>droit pour continuer</a:t>
+            </a:r>
+            <a:endParaRPr lang="en-GB" dirty="0">
+              <a:solidFill>
+                <a:schemeClr val="bg1">
+                  <a:lumMod val="65000"/>
+                </a:schemeClr>
+              </a:solidFill>
+            </a:endParaRPr>
           </a:p>
         </p:txBody>
       </p:sp>
@@ -4209,12 +4549,27 @@
   <p:clrMapOvr>
     <a:masterClrMapping/>
   </p:clrMapOvr>
+  <p:timing>
+    <p:tnLst>
+      <p:par>
+        <p:cTn id="1" dur="indefinite" restart="never" nodeType="tmRoot"/>
+      </p:par>
+    </p:tnLst>
+  </p:timing>
 </p:sld>
 </file>
 
 <file path=ppt/slides/slide13.xml><?xml version="1.0" encoding="utf-8"?>
 <p:sld xmlns:a="http://schemas.openxmlformats.org/drawingml/2006/main" xmlns:r="http://schemas.openxmlformats.org/officeDocument/2006/relationships" xmlns:p="http://schemas.openxmlformats.org/presentationml/2006/main">
   <p:cSld>
+    <p:bg>
+      <p:bgPr>
+        <a:solidFill>
+          <a:schemeClr val="tx1"/>
+        </a:solidFill>
+        <a:effectLst/>
+      </p:bgPr>
+    </p:bg>
     <p:spTree>
       <p:nvGrpSpPr>
         <p:cNvPr id="1" name=""/>
@@ -4263,13 +4618,18 @@
               </a:spcAft>
             </a:pPr>
             <a:r>
-              <a:rPr lang="en-GB" sz="2400" b="1" dirty="0">
+              <a:rPr lang="en-GB" sz="2400" b="1" dirty="0" smtClean="0">
                 <a:solidFill>
                   <a:schemeClr val="accent4"/>
                 </a:solidFill>
               </a:rPr>
               <a:t>PRINCIPE DE L’EXPERIENCE</a:t>
             </a:r>
+            <a:endParaRPr lang="en-GB" sz="2400" b="1" dirty="0">
+              <a:solidFill>
+                <a:schemeClr val="accent4"/>
+              </a:solidFill>
+            </a:endParaRPr>
           </a:p>
         </p:txBody>
       </p:sp>
@@ -4296,7 +4656,7 @@
           <a:lstStyle/>
           <a:p>
             <a:r>
-              <a:rPr lang="en-GB" sz="2000" dirty="0" err="1">
+              <a:rPr lang="en-GB" sz="2000" dirty="0" err="1" smtClean="0">
                 <a:solidFill>
                   <a:schemeClr val="bg1"/>
                 </a:solidFill>
@@ -4304,7 +4664,7 @@
               <a:t>Etapes</a:t>
             </a:r>
             <a:r>
-              <a:rPr lang="en-GB" sz="2000" dirty="0">
+              <a:rPr lang="en-GB" sz="2000" dirty="0" smtClean="0">
                 <a:solidFill>
                   <a:schemeClr val="bg1"/>
                 </a:solidFill>
@@ -4318,7 +4678,7 @@
               <a:buAutoNum type="arabicPeriod"/>
             </a:pPr>
             <a:r>
-              <a:rPr lang="en-GB" sz="2000" dirty="0" err="1">
+              <a:rPr lang="en-GB" sz="2000" dirty="0" err="1" smtClean="0">
                 <a:solidFill>
                   <a:schemeClr val="bg1"/>
                 </a:solidFill>
@@ -4326,7 +4686,39 @@
               <a:t>Affichage</a:t>
             </a:r>
             <a:r>
-              <a:rPr lang="en-GB" sz="2000" dirty="0">
+              <a:rPr lang="en-GB" sz="2000" dirty="0" smtClean="0">
+                <a:solidFill>
+                  <a:schemeClr val="bg1"/>
+                </a:solidFill>
+              </a:rPr>
+              <a:t> </a:t>
+            </a:r>
+            <a:r>
+              <a:rPr lang="en-GB" sz="2000" dirty="0" smtClean="0">
+                <a:solidFill>
+                  <a:schemeClr val="bg1"/>
+                </a:solidFill>
+              </a:rPr>
+              <a:t>de </a:t>
+            </a:r>
+            <a:r>
+              <a:rPr lang="en-GB" sz="2000" b="1" dirty="0" smtClean="0">
+                <a:solidFill>
+                  <a:schemeClr val="bg1"/>
+                </a:solidFill>
+              </a:rPr>
+              <a:t>la </a:t>
+            </a:r>
+            <a:r>
+              <a:rPr lang="en-GB" sz="2000" b="1" dirty="0" err="1" smtClean="0">
+                <a:solidFill>
+                  <a:schemeClr val="bg1"/>
+                </a:solidFill>
+              </a:rPr>
+              <a:t>numero</a:t>
+            </a:r>
+            <a:r>
+              <a:rPr lang="en-GB" sz="2000" b="1" dirty="0" smtClean="0">
                 <a:solidFill>
                   <a:schemeClr val="bg1"/>
                 </a:solidFill>
@@ -4334,31 +4726,7 @@
               <a:t> de </a:t>
             </a:r>
             <a:r>
-              <a:rPr lang="en-GB" sz="2000" b="1" dirty="0">
-                <a:solidFill>
-                  <a:schemeClr val="bg1"/>
-                </a:solidFill>
-              </a:rPr>
-              <a:t>la </a:t>
-            </a:r>
-            <a:r>
-              <a:rPr lang="en-GB" sz="2000" b="1" dirty="0" err="1">
-                <a:solidFill>
-                  <a:schemeClr val="bg1"/>
-                </a:solidFill>
-              </a:rPr>
-              <a:t>numero</a:t>
-            </a:r>
-            <a:r>
-              <a:rPr lang="en-GB" sz="2000" b="1" dirty="0">
-                <a:solidFill>
-                  <a:schemeClr val="bg1"/>
-                </a:solidFill>
-              </a:rPr>
-              <a:t> de </a:t>
-            </a:r>
-            <a:r>
-              <a:rPr lang="en-GB" sz="2000" b="1" dirty="0" err="1">
+              <a:rPr lang="en-GB" sz="2000" b="1" dirty="0" err="1" smtClean="0">
                 <a:solidFill>
                   <a:schemeClr val="bg1"/>
                 </a:solidFill>
@@ -4377,7 +4745,7 @@
               <a:buAutoNum type="arabicPeriod"/>
             </a:pPr>
             <a:r>
-              <a:rPr lang="en-GB" sz="2000" dirty="0">
+              <a:rPr lang="en-GB" sz="2000" dirty="0" smtClean="0">
                 <a:solidFill>
                   <a:schemeClr val="bg1"/>
                 </a:solidFill>
@@ -4385,7 +4753,7 @@
               <a:t>͏</a:t>
             </a:r>
             <a:r>
-              <a:rPr lang="en-GB" sz="2000" b="1" dirty="0">
+              <a:rPr lang="en-GB" sz="2000" b="1" dirty="0" smtClean="0">
                 <a:solidFill>
                   <a:schemeClr val="bg1"/>
                 </a:solidFill>
@@ -4393,7 +4761,7 @@
               <a:t>Un </a:t>
             </a:r>
             <a:r>
-              <a:rPr lang="en-GB" sz="2000" b="1" dirty="0" err="1">
+              <a:rPr lang="en-GB" sz="2000" b="1" dirty="0" err="1" smtClean="0">
                 <a:solidFill>
                   <a:schemeClr val="bg1"/>
                 </a:solidFill>
@@ -4401,7 +4769,7 @@
               <a:t>seul</a:t>
             </a:r>
             <a:r>
-              <a:rPr lang="en-GB" sz="2000" b="1" dirty="0">
+              <a:rPr lang="en-GB" sz="2000" b="1" dirty="0" smtClean="0">
                 <a:solidFill>
                   <a:schemeClr val="bg1"/>
                 </a:solidFill>
@@ -4409,7 +4777,7 @@
               <a:t> </a:t>
             </a:r>
             <a:r>
-              <a:rPr lang="en-GB" sz="2000" b="1" dirty="0" err="1">
+              <a:rPr lang="en-GB" sz="2000" b="1" dirty="0" err="1" smtClean="0">
                 <a:solidFill>
                   <a:schemeClr val="bg1"/>
                 </a:solidFill>
@@ -4417,7 +4785,7 @@
               <a:t>affichage</a:t>
             </a:r>
             <a:r>
-              <a:rPr lang="en-GB" sz="2000" b="1" dirty="0">
+              <a:rPr lang="en-GB" sz="2000" b="1" dirty="0" smtClean="0">
                 <a:solidFill>
                   <a:schemeClr val="bg1"/>
                 </a:solidFill>
@@ -4425,7 +4793,7 @@
               <a:t> </a:t>
             </a:r>
             <a:r>
-              <a:rPr lang="en-GB" sz="2000" dirty="0">
+              <a:rPr lang="en-GB" sz="2000" dirty="0" smtClean="0">
                 <a:solidFill>
                   <a:schemeClr val="bg1"/>
                 </a:solidFill>
@@ -4433,7 +4801,7 @@
               <a:t>de </a:t>
             </a:r>
             <a:r>
-              <a:rPr lang="en-GB" sz="2000" dirty="0" err="1">
+              <a:rPr lang="en-GB" sz="2000" dirty="0" err="1" smtClean="0">
                 <a:solidFill>
                   <a:schemeClr val="bg1"/>
                 </a:solidFill>
@@ -4441,7 +4809,7 @@
               <a:t>toutes</a:t>
             </a:r>
             <a:r>
-              <a:rPr lang="en-GB" sz="2000" dirty="0">
+              <a:rPr lang="en-GB" sz="2000" dirty="0" smtClean="0">
                 <a:solidFill>
                   <a:schemeClr val="bg1"/>
                 </a:solidFill>
@@ -4449,14 +4817,14 @@
               <a:t> les </a:t>
             </a:r>
             <a:r>
-              <a:rPr lang="en-GB" sz="2000" dirty="0" err="1">
+              <a:rPr lang="en-GB" sz="2000" dirty="0" err="1" smtClean="0">
                 <a:solidFill>
                   <a:schemeClr val="bg1"/>
                 </a:solidFill>
               </a:rPr>
               <a:t>paires</a:t>
             </a:r>
-            <a:endParaRPr lang="en-GB" sz="2000" dirty="0">
+            <a:endParaRPr lang="en-GB" sz="2000" dirty="0" smtClean="0">
               <a:solidFill>
                 <a:schemeClr val="bg1"/>
               </a:solidFill>
@@ -4468,7 +4836,7 @@
               <a:buAutoNum type="arabicPeriod"/>
             </a:pPr>
             <a:r>
-              <a:rPr lang="en-GB" sz="2000" dirty="0">
+              <a:rPr lang="en-GB" sz="2000" dirty="0" smtClean="0">
                 <a:solidFill>
                   <a:schemeClr val="bg1"/>
                 </a:solidFill>
@@ -4476,7 +4844,7 @@
               <a:t>͏</a:t>
             </a:r>
             <a:r>
-              <a:rPr lang="en-GB" sz="2000" b="1" dirty="0" err="1">
+              <a:rPr lang="en-GB" sz="2000" b="1" dirty="0" err="1" smtClean="0">
                 <a:solidFill>
                   <a:schemeClr val="bg1"/>
                 </a:solidFill>
@@ -4484,7 +4852,7 @@
               <a:t>Deux</a:t>
             </a:r>
             <a:r>
-              <a:rPr lang="en-GB" sz="2000" b="1" dirty="0">
+              <a:rPr lang="en-GB" sz="2000" b="1" dirty="0" smtClean="0">
                 <a:solidFill>
                   <a:schemeClr val="bg1"/>
                 </a:solidFill>
@@ -4492,7 +4860,7 @@
               <a:t> judgements </a:t>
             </a:r>
             <a:r>
-              <a:rPr lang="en-GB" sz="2000" b="1" dirty="0" err="1">
+              <a:rPr lang="en-GB" sz="2000" b="1" dirty="0" err="1" smtClean="0">
                 <a:solidFill>
                   <a:schemeClr val="bg1"/>
                 </a:solidFill>
@@ -4511,15 +4879,31 @@
               <a:buAutoNum type="arabicPeriod"/>
             </a:pPr>
             <a:r>
+              <a:rPr lang="en-GB" sz="2000" dirty="0" smtClean="0">
+                <a:solidFill>
+                  <a:schemeClr val="bg1"/>
+                </a:solidFill>
+              </a:rPr>
+              <a:t>La </a:t>
+            </a:r>
+            <a:r>
               <a:rPr lang="en-GB" sz="2000" dirty="0">
                 <a:solidFill>
                   <a:schemeClr val="bg1"/>
                 </a:solidFill>
               </a:rPr>
-              <a:t>La phase de </a:t>
-            </a:r>
-            <a:r>
-              <a:rPr lang="en-GB" sz="2000" b="1" dirty="0">
+              <a:t>p</a:t>
+            </a:r>
+            <a:r>
+              <a:rPr lang="en-GB" sz="2000" dirty="0" smtClean="0">
+                <a:solidFill>
+                  <a:schemeClr val="bg1"/>
+                </a:solidFill>
+              </a:rPr>
+              <a:t>hase de </a:t>
+            </a:r>
+            <a:r>
+              <a:rPr lang="en-GB" sz="2000" b="1" dirty="0" smtClean="0">
                 <a:solidFill>
                   <a:schemeClr val="bg1"/>
                 </a:solidFill>
@@ -4533,7 +4917,7 @@
               <a:buAutoNum type="arabicPeriod"/>
             </a:pPr>
             <a:r>
-              <a:rPr lang="en-GB" sz="2000" dirty="0">
+              <a:rPr lang="en-GB" sz="2000" dirty="0" smtClean="0">
                 <a:solidFill>
                   <a:schemeClr val="bg1"/>
                 </a:solidFill>
@@ -4541,7 +4925,7 @@
               <a:t>La phase de </a:t>
             </a:r>
             <a:r>
-              <a:rPr lang="en-GB" sz="2000" b="1" dirty="0">
+              <a:rPr lang="en-GB" sz="2000" b="1" dirty="0" smtClean="0">
                 <a:solidFill>
                   <a:schemeClr val="bg1"/>
                 </a:solidFill>
@@ -4574,7 +4958,7 @@
           <a:p>
             <a:pPr algn="ctr"/>
             <a:r>
-              <a:rPr lang="en-GB" dirty="0" err="1">
+              <a:rPr lang="en-GB" dirty="0" err="1" smtClean="0">
                 <a:solidFill>
                   <a:schemeClr val="bg1">
                     <a:lumMod val="65000"/>
@@ -4584,15 +4968,42 @@
               <a:t>Appuyez</a:t>
             </a:r>
             <a:r>
-              <a:rPr lang="en-GB" dirty="0">
+              <a:rPr lang="en-GB" dirty="0" smtClean="0">
                 <a:solidFill>
                   <a:schemeClr val="bg1">
                     <a:lumMod val="65000"/>
                   </a:schemeClr>
                 </a:solidFill>
               </a:rPr>
-              <a:t> sur la fleche de droit pour continuer</a:t>
-            </a:r>
+              <a:t> sur </a:t>
+            </a:r>
+            <a:r>
+              <a:rPr lang="en-GB" dirty="0" smtClean="0">
+                <a:solidFill>
+                  <a:schemeClr val="bg1">
+                    <a:lumMod val="65000"/>
+                  </a:schemeClr>
+                </a:solidFill>
+              </a:rPr>
+              <a:t>la fleche de </a:t>
+            </a:r>
+            <a:r>
+              <a:rPr lang="en-GB" dirty="0" smtClean="0">
+                <a:solidFill>
+                  <a:schemeClr val="bg1">
+                    <a:lumMod val="65000"/>
+                  </a:schemeClr>
+                </a:solidFill>
+              </a:rPr>
+              <a:t>droit pour continuer</a:t>
+            </a:r>
+            <a:endParaRPr lang="en-GB" dirty="0">
+              <a:solidFill>
+                <a:schemeClr val="bg1">
+                  <a:lumMod val="65000"/>
+                </a:schemeClr>
+              </a:solidFill>
+            </a:endParaRPr>
           </a:p>
         </p:txBody>
       </p:sp>
@@ -4606,12 +5017,27 @@
   <p:clrMapOvr>
     <a:masterClrMapping/>
   </p:clrMapOvr>
+  <p:timing>
+    <p:tnLst>
+      <p:par>
+        <p:cTn id="1" dur="indefinite" restart="never" nodeType="tmRoot"/>
+      </p:par>
+    </p:tnLst>
+  </p:timing>
 </p:sld>
 </file>
 
 <file path=ppt/slides/slide14.xml><?xml version="1.0" encoding="utf-8"?>
 <p:sld xmlns:a="http://schemas.openxmlformats.org/drawingml/2006/main" xmlns:r="http://schemas.openxmlformats.org/officeDocument/2006/relationships" xmlns:p="http://schemas.openxmlformats.org/presentationml/2006/main">
   <p:cSld>
+    <p:bg>
+      <p:bgPr>
+        <a:solidFill>
+          <a:schemeClr val="tx1"/>
+        </a:solidFill>
+        <a:effectLst/>
+      </p:bgPr>
+    </p:bg>
     <p:spTree>
       <p:nvGrpSpPr>
         <p:cNvPr id="1" name=""/>
@@ -4660,13 +5086,18 @@
               </a:spcAft>
             </a:pPr>
             <a:r>
-              <a:rPr lang="en-GB" sz="2400" b="1" dirty="0">
+              <a:rPr lang="en-GB" sz="2400" b="1" dirty="0" smtClean="0">
                 <a:solidFill>
                   <a:schemeClr val="accent4"/>
                 </a:solidFill>
               </a:rPr>
               <a:t>PRINCIPE DE L’EXPERIENCE</a:t>
             </a:r>
+            <a:endParaRPr lang="en-GB" sz="2400" b="1" dirty="0">
+              <a:solidFill>
+                <a:schemeClr val="accent4"/>
+              </a:solidFill>
+            </a:endParaRPr>
           </a:p>
         </p:txBody>
       </p:sp>
@@ -4693,7 +5124,7 @@
           <a:lstStyle/>
           <a:p>
             <a:r>
-              <a:rPr lang="en-GB" sz="2000" dirty="0" err="1">
+              <a:rPr lang="en-GB" sz="2000" dirty="0" err="1" smtClean="0">
                 <a:solidFill>
                   <a:schemeClr val="bg1"/>
                 </a:solidFill>
@@ -4701,7 +5132,7 @@
               <a:t>Etapes</a:t>
             </a:r>
             <a:r>
-              <a:rPr lang="en-GB" sz="2000" dirty="0">
+              <a:rPr lang="en-GB" sz="2000" dirty="0" smtClean="0">
                 <a:solidFill>
                   <a:schemeClr val="bg1"/>
                 </a:solidFill>
@@ -4715,7 +5146,7 @@
               <a:buAutoNum type="arabicPeriod"/>
             </a:pPr>
             <a:r>
-              <a:rPr lang="en-GB" sz="2000" dirty="0" err="1">
+              <a:rPr lang="en-GB" sz="2000" dirty="0" err="1" smtClean="0">
                 <a:solidFill>
                   <a:schemeClr val="bg1"/>
                 </a:solidFill>
@@ -4723,7 +5154,39 @@
               <a:t>Affichage</a:t>
             </a:r>
             <a:r>
-              <a:rPr lang="en-GB" sz="2000" dirty="0">
+              <a:rPr lang="en-GB" sz="2000" dirty="0" smtClean="0">
+                <a:solidFill>
+                  <a:schemeClr val="bg1"/>
+                </a:solidFill>
+              </a:rPr>
+              <a:t> </a:t>
+            </a:r>
+            <a:r>
+              <a:rPr lang="en-GB" sz="2000" dirty="0" smtClean="0">
+                <a:solidFill>
+                  <a:schemeClr val="bg1"/>
+                </a:solidFill>
+              </a:rPr>
+              <a:t>de </a:t>
+            </a:r>
+            <a:r>
+              <a:rPr lang="en-GB" sz="2000" b="1" dirty="0" smtClean="0">
+                <a:solidFill>
+                  <a:schemeClr val="bg1"/>
+                </a:solidFill>
+              </a:rPr>
+              <a:t>la </a:t>
+            </a:r>
+            <a:r>
+              <a:rPr lang="en-GB" sz="2000" b="1" dirty="0" err="1" smtClean="0">
+                <a:solidFill>
+                  <a:schemeClr val="bg1"/>
+                </a:solidFill>
+              </a:rPr>
+              <a:t>numero</a:t>
+            </a:r>
+            <a:r>
+              <a:rPr lang="en-GB" sz="2000" b="1" dirty="0" smtClean="0">
                 <a:solidFill>
                   <a:schemeClr val="bg1"/>
                 </a:solidFill>
@@ -4731,31 +5194,7 @@
               <a:t> de </a:t>
             </a:r>
             <a:r>
-              <a:rPr lang="en-GB" sz="2000" b="1" dirty="0">
-                <a:solidFill>
-                  <a:schemeClr val="bg1"/>
-                </a:solidFill>
-              </a:rPr>
-              <a:t>la </a:t>
-            </a:r>
-            <a:r>
-              <a:rPr lang="en-GB" sz="2000" b="1" dirty="0" err="1">
-                <a:solidFill>
-                  <a:schemeClr val="bg1"/>
-                </a:solidFill>
-              </a:rPr>
-              <a:t>numero</a:t>
-            </a:r>
-            <a:r>
-              <a:rPr lang="en-GB" sz="2000" b="1" dirty="0">
-                <a:solidFill>
-                  <a:schemeClr val="bg1"/>
-                </a:solidFill>
-              </a:rPr>
-              <a:t> de </a:t>
-            </a:r>
-            <a:r>
-              <a:rPr lang="en-GB" sz="2000" b="1" dirty="0" err="1">
+              <a:rPr lang="en-GB" sz="2000" b="1" dirty="0" err="1" smtClean="0">
                 <a:solidFill>
                   <a:schemeClr val="bg1"/>
                 </a:solidFill>
@@ -4774,7 +5213,7 @@
               <a:buAutoNum type="arabicPeriod"/>
             </a:pPr>
             <a:r>
-              <a:rPr lang="en-GB" sz="2000" dirty="0">
+              <a:rPr lang="en-GB" sz="2000" dirty="0" smtClean="0">
                 <a:solidFill>
                   <a:schemeClr val="bg1"/>
                 </a:solidFill>
@@ -4782,7 +5221,7 @@
               <a:t>͏</a:t>
             </a:r>
             <a:r>
-              <a:rPr lang="en-GB" sz="2000" b="1" dirty="0">
+              <a:rPr lang="en-GB" sz="2000" b="1" dirty="0" smtClean="0">
                 <a:solidFill>
                   <a:schemeClr val="bg1"/>
                 </a:solidFill>
@@ -4790,7 +5229,7 @@
               <a:t>Un </a:t>
             </a:r>
             <a:r>
-              <a:rPr lang="en-GB" sz="2000" b="1" dirty="0" err="1">
+              <a:rPr lang="en-GB" sz="2000" b="1" dirty="0" err="1" smtClean="0">
                 <a:solidFill>
                   <a:schemeClr val="bg1"/>
                 </a:solidFill>
@@ -4798,7 +5237,7 @@
               <a:t>seul</a:t>
             </a:r>
             <a:r>
-              <a:rPr lang="en-GB" sz="2000" b="1" dirty="0">
+              <a:rPr lang="en-GB" sz="2000" b="1" dirty="0" smtClean="0">
                 <a:solidFill>
                   <a:schemeClr val="bg1"/>
                 </a:solidFill>
@@ -4806,7 +5245,7 @@
               <a:t> </a:t>
             </a:r>
             <a:r>
-              <a:rPr lang="en-GB" sz="2000" b="1" dirty="0" err="1">
+              <a:rPr lang="en-GB" sz="2000" b="1" dirty="0" err="1" smtClean="0">
                 <a:solidFill>
                   <a:schemeClr val="bg1"/>
                 </a:solidFill>
@@ -4814,7 +5253,7 @@
               <a:t>affichage</a:t>
             </a:r>
             <a:r>
-              <a:rPr lang="en-GB" sz="2000" b="1" dirty="0">
+              <a:rPr lang="en-GB" sz="2000" b="1" dirty="0" smtClean="0">
                 <a:solidFill>
                   <a:schemeClr val="bg1"/>
                 </a:solidFill>
@@ -4822,7 +5261,7 @@
               <a:t> </a:t>
             </a:r>
             <a:r>
-              <a:rPr lang="en-GB" sz="2000" dirty="0">
+              <a:rPr lang="en-GB" sz="2000" dirty="0" smtClean="0">
                 <a:solidFill>
                   <a:schemeClr val="bg1"/>
                 </a:solidFill>
@@ -4830,7 +5269,7 @@
               <a:t>de </a:t>
             </a:r>
             <a:r>
-              <a:rPr lang="en-GB" sz="2000" dirty="0" err="1">
+              <a:rPr lang="en-GB" sz="2000" dirty="0" err="1" smtClean="0">
                 <a:solidFill>
                   <a:schemeClr val="bg1"/>
                 </a:solidFill>
@@ -4838,7 +5277,7 @@
               <a:t>toutes</a:t>
             </a:r>
             <a:r>
-              <a:rPr lang="en-GB" sz="2000" dirty="0">
+              <a:rPr lang="en-GB" sz="2000" dirty="0" smtClean="0">
                 <a:solidFill>
                   <a:schemeClr val="bg1"/>
                 </a:solidFill>
@@ -4846,14 +5285,14 @@
               <a:t> les </a:t>
             </a:r>
             <a:r>
-              <a:rPr lang="en-GB" sz="2000" dirty="0" err="1">
+              <a:rPr lang="en-GB" sz="2000" dirty="0" err="1" smtClean="0">
                 <a:solidFill>
                   <a:schemeClr val="bg1"/>
                 </a:solidFill>
               </a:rPr>
               <a:t>paires</a:t>
             </a:r>
-            <a:endParaRPr lang="en-GB" sz="2000" dirty="0">
+            <a:endParaRPr lang="en-GB" sz="2000" dirty="0" smtClean="0">
               <a:solidFill>
                 <a:schemeClr val="bg1"/>
               </a:solidFill>
@@ -4865,7 +5304,7 @@
               <a:buAutoNum type="arabicPeriod"/>
             </a:pPr>
             <a:r>
-              <a:rPr lang="en-GB" sz="2000" dirty="0">
+              <a:rPr lang="en-GB" sz="2000" dirty="0" smtClean="0">
                 <a:solidFill>
                   <a:schemeClr val="bg1"/>
                 </a:solidFill>
@@ -4873,7 +5312,7 @@
               <a:t>͏</a:t>
             </a:r>
             <a:r>
-              <a:rPr lang="en-GB" sz="2000" b="1" dirty="0" err="1">
+              <a:rPr lang="en-GB" sz="2000" b="1" dirty="0" err="1" smtClean="0">
                 <a:solidFill>
                   <a:schemeClr val="bg1"/>
                 </a:solidFill>
@@ -4881,7 +5320,7 @@
               <a:t>Deux</a:t>
             </a:r>
             <a:r>
-              <a:rPr lang="en-GB" sz="2000" b="1" dirty="0">
+              <a:rPr lang="en-GB" sz="2000" b="1" dirty="0" smtClean="0">
                 <a:solidFill>
                   <a:schemeClr val="bg1"/>
                 </a:solidFill>
@@ -4889,7 +5328,7 @@
               <a:t> judgements </a:t>
             </a:r>
             <a:r>
-              <a:rPr lang="en-GB" sz="2000" b="1" dirty="0" err="1">
+              <a:rPr lang="en-GB" sz="2000" b="1" dirty="0" err="1" smtClean="0">
                 <a:solidFill>
                   <a:schemeClr val="bg1"/>
                 </a:solidFill>
@@ -4908,15 +5347,31 @@
               <a:buAutoNum type="arabicPeriod"/>
             </a:pPr>
             <a:r>
+              <a:rPr lang="en-GB" sz="2000" dirty="0" smtClean="0">
+                <a:solidFill>
+                  <a:schemeClr val="bg1"/>
+                </a:solidFill>
+              </a:rPr>
+              <a:t>La </a:t>
+            </a:r>
+            <a:r>
               <a:rPr lang="en-GB" sz="2000" dirty="0">
                 <a:solidFill>
                   <a:schemeClr val="bg1"/>
                 </a:solidFill>
               </a:rPr>
-              <a:t>La phase de </a:t>
-            </a:r>
-            <a:r>
-              <a:rPr lang="en-GB" sz="2000" b="1" dirty="0">
+              <a:t>p</a:t>
+            </a:r>
+            <a:r>
+              <a:rPr lang="en-GB" sz="2000" dirty="0" smtClean="0">
+                <a:solidFill>
+                  <a:schemeClr val="bg1"/>
+                </a:solidFill>
+              </a:rPr>
+              <a:t>hase de </a:t>
+            </a:r>
+            <a:r>
+              <a:rPr lang="en-GB" sz="2000" b="1" dirty="0" smtClean="0">
                 <a:solidFill>
                   <a:schemeClr val="bg1"/>
                 </a:solidFill>
@@ -4930,7 +5385,7 @@
               <a:buAutoNum type="arabicPeriod"/>
             </a:pPr>
             <a:r>
-              <a:rPr lang="en-GB" sz="2000" dirty="0">
+              <a:rPr lang="en-GB" sz="2000" dirty="0" smtClean="0">
                 <a:solidFill>
                   <a:schemeClr val="bg1"/>
                 </a:solidFill>
@@ -4938,7 +5393,7 @@
               <a:t>La phase de </a:t>
             </a:r>
             <a:r>
-              <a:rPr lang="en-GB" sz="2000" b="1" dirty="0">
+              <a:rPr lang="en-GB" sz="2000" b="1" dirty="0" smtClean="0">
                 <a:solidFill>
                   <a:schemeClr val="bg1"/>
                 </a:solidFill>
@@ -4952,7 +5407,7 @@
               <a:buAutoNum type="arabicPeriod"/>
             </a:pPr>
             <a:r>
-              <a:rPr lang="en-GB" sz="2000" dirty="0">
+              <a:rPr lang="en-GB" sz="2000" dirty="0" smtClean="0">
                 <a:solidFill>
                   <a:schemeClr val="bg1"/>
                 </a:solidFill>
@@ -4960,7 +5415,7 @@
               <a:t>͏</a:t>
             </a:r>
             <a:r>
-              <a:rPr lang="en-GB" sz="2000" b="1" dirty="0">
+              <a:rPr lang="en-GB" sz="2000" b="1" dirty="0" smtClean="0">
                 <a:solidFill>
                   <a:schemeClr val="bg1"/>
                 </a:solidFill>
@@ -4968,7 +5423,7 @@
               <a:t>Judgement de </a:t>
             </a:r>
             <a:r>
-              <a:rPr lang="en-GB" sz="2000" b="1" dirty="0" err="1">
+              <a:rPr lang="en-GB" sz="2000" b="1" dirty="0" err="1" smtClean="0">
                 <a:solidFill>
                   <a:schemeClr val="bg1"/>
                 </a:solidFill>
@@ -4976,7 +5431,7 @@
               <a:t>confiance</a:t>
             </a:r>
             <a:r>
-              <a:rPr lang="en-GB" sz="2000" b="1" dirty="0">
+              <a:rPr lang="en-GB" sz="2000" b="1" dirty="0" smtClean="0">
                 <a:solidFill>
                   <a:schemeClr val="bg1"/>
                 </a:solidFill>
@@ -4984,7 +5439,7 @@
               <a:t> </a:t>
             </a:r>
             <a:r>
-              <a:rPr lang="en-GB" sz="2000" dirty="0">
+              <a:rPr lang="en-GB" sz="2000" dirty="0" smtClean="0">
                 <a:solidFill>
                   <a:schemeClr val="bg1"/>
                 </a:solidFill>
@@ -4992,7 +5447,7 @@
               <a:t>sur </a:t>
             </a:r>
             <a:r>
-              <a:rPr lang="en-GB" sz="2000" dirty="0" err="1">
+              <a:rPr lang="en-GB" sz="2000" dirty="0" err="1" smtClean="0">
                 <a:solidFill>
                   <a:schemeClr val="bg1"/>
                 </a:solidFill>
@@ -5000,7 +5455,7 @@
               <a:t>votre</a:t>
             </a:r>
             <a:r>
-              <a:rPr lang="en-GB" sz="2000" dirty="0">
+              <a:rPr lang="en-GB" sz="2000" dirty="0" smtClean="0">
                 <a:solidFill>
                   <a:schemeClr val="bg1"/>
                 </a:solidFill>
@@ -5008,7 +5463,7 @@
               <a:t> performance </a:t>
             </a:r>
             <a:r>
-              <a:rPr lang="en-GB" sz="2000" dirty="0" err="1">
+              <a:rPr lang="en-GB" sz="2000" dirty="0" err="1" smtClean="0">
                 <a:solidFill>
                   <a:schemeClr val="bg1"/>
                 </a:solidFill>
@@ -5016,7 +5471,7 @@
               <a:t>durant</a:t>
             </a:r>
             <a:r>
-              <a:rPr lang="en-GB" sz="2000" dirty="0">
+              <a:rPr lang="en-GB" sz="2000" dirty="0" smtClean="0">
                 <a:solidFill>
                   <a:schemeClr val="bg1"/>
                 </a:solidFill>
@@ -5049,7 +5504,7 @@
           <a:p>
             <a:pPr algn="ctr"/>
             <a:r>
-              <a:rPr lang="en-GB" dirty="0" err="1">
+              <a:rPr lang="en-GB" dirty="0" err="1" smtClean="0">
                 <a:solidFill>
                   <a:schemeClr val="bg1">
                     <a:lumMod val="65000"/>
@@ -5059,15 +5514,42 @@
               <a:t>Appuyez</a:t>
             </a:r>
             <a:r>
-              <a:rPr lang="en-GB" dirty="0">
+              <a:rPr lang="en-GB" dirty="0" smtClean="0">
                 <a:solidFill>
                   <a:schemeClr val="bg1">
                     <a:lumMod val="65000"/>
                   </a:schemeClr>
                 </a:solidFill>
               </a:rPr>
-              <a:t> sur la fleche de droit pour continuer</a:t>
-            </a:r>
+              <a:t> sur </a:t>
+            </a:r>
+            <a:r>
+              <a:rPr lang="en-GB" dirty="0" smtClean="0">
+                <a:solidFill>
+                  <a:schemeClr val="bg1">
+                    <a:lumMod val="65000"/>
+                  </a:schemeClr>
+                </a:solidFill>
+              </a:rPr>
+              <a:t>la fleche de </a:t>
+            </a:r>
+            <a:r>
+              <a:rPr lang="en-GB" dirty="0" smtClean="0">
+                <a:solidFill>
+                  <a:schemeClr val="bg1">
+                    <a:lumMod val="65000"/>
+                  </a:schemeClr>
+                </a:solidFill>
+              </a:rPr>
+              <a:t>droit pour continuer</a:t>
+            </a:r>
+            <a:endParaRPr lang="en-GB" dirty="0">
+              <a:solidFill>
+                <a:schemeClr val="bg1">
+                  <a:lumMod val="65000"/>
+                </a:schemeClr>
+              </a:solidFill>
+            </a:endParaRPr>
           </a:p>
         </p:txBody>
       </p:sp>
@@ -5081,12 +5563,27 @@
   <p:clrMapOvr>
     <a:masterClrMapping/>
   </p:clrMapOvr>
+  <p:timing>
+    <p:tnLst>
+      <p:par>
+        <p:cTn id="1" dur="indefinite" restart="never" nodeType="tmRoot"/>
+      </p:par>
+    </p:tnLst>
+  </p:timing>
 </p:sld>
 </file>
 
 <file path=ppt/slides/slide15.xml><?xml version="1.0" encoding="utf-8"?>
 <p:sld xmlns:a="http://schemas.openxmlformats.org/drawingml/2006/main" xmlns:r="http://schemas.openxmlformats.org/officeDocument/2006/relationships" xmlns:p="http://schemas.openxmlformats.org/presentationml/2006/main">
   <p:cSld>
+    <p:bg>
+      <p:bgPr>
+        <a:solidFill>
+          <a:schemeClr val="tx1"/>
+        </a:solidFill>
+        <a:effectLst/>
+      </p:bgPr>
+    </p:bg>
     <p:spTree>
       <p:nvGrpSpPr>
         <p:cNvPr id="1" name=""/>
@@ -5135,13 +5632,18 @@
               </a:spcAft>
             </a:pPr>
             <a:r>
-              <a:rPr lang="en-GB" sz="2400" b="1" dirty="0">
+              <a:rPr lang="en-GB" sz="2400" b="1" dirty="0" smtClean="0">
                 <a:solidFill>
                   <a:schemeClr val="accent4"/>
                 </a:solidFill>
               </a:rPr>
               <a:t>PRINCIPE DE L’EXPERIENCE</a:t>
             </a:r>
+            <a:endParaRPr lang="en-GB" sz="2400" b="1" dirty="0">
+              <a:solidFill>
+                <a:schemeClr val="accent4"/>
+              </a:solidFill>
+            </a:endParaRPr>
           </a:p>
         </p:txBody>
       </p:sp>
@@ -5168,7 +5670,7 @@
           <a:lstStyle/>
           <a:p>
             <a:r>
-              <a:rPr lang="en-GB" sz="2000" dirty="0" err="1">
+              <a:rPr lang="en-GB" sz="2000" dirty="0" err="1" smtClean="0">
                 <a:solidFill>
                   <a:schemeClr val="bg1"/>
                 </a:solidFill>
@@ -5176,7 +5678,7 @@
               <a:t>Etapes</a:t>
             </a:r>
             <a:r>
-              <a:rPr lang="en-GB" sz="2000" dirty="0">
+              <a:rPr lang="en-GB" sz="2000" dirty="0" smtClean="0">
                 <a:solidFill>
                   <a:schemeClr val="bg1"/>
                 </a:solidFill>
@@ -5190,7 +5692,7 @@
               <a:buAutoNum type="arabicPeriod"/>
             </a:pPr>
             <a:r>
-              <a:rPr lang="en-GB" sz="2000" dirty="0" err="1">
+              <a:rPr lang="en-GB" sz="2000" dirty="0" err="1" smtClean="0">
                 <a:solidFill>
                   <a:schemeClr val="bg1"/>
                 </a:solidFill>
@@ -5198,7 +5700,39 @@
               <a:t>Affichage</a:t>
             </a:r>
             <a:r>
-              <a:rPr lang="en-GB" sz="2000" dirty="0">
+              <a:rPr lang="en-GB" sz="2000" dirty="0" smtClean="0">
+                <a:solidFill>
+                  <a:schemeClr val="bg1"/>
+                </a:solidFill>
+              </a:rPr>
+              <a:t> </a:t>
+            </a:r>
+            <a:r>
+              <a:rPr lang="en-GB" sz="2000" dirty="0" smtClean="0">
+                <a:solidFill>
+                  <a:schemeClr val="bg1"/>
+                </a:solidFill>
+              </a:rPr>
+              <a:t>de </a:t>
+            </a:r>
+            <a:r>
+              <a:rPr lang="en-GB" sz="2000" b="1" dirty="0" smtClean="0">
+                <a:solidFill>
+                  <a:schemeClr val="bg1"/>
+                </a:solidFill>
+              </a:rPr>
+              <a:t>la </a:t>
+            </a:r>
+            <a:r>
+              <a:rPr lang="en-GB" sz="2000" b="1" dirty="0" err="1" smtClean="0">
+                <a:solidFill>
+                  <a:schemeClr val="bg1"/>
+                </a:solidFill>
+              </a:rPr>
+              <a:t>numero</a:t>
+            </a:r>
+            <a:r>
+              <a:rPr lang="en-GB" sz="2000" b="1" dirty="0" smtClean="0">
                 <a:solidFill>
                   <a:schemeClr val="bg1"/>
                 </a:solidFill>
@@ -5206,31 +5740,7 @@
               <a:t> de </a:t>
             </a:r>
             <a:r>
-              <a:rPr lang="en-GB" sz="2000" b="1" dirty="0">
-                <a:solidFill>
-                  <a:schemeClr val="bg1"/>
-                </a:solidFill>
-              </a:rPr>
-              <a:t>la </a:t>
-            </a:r>
-            <a:r>
-              <a:rPr lang="en-GB" sz="2000" b="1" dirty="0" err="1">
-                <a:solidFill>
-                  <a:schemeClr val="bg1"/>
-                </a:solidFill>
-              </a:rPr>
-              <a:t>numero</a:t>
-            </a:r>
-            <a:r>
-              <a:rPr lang="en-GB" sz="2000" b="1" dirty="0">
-                <a:solidFill>
-                  <a:schemeClr val="bg1"/>
-                </a:solidFill>
-              </a:rPr>
-              <a:t> de </a:t>
-            </a:r>
-            <a:r>
-              <a:rPr lang="en-GB" sz="2000" b="1" dirty="0" err="1">
+              <a:rPr lang="en-GB" sz="2000" b="1" dirty="0" err="1" smtClean="0">
                 <a:solidFill>
                   <a:schemeClr val="bg1"/>
                 </a:solidFill>
@@ -5249,7 +5759,7 @@
               <a:buAutoNum type="arabicPeriod"/>
             </a:pPr>
             <a:r>
-              <a:rPr lang="en-GB" sz="2000" dirty="0">
+              <a:rPr lang="en-GB" sz="2000" dirty="0" smtClean="0">
                 <a:solidFill>
                   <a:schemeClr val="bg1"/>
                 </a:solidFill>
@@ -5257,7 +5767,7 @@
               <a:t>͏</a:t>
             </a:r>
             <a:r>
-              <a:rPr lang="en-GB" sz="2000" b="1" dirty="0">
+              <a:rPr lang="en-GB" sz="2000" b="1" dirty="0" smtClean="0">
                 <a:solidFill>
                   <a:schemeClr val="bg1"/>
                 </a:solidFill>
@@ -5265,7 +5775,7 @@
               <a:t>Un </a:t>
             </a:r>
             <a:r>
-              <a:rPr lang="en-GB" sz="2000" b="1" dirty="0" err="1">
+              <a:rPr lang="en-GB" sz="2000" b="1" dirty="0" err="1" smtClean="0">
                 <a:solidFill>
                   <a:schemeClr val="bg1"/>
                 </a:solidFill>
@@ -5273,7 +5783,7 @@
               <a:t>seul</a:t>
             </a:r>
             <a:r>
-              <a:rPr lang="en-GB" sz="2000" b="1" dirty="0">
+              <a:rPr lang="en-GB" sz="2000" b="1" dirty="0" smtClean="0">
                 <a:solidFill>
                   <a:schemeClr val="bg1"/>
                 </a:solidFill>
@@ -5281,7 +5791,7 @@
               <a:t> </a:t>
             </a:r>
             <a:r>
-              <a:rPr lang="en-GB" sz="2000" b="1" dirty="0" err="1">
+              <a:rPr lang="en-GB" sz="2000" b="1" dirty="0" err="1" smtClean="0">
                 <a:solidFill>
                   <a:schemeClr val="bg1"/>
                 </a:solidFill>
@@ -5289,7 +5799,7 @@
               <a:t>affichage</a:t>
             </a:r>
             <a:r>
-              <a:rPr lang="en-GB" sz="2000" b="1" dirty="0">
+              <a:rPr lang="en-GB" sz="2000" b="1" dirty="0" smtClean="0">
                 <a:solidFill>
                   <a:schemeClr val="bg1"/>
                 </a:solidFill>
@@ -5297,7 +5807,7 @@
               <a:t> </a:t>
             </a:r>
             <a:r>
-              <a:rPr lang="en-GB" sz="2000" dirty="0">
+              <a:rPr lang="en-GB" sz="2000" dirty="0" smtClean="0">
                 <a:solidFill>
                   <a:schemeClr val="bg1"/>
                 </a:solidFill>
@@ -5305,7 +5815,7 @@
               <a:t>de </a:t>
             </a:r>
             <a:r>
-              <a:rPr lang="en-GB" sz="2000" dirty="0" err="1">
+              <a:rPr lang="en-GB" sz="2000" dirty="0" err="1" smtClean="0">
                 <a:solidFill>
                   <a:schemeClr val="bg1"/>
                 </a:solidFill>
@@ -5313,7 +5823,7 @@
               <a:t>toutes</a:t>
             </a:r>
             <a:r>
-              <a:rPr lang="en-GB" sz="2000" dirty="0">
+              <a:rPr lang="en-GB" sz="2000" dirty="0" smtClean="0">
                 <a:solidFill>
                   <a:schemeClr val="bg1"/>
                 </a:solidFill>
@@ -5321,14 +5831,14 @@
               <a:t> les </a:t>
             </a:r>
             <a:r>
-              <a:rPr lang="en-GB" sz="2000" dirty="0" err="1">
+              <a:rPr lang="en-GB" sz="2000" dirty="0" err="1" smtClean="0">
                 <a:solidFill>
                   <a:schemeClr val="bg1"/>
                 </a:solidFill>
               </a:rPr>
               <a:t>paires</a:t>
             </a:r>
-            <a:endParaRPr lang="en-GB" sz="2000" dirty="0">
+            <a:endParaRPr lang="en-GB" sz="2000" dirty="0" smtClean="0">
               <a:solidFill>
                 <a:schemeClr val="bg1"/>
               </a:solidFill>
@@ -5340,7 +5850,7 @@
               <a:buAutoNum type="arabicPeriod"/>
             </a:pPr>
             <a:r>
-              <a:rPr lang="en-GB" sz="2000" dirty="0">
+              <a:rPr lang="en-GB" sz="2000" dirty="0" smtClean="0">
                 <a:solidFill>
                   <a:schemeClr val="bg1"/>
                 </a:solidFill>
@@ -5348,7 +5858,7 @@
               <a:t>͏</a:t>
             </a:r>
             <a:r>
-              <a:rPr lang="en-GB" sz="2000" b="1" dirty="0" err="1">
+              <a:rPr lang="en-GB" sz="2000" b="1" dirty="0" err="1" smtClean="0">
                 <a:solidFill>
                   <a:schemeClr val="bg1"/>
                 </a:solidFill>
@@ -5356,7 +5866,7 @@
               <a:t>Deux</a:t>
             </a:r>
             <a:r>
-              <a:rPr lang="en-GB" sz="2000" b="1" dirty="0">
+              <a:rPr lang="en-GB" sz="2000" b="1" dirty="0" smtClean="0">
                 <a:solidFill>
                   <a:schemeClr val="bg1"/>
                 </a:solidFill>
@@ -5364,7 +5874,7 @@
               <a:t> judgements </a:t>
             </a:r>
             <a:r>
-              <a:rPr lang="en-GB" sz="2000" b="1" dirty="0" err="1">
+              <a:rPr lang="en-GB" sz="2000" b="1" dirty="0" err="1" smtClean="0">
                 <a:solidFill>
                   <a:schemeClr val="bg1"/>
                 </a:solidFill>
@@ -5383,15 +5893,31 @@
               <a:buAutoNum type="arabicPeriod"/>
             </a:pPr>
             <a:r>
+              <a:rPr lang="en-GB" sz="2000" dirty="0" smtClean="0">
+                <a:solidFill>
+                  <a:schemeClr val="bg1"/>
+                </a:solidFill>
+              </a:rPr>
+              <a:t>La </a:t>
+            </a:r>
+            <a:r>
               <a:rPr lang="en-GB" sz="2000" dirty="0">
                 <a:solidFill>
                   <a:schemeClr val="bg1"/>
                 </a:solidFill>
               </a:rPr>
-              <a:t>La phase de </a:t>
-            </a:r>
-            <a:r>
-              <a:rPr lang="en-GB" sz="2000" b="1" dirty="0">
+              <a:t>p</a:t>
+            </a:r>
+            <a:r>
+              <a:rPr lang="en-GB" sz="2000" dirty="0" smtClean="0">
+                <a:solidFill>
+                  <a:schemeClr val="bg1"/>
+                </a:solidFill>
+              </a:rPr>
+              <a:t>hase de </a:t>
+            </a:r>
+            <a:r>
+              <a:rPr lang="en-GB" sz="2000" b="1" dirty="0" smtClean="0">
                 <a:solidFill>
                   <a:schemeClr val="bg1"/>
                 </a:solidFill>
@@ -5405,7 +5931,7 @@
               <a:buAutoNum type="arabicPeriod"/>
             </a:pPr>
             <a:r>
-              <a:rPr lang="en-GB" sz="2000" dirty="0">
+              <a:rPr lang="en-GB" sz="2000" dirty="0" smtClean="0">
                 <a:solidFill>
                   <a:schemeClr val="bg1"/>
                 </a:solidFill>
@@ -5413,7 +5939,7 @@
               <a:t>La phase de </a:t>
             </a:r>
             <a:r>
-              <a:rPr lang="en-GB" sz="2000" b="1" dirty="0">
+              <a:rPr lang="en-GB" sz="2000" b="1" dirty="0" smtClean="0">
                 <a:solidFill>
                   <a:schemeClr val="bg1"/>
                 </a:solidFill>
@@ -5427,7 +5953,7 @@
               <a:buAutoNum type="arabicPeriod"/>
             </a:pPr>
             <a:r>
-              <a:rPr lang="en-GB" sz="2000" dirty="0">
+              <a:rPr lang="en-GB" sz="2000" dirty="0" smtClean="0">
                 <a:solidFill>
                   <a:schemeClr val="bg1"/>
                 </a:solidFill>
@@ -5435,7 +5961,7 @@
               <a:t>͏</a:t>
             </a:r>
             <a:r>
-              <a:rPr lang="en-GB" sz="2000" b="1" dirty="0">
+              <a:rPr lang="en-GB" sz="2000" b="1" dirty="0" smtClean="0">
                 <a:solidFill>
                   <a:schemeClr val="bg1"/>
                 </a:solidFill>
@@ -5443,7 +5969,7 @@
               <a:t>Judgement de </a:t>
             </a:r>
             <a:r>
-              <a:rPr lang="en-GB" sz="2000" b="1" dirty="0" err="1">
+              <a:rPr lang="en-GB" sz="2000" b="1" dirty="0" err="1" smtClean="0">
                 <a:solidFill>
                   <a:schemeClr val="bg1"/>
                 </a:solidFill>
@@ -5451,7 +5977,7 @@
               <a:t>confiance</a:t>
             </a:r>
             <a:r>
-              <a:rPr lang="en-GB" sz="2000" b="1" dirty="0">
+              <a:rPr lang="en-GB" sz="2000" b="1" dirty="0" smtClean="0">
                 <a:solidFill>
                   <a:schemeClr val="bg1"/>
                 </a:solidFill>
@@ -5459,7 +5985,7 @@
               <a:t> </a:t>
             </a:r>
             <a:r>
-              <a:rPr lang="en-GB" sz="2000" dirty="0">
+              <a:rPr lang="en-GB" sz="2000" dirty="0" smtClean="0">
                 <a:solidFill>
                   <a:schemeClr val="bg1"/>
                 </a:solidFill>
@@ -5467,7 +5993,7 @@
               <a:t>sur </a:t>
             </a:r>
             <a:r>
-              <a:rPr lang="en-GB" sz="2000" dirty="0" err="1">
+              <a:rPr lang="en-GB" sz="2000" dirty="0" err="1" smtClean="0">
                 <a:solidFill>
                   <a:schemeClr val="bg1"/>
                 </a:solidFill>
@@ -5475,7 +6001,7 @@
               <a:t>votre</a:t>
             </a:r>
             <a:r>
-              <a:rPr lang="en-GB" sz="2000" dirty="0">
+              <a:rPr lang="en-GB" sz="2000" dirty="0" smtClean="0">
                 <a:solidFill>
                   <a:schemeClr val="bg1"/>
                 </a:solidFill>
@@ -5483,7 +6009,7 @@
               <a:t> performance </a:t>
             </a:r>
             <a:r>
-              <a:rPr lang="en-GB" sz="2000" dirty="0" err="1">
+              <a:rPr lang="en-GB" sz="2000" dirty="0" err="1" smtClean="0">
                 <a:solidFill>
                   <a:schemeClr val="bg1"/>
                 </a:solidFill>
@@ -5491,7 +6017,7 @@
               <a:t>durant</a:t>
             </a:r>
             <a:r>
-              <a:rPr lang="en-GB" sz="2000" dirty="0">
+              <a:rPr lang="en-GB" sz="2000" dirty="0" smtClean="0">
                 <a:solidFill>
                   <a:schemeClr val="bg1"/>
                 </a:solidFill>
@@ -5505,7 +6031,7 @@
               <a:buAutoNum type="arabicPeriod"/>
             </a:pPr>
             <a:r>
-              <a:rPr lang="en-GB" sz="2000" dirty="0">
+              <a:rPr lang="en-GB" sz="2000" dirty="0" smtClean="0">
                 <a:solidFill>
                   <a:schemeClr val="bg1"/>
                 </a:solidFill>
@@ -5513,7 +6039,7 @@
               <a:t>͏</a:t>
             </a:r>
             <a:r>
-              <a:rPr lang="en-GB" sz="2000" b="1" dirty="0">
+              <a:rPr lang="en-GB" sz="2000" b="1" dirty="0" smtClean="0">
                 <a:solidFill>
                   <a:schemeClr val="bg1"/>
                 </a:solidFill>
@@ -5521,7 +6047,7 @@
               <a:t>Retour </a:t>
             </a:r>
             <a:r>
-              <a:rPr lang="en-GB" sz="2000" dirty="0">
+              <a:rPr lang="en-GB" sz="2000" dirty="0" smtClean="0">
                 <a:solidFill>
                   <a:schemeClr val="bg1"/>
                 </a:solidFill>
@@ -5529,7 +6055,7 @@
               <a:t>sur </a:t>
             </a:r>
             <a:r>
-              <a:rPr lang="en-GB" sz="2000" dirty="0" err="1">
+              <a:rPr lang="en-GB" sz="2000" dirty="0" err="1" smtClean="0">
                 <a:solidFill>
                   <a:schemeClr val="bg1"/>
                 </a:solidFill>
@@ -5537,13 +6063,18 @@
               <a:t>votre</a:t>
             </a:r>
             <a:r>
-              <a:rPr lang="en-GB" sz="2000" dirty="0">
+              <a:rPr lang="en-GB" sz="2000" dirty="0" smtClean="0">
                 <a:solidFill>
                   <a:schemeClr val="bg1"/>
                 </a:solidFill>
               </a:rPr>
               <a:t> performance</a:t>
             </a:r>
+            <a:endParaRPr lang="en-GB" sz="2000" dirty="0" smtClean="0">
+              <a:solidFill>
+                <a:schemeClr val="bg1"/>
+              </a:solidFill>
+            </a:endParaRPr>
           </a:p>
         </p:txBody>
       </p:sp>
@@ -5570,7 +6101,7 @@
           <a:p>
             <a:pPr algn="ctr"/>
             <a:r>
-              <a:rPr lang="en-GB" dirty="0" err="1">
+              <a:rPr lang="en-GB" dirty="0" err="1" smtClean="0">
                 <a:solidFill>
                   <a:schemeClr val="bg1">
                     <a:lumMod val="65000"/>
@@ -5580,15 +6111,42 @@
               <a:t>Appuyez</a:t>
             </a:r>
             <a:r>
-              <a:rPr lang="en-GB" dirty="0">
+              <a:rPr lang="en-GB" dirty="0" smtClean="0">
                 <a:solidFill>
                   <a:schemeClr val="bg1">
                     <a:lumMod val="65000"/>
                   </a:schemeClr>
                 </a:solidFill>
               </a:rPr>
-              <a:t> sur la fleche de droit pour continuer</a:t>
-            </a:r>
+              <a:t> sur </a:t>
+            </a:r>
+            <a:r>
+              <a:rPr lang="en-GB" dirty="0" smtClean="0">
+                <a:solidFill>
+                  <a:schemeClr val="bg1">
+                    <a:lumMod val="65000"/>
+                  </a:schemeClr>
+                </a:solidFill>
+              </a:rPr>
+              <a:t>la fleche de </a:t>
+            </a:r>
+            <a:r>
+              <a:rPr lang="en-GB" dirty="0" smtClean="0">
+                <a:solidFill>
+                  <a:schemeClr val="bg1">
+                    <a:lumMod val="65000"/>
+                  </a:schemeClr>
+                </a:solidFill>
+              </a:rPr>
+              <a:t>droit pour continuer</a:t>
+            </a:r>
+            <a:endParaRPr lang="en-GB" dirty="0">
+              <a:solidFill>
+                <a:schemeClr val="bg1">
+                  <a:lumMod val="65000"/>
+                </a:schemeClr>
+              </a:solidFill>
+            </a:endParaRPr>
           </a:p>
         </p:txBody>
       </p:sp>
@@ -5602,12 +6160,27 @@
   <p:clrMapOvr>
     <a:masterClrMapping/>
   </p:clrMapOvr>
+  <p:timing>
+    <p:tnLst>
+      <p:par>
+        <p:cTn id="1" dur="indefinite" restart="never" nodeType="tmRoot"/>
+      </p:par>
+    </p:tnLst>
+  </p:timing>
 </p:sld>
 </file>
 
 <file path=ppt/slides/slide16.xml><?xml version="1.0" encoding="utf-8"?>
 <p:sld xmlns:a="http://schemas.openxmlformats.org/drawingml/2006/main" xmlns:r="http://schemas.openxmlformats.org/officeDocument/2006/relationships" xmlns:p="http://schemas.openxmlformats.org/presentationml/2006/main">
   <p:cSld>
+    <p:bg>
+      <p:bgPr>
+        <a:solidFill>
+          <a:schemeClr val="tx1"/>
+        </a:solidFill>
+        <a:effectLst/>
+      </p:bgPr>
+    </p:bg>
     <p:spTree>
       <p:nvGrpSpPr>
         <p:cNvPr id="1" name=""/>
@@ -5656,13 +6229,18 @@
               </a:spcAft>
             </a:pPr>
             <a:r>
-              <a:rPr lang="en-GB" sz="2400" b="1" dirty="0">
+              <a:rPr lang="en-GB" sz="2400" b="1" dirty="0" smtClean="0">
                 <a:solidFill>
                   <a:schemeClr val="accent4"/>
                 </a:solidFill>
               </a:rPr>
               <a:t>1. AFFICHAGE DE LA NUMERO D’ESSAI</a:t>
             </a:r>
+            <a:endParaRPr lang="en-GB" sz="2400" b="1" dirty="0">
+              <a:solidFill>
+                <a:schemeClr val="accent4"/>
+              </a:solidFill>
+            </a:endParaRPr>
           </a:p>
         </p:txBody>
       </p:sp>
@@ -5690,7 +6268,7 @@
           <a:p>
             <a:pPr algn="ctr"/>
             <a:r>
-              <a:rPr lang="en-GB" sz="2400" dirty="0" err="1">
+              <a:rPr lang="en-GB" sz="2400" dirty="0" err="1" smtClean="0">
                 <a:solidFill>
                   <a:schemeClr val="bg1"/>
                 </a:solidFill>
@@ -5698,7 +6276,7 @@
               <a:t>L’experience</a:t>
             </a:r>
             <a:r>
-              <a:rPr lang="en-GB" sz="2400" dirty="0">
+              <a:rPr lang="en-GB" sz="2400" dirty="0" smtClean="0">
                 <a:solidFill>
                   <a:schemeClr val="bg1"/>
                 </a:solidFill>
@@ -5706,7 +6284,7 @@
               <a:t> </a:t>
             </a:r>
             <a:r>
-              <a:rPr lang="en-GB" sz="2400" dirty="0" err="1">
+              <a:rPr lang="en-GB" sz="2400" dirty="0" err="1" smtClean="0">
                 <a:solidFill>
                   <a:schemeClr val="bg1"/>
                 </a:solidFill>
@@ -5714,7 +6292,7 @@
               <a:t>est</a:t>
             </a:r>
             <a:r>
-              <a:rPr lang="en-GB" sz="2400" dirty="0">
+              <a:rPr lang="en-GB" sz="2400" dirty="0" smtClean="0">
                 <a:solidFill>
                   <a:schemeClr val="bg1"/>
                 </a:solidFill>
@@ -5722,7 +6300,7 @@
               <a:t> </a:t>
             </a:r>
             <a:r>
-              <a:rPr lang="en-GB" sz="2400" dirty="0" err="1">
+              <a:rPr lang="en-GB" sz="2400" dirty="0" err="1" smtClean="0">
                 <a:solidFill>
                   <a:schemeClr val="bg1"/>
                 </a:solidFill>
@@ -5730,7 +6308,7 @@
               <a:t>structurée</a:t>
             </a:r>
             <a:r>
-              <a:rPr lang="en-GB" sz="2400" dirty="0">
+              <a:rPr lang="en-GB" sz="2400" dirty="0" smtClean="0">
                 <a:solidFill>
                   <a:schemeClr val="bg1"/>
                 </a:solidFill>
@@ -5738,7 +6316,7 @@
               <a:t> </a:t>
             </a:r>
             <a:r>
-              <a:rPr lang="en-GB" sz="2400" dirty="0" err="1">
+              <a:rPr lang="en-GB" sz="2400" dirty="0" err="1" smtClean="0">
                 <a:solidFill>
                   <a:schemeClr val="bg1"/>
                 </a:solidFill>
@@ -5746,7 +6324,7 @@
               <a:t>en</a:t>
             </a:r>
             <a:r>
-              <a:rPr lang="en-GB" sz="2400" dirty="0">
+              <a:rPr lang="en-GB" sz="2400" dirty="0" smtClean="0">
                 <a:solidFill>
                   <a:schemeClr val="bg1"/>
                 </a:solidFill>
@@ -5754,13 +6332,18 @@
               <a:t> </a:t>
             </a:r>
             <a:r>
-              <a:rPr lang="en-GB" sz="2400" b="1" dirty="0">
+              <a:rPr lang="en-GB" sz="2400" b="1" dirty="0" smtClean="0">
                 <a:solidFill>
                   <a:schemeClr val="bg1"/>
                 </a:solidFill>
               </a:rPr>
               <a:t># ESSAIS</a:t>
             </a:r>
+            <a:endParaRPr lang="en-GB" sz="2400" b="1" dirty="0">
+              <a:solidFill>
+                <a:schemeClr val="bg1"/>
+              </a:solidFill>
+            </a:endParaRPr>
           </a:p>
         </p:txBody>
       </p:sp>
@@ -5835,7 +6418,7 @@
           <a:p>
             <a:pPr algn="ctr"/>
             <a:r>
-              <a:rPr lang="en-GB" dirty="0" err="1">
+              <a:rPr lang="en-GB" dirty="0" err="1" smtClean="0">
                 <a:solidFill>
                   <a:schemeClr val="bg1">
                     <a:lumMod val="65000"/>
@@ -5845,15 +6428,42 @@
               <a:t>Appuyez</a:t>
             </a:r>
             <a:r>
-              <a:rPr lang="en-GB" dirty="0">
+              <a:rPr lang="en-GB" dirty="0" smtClean="0">
                 <a:solidFill>
                   <a:schemeClr val="bg1">
                     <a:lumMod val="65000"/>
                   </a:schemeClr>
                 </a:solidFill>
               </a:rPr>
-              <a:t> sur la fleche de droit pour continuer</a:t>
-            </a:r>
+              <a:t> sur </a:t>
+            </a:r>
+            <a:r>
+              <a:rPr lang="en-GB" dirty="0" smtClean="0">
+                <a:solidFill>
+                  <a:schemeClr val="bg1">
+                    <a:lumMod val="65000"/>
+                  </a:schemeClr>
+                </a:solidFill>
+              </a:rPr>
+              <a:t>la fleche de </a:t>
+            </a:r>
+            <a:r>
+              <a:rPr lang="en-GB" dirty="0" smtClean="0">
+                <a:solidFill>
+                  <a:schemeClr val="bg1">
+                    <a:lumMod val="65000"/>
+                  </a:schemeClr>
+                </a:solidFill>
+              </a:rPr>
+              <a:t>droit pour continuer</a:t>
+            </a:r>
+            <a:endParaRPr lang="en-GB" dirty="0">
+              <a:solidFill>
+                <a:schemeClr val="bg1">
+                  <a:lumMod val="65000"/>
+                </a:schemeClr>
+              </a:solidFill>
+            </a:endParaRPr>
           </a:p>
         </p:txBody>
       </p:sp>
@@ -5881,7 +6491,7 @@
           <a:p>
             <a:pPr algn="ctr"/>
             <a:r>
-              <a:rPr lang="en-GB" sz="2400" dirty="0" err="1">
+              <a:rPr lang="en-GB" sz="2400" dirty="0" err="1" smtClean="0">
                 <a:solidFill>
                   <a:schemeClr val="bg1"/>
                 </a:solidFill>
@@ -5889,7 +6499,7 @@
               <a:t>Essai</a:t>
             </a:r>
             <a:r>
-              <a:rPr lang="en-GB" sz="2400" dirty="0">
+              <a:rPr lang="en-GB" sz="2400" dirty="0" smtClean="0">
                 <a:solidFill>
                   <a:schemeClr val="bg1"/>
                 </a:solidFill>
@@ -5897,7 +6507,7 @@
               <a:t> </a:t>
             </a:r>
             <a:r>
-              <a:rPr lang="en-GB" sz="2400" dirty="0" err="1">
+              <a:rPr lang="en-GB" sz="2400" dirty="0" err="1" smtClean="0">
                 <a:solidFill>
                   <a:schemeClr val="bg1"/>
                 </a:solidFill>
@@ -5905,13 +6515,18 @@
               <a:t>numéro</a:t>
             </a:r>
             <a:r>
-              <a:rPr lang="en-GB" sz="2400" dirty="0">
+              <a:rPr lang="en-GB" sz="2400" dirty="0" smtClean="0">
                 <a:solidFill>
                   <a:schemeClr val="bg1"/>
                 </a:solidFill>
               </a:rPr>
               <a:t>: 6</a:t>
             </a:r>
+            <a:endParaRPr lang="en-GB" sz="2400" dirty="0">
+              <a:solidFill>
+                <a:schemeClr val="bg1"/>
+              </a:solidFill>
+            </a:endParaRPr>
           </a:p>
         </p:txBody>
       </p:sp>
@@ -5925,12 +6540,27 @@
   <p:clrMapOvr>
     <a:masterClrMapping/>
   </p:clrMapOvr>
+  <p:timing>
+    <p:tnLst>
+      <p:par>
+        <p:cTn id="1" dur="indefinite" restart="never" nodeType="tmRoot"/>
+      </p:par>
+    </p:tnLst>
+  </p:timing>
 </p:sld>
 </file>
 
 <file path=ppt/slides/slide17.xml><?xml version="1.0" encoding="utf-8"?>
 <p:sld xmlns:a="http://schemas.openxmlformats.org/drawingml/2006/main" xmlns:r="http://schemas.openxmlformats.org/officeDocument/2006/relationships" xmlns:p="http://schemas.openxmlformats.org/presentationml/2006/main">
   <p:cSld>
+    <p:bg>
+      <p:bgPr>
+        <a:solidFill>
+          <a:schemeClr val="tx1"/>
+        </a:solidFill>
+        <a:effectLst/>
+      </p:bgPr>
+    </p:bg>
     <p:spTree>
       <p:nvGrpSpPr>
         <p:cNvPr id="1" name=""/>
@@ -5979,7 +6609,7 @@
               </a:spcAft>
             </a:pPr>
             <a:r>
-              <a:rPr lang="fr-FR" sz="2400" b="1" dirty="0">
+              <a:rPr lang="fr-FR" sz="2400" b="1" dirty="0" smtClean="0">
                 <a:solidFill>
                   <a:schemeClr val="accent4"/>
                 </a:solidFill>
@@ -6018,7 +6648,7 @@
           <a:p>
             <a:pPr algn="ctr"/>
             <a:r>
-              <a:rPr lang="en-GB" sz="2400" dirty="0" err="1">
+              <a:rPr lang="en-GB" sz="2400" dirty="0" err="1" smtClean="0">
                 <a:solidFill>
                   <a:schemeClr val="bg1"/>
                 </a:solidFill>
@@ -6026,7 +6656,7 @@
               <a:t>Une</a:t>
             </a:r>
             <a:r>
-              <a:rPr lang="en-GB" sz="2400" dirty="0">
+              <a:rPr lang="en-GB" sz="2400" dirty="0" smtClean="0">
                 <a:solidFill>
                   <a:schemeClr val="bg1"/>
                 </a:solidFill>
@@ -6034,7 +6664,7 @@
               <a:t> </a:t>
             </a:r>
             <a:r>
-              <a:rPr lang="en-GB" sz="2400" dirty="0" err="1">
+              <a:rPr lang="en-GB" sz="2400" dirty="0" err="1" smtClean="0">
                 <a:solidFill>
                   <a:schemeClr val="bg1"/>
                 </a:solidFill>
@@ -6042,7 +6672,7 @@
               <a:t>fois</a:t>
             </a:r>
             <a:r>
-              <a:rPr lang="en-GB" sz="2400" dirty="0">
+              <a:rPr lang="en-GB" sz="2400" dirty="0" smtClean="0">
                 <a:solidFill>
                   <a:schemeClr val="bg1"/>
                 </a:solidFill>
@@ -6050,7 +6680,7 @@
               <a:t>, nous </a:t>
             </a:r>
             <a:r>
-              <a:rPr lang="en-GB" sz="2400" dirty="0" err="1">
+              <a:rPr lang="en-GB" sz="2400" dirty="0" err="1" smtClean="0">
                 <a:solidFill>
                   <a:schemeClr val="bg1"/>
                 </a:solidFill>
@@ -6058,7 +6688,7 @@
               <a:t>vous</a:t>
             </a:r>
             <a:r>
-              <a:rPr lang="en-GB" sz="2400" dirty="0">
+              <a:rPr lang="en-GB" sz="2400" dirty="0" smtClean="0">
                 <a:solidFill>
                   <a:schemeClr val="bg1"/>
                 </a:solidFill>
@@ -6066,7 +6696,7 @@
               <a:t> </a:t>
             </a:r>
             <a:r>
-              <a:rPr lang="en-GB" sz="2400" dirty="0" err="1">
+              <a:rPr lang="en-GB" sz="2400" dirty="0" err="1" smtClean="0">
                 <a:solidFill>
                   <a:schemeClr val="bg1"/>
                 </a:solidFill>
@@ -6074,7 +6704,7 @@
               <a:t>montrerons</a:t>
             </a:r>
             <a:r>
-              <a:rPr lang="en-GB" sz="2400" dirty="0">
+              <a:rPr lang="en-GB" sz="2400" dirty="0" smtClean="0">
                 <a:solidFill>
                   <a:schemeClr val="bg1"/>
                 </a:solidFill>
@@ -6082,7 +6712,7 @@
               <a:t> les emplacements de </a:t>
             </a:r>
             <a:r>
-              <a:rPr lang="en-GB" sz="2400" dirty="0" err="1">
+              <a:rPr lang="en-GB" sz="2400" dirty="0" err="1" smtClean="0">
                 <a:solidFill>
                   <a:schemeClr val="bg1"/>
                 </a:solidFill>
@@ -6090,7 +6720,7 @@
               <a:t>toutes</a:t>
             </a:r>
             <a:r>
-              <a:rPr lang="en-GB" sz="2400" dirty="0">
+              <a:rPr lang="en-GB" sz="2400" dirty="0" smtClean="0">
                 <a:solidFill>
                   <a:schemeClr val="bg1"/>
                 </a:solidFill>
@@ -6098,7 +6728,7 @@
               <a:t> les </a:t>
             </a:r>
             <a:r>
-              <a:rPr lang="en-GB" sz="2400" dirty="0" err="1">
+              <a:rPr lang="en-GB" sz="2400" dirty="0" err="1" smtClean="0">
                 <a:solidFill>
                   <a:schemeClr val="bg1"/>
                 </a:solidFill>
@@ -6106,7 +6736,7 @@
               <a:t>paires</a:t>
             </a:r>
             <a:r>
-              <a:rPr lang="en-GB" sz="2400" dirty="0">
+              <a:rPr lang="en-GB" sz="2400" dirty="0" smtClean="0">
                 <a:solidFill>
                   <a:schemeClr val="bg1"/>
                 </a:solidFill>
@@ -6114,7 +6744,7 @@
               <a:t> pour </a:t>
             </a:r>
             <a:r>
-              <a:rPr lang="en-GB" sz="2400" dirty="0" err="1">
+              <a:rPr lang="en-GB" sz="2400" dirty="0" err="1" smtClean="0">
                 <a:solidFill>
                   <a:schemeClr val="bg1"/>
                 </a:solidFill>
@@ -6122,7 +6752,7 @@
               <a:t>cet</a:t>
             </a:r>
             <a:r>
-              <a:rPr lang="en-GB" sz="2400" dirty="0">
+              <a:rPr lang="en-GB" sz="2400" dirty="0" smtClean="0">
                 <a:solidFill>
                   <a:schemeClr val="bg1"/>
                 </a:solidFill>
@@ -6130,7 +6760,7 @@
               <a:t> </a:t>
             </a:r>
             <a:r>
-              <a:rPr lang="en-GB" sz="2400" dirty="0" err="1">
+              <a:rPr lang="en-GB" sz="2400" dirty="0" err="1" smtClean="0">
                 <a:solidFill>
                   <a:schemeClr val="bg1"/>
                 </a:solidFill>
@@ -6168,7 +6798,7 @@
           <a:p>
             <a:pPr algn="ctr"/>
             <a:r>
-              <a:rPr lang="en-GB" dirty="0" err="1">
+              <a:rPr lang="en-GB" dirty="0" err="1" smtClean="0">
                 <a:solidFill>
                   <a:schemeClr val="bg1">
                     <a:lumMod val="65000"/>
@@ -6178,15 +6808,42 @@
               <a:t>Appuyez</a:t>
             </a:r>
             <a:r>
-              <a:rPr lang="en-GB" dirty="0">
+              <a:rPr lang="en-GB" dirty="0" smtClean="0">
                 <a:solidFill>
                   <a:schemeClr val="bg1">
                     <a:lumMod val="65000"/>
                   </a:schemeClr>
                 </a:solidFill>
               </a:rPr>
-              <a:t> sur la fleche de droit pour continuer</a:t>
-            </a:r>
+              <a:t> sur </a:t>
+            </a:r>
+            <a:r>
+              <a:rPr lang="en-GB" dirty="0" smtClean="0">
+                <a:solidFill>
+                  <a:schemeClr val="bg1">
+                    <a:lumMod val="65000"/>
+                  </a:schemeClr>
+                </a:solidFill>
+              </a:rPr>
+              <a:t>la fleche de </a:t>
+            </a:r>
+            <a:r>
+              <a:rPr lang="en-GB" dirty="0" smtClean="0">
+                <a:solidFill>
+                  <a:schemeClr val="bg1">
+                    <a:lumMod val="65000"/>
+                  </a:schemeClr>
+                </a:solidFill>
+              </a:rPr>
+              <a:t>droit pour continuer</a:t>
+            </a:r>
+            <a:endParaRPr lang="en-GB" dirty="0">
+              <a:solidFill>
+                <a:schemeClr val="bg1">
+                  <a:lumMod val="65000"/>
+                </a:schemeClr>
+              </a:solidFill>
+            </a:endParaRPr>
           </a:p>
         </p:txBody>
       </p:sp>
@@ -6277,12 +6934,27 @@
   <p:clrMapOvr>
     <a:masterClrMapping/>
   </p:clrMapOvr>
+  <p:timing>
+    <p:tnLst>
+      <p:par>
+        <p:cTn id="1" dur="indefinite" restart="never" nodeType="tmRoot"/>
+      </p:par>
+    </p:tnLst>
+  </p:timing>
 </p:sld>
 </file>
 
 <file path=ppt/slides/slide18.xml><?xml version="1.0" encoding="utf-8"?>
 <p:sld xmlns:a="http://schemas.openxmlformats.org/drawingml/2006/main" xmlns:r="http://schemas.openxmlformats.org/officeDocument/2006/relationships" xmlns:p="http://schemas.openxmlformats.org/presentationml/2006/main">
   <p:cSld>
+    <p:bg>
+      <p:bgPr>
+        <a:solidFill>
+          <a:schemeClr val="tx1"/>
+        </a:solidFill>
+        <a:effectLst/>
+      </p:bgPr>
+    </p:bg>
     <p:spTree>
       <p:nvGrpSpPr>
         <p:cNvPr id="1" name=""/>
@@ -6331,7 +7003,7 @@
               </a:spcAft>
             </a:pPr>
             <a:r>
-              <a:rPr lang="fr-FR" sz="2400" b="1" dirty="0">
+              <a:rPr lang="fr-FR" sz="2400" b="1" dirty="0" smtClean="0">
                 <a:solidFill>
                   <a:schemeClr val="accent4"/>
                 </a:solidFill>
@@ -6374,7 +7046,7 @@
               </a:spcAft>
             </a:pPr>
             <a:r>
-              <a:rPr lang="en-GB" sz="2400" dirty="0">
+              <a:rPr lang="en-GB" sz="2400" dirty="0" smtClean="0">
                 <a:solidFill>
                   <a:schemeClr val="bg1"/>
                 </a:solidFill>
@@ -6382,7 +7054,7 @@
               <a:t>Nous </a:t>
             </a:r>
             <a:r>
-              <a:rPr lang="en-GB" sz="2400" dirty="0" err="1">
+              <a:rPr lang="en-GB" sz="2400" dirty="0" err="1" smtClean="0">
                 <a:solidFill>
                   <a:schemeClr val="bg1"/>
                 </a:solidFill>
@@ -6390,7 +7062,7 @@
               <a:t>vous</a:t>
             </a:r>
             <a:r>
-              <a:rPr lang="en-GB" sz="2400" dirty="0">
+              <a:rPr lang="en-GB" sz="2400" dirty="0" smtClean="0">
                 <a:solidFill>
                   <a:schemeClr val="bg1"/>
                 </a:solidFill>
@@ -6398,7 +7070,7 @@
               <a:t> </a:t>
             </a:r>
             <a:r>
-              <a:rPr lang="en-GB" sz="2400" dirty="0" err="1">
+              <a:rPr lang="en-GB" sz="2400" dirty="0" err="1" smtClean="0">
                 <a:solidFill>
                   <a:schemeClr val="bg1"/>
                 </a:solidFill>
@@ -6406,7 +7078,7 @@
               <a:t>demanderons</a:t>
             </a:r>
             <a:r>
-              <a:rPr lang="en-GB" sz="2400" dirty="0">
+              <a:rPr lang="en-GB" sz="2400" dirty="0" smtClean="0">
                 <a:solidFill>
                   <a:schemeClr val="bg1"/>
                 </a:solidFill>
@@ -6414,7 +7086,7 @@
               <a:t> </a:t>
             </a:r>
             <a:r>
-              <a:rPr lang="en-GB" sz="2400" dirty="0" err="1">
+              <a:rPr lang="en-GB" sz="2400" dirty="0" err="1" smtClean="0">
                 <a:solidFill>
                   <a:schemeClr val="bg1"/>
                 </a:solidFill>
@@ -6422,7 +7094,7 @@
               <a:t>deux</a:t>
             </a:r>
             <a:r>
-              <a:rPr lang="en-GB" sz="2400" dirty="0">
+              <a:rPr lang="en-GB" sz="2400" dirty="0" smtClean="0">
                 <a:solidFill>
                   <a:schemeClr val="bg1"/>
                 </a:solidFill>
@@ -6430,7 +7102,7 @@
               <a:t> question </a:t>
             </a:r>
             <a:r>
-              <a:rPr lang="en-GB" sz="2400" dirty="0" err="1">
+              <a:rPr lang="en-GB" sz="2400" dirty="0" err="1" smtClean="0">
                 <a:solidFill>
                   <a:schemeClr val="bg1"/>
                 </a:solidFill>
@@ -6438,14 +7110,14 @@
               <a:t>d’</a:t>
             </a:r>
             <a:r>
-              <a:rPr lang="en-GB" sz="2400" b="1" dirty="0" err="1">
+              <a:rPr lang="en-GB" sz="2400" b="1" dirty="0" err="1" smtClean="0">
                 <a:solidFill>
                   <a:schemeClr val="bg1"/>
                 </a:solidFill>
               </a:rPr>
               <a:t>auto-efficacité</a:t>
             </a:r>
-            <a:endParaRPr lang="en-GB" sz="2400" b="1" dirty="0">
+            <a:endParaRPr lang="en-GB" sz="2400" b="1" dirty="0" smtClean="0">
               <a:solidFill>
                 <a:schemeClr val="bg1"/>
               </a:solidFill>
@@ -6466,7 +7138,7 @@
               <a:t>Le sentiment d’auto-efficacité constitue la croyance qu’a </a:t>
             </a:r>
             <a:r>
-              <a:rPr lang="fr-FR" sz="2400" dirty="0" err="1">
+              <a:rPr lang="fr-FR" sz="2400" dirty="0" err="1" smtClean="0">
                 <a:solidFill>
                   <a:schemeClr val="bg1"/>
                 </a:solidFill>
@@ -6474,42 +7146,74 @@
               <a:t>un.e</a:t>
             </a:r>
             <a:r>
+              <a:rPr lang="fr-FR" sz="2400" dirty="0" smtClean="0">
+                <a:solidFill>
+                  <a:schemeClr val="bg1"/>
+                </a:solidFill>
+              </a:rPr>
+              <a:t> </a:t>
+            </a:r>
+            <a:r>
+              <a:rPr lang="fr-FR" sz="2400" dirty="0" err="1" smtClean="0">
+                <a:solidFill>
+                  <a:schemeClr val="bg1"/>
+                </a:solidFill>
+              </a:rPr>
+              <a:t>individu.e</a:t>
+            </a:r>
+            <a:r>
+              <a:rPr lang="fr-FR" sz="2400" dirty="0" smtClean="0">
+                <a:solidFill>
+                  <a:schemeClr val="bg1"/>
+                </a:solidFill>
+              </a:rPr>
+              <a:t> </a:t>
+            </a:r>
+            <a:r>
               <a:rPr lang="fr-FR" sz="2400" dirty="0">
                 <a:solidFill>
                   <a:schemeClr val="bg1"/>
                 </a:solidFill>
               </a:rPr>
+              <a:t>en sa capacité de réaliser une </a:t>
+            </a:r>
+            <a:r>
+              <a:rPr lang="fr-FR" sz="2400" dirty="0" smtClean="0">
+                <a:solidFill>
+                  <a:schemeClr val="bg1"/>
+                </a:solidFill>
+              </a:rPr>
+              <a:t>tâche</a:t>
+            </a:r>
+          </a:p>
+          <a:p>
+            <a:pPr algn="ctr"/>
+            <a:r>
+              <a:rPr lang="en-GB" sz="2400" dirty="0" err="1" smtClean="0">
+                <a:solidFill>
+                  <a:schemeClr val="bg1"/>
+                </a:solidFill>
+              </a:rPr>
+              <a:t>Vous</a:t>
+            </a:r>
+            <a:r>
+              <a:rPr lang="en-GB" sz="2400" dirty="0" smtClean="0">
+                <a:solidFill>
+                  <a:schemeClr val="bg1"/>
+                </a:solidFill>
+              </a:rPr>
               <a:t> </a:t>
             </a:r>
             <a:r>
-              <a:rPr lang="fr-FR" sz="2400" dirty="0" err="1">
-                <a:solidFill>
-                  <a:schemeClr val="bg1"/>
-                </a:solidFill>
-              </a:rPr>
-              <a:t>individu.e</a:t>
-            </a:r>
-            <a:r>
-              <a:rPr lang="fr-FR" sz="2400" dirty="0">
-                <a:solidFill>
-                  <a:schemeClr val="bg1"/>
-                </a:solidFill>
-              </a:rPr>
-              <a:t> en sa capacité de réaliser une tâche</a:t>
-            </a:r>
-          </a:p>
-          <a:p>
-            <a:pPr algn="ctr"/>
-            <a:r>
-              <a:rPr lang="en-GB" sz="2400" dirty="0" err="1">
-                <a:solidFill>
-                  <a:schemeClr val="bg1"/>
-                </a:solidFill>
-              </a:rPr>
-              <a:t>Vous</a:t>
-            </a:r>
-            <a:r>
-              <a:rPr lang="en-GB" sz="2400" dirty="0">
+              <a:rPr lang="en-GB" sz="2400" dirty="0" err="1" smtClean="0">
+                <a:solidFill>
+                  <a:schemeClr val="bg1"/>
+                </a:solidFill>
+              </a:rPr>
+              <a:t>devrez</a:t>
+            </a:r>
+            <a:r>
+              <a:rPr lang="en-GB" sz="2400" dirty="0" smtClean="0">
                 <a:solidFill>
                   <a:schemeClr val="bg1"/>
                 </a:solidFill>
@@ -6517,15 +7221,15 @@
               <a:t> </a:t>
             </a:r>
             <a:r>
-              <a:rPr lang="en-GB" sz="2400" dirty="0" err="1">
-                <a:solidFill>
-                  <a:schemeClr val="bg1"/>
-                </a:solidFill>
-              </a:rPr>
-              <a:t>devrez</a:t>
-            </a:r>
-            <a:r>
-              <a:rPr lang="en-GB" sz="2400" dirty="0">
+              <a:rPr lang="en-GB" sz="2400" dirty="0" err="1" smtClean="0">
+                <a:solidFill>
+                  <a:schemeClr val="bg1"/>
+                </a:solidFill>
+              </a:rPr>
+              <a:t>répondre</a:t>
+            </a:r>
+            <a:r>
+              <a:rPr lang="en-GB" sz="2400" dirty="0" smtClean="0">
                 <a:solidFill>
                   <a:schemeClr val="bg1"/>
                 </a:solidFill>
@@ -6533,15 +7237,15 @@
               <a:t> </a:t>
             </a:r>
             <a:r>
-              <a:rPr lang="en-GB" sz="2400" dirty="0" err="1">
-                <a:solidFill>
-                  <a:schemeClr val="bg1"/>
-                </a:solidFill>
-              </a:rPr>
-              <a:t>répondre</a:t>
-            </a:r>
-            <a:r>
-              <a:rPr lang="en-GB" sz="2400" dirty="0">
+              <a:rPr lang="fr-FR" sz="2400" dirty="0" smtClean="0">
+                <a:solidFill>
+                  <a:schemeClr val="bg1"/>
+                </a:solidFill>
+              </a:rPr>
+              <a:t>à</a:t>
+            </a:r>
+            <a:r>
+              <a:rPr lang="en-GB" sz="2400" dirty="0" smtClean="0">
                 <a:solidFill>
                   <a:schemeClr val="bg1"/>
                 </a:solidFill>
@@ -6549,15 +7253,63 @@
               <a:t> </a:t>
             </a:r>
             <a:r>
-              <a:rPr lang="fr-FR" sz="2400" dirty="0">
-                <a:solidFill>
-                  <a:schemeClr val="bg1"/>
-                </a:solidFill>
-              </a:rPr>
-              <a:t>à</a:t>
-            </a:r>
-            <a:r>
-              <a:rPr lang="en-GB" sz="2400" dirty="0">
+              <a:rPr lang="en-GB" sz="2400" dirty="0" err="1" smtClean="0">
+                <a:solidFill>
+                  <a:schemeClr val="bg1"/>
+                </a:solidFill>
+              </a:rPr>
+              <a:t>ces</a:t>
+            </a:r>
+            <a:r>
+              <a:rPr lang="en-GB" sz="2400" dirty="0" smtClean="0">
+                <a:solidFill>
+                  <a:schemeClr val="bg1"/>
+                </a:solidFill>
+              </a:rPr>
+              <a:t> question par rapport au </a:t>
+            </a:r>
+            <a:r>
+              <a:rPr lang="en-GB" sz="2400" dirty="0" err="1" smtClean="0">
+                <a:solidFill>
+                  <a:schemeClr val="bg1"/>
+                </a:solidFill>
+              </a:rPr>
+              <a:t>affichage</a:t>
+            </a:r>
+            <a:r>
+              <a:rPr lang="en-GB" sz="2400" dirty="0" smtClean="0">
+                <a:solidFill>
+                  <a:schemeClr val="bg1"/>
+                </a:solidFill>
+              </a:rPr>
+              <a:t> des emplacements des </a:t>
+            </a:r>
+            <a:r>
+              <a:rPr lang="en-GB" sz="2400" dirty="0" err="1" smtClean="0">
+                <a:solidFill>
+                  <a:schemeClr val="bg1"/>
+                </a:solidFill>
+              </a:rPr>
+              <a:t>paires</a:t>
+            </a:r>
+            <a:r>
+              <a:rPr lang="en-GB" sz="2400" dirty="0" smtClean="0">
+                <a:solidFill>
+                  <a:schemeClr val="bg1"/>
+                </a:solidFill>
+              </a:rPr>
+              <a:t> que </a:t>
+            </a:r>
+            <a:r>
+              <a:rPr lang="en-GB" sz="2400" dirty="0" err="1" smtClean="0">
+                <a:solidFill>
+                  <a:schemeClr val="bg1"/>
+                </a:solidFill>
+              </a:rPr>
+              <a:t>vous</a:t>
+            </a:r>
+            <a:r>
+              <a:rPr lang="en-GB" sz="2400" dirty="0" smtClean="0">
                 <a:solidFill>
                   <a:schemeClr val="bg1"/>
                 </a:solidFill>
@@ -6565,63 +7317,31 @@
               <a:t> </a:t>
             </a:r>
             <a:r>
-              <a:rPr lang="en-GB" sz="2400" dirty="0" err="1">
-                <a:solidFill>
-                  <a:schemeClr val="bg1"/>
-                </a:solidFill>
-              </a:rPr>
-              <a:t>ces</a:t>
-            </a:r>
-            <a:r>
-              <a:rPr lang="en-GB" sz="2400" dirty="0">
-                <a:solidFill>
-                  <a:schemeClr val="bg1"/>
-                </a:solidFill>
-              </a:rPr>
-              <a:t> question par rapport au </a:t>
-            </a:r>
-            <a:r>
-              <a:rPr lang="en-GB" sz="2400" dirty="0" err="1">
-                <a:solidFill>
-                  <a:schemeClr val="bg1"/>
-                </a:solidFill>
-              </a:rPr>
-              <a:t>affichage</a:t>
-            </a:r>
-            <a:r>
-              <a:rPr lang="en-GB" sz="2400" dirty="0">
-                <a:solidFill>
-                  <a:schemeClr val="bg1"/>
-                </a:solidFill>
-              </a:rPr>
-              <a:t> des emplacements des </a:t>
-            </a:r>
-            <a:r>
-              <a:rPr lang="en-GB" sz="2400" dirty="0" err="1">
-                <a:solidFill>
-                  <a:schemeClr val="bg1"/>
-                </a:solidFill>
-              </a:rPr>
-              <a:t>paires</a:t>
-            </a:r>
-            <a:r>
-              <a:rPr lang="en-GB" sz="2400" dirty="0">
-                <a:solidFill>
-                  <a:schemeClr val="bg1"/>
-                </a:solidFill>
-              </a:rPr>
-              <a:t> que </a:t>
-            </a:r>
-            <a:r>
-              <a:rPr lang="en-GB" sz="2400" dirty="0" err="1">
-                <a:solidFill>
-                  <a:schemeClr val="bg1"/>
-                </a:solidFill>
-              </a:rPr>
-              <a:t>vous</a:t>
-            </a:r>
-            <a:r>
-              <a:rPr lang="en-GB" sz="2400" dirty="0">
+              <a:rPr lang="en-GB" sz="2400" dirty="0" err="1" smtClean="0">
+                <a:solidFill>
+                  <a:schemeClr val="bg1"/>
+                </a:solidFill>
+              </a:rPr>
+              <a:t>venez</a:t>
+            </a:r>
+            <a:r>
+              <a:rPr lang="en-GB" sz="2400" dirty="0" smtClean="0">
+                <a:solidFill>
+                  <a:schemeClr val="bg1"/>
+                </a:solidFill>
+              </a:rPr>
+              <a:t> de </a:t>
+            </a:r>
+            <a:r>
+              <a:rPr lang="en-GB" sz="2400" dirty="0" err="1" smtClean="0">
+                <a:solidFill>
+                  <a:schemeClr val="bg1"/>
+                </a:solidFill>
+              </a:rPr>
+              <a:t>voir</a:t>
+            </a:r>
+            <a:r>
+              <a:rPr lang="en-GB" sz="2400" dirty="0" smtClean="0">
                 <a:solidFill>
                   <a:schemeClr val="bg1"/>
                 </a:solidFill>
@@ -6629,31 +7349,31 @@
               <a:t> </a:t>
             </a:r>
             <a:r>
-              <a:rPr lang="en-GB" sz="2400" dirty="0" err="1">
-                <a:solidFill>
-                  <a:schemeClr val="bg1"/>
-                </a:solidFill>
-              </a:rPr>
-              <a:t>venez</a:t>
-            </a:r>
-            <a:r>
-              <a:rPr lang="en-GB" sz="2400" dirty="0">
-                <a:solidFill>
-                  <a:schemeClr val="bg1"/>
-                </a:solidFill>
-              </a:rPr>
-              <a:t> de </a:t>
-            </a:r>
-            <a:r>
-              <a:rPr lang="en-GB" sz="2400" dirty="0" err="1">
-                <a:solidFill>
-                  <a:schemeClr val="bg1"/>
-                </a:solidFill>
-              </a:rPr>
-              <a:t>voir</a:t>
-            </a:r>
-            <a:r>
-              <a:rPr lang="en-GB" sz="2400" dirty="0">
+              <a:rPr lang="en-GB" sz="2400" dirty="0" err="1" smtClean="0">
+                <a:solidFill>
+                  <a:schemeClr val="bg1"/>
+                </a:solidFill>
+              </a:rPr>
+              <a:t>dans</a:t>
+            </a:r>
+            <a:r>
+              <a:rPr lang="en-GB" sz="2400" dirty="0" smtClean="0">
+                <a:solidFill>
+                  <a:schemeClr val="bg1"/>
+                </a:solidFill>
+              </a:rPr>
+              <a:t> la </a:t>
+            </a:r>
+            <a:r>
+              <a:rPr lang="en-GB" sz="2400" dirty="0" err="1" smtClean="0">
+                <a:solidFill>
+                  <a:schemeClr val="bg1"/>
+                </a:solidFill>
+              </a:rPr>
+              <a:t>dernier</a:t>
+            </a:r>
+            <a:r>
+              <a:rPr lang="en-GB" sz="2400" dirty="0" smtClean="0">
                 <a:solidFill>
                   <a:schemeClr val="bg1"/>
                 </a:solidFill>
@@ -6661,39 +7381,7 @@
               <a:t> </a:t>
             </a:r>
             <a:r>
-              <a:rPr lang="en-GB" sz="2400" dirty="0" err="1">
-                <a:solidFill>
-                  <a:schemeClr val="bg1"/>
-                </a:solidFill>
-              </a:rPr>
-              <a:t>dans</a:t>
-            </a:r>
-            <a:r>
-              <a:rPr lang="en-GB" sz="2400" dirty="0">
-                <a:solidFill>
-                  <a:schemeClr val="bg1"/>
-                </a:solidFill>
-              </a:rPr>
-              <a:t> la </a:t>
-            </a:r>
-            <a:r>
-              <a:rPr lang="en-GB" sz="2400" dirty="0" err="1">
-                <a:solidFill>
-                  <a:schemeClr val="bg1"/>
-                </a:solidFill>
-              </a:rPr>
-              <a:t>dernier</a:t>
-            </a:r>
-            <a:r>
-              <a:rPr lang="en-GB" sz="2400" dirty="0">
-                <a:solidFill>
-                  <a:schemeClr val="bg1"/>
-                </a:solidFill>
-              </a:rPr>
-              <a:t> </a:t>
-            </a:r>
-            <a:r>
-              <a:rPr lang="en-GB" sz="2400" dirty="0" err="1">
+              <a:rPr lang="en-GB" sz="2400" dirty="0" err="1" smtClean="0">
                 <a:solidFill>
                   <a:schemeClr val="bg1"/>
                 </a:solidFill>
@@ -6731,7 +7419,7 @@
           <a:p>
             <a:pPr algn="ctr"/>
             <a:r>
-              <a:rPr lang="en-GB" dirty="0" err="1">
+              <a:rPr lang="en-GB" dirty="0" err="1" smtClean="0">
                 <a:solidFill>
                   <a:schemeClr val="bg1">
                     <a:lumMod val="65000"/>
@@ -6741,15 +7429,42 @@
               <a:t>Appuyez</a:t>
             </a:r>
             <a:r>
-              <a:rPr lang="en-GB" dirty="0">
+              <a:rPr lang="en-GB" dirty="0" smtClean="0">
                 <a:solidFill>
                   <a:schemeClr val="bg1">
                     <a:lumMod val="65000"/>
                   </a:schemeClr>
                 </a:solidFill>
               </a:rPr>
-              <a:t> sur la fleche de droit pour continuer</a:t>
-            </a:r>
+              <a:t> sur </a:t>
+            </a:r>
+            <a:r>
+              <a:rPr lang="en-GB" dirty="0" smtClean="0">
+                <a:solidFill>
+                  <a:schemeClr val="bg1">
+                    <a:lumMod val="65000"/>
+                  </a:schemeClr>
+                </a:solidFill>
+              </a:rPr>
+              <a:t>la fleche de </a:t>
+            </a:r>
+            <a:r>
+              <a:rPr lang="en-GB" dirty="0" smtClean="0">
+                <a:solidFill>
+                  <a:schemeClr val="bg1">
+                    <a:lumMod val="65000"/>
+                  </a:schemeClr>
+                </a:solidFill>
+              </a:rPr>
+              <a:t>droit pour continuer</a:t>
+            </a:r>
+            <a:endParaRPr lang="en-GB" dirty="0">
+              <a:solidFill>
+                <a:schemeClr val="bg1">
+                  <a:lumMod val="65000"/>
+                </a:schemeClr>
+              </a:solidFill>
+            </a:endParaRPr>
           </a:p>
         </p:txBody>
       </p:sp>
@@ -6763,12 +7478,27 @@
   <p:clrMapOvr>
     <a:masterClrMapping/>
   </p:clrMapOvr>
+  <p:timing>
+    <p:tnLst>
+      <p:par>
+        <p:cTn id="1" dur="indefinite" restart="never" nodeType="tmRoot"/>
+      </p:par>
+    </p:tnLst>
+  </p:timing>
 </p:sld>
 </file>
 
 <file path=ppt/slides/slide19.xml><?xml version="1.0" encoding="utf-8"?>
 <p:sld xmlns:a="http://schemas.openxmlformats.org/drawingml/2006/main" xmlns:r="http://schemas.openxmlformats.org/officeDocument/2006/relationships" xmlns:p="http://schemas.openxmlformats.org/presentationml/2006/main">
   <p:cSld>
+    <p:bg>
+      <p:bgPr>
+        <a:solidFill>
+          <a:schemeClr val="tx1"/>
+        </a:solidFill>
+        <a:effectLst/>
+      </p:bgPr>
+    </p:bg>
     <p:spTree>
       <p:nvGrpSpPr>
         <p:cNvPr id="1" name=""/>
@@ -6817,7 +7547,7 @@
               </a:spcAft>
             </a:pPr>
             <a:r>
-              <a:rPr lang="fr-FR" sz="2400" b="1" dirty="0">
+              <a:rPr lang="fr-FR" sz="2400" b="1" dirty="0" smtClean="0">
                 <a:solidFill>
                   <a:schemeClr val="accent4"/>
                 </a:solidFill>
@@ -6860,7 +7590,7 @@
               </a:spcAft>
             </a:pPr>
             <a:r>
-              <a:rPr lang="en-GB" sz="2400" dirty="0">
+              <a:rPr lang="en-GB" sz="2400" dirty="0" smtClean="0">
                 <a:solidFill>
                   <a:schemeClr val="bg1"/>
                 </a:solidFill>
@@ -6875,7 +7605,7 @@
               </a:spcAft>
             </a:pPr>
             <a:r>
-              <a:rPr lang="fr-FR" sz="2400" b="1" dirty="0">
+              <a:rPr lang="fr-FR" sz="2400" b="1" dirty="0" smtClean="0">
                 <a:solidFill>
                   <a:schemeClr val="bg1"/>
                 </a:solidFill>
@@ -6883,7 +7613,7 @@
               <a:t>« </a:t>
             </a:r>
             <a:r>
-              <a:rPr lang="en-GB" sz="2400" b="1" dirty="0" err="1">
+              <a:rPr lang="en-GB" sz="2400" b="1" dirty="0" err="1" smtClean="0">
                 <a:solidFill>
                   <a:schemeClr val="bg1"/>
                 </a:solidFill>
@@ -6891,7 +7621,7 @@
               <a:t>Combien</a:t>
             </a:r>
             <a:r>
-              <a:rPr lang="en-GB" sz="2400" b="1" dirty="0">
+              <a:rPr lang="en-GB" sz="2400" b="1" dirty="0" smtClean="0">
                 <a:solidFill>
                   <a:schemeClr val="bg1"/>
                 </a:solidFill>
@@ -6899,7 +7629,7 @@
               <a:t> de </a:t>
             </a:r>
             <a:r>
-              <a:rPr lang="en-GB" sz="2400" b="1" dirty="0" err="1">
+              <a:rPr lang="en-GB" sz="2400" b="1" dirty="0" err="1" smtClean="0">
                 <a:solidFill>
                   <a:schemeClr val="bg1"/>
                 </a:solidFill>
@@ -6907,7 +7637,7 @@
               <a:t>paires</a:t>
             </a:r>
             <a:r>
-              <a:rPr lang="en-GB" sz="2400" b="1" dirty="0">
+              <a:rPr lang="en-GB" sz="2400" b="1" dirty="0" smtClean="0">
                 <a:solidFill>
                   <a:schemeClr val="bg1"/>
                 </a:solidFill>
@@ -6915,7 +7645,7 @@
               <a:t> </a:t>
             </a:r>
             <a:r>
-              <a:rPr lang="en-GB" sz="2400" b="1" dirty="0" err="1">
+              <a:rPr lang="en-GB" sz="2400" b="1" dirty="0" err="1" smtClean="0">
                 <a:solidFill>
                   <a:schemeClr val="bg1"/>
                 </a:solidFill>
@@ -6923,7 +7653,7 @@
               <a:t>vous</a:t>
             </a:r>
             <a:r>
-              <a:rPr lang="en-GB" sz="2400" b="1" dirty="0">
+              <a:rPr lang="en-GB" sz="2400" b="1" dirty="0" smtClean="0">
                 <a:solidFill>
                   <a:schemeClr val="bg1"/>
                 </a:solidFill>
@@ -6931,7 +7661,7 @@
               <a:t> </a:t>
             </a:r>
             <a:r>
-              <a:rPr lang="en-GB" sz="2400" b="1" dirty="0" err="1">
+              <a:rPr lang="en-GB" sz="2400" b="1" dirty="0" err="1" smtClean="0">
                 <a:solidFill>
                   <a:schemeClr val="bg1"/>
                 </a:solidFill>
@@ -6939,7 +7669,7 @@
               <a:t>souviendriez-vous</a:t>
             </a:r>
             <a:r>
-              <a:rPr lang="en-GB" sz="2400" b="1" dirty="0">
+              <a:rPr lang="en-GB" sz="2400" b="1" dirty="0" smtClean="0">
                 <a:solidFill>
                   <a:schemeClr val="bg1"/>
                 </a:solidFill>
@@ -6947,7 +7677,7 @@
               <a:t> </a:t>
             </a:r>
             <a:r>
-              <a:rPr lang="en-GB" sz="2400" b="1" dirty="0" err="1">
+              <a:rPr lang="en-GB" sz="2400" b="1" dirty="0" err="1" smtClean="0">
                 <a:solidFill>
                   <a:schemeClr val="bg1"/>
                 </a:solidFill>
@@ -6955,7 +7685,7 @@
               <a:t>si</a:t>
             </a:r>
             <a:r>
-              <a:rPr lang="en-GB" sz="2400" b="1" dirty="0">
+              <a:rPr lang="en-GB" sz="2400" b="1" dirty="0" smtClean="0">
                 <a:solidFill>
                   <a:schemeClr val="bg1"/>
                 </a:solidFill>
@@ -6963,7 +7693,7 @@
               <a:t> nous </a:t>
             </a:r>
             <a:r>
-              <a:rPr lang="en-GB" sz="2400" b="1" dirty="0" err="1">
+              <a:rPr lang="en-GB" sz="2400" b="1" dirty="0" err="1" smtClean="0">
                 <a:solidFill>
                   <a:schemeClr val="bg1"/>
                 </a:solidFill>
@@ -6971,7 +7701,7 @@
               <a:t>vous</a:t>
             </a:r>
             <a:r>
-              <a:rPr lang="en-GB" sz="2400" b="1" dirty="0">
+              <a:rPr lang="en-GB" sz="2400" b="1" dirty="0" smtClean="0">
                 <a:solidFill>
                   <a:schemeClr val="bg1"/>
                 </a:solidFill>
@@ -6979,7 +7709,7 @@
               <a:t> </a:t>
             </a:r>
             <a:r>
-              <a:rPr lang="en-GB" sz="2400" b="1" dirty="0" err="1">
+              <a:rPr lang="en-GB" sz="2400" b="1" dirty="0" err="1" smtClean="0">
                 <a:solidFill>
                   <a:schemeClr val="bg1"/>
                 </a:solidFill>
@@ -6987,7 +7717,7 @@
               <a:t>montrions</a:t>
             </a:r>
             <a:r>
-              <a:rPr lang="en-GB" sz="2400" b="1" dirty="0">
+              <a:rPr lang="en-GB" sz="2400" b="1" dirty="0" smtClean="0">
                 <a:solidFill>
                   <a:schemeClr val="bg1"/>
                 </a:solidFill>
@@ -6995,7 +7725,7 @@
               <a:t> </a:t>
             </a:r>
             <a:r>
-              <a:rPr lang="en-GB" sz="2400" b="1" dirty="0" err="1">
+              <a:rPr lang="en-GB" sz="2400" b="1" dirty="0" err="1" smtClean="0">
                 <a:solidFill>
                   <a:schemeClr val="bg1"/>
                 </a:solidFill>
@@ -7003,7 +7733,7 @@
               <a:t>leurs</a:t>
             </a:r>
             <a:r>
-              <a:rPr lang="en-GB" sz="2400" b="1" dirty="0">
+              <a:rPr lang="en-GB" sz="2400" b="1" dirty="0" smtClean="0">
                 <a:solidFill>
                   <a:schemeClr val="bg1"/>
                 </a:solidFill>
@@ -7011,7 +7741,7 @@
               <a:t> emplacements # </a:t>
             </a:r>
             <a:r>
-              <a:rPr lang="en-GB" sz="2400" b="1" dirty="0" err="1">
+              <a:rPr lang="en-GB" sz="2400" b="1" dirty="0" err="1" smtClean="0">
                 <a:solidFill>
                   <a:schemeClr val="bg1"/>
                 </a:solidFill>
@@ -7019,7 +7749,7 @@
               <a:t>fois</a:t>
             </a:r>
             <a:r>
-              <a:rPr lang="en-GB" sz="2400" b="1" dirty="0">
+              <a:rPr lang="en-GB" sz="2400" b="1" dirty="0" smtClean="0">
                 <a:solidFill>
                   <a:schemeClr val="bg1"/>
                 </a:solidFill>
@@ -7027,7 +7757,7 @@
               <a:t> ?</a:t>
             </a:r>
             <a:r>
-              <a:rPr lang="fr-FR" sz="2400" b="1" dirty="0">
+              <a:rPr lang="fr-FR" sz="2400" b="1" dirty="0" smtClean="0">
                 <a:solidFill>
                   <a:schemeClr val="bg1"/>
                 </a:solidFill>
@@ -7042,7 +7772,7 @@
               </a:spcAft>
             </a:pPr>
             <a:r>
-              <a:rPr lang="en-GB" sz="2400" dirty="0" err="1">
+              <a:rPr lang="en-GB" sz="2400" dirty="0" err="1" smtClean="0">
                 <a:solidFill>
                   <a:schemeClr val="bg1"/>
                 </a:solidFill>
@@ -7050,7 +7780,7 @@
               <a:t>Dans</a:t>
             </a:r>
             <a:r>
-              <a:rPr lang="en-GB" sz="2400" dirty="0">
+              <a:rPr lang="en-GB" sz="2400" dirty="0" smtClean="0">
                 <a:solidFill>
                   <a:schemeClr val="bg1"/>
                 </a:solidFill>
@@ -7058,7 +7788,7 @@
               <a:t> </a:t>
             </a:r>
             <a:r>
-              <a:rPr lang="en-GB" sz="2400" dirty="0" err="1">
+              <a:rPr lang="en-GB" sz="2400" dirty="0" err="1" smtClean="0">
                 <a:solidFill>
                   <a:schemeClr val="bg1"/>
                 </a:solidFill>
@@ -7066,7 +7796,7 @@
               <a:t>chaque</a:t>
             </a:r>
             <a:r>
-              <a:rPr lang="en-GB" sz="2400" dirty="0">
+              <a:rPr lang="en-GB" sz="2400" dirty="0" smtClean="0">
                 <a:solidFill>
                   <a:schemeClr val="bg1"/>
                 </a:solidFill>
@@ -7074,7 +7804,7 @@
               <a:t> </a:t>
             </a:r>
             <a:r>
-              <a:rPr lang="en-GB" sz="2400" dirty="0" err="1">
+              <a:rPr lang="en-GB" sz="2400" dirty="0" err="1" smtClean="0">
                 <a:solidFill>
                   <a:schemeClr val="bg1"/>
                 </a:solidFill>
@@ -7082,7 +7812,7 @@
               <a:t>essai</a:t>
             </a:r>
             <a:r>
-              <a:rPr lang="en-GB" sz="2400" dirty="0">
+              <a:rPr lang="en-GB" sz="2400" dirty="0" smtClean="0">
                 <a:solidFill>
                   <a:schemeClr val="bg1"/>
                 </a:solidFill>
@@ -7090,7 +7820,7 @@
               <a:t>, nous </a:t>
             </a:r>
             <a:r>
-              <a:rPr lang="en-GB" sz="2400" dirty="0" err="1">
+              <a:rPr lang="en-GB" sz="2400" dirty="0" err="1" smtClean="0">
                 <a:solidFill>
                   <a:schemeClr val="bg1"/>
                 </a:solidFill>
@@ -7098,7 +7828,7 @@
               <a:t>vous</a:t>
             </a:r>
             <a:r>
-              <a:rPr lang="en-GB" sz="2400" dirty="0">
+              <a:rPr lang="en-GB" sz="2400" dirty="0" smtClean="0">
                 <a:solidFill>
                   <a:schemeClr val="bg1"/>
                 </a:solidFill>
@@ -7106,7 +7836,7 @@
               <a:t> </a:t>
             </a:r>
             <a:r>
-              <a:rPr lang="en-GB" sz="2400" dirty="0" err="1">
+              <a:rPr lang="en-GB" sz="2400" dirty="0" err="1" smtClean="0">
                 <a:solidFill>
                   <a:schemeClr val="bg1"/>
                 </a:solidFill>
@@ -7114,7 +7844,7 @@
               <a:t>demanderons</a:t>
             </a:r>
             <a:r>
-              <a:rPr lang="en-GB" sz="2400" dirty="0">
+              <a:rPr lang="en-GB" sz="2400" dirty="0" smtClean="0">
                 <a:solidFill>
                   <a:schemeClr val="bg1"/>
                 </a:solidFill>
@@ -7122,7 +7852,7 @@
               <a:t> un </a:t>
             </a:r>
             <a:r>
-              <a:rPr lang="en-GB" sz="2400" dirty="0" err="1">
+              <a:rPr lang="en-GB" sz="2400" dirty="0" err="1" smtClean="0">
                 <a:solidFill>
                   <a:schemeClr val="bg1"/>
                 </a:solidFill>
@@ -7130,7 +7860,7 @@
               <a:t>nombre</a:t>
             </a:r>
             <a:r>
-              <a:rPr lang="en-GB" sz="2400" dirty="0">
+              <a:rPr lang="en-GB" sz="2400" dirty="0" smtClean="0">
                 <a:solidFill>
                   <a:schemeClr val="bg1"/>
                 </a:solidFill>
@@ -7138,7 +7868,7 @@
               <a:t> de </a:t>
             </a:r>
             <a:r>
-              <a:rPr lang="en-GB" sz="2400" dirty="0" err="1">
+              <a:rPr lang="en-GB" sz="2400" dirty="0" err="1" smtClean="0">
                 <a:solidFill>
                   <a:schemeClr val="bg1"/>
                 </a:solidFill>
@@ -7146,7 +7876,7 @@
               <a:t>fois</a:t>
             </a:r>
             <a:r>
-              <a:rPr lang="en-GB" sz="2400" dirty="0">
+              <a:rPr lang="en-GB" sz="2400" dirty="0" smtClean="0">
                 <a:solidFill>
                   <a:schemeClr val="bg1"/>
                 </a:solidFill>
@@ -7154,7 +7884,7 @@
               <a:t> </a:t>
             </a:r>
             <a:r>
-              <a:rPr lang="en-GB" sz="2400" dirty="0" err="1">
+              <a:rPr lang="en-GB" sz="2400" dirty="0" err="1" smtClean="0">
                 <a:solidFill>
                   <a:schemeClr val="bg1"/>
                 </a:solidFill>
@@ -7192,7 +7922,7 @@
           <a:p>
             <a:pPr algn="ctr"/>
             <a:r>
-              <a:rPr lang="en-GB" dirty="0" err="1">
+              <a:rPr lang="en-GB" dirty="0" err="1" smtClean="0">
                 <a:solidFill>
                   <a:schemeClr val="bg1">
                     <a:lumMod val="65000"/>
@@ -7202,15 +7932,42 @@
               <a:t>Appuyez</a:t>
             </a:r>
             <a:r>
-              <a:rPr lang="en-GB" dirty="0">
+              <a:rPr lang="en-GB" dirty="0" smtClean="0">
                 <a:solidFill>
                   <a:schemeClr val="bg1">
                     <a:lumMod val="65000"/>
                   </a:schemeClr>
                 </a:solidFill>
               </a:rPr>
-              <a:t> sur la fleche de droit pour continuer</a:t>
-            </a:r>
+              <a:t> sur </a:t>
+            </a:r>
+            <a:r>
+              <a:rPr lang="en-GB" dirty="0" smtClean="0">
+                <a:solidFill>
+                  <a:schemeClr val="bg1">
+                    <a:lumMod val="65000"/>
+                  </a:schemeClr>
+                </a:solidFill>
+              </a:rPr>
+              <a:t>la fleche de </a:t>
+            </a:r>
+            <a:r>
+              <a:rPr lang="en-GB" dirty="0" smtClean="0">
+                <a:solidFill>
+                  <a:schemeClr val="bg1">
+                    <a:lumMod val="65000"/>
+                  </a:schemeClr>
+                </a:solidFill>
+              </a:rPr>
+              <a:t>droit pour continuer</a:t>
+            </a:r>
+            <a:endParaRPr lang="en-GB" dirty="0">
+              <a:solidFill>
+                <a:schemeClr val="bg1">
+                  <a:lumMod val="65000"/>
+                </a:schemeClr>
+              </a:solidFill>
+            </a:endParaRPr>
           </a:p>
         </p:txBody>
       </p:sp>
@@ -7224,12 +7981,27 @@
   <p:clrMapOvr>
     <a:masterClrMapping/>
   </p:clrMapOvr>
+  <p:timing>
+    <p:tnLst>
+      <p:par>
+        <p:cTn id="1" dur="indefinite" restart="never" nodeType="tmRoot"/>
+      </p:par>
+    </p:tnLst>
+  </p:timing>
 </p:sld>
 </file>
 
 <file path=ppt/slides/slide2.xml><?xml version="1.0" encoding="utf-8"?>
 <p:sld xmlns:a="http://schemas.openxmlformats.org/drawingml/2006/main" xmlns:r="http://schemas.openxmlformats.org/officeDocument/2006/relationships" xmlns:p="http://schemas.openxmlformats.org/presentationml/2006/main">
   <p:cSld>
+    <p:bg>
+      <p:bgPr>
+        <a:solidFill>
+          <a:schemeClr val="tx1"/>
+        </a:solidFill>
+        <a:effectLst/>
+      </p:bgPr>
+    </p:bg>
     <p:spTree>
       <p:nvGrpSpPr>
         <p:cNvPr id="1" name=""/>
@@ -7253,7 +8025,7 @@
         <p:spPr>
           <a:xfrm>
             <a:off x="1874196" y="1536174"/>
-            <a:ext cx="8443609" cy="4154984"/>
+            <a:ext cx="8443609" cy="3785652"/>
           </a:xfrm>
           <a:prstGeom prst="rect">
             <a:avLst/>
@@ -7268,168 +8040,261 @@
           <a:p>
             <a:pPr algn="ctr"/>
             <a:r>
-              <a:rPr lang="en-GB" sz="2400" dirty="0"/>
+              <a:rPr lang="en-GB" sz="2400" dirty="0">
+                <a:solidFill>
+                  <a:schemeClr val="bg1"/>
+                </a:solidFill>
+              </a:rPr>
               <a:t>Au </a:t>
             </a:r>
             <a:r>
-              <a:rPr lang="en-GB" sz="2400" dirty="0" err="1"/>
+              <a:rPr lang="en-GB" sz="2400" dirty="0" err="1">
+                <a:solidFill>
+                  <a:schemeClr val="bg1"/>
+                </a:solidFill>
+              </a:rPr>
               <a:t>cours</a:t>
             </a:r>
             <a:r>
-              <a:rPr lang="en-GB" sz="2400" dirty="0"/>
+              <a:rPr lang="en-GB" sz="2400" dirty="0">
+                <a:solidFill>
+                  <a:schemeClr val="bg1"/>
+                </a:solidFill>
+              </a:rPr>
               <a:t> de </a:t>
             </a:r>
             <a:r>
-              <a:rPr lang="en-GB" sz="2400" dirty="0" err="1"/>
+              <a:rPr lang="en-GB" sz="2400" dirty="0" err="1">
+                <a:solidFill>
+                  <a:schemeClr val="bg1"/>
+                </a:solidFill>
+              </a:rPr>
               <a:t>l’experience</a:t>
             </a:r>
             <a:r>
-              <a:rPr lang="en-GB" sz="2400" dirty="0"/>
+              <a:rPr lang="en-GB" sz="2400" dirty="0">
+                <a:solidFill>
+                  <a:schemeClr val="bg1"/>
+                </a:solidFill>
+              </a:rPr>
               <a:t>, </a:t>
             </a:r>
             <a:r>
-              <a:rPr lang="en-GB" sz="2400" dirty="0" err="1"/>
+              <a:rPr lang="en-GB" sz="2400" dirty="0" err="1">
+                <a:solidFill>
+                  <a:schemeClr val="bg1"/>
+                </a:solidFill>
+              </a:rPr>
               <a:t>vous</a:t>
             </a:r>
             <a:r>
-              <a:rPr lang="en-GB" sz="2400" dirty="0"/>
+              <a:rPr lang="en-GB" sz="2400" dirty="0">
+                <a:solidFill>
+                  <a:schemeClr val="bg1"/>
+                </a:solidFill>
+              </a:rPr>
               <a:t> </a:t>
             </a:r>
             <a:r>
-              <a:rPr lang="en-GB" sz="2400" dirty="0" err="1"/>
+              <a:rPr lang="en-GB" sz="2400" dirty="0" err="1">
+                <a:solidFill>
+                  <a:schemeClr val="bg1"/>
+                </a:solidFill>
+              </a:rPr>
               <a:t>devrez</a:t>
             </a:r>
             <a:r>
-              <a:rPr lang="en-GB" sz="2400" dirty="0"/>
+              <a:rPr lang="en-GB" sz="2400" dirty="0">
+                <a:solidFill>
+                  <a:schemeClr val="bg1"/>
+                </a:solidFill>
+              </a:rPr>
               <a:t> </a:t>
             </a:r>
             <a:r>
-              <a:rPr lang="en-GB" sz="2400" dirty="0" err="1"/>
+              <a:rPr lang="en-GB" sz="2400" dirty="0" err="1">
+                <a:solidFill>
+                  <a:schemeClr val="bg1"/>
+                </a:solidFill>
+              </a:rPr>
               <a:t>vous</a:t>
             </a:r>
             <a:r>
-              <a:rPr lang="en-GB" sz="2400" dirty="0"/>
+              <a:rPr lang="en-GB" sz="2400" dirty="0">
+                <a:solidFill>
+                  <a:schemeClr val="bg1"/>
+                </a:solidFill>
+              </a:rPr>
               <a:t> </a:t>
             </a:r>
             <a:r>
-              <a:rPr lang="en-GB" sz="2400" dirty="0" err="1"/>
+              <a:rPr lang="en-GB" sz="2400" dirty="0" err="1">
+                <a:solidFill>
+                  <a:schemeClr val="bg1"/>
+                </a:solidFill>
+              </a:rPr>
               <a:t>rappelez</a:t>
             </a:r>
             <a:r>
-              <a:rPr lang="en-GB" sz="2400" dirty="0"/>
-              <a:t> les emplacements des </a:t>
-            </a:r>
-            <a:r>
-              <a:rPr lang="en-GB" sz="2400" dirty="0" err="1"/>
+              <a:rPr lang="en-GB" sz="2400" dirty="0">
+                <a:solidFill>
+                  <a:schemeClr val="bg1"/>
+                </a:solidFill>
+              </a:rPr>
+              <a:t> </a:t>
+            </a:r>
+            <a:r>
+              <a:rPr lang="en-GB" sz="2400" dirty="0" smtClean="0">
+                <a:solidFill>
+                  <a:schemeClr val="bg1"/>
+                </a:solidFill>
+              </a:rPr>
+              <a:t>les emplacements </a:t>
+            </a:r>
+            <a:r>
+              <a:rPr lang="en-GB" sz="2400" dirty="0">
+                <a:solidFill>
+                  <a:schemeClr val="bg1"/>
+                </a:solidFill>
+              </a:rPr>
+              <a:t>des </a:t>
+            </a:r>
+            <a:r>
+              <a:rPr lang="en-GB" sz="2400" dirty="0" err="1">
+                <a:solidFill>
+                  <a:schemeClr val="bg1"/>
+                </a:solidFill>
+              </a:rPr>
               <a:t>paires</a:t>
             </a:r>
             <a:r>
-              <a:rPr lang="en-GB" sz="2400" dirty="0"/>
+              <a:rPr lang="en-GB" sz="2400" dirty="0">
+                <a:solidFill>
+                  <a:schemeClr val="bg1"/>
+                </a:solidFill>
+              </a:rPr>
               <a:t> de </a:t>
             </a:r>
             <a:r>
-              <a:rPr lang="en-GB" sz="2400" dirty="0" err="1"/>
+              <a:rPr lang="en-GB" sz="2400" dirty="0" err="1">
+                <a:solidFill>
+                  <a:schemeClr val="bg1"/>
+                </a:solidFill>
+              </a:rPr>
               <a:t>nombres</a:t>
             </a:r>
             <a:r>
-              <a:rPr lang="en-GB" sz="2400" dirty="0"/>
-              <a:t> sur la grille</a:t>
-            </a:r>
+              <a:rPr lang="en-GB" sz="2400" dirty="0">
+                <a:solidFill>
+                  <a:schemeClr val="bg1"/>
+                </a:solidFill>
+              </a:rPr>
+              <a:t> sur la </a:t>
+            </a:r>
+            <a:r>
+              <a:rPr lang="en-GB" sz="2400" dirty="0" smtClean="0">
+                <a:solidFill>
+                  <a:schemeClr val="bg1"/>
+                </a:solidFill>
+              </a:rPr>
+              <a:t>grille</a:t>
+            </a:r>
+            <a:endParaRPr lang="en-GB" sz="2400" dirty="0">
+              <a:solidFill>
+                <a:schemeClr val="bg1"/>
+              </a:solidFill>
+            </a:endParaRPr>
           </a:p>
           <a:p>
             <a:pPr algn="ctr"/>
-            <a:endParaRPr lang="en-GB" sz="2400" dirty="0"/>
+            <a:endParaRPr lang="en-GB" sz="2400" dirty="0" smtClean="0">
+              <a:solidFill>
+                <a:schemeClr val="bg1"/>
+              </a:solidFill>
+            </a:endParaRPr>
           </a:p>
           <a:p>
             <a:pPr algn="ctr"/>
-            <a:r>
-              <a:rPr lang="en-GB" sz="2400" dirty="0" err="1"/>
-              <a:t>Chaque</a:t>
-            </a:r>
-            <a:r>
-              <a:rPr lang="en-GB" sz="2400" dirty="0"/>
-              <a:t> tour de </a:t>
-            </a:r>
-            <a:r>
-              <a:rPr lang="en-GB" sz="2400" dirty="0" err="1"/>
-              <a:t>l’experience</a:t>
-            </a:r>
-            <a:r>
-              <a:rPr lang="en-GB" sz="2400" dirty="0"/>
+            <a:endParaRPr lang="en-GB" sz="2400" dirty="0" smtClean="0">
+              <a:solidFill>
+                <a:schemeClr val="bg1"/>
+              </a:solidFill>
+            </a:endParaRPr>
+          </a:p>
+          <a:p>
+            <a:pPr algn="ctr"/>
+            <a:r>
+              <a:rPr lang="en-GB" sz="2400" dirty="0" err="1" smtClean="0">
+                <a:solidFill>
+                  <a:schemeClr val="bg1"/>
+                </a:solidFill>
+              </a:rPr>
+              <a:t>Vous</a:t>
+            </a:r>
+            <a:r>
+              <a:rPr lang="en-GB" sz="2400" dirty="0" smtClean="0">
+                <a:solidFill>
+                  <a:schemeClr val="bg1"/>
+                </a:solidFill>
+              </a:rPr>
               <a:t> </a:t>
             </a:r>
             <a:r>
-              <a:rPr lang="en-GB" sz="2400" dirty="0" err="1"/>
-              <a:t>est</a:t>
-            </a:r>
-            <a:r>
-              <a:rPr lang="en-GB" sz="2400" dirty="0"/>
-              <a:t> </a:t>
-            </a:r>
-            <a:r>
-              <a:rPr lang="en-GB" sz="2400" dirty="0" err="1"/>
-              <a:t>associé</a:t>
-            </a:r>
-            <a:r>
-              <a:rPr lang="en-GB" sz="2400" dirty="0"/>
-              <a:t> </a:t>
-            </a:r>
-            <a:r>
-              <a:rPr lang="fr-FR" sz="2400" dirty="0"/>
-              <a:t>à</a:t>
-            </a:r>
-            <a:r>
-              <a:rPr lang="en-GB" sz="2400" dirty="0"/>
-              <a:t> un score </a:t>
-            </a:r>
-            <a:r>
-              <a:rPr lang="en-GB" sz="2400" dirty="0" err="1"/>
-              <a:t>cible</a:t>
-            </a:r>
-            <a:endParaRPr lang="en-GB" sz="2400" dirty="0"/>
+              <a:rPr lang="en-GB" sz="2400" dirty="0" err="1" smtClean="0">
+                <a:solidFill>
+                  <a:schemeClr val="bg1"/>
+                </a:solidFill>
+              </a:rPr>
+              <a:t>devrez</a:t>
+            </a:r>
+            <a:r>
+              <a:rPr lang="en-GB" sz="2400" dirty="0" smtClean="0">
+                <a:solidFill>
+                  <a:schemeClr val="bg1"/>
+                </a:solidFill>
+              </a:rPr>
+              <a:t>: </a:t>
+            </a:r>
+            <a:r>
+              <a:rPr lang="en-GB" sz="2400" b="1" dirty="0" smtClean="0">
+                <a:solidFill>
+                  <a:schemeClr val="bg1"/>
+                </a:solidFill>
+              </a:rPr>
+              <a:t>RAPELLEZ-VOUS AUTANT D’EMPLACEMENTS DES PAIRES QUE POSSIBLE</a:t>
+            </a:r>
           </a:p>
           <a:p>
             <a:pPr algn="ctr"/>
-            <a:endParaRPr lang="en-GB" sz="2400" dirty="0"/>
+            <a:endParaRPr lang="en-GB" sz="2400" dirty="0" smtClean="0">
+              <a:solidFill>
+                <a:schemeClr val="bg1"/>
+              </a:solidFill>
+            </a:endParaRPr>
           </a:p>
           <a:p>
             <a:pPr algn="ctr"/>
-            <a:r>
-              <a:rPr lang="en-GB" sz="2400" dirty="0" err="1"/>
-              <a:t>Vous</a:t>
-            </a:r>
-            <a:r>
-              <a:rPr lang="en-GB" sz="2400" dirty="0"/>
-              <a:t> </a:t>
-            </a:r>
-            <a:r>
-              <a:rPr lang="en-GB" sz="2400" dirty="0" err="1"/>
-              <a:t>devrez</a:t>
-            </a:r>
-            <a:r>
-              <a:rPr lang="en-GB" sz="2400" dirty="0"/>
-              <a:t>: </a:t>
-            </a:r>
-            <a:r>
-              <a:rPr lang="en-GB" sz="2400" b="1" dirty="0"/>
-              <a:t>RAPELLEZ-VOUS AUTANT D’EMPLACEMENTS DES PAIRES QUE POSSIBLE</a:t>
-            </a:r>
+            <a:endParaRPr lang="en-GB" sz="2400" dirty="0" smtClean="0">
+              <a:solidFill>
+                <a:schemeClr val="bg1"/>
+              </a:solidFill>
+            </a:endParaRPr>
           </a:p>
           <a:p>
             <a:pPr algn="ctr"/>
-            <a:endParaRPr lang="en-GB" sz="2400" dirty="0"/>
-          </a:p>
-          <a:p>
-            <a:pPr algn="ctr"/>
-            <a:endParaRPr lang="en-GB" sz="2400" dirty="0"/>
-          </a:p>
-          <a:p>
-            <a:pPr algn="ctr"/>
-            <a:r>
-              <a:rPr lang="fr-FR" sz="2400" dirty="0"/>
+            <a:r>
+              <a:rPr lang="fr-FR" sz="2400" dirty="0" smtClean="0">
+                <a:solidFill>
+                  <a:schemeClr val="bg1"/>
+                </a:solidFill>
+              </a:rPr>
               <a:t>Votre performance vous permettra de gagner une somme mise en jeu en plus de la somme de départ</a:t>
             </a:r>
-            <a:endParaRPr lang="en-GB" sz="2400" dirty="0"/>
+            <a:endParaRPr lang="en-GB" sz="2400" dirty="0">
+              <a:solidFill>
+                <a:schemeClr val="bg1"/>
+              </a:solidFill>
+            </a:endParaRPr>
           </a:p>
         </p:txBody>
       </p:sp>
@@ -7456,13 +8321,52 @@
           <a:p>
             <a:pPr algn="ctr"/>
             <a:r>
-              <a:rPr lang="en-GB" dirty="0" err="1"/>
+              <a:rPr lang="en-GB" dirty="0" err="1" smtClean="0">
+                <a:solidFill>
+                  <a:schemeClr val="bg1">
+                    <a:lumMod val="65000"/>
+                  </a:schemeClr>
+                </a:solidFill>
+              </a:rPr>
               <a:t>Appuyez</a:t>
             </a:r>
             <a:r>
-              <a:rPr lang="en-GB" dirty="0"/>
-              <a:t> sur la fleche de droit pour continuer</a:t>
-            </a:r>
+              <a:rPr lang="en-GB" dirty="0" smtClean="0">
+                <a:solidFill>
+                  <a:schemeClr val="bg1">
+                    <a:lumMod val="65000"/>
+                  </a:schemeClr>
+                </a:solidFill>
+              </a:rPr>
+              <a:t> sur </a:t>
+            </a:r>
+            <a:r>
+              <a:rPr lang="en-GB" dirty="0" smtClean="0">
+                <a:solidFill>
+                  <a:schemeClr val="bg1">
+                    <a:lumMod val="65000"/>
+                  </a:schemeClr>
+                </a:solidFill>
+              </a:rPr>
+              <a:t>la fleche de </a:t>
+            </a:r>
+            <a:r>
+              <a:rPr lang="en-GB" dirty="0" smtClean="0">
+                <a:solidFill>
+                  <a:schemeClr val="bg1">
+                    <a:lumMod val="65000"/>
+                  </a:schemeClr>
+                </a:solidFill>
+              </a:rPr>
+              <a:t>droit pour continuer</a:t>
+            </a:r>
+            <a:endParaRPr lang="en-GB" dirty="0">
+              <a:solidFill>
+                <a:schemeClr val="bg1">
+                  <a:lumMod val="65000"/>
+                </a:schemeClr>
+              </a:solidFill>
+            </a:endParaRPr>
           </a:p>
         </p:txBody>
       </p:sp>
@@ -7476,12 +8380,27 @@
   <p:clrMapOvr>
     <a:masterClrMapping/>
   </p:clrMapOvr>
+  <p:timing>
+    <p:tnLst>
+      <p:par>
+        <p:cTn id="1" dur="indefinite" restart="never" nodeType="tmRoot"/>
+      </p:par>
+    </p:tnLst>
+  </p:timing>
 </p:sld>
 </file>
 
 <file path=ppt/slides/slide20.xml><?xml version="1.0" encoding="utf-8"?>
 <p:sld xmlns:a="http://schemas.openxmlformats.org/drawingml/2006/main" xmlns:r="http://schemas.openxmlformats.org/officeDocument/2006/relationships" xmlns:p="http://schemas.openxmlformats.org/presentationml/2006/main">
   <p:cSld>
+    <p:bg>
+      <p:bgPr>
+        <a:solidFill>
+          <a:schemeClr val="tx1"/>
+        </a:solidFill>
+        <a:effectLst/>
+      </p:bgPr>
+    </p:bg>
     <p:spTree>
       <p:nvGrpSpPr>
         <p:cNvPr id="1" name=""/>
@@ -7530,7 +8449,7 @@
               </a:spcAft>
             </a:pPr>
             <a:r>
-              <a:rPr lang="fr-FR" sz="2400" b="1" dirty="0">
+              <a:rPr lang="fr-FR" sz="2400" b="1" dirty="0" smtClean="0">
                 <a:solidFill>
                   <a:schemeClr val="accent4"/>
                 </a:solidFill>
@@ -7573,7 +8492,7 @@
               </a:spcAft>
             </a:pPr>
             <a:r>
-              <a:rPr lang="en-GB" sz="2400" dirty="0">
+              <a:rPr lang="en-GB" sz="2400" dirty="0" smtClean="0">
                 <a:solidFill>
                   <a:schemeClr val="bg1"/>
                 </a:solidFill>
@@ -7581,7 +8500,7 @@
               <a:t>La </a:t>
             </a:r>
             <a:r>
-              <a:rPr lang="en-GB" sz="2400" dirty="0" err="1">
+              <a:rPr lang="en-GB" sz="2400" dirty="0" err="1" smtClean="0">
                 <a:solidFill>
                   <a:schemeClr val="bg1"/>
                 </a:solidFill>
@@ -7589,7 +8508,7 @@
               <a:t>deuxi</a:t>
             </a:r>
             <a:r>
-              <a:rPr lang="fr-FR" sz="2400" dirty="0">
+              <a:rPr lang="fr-FR" sz="2400" dirty="0" smtClean="0">
                 <a:solidFill>
                   <a:schemeClr val="bg1"/>
                 </a:solidFill>
@@ -7597,7 +8516,7 @@
               <a:t>è</a:t>
             </a:r>
             <a:r>
-              <a:rPr lang="en-GB" sz="2400" dirty="0">
+              <a:rPr lang="en-GB" sz="2400" dirty="0" smtClean="0">
                 <a:solidFill>
                   <a:schemeClr val="bg1"/>
                 </a:solidFill>
@@ -7612,7 +8531,7 @@
               </a:spcAft>
             </a:pPr>
             <a:r>
-              <a:rPr lang="fr-FR" sz="2400" b="1" dirty="0">
+              <a:rPr lang="fr-FR" sz="2400" b="1" dirty="0" smtClean="0">
                 <a:solidFill>
                   <a:schemeClr val="bg1"/>
                 </a:solidFill>
@@ -7620,7 +8539,7 @@
               <a:t>« </a:t>
             </a:r>
             <a:r>
-              <a:rPr lang="en-GB" sz="2400" b="1" dirty="0" err="1">
+              <a:rPr lang="en-GB" sz="2400" b="1" dirty="0" err="1" smtClean="0">
                 <a:solidFill>
                   <a:schemeClr val="bg1"/>
                 </a:solidFill>
@@ -7628,127 +8547,135 @@
               <a:t>Combien</a:t>
             </a:r>
             <a:r>
+              <a:rPr lang="en-GB" sz="2400" b="1" dirty="0" smtClean="0">
+                <a:solidFill>
+                  <a:schemeClr val="bg1"/>
+                </a:solidFill>
+              </a:rPr>
+              <a:t> de </a:t>
+            </a:r>
+            <a:r>
+              <a:rPr lang="en-GB" sz="2400" b="1" dirty="0" err="1" smtClean="0">
+                <a:solidFill>
+                  <a:schemeClr val="bg1"/>
+                </a:solidFill>
+              </a:rPr>
+              <a:t>fois</a:t>
+            </a:r>
+            <a:r>
+              <a:rPr lang="en-GB" sz="2400" b="1" dirty="0" smtClean="0">
+                <a:solidFill>
+                  <a:schemeClr val="bg1"/>
+                </a:solidFill>
+              </a:rPr>
+              <a:t> </a:t>
+            </a:r>
+            <a:r>
+              <a:rPr lang="en-GB" sz="2400" b="1" dirty="0" err="1" smtClean="0">
+                <a:solidFill>
+                  <a:schemeClr val="bg1"/>
+                </a:solidFill>
+              </a:rPr>
+              <a:t>auriez-vous</a:t>
+            </a:r>
+            <a:r>
+              <a:rPr lang="en-GB" sz="2400" b="1" dirty="0" smtClean="0">
+                <a:solidFill>
+                  <a:schemeClr val="bg1"/>
+                </a:solidFill>
+              </a:rPr>
+              <a:t> </a:t>
+            </a:r>
+            <a:r>
+              <a:rPr lang="en-GB" sz="2400" b="1" dirty="0" err="1" smtClean="0">
+                <a:solidFill>
+                  <a:schemeClr val="bg1"/>
+                </a:solidFill>
+              </a:rPr>
+              <a:t>besoin</a:t>
+            </a:r>
+            <a:r>
+              <a:rPr lang="en-GB" sz="2400" b="1" dirty="0" smtClean="0">
+                <a:solidFill>
+                  <a:schemeClr val="bg1"/>
+                </a:solidFill>
+              </a:rPr>
+              <a:t> de </a:t>
+            </a:r>
+            <a:r>
+              <a:rPr lang="en-GB" sz="2400" b="1" dirty="0" err="1" smtClean="0">
+                <a:solidFill>
+                  <a:schemeClr val="bg1"/>
+                </a:solidFill>
+              </a:rPr>
+              <a:t>voir</a:t>
+            </a:r>
+            <a:r>
+              <a:rPr lang="en-GB" sz="2400" b="1" dirty="0" smtClean="0">
+                <a:solidFill>
+                  <a:schemeClr val="bg1"/>
+                </a:solidFill>
+              </a:rPr>
+              <a:t> </a:t>
+            </a:r>
+            <a:r>
+              <a:rPr lang="en-GB" sz="2400" b="1" dirty="0" err="1" smtClean="0">
+                <a:solidFill>
+                  <a:schemeClr val="bg1"/>
+                </a:solidFill>
+              </a:rPr>
+              <a:t>leur</a:t>
+            </a:r>
+            <a:r>
+              <a:rPr lang="en-GB" sz="2400" b="1" dirty="0" smtClean="0">
+                <a:solidFill>
+                  <a:schemeClr val="bg1"/>
+                </a:solidFill>
+              </a:rPr>
+              <a:t> emplacements pour se </a:t>
+            </a:r>
+            <a:r>
+              <a:rPr lang="en-GB" sz="2400" b="1" dirty="0" err="1" smtClean="0">
+                <a:solidFill>
+                  <a:schemeClr val="bg1"/>
+                </a:solidFill>
+              </a:rPr>
+              <a:t>rappeler</a:t>
+            </a:r>
+            <a:r>
+              <a:rPr lang="en-GB" sz="2400" b="1" dirty="0" smtClean="0">
+                <a:solidFill>
+                  <a:schemeClr val="bg1"/>
+                </a:solidFill>
+              </a:rPr>
+              <a:t> # </a:t>
+            </a:r>
+            <a:r>
+              <a:rPr lang="en-GB" sz="2400" b="1" dirty="0" err="1" smtClean="0">
+                <a:solidFill>
+                  <a:schemeClr val="bg1"/>
+                </a:solidFill>
+              </a:rPr>
+              <a:t>paires</a:t>
+            </a:r>
+            <a:r>
               <a:rPr lang="en-GB" sz="2400" b="1" dirty="0">
                 <a:solidFill>
                   <a:schemeClr val="bg1"/>
                 </a:solidFill>
               </a:rPr>
-              <a:t> de </a:t>
-            </a:r>
-            <a:r>
-              <a:rPr lang="en-GB" sz="2400" b="1" dirty="0" err="1">
-                <a:solidFill>
-                  <a:schemeClr val="bg1"/>
-                </a:solidFill>
-              </a:rPr>
-              <a:t>fois</a:t>
-            </a:r>
-            <a:r>
-              <a:rPr lang="en-GB" sz="2400" b="1" dirty="0">
-                <a:solidFill>
-                  <a:schemeClr val="bg1"/>
-                </a:solidFill>
-              </a:rPr>
               <a:t> </a:t>
             </a:r>
             <a:r>
-              <a:rPr lang="en-GB" sz="2400" b="1" dirty="0" err="1">
-                <a:solidFill>
-                  <a:schemeClr val="bg1"/>
-                </a:solidFill>
-              </a:rPr>
-              <a:t>auriez-vous</a:t>
-            </a:r>
-            <a:r>
-              <a:rPr lang="en-GB" sz="2400" b="1" dirty="0">
-                <a:solidFill>
-                  <a:schemeClr val="bg1"/>
-                </a:solidFill>
-              </a:rPr>
-              <a:t> </a:t>
-            </a:r>
-            <a:r>
-              <a:rPr lang="en-GB" sz="2400" b="1" dirty="0" err="1">
-                <a:solidFill>
-                  <a:schemeClr val="bg1"/>
-                </a:solidFill>
-              </a:rPr>
-              <a:t>besoin</a:t>
-            </a:r>
-            <a:r>
-              <a:rPr lang="en-GB" sz="2400" b="1" dirty="0">
-                <a:solidFill>
-                  <a:schemeClr val="bg1"/>
-                </a:solidFill>
-              </a:rPr>
-              <a:t> de </a:t>
-            </a:r>
-            <a:r>
-              <a:rPr lang="en-GB" sz="2400" b="1" dirty="0" err="1">
-                <a:solidFill>
-                  <a:schemeClr val="bg1"/>
-                </a:solidFill>
-              </a:rPr>
-              <a:t>voir</a:t>
-            </a:r>
-            <a:r>
-              <a:rPr lang="en-GB" sz="2400" b="1" dirty="0">
-                <a:solidFill>
-                  <a:schemeClr val="bg1"/>
-                </a:solidFill>
-              </a:rPr>
-              <a:t> </a:t>
-            </a:r>
-            <a:r>
-              <a:rPr lang="en-GB" sz="2400" b="1" dirty="0" err="1">
-                <a:solidFill>
-                  <a:schemeClr val="bg1"/>
-                </a:solidFill>
-              </a:rPr>
-              <a:t>leur</a:t>
-            </a:r>
-            <a:r>
-              <a:rPr lang="en-GB" sz="2400" b="1" dirty="0">
-                <a:solidFill>
-                  <a:schemeClr val="bg1"/>
-                </a:solidFill>
-              </a:rPr>
-              <a:t> emplacements pour se </a:t>
-            </a:r>
-            <a:r>
-              <a:rPr lang="en-GB" sz="2400" b="1" dirty="0" err="1">
-                <a:solidFill>
-                  <a:schemeClr val="bg1"/>
-                </a:solidFill>
-              </a:rPr>
-              <a:t>rappeler</a:t>
-            </a:r>
-            <a:r>
-              <a:rPr lang="en-GB" sz="2400" b="1" dirty="0">
-                <a:solidFill>
-                  <a:schemeClr val="bg1"/>
-                </a:solidFill>
-              </a:rPr>
-              <a:t> # </a:t>
-            </a:r>
-            <a:r>
-              <a:rPr lang="en-GB" sz="2400" b="1" dirty="0" err="1">
-                <a:solidFill>
-                  <a:schemeClr val="bg1"/>
-                </a:solidFill>
-              </a:rPr>
-              <a:t>paires</a:t>
-            </a:r>
-            <a:r>
-              <a:rPr lang="en-GB" sz="2400" b="1" dirty="0">
-                <a:solidFill>
-                  <a:schemeClr val="bg1"/>
-                </a:solidFill>
-              </a:rPr>
-              <a:t> ?</a:t>
-            </a:r>
-            <a:r>
-              <a:rPr lang="fr-FR" sz="2400" b="1" dirty="0">
+              <a:rPr lang="en-GB" sz="2400" b="1" dirty="0" smtClean="0">
+                <a:solidFill>
+                  <a:schemeClr val="bg1"/>
+                </a:solidFill>
+              </a:rPr>
+              <a:t>?</a:t>
+            </a:r>
+            <a:r>
+              <a:rPr lang="fr-FR" sz="2400" b="1" dirty="0" smtClean="0">
                 <a:solidFill>
                   <a:schemeClr val="bg1"/>
                 </a:solidFill>
@@ -7763,12 +8690,28 @@
               </a:spcAft>
             </a:pPr>
             <a:r>
+              <a:rPr lang="fr-FR" sz="2400" dirty="0" smtClean="0">
+                <a:solidFill>
+                  <a:schemeClr val="bg1"/>
+                </a:solidFill>
+              </a:rPr>
+              <a:t>Dans </a:t>
+            </a:r>
+            <a:r>
               <a:rPr lang="fr-FR" sz="2400" dirty="0">
                 <a:solidFill>
                   <a:schemeClr val="bg1"/>
                 </a:solidFill>
               </a:rPr>
-              <a:t>Dans chaque essai, nous vous demanderons un nombre de paires qui est un plus élevé que vous avez répondu à la question précédente</a:t>
+              <a:t>chaque essai, nous vous demanderons un nombre de paires qui est un plus élevé que vous avez répondu à la question </a:t>
+            </a:r>
+            <a:r>
+              <a:rPr lang="fr-FR" sz="2400" dirty="0" smtClean="0">
+                <a:solidFill>
+                  <a:schemeClr val="bg1"/>
+                </a:solidFill>
+              </a:rPr>
+              <a:t>précédente</a:t>
             </a:r>
           </a:p>
         </p:txBody>
@@ -7796,7 +8739,7 @@
           <a:p>
             <a:pPr algn="ctr"/>
             <a:r>
-              <a:rPr lang="en-GB" dirty="0" err="1">
+              <a:rPr lang="en-GB" dirty="0" err="1" smtClean="0">
                 <a:solidFill>
                   <a:schemeClr val="bg1">
                     <a:lumMod val="65000"/>
@@ -7806,15 +8749,42 @@
               <a:t>Appuyez</a:t>
             </a:r>
             <a:r>
-              <a:rPr lang="en-GB" dirty="0">
+              <a:rPr lang="en-GB" dirty="0" smtClean="0">
                 <a:solidFill>
                   <a:schemeClr val="bg1">
                     <a:lumMod val="65000"/>
                   </a:schemeClr>
                 </a:solidFill>
               </a:rPr>
-              <a:t> sur la fleche de droit pour continuer</a:t>
-            </a:r>
+              <a:t> sur </a:t>
+            </a:r>
+            <a:r>
+              <a:rPr lang="en-GB" dirty="0" smtClean="0">
+                <a:solidFill>
+                  <a:schemeClr val="bg1">
+                    <a:lumMod val="65000"/>
+                  </a:schemeClr>
+                </a:solidFill>
+              </a:rPr>
+              <a:t>la fleche de </a:t>
+            </a:r>
+            <a:r>
+              <a:rPr lang="en-GB" dirty="0" smtClean="0">
+                <a:solidFill>
+                  <a:schemeClr val="bg1">
+                    <a:lumMod val="65000"/>
+                  </a:schemeClr>
+                </a:solidFill>
+              </a:rPr>
+              <a:t>droit pour continuer</a:t>
+            </a:r>
+            <a:endParaRPr lang="en-GB" dirty="0">
+              <a:solidFill>
+                <a:schemeClr val="bg1">
+                  <a:lumMod val="65000"/>
+                </a:schemeClr>
+              </a:solidFill>
+            </a:endParaRPr>
           </a:p>
         </p:txBody>
       </p:sp>
@@ -7828,12 +8798,27 @@
   <p:clrMapOvr>
     <a:masterClrMapping/>
   </p:clrMapOvr>
+  <p:timing>
+    <p:tnLst>
+      <p:par>
+        <p:cTn id="1" dur="indefinite" restart="never" nodeType="tmRoot"/>
+      </p:par>
+    </p:tnLst>
+  </p:timing>
 </p:sld>
 </file>
 
 <file path=ppt/slides/slide21.xml><?xml version="1.0" encoding="utf-8"?>
 <p:sld xmlns:a="http://schemas.openxmlformats.org/drawingml/2006/main" xmlns:r="http://schemas.openxmlformats.org/officeDocument/2006/relationships" xmlns:p="http://schemas.openxmlformats.org/presentationml/2006/main">
   <p:cSld>
+    <p:bg>
+      <p:bgPr>
+        <a:solidFill>
+          <a:schemeClr val="tx1"/>
+        </a:solidFill>
+        <a:effectLst/>
+      </p:bgPr>
+    </p:bg>
     <p:spTree>
       <p:nvGrpSpPr>
         <p:cNvPr id="1" name=""/>
@@ -7882,13 +8867,18 @@
               </a:spcAft>
             </a:pPr>
             <a:r>
-              <a:rPr lang="en-GB" sz="2400" b="1" dirty="0">
+              <a:rPr lang="en-GB" sz="2400" b="1" dirty="0" smtClean="0">
                 <a:solidFill>
                   <a:schemeClr val="accent4"/>
                 </a:solidFill>
               </a:rPr>
               <a:t>4. LA PHASE DE MEMORISATION</a:t>
             </a:r>
+            <a:endParaRPr lang="en-GB" sz="2400" b="1" dirty="0">
+              <a:solidFill>
+                <a:schemeClr val="accent4"/>
+              </a:solidFill>
+            </a:endParaRPr>
           </a:p>
         </p:txBody>
       </p:sp>
@@ -7920,12 +8910,84 @@
               </a:spcAft>
             </a:pPr>
             <a:r>
+              <a:rPr lang="en-GB" sz="2400" dirty="0" smtClean="0">
+                <a:solidFill>
+                  <a:schemeClr val="bg1"/>
+                </a:solidFill>
+              </a:rPr>
+              <a:t>Durant </a:t>
+            </a:r>
+            <a:r>
+              <a:rPr lang="en-GB" sz="2400" dirty="0" err="1" smtClean="0">
+                <a:solidFill>
+                  <a:schemeClr val="bg1"/>
+                </a:solidFill>
+              </a:rPr>
+              <a:t>cette</a:t>
+            </a:r>
+            <a:r>
+              <a:rPr lang="en-GB" sz="2400" dirty="0" smtClean="0">
+                <a:solidFill>
+                  <a:schemeClr val="bg1"/>
+                </a:solidFill>
+              </a:rPr>
+              <a:t> phase, </a:t>
+            </a:r>
+            <a:r>
+              <a:rPr lang="en-GB" sz="2400" b="1" dirty="0" err="1">
+                <a:solidFill>
+                  <a:schemeClr val="bg1"/>
+                </a:solidFill>
+              </a:rPr>
+              <a:t>vous</a:t>
+            </a:r>
+            <a:r>
+              <a:rPr lang="en-GB" sz="2400" b="1" dirty="0">
+                <a:solidFill>
+                  <a:schemeClr val="bg1"/>
+                </a:solidFill>
+              </a:rPr>
+              <a:t> </a:t>
+            </a:r>
+            <a:r>
+              <a:rPr lang="en-GB" sz="2400" b="1" dirty="0" err="1" smtClean="0">
+                <a:solidFill>
+                  <a:schemeClr val="bg1"/>
+                </a:solidFill>
+              </a:rPr>
+              <a:t>pouvez</a:t>
+            </a:r>
+            <a:r>
+              <a:rPr lang="en-GB" sz="2400" b="1" dirty="0" smtClean="0">
+                <a:solidFill>
+                  <a:schemeClr val="bg1"/>
+                </a:solidFill>
+              </a:rPr>
+              <a:t> </a:t>
+            </a:r>
+            <a:r>
+              <a:rPr lang="en-GB" sz="2400" b="1" dirty="0" err="1">
+                <a:solidFill>
+                  <a:schemeClr val="bg1"/>
+                </a:solidFill>
+              </a:rPr>
+              <a:t>choisir</a:t>
+            </a:r>
+            <a:r>
+              <a:rPr lang="en-GB" sz="2400" b="1" dirty="0">
+                <a:solidFill>
+                  <a:schemeClr val="bg1"/>
+                </a:solidFill>
+              </a:rPr>
+              <a:t> </a:t>
+            </a:r>
+            <a:r>
               <a:rPr lang="en-GB" sz="2400" dirty="0">
                 <a:solidFill>
                   <a:schemeClr val="bg1"/>
                 </a:solidFill>
               </a:rPr>
-              <a:t>Durant </a:t>
+              <a:t>de </a:t>
             </a:r>
             <a:r>
               <a:rPr lang="en-GB" sz="2400" dirty="0" err="1">
@@ -7933,7 +8995,7 @@
                   <a:schemeClr val="bg1"/>
                 </a:solidFill>
               </a:rPr>
-              <a:t>cette</a:t>
+              <a:t>voir</a:t>
             </a:r>
             <a:r>
               <a:rPr lang="en-GB" sz="2400" dirty="0">
@@ -7941,7 +9003,55 @@
                   <a:schemeClr val="bg1"/>
                 </a:solidFill>
               </a:rPr>
-              <a:t> phase, </a:t>
+              <a:t> les emplacements des </a:t>
+            </a:r>
+            <a:r>
+              <a:rPr lang="en-GB" sz="2400" dirty="0" err="1">
+                <a:solidFill>
+                  <a:schemeClr val="bg1"/>
+                </a:solidFill>
+              </a:rPr>
+              <a:t>paires</a:t>
+            </a:r>
+            <a:r>
+              <a:rPr lang="en-GB" sz="2400" dirty="0">
+                <a:solidFill>
+                  <a:schemeClr val="bg1"/>
+                </a:solidFill>
+              </a:rPr>
+              <a:t> </a:t>
+            </a:r>
+            <a:r>
+              <a:rPr lang="en-GB" sz="2400" dirty="0" err="1">
+                <a:solidFill>
+                  <a:schemeClr val="bg1"/>
+                </a:solidFill>
+              </a:rPr>
+              <a:t>autant</a:t>
+            </a:r>
+            <a:r>
+              <a:rPr lang="en-GB" sz="2400" dirty="0">
+                <a:solidFill>
+                  <a:schemeClr val="bg1"/>
+                </a:solidFill>
+              </a:rPr>
+              <a:t> de </a:t>
+            </a:r>
+            <a:r>
+              <a:rPr lang="en-GB" sz="2400" dirty="0" err="1">
+                <a:solidFill>
+                  <a:schemeClr val="bg1"/>
+                </a:solidFill>
+              </a:rPr>
+              <a:t>fois</a:t>
+            </a:r>
+            <a:r>
+              <a:rPr lang="en-GB" sz="2400" dirty="0">
+                <a:solidFill>
+                  <a:schemeClr val="bg1"/>
+                </a:solidFill>
+              </a:rPr>
+              <a:t> que </a:t>
             </a:r>
             <a:r>
               <a:rPr lang="en-GB" sz="2400" b="1" dirty="0" err="1">
@@ -7957,137 +9067,17 @@
                   <a:schemeClr val="bg1"/>
                 </a:solidFill>
               </a:rPr>
-              <a:t> </a:t>
-            </a:r>
-            <a:r>
-              <a:rPr lang="en-GB" sz="2400" b="1" dirty="0" err="1">
-                <a:solidFill>
-                  <a:schemeClr val="bg1"/>
-                </a:solidFill>
-              </a:rPr>
-              <a:t>pouvez</a:t>
-            </a:r>
-            <a:r>
-              <a:rPr lang="en-GB" sz="2400" b="1" dirty="0">
-                <a:solidFill>
-                  <a:schemeClr val="bg1"/>
-                </a:solidFill>
-              </a:rPr>
-              <a:t> </a:t>
-            </a:r>
-            <a:r>
-              <a:rPr lang="en-GB" sz="2400" b="1" dirty="0" err="1">
-                <a:solidFill>
-                  <a:schemeClr val="bg1"/>
-                </a:solidFill>
-              </a:rPr>
-              <a:t>choisir</a:t>
-            </a:r>
-            <a:r>
-              <a:rPr lang="en-GB" sz="2400" b="1" dirty="0">
-                <a:solidFill>
-                  <a:schemeClr val="bg1"/>
-                </a:solidFill>
-              </a:rPr>
-              <a:t> </a:t>
-            </a:r>
-            <a:r>
-              <a:rPr lang="en-GB" sz="2400" dirty="0">
-                <a:solidFill>
-                  <a:schemeClr val="bg1"/>
-                </a:solidFill>
-              </a:rPr>
-              <a:t>de </a:t>
-            </a:r>
-            <a:r>
-              <a:rPr lang="en-GB" sz="2400" dirty="0" err="1">
-                <a:solidFill>
-                  <a:schemeClr val="bg1"/>
-                </a:solidFill>
-              </a:rPr>
-              <a:t>voir</a:t>
-            </a:r>
-            <a:r>
-              <a:rPr lang="en-GB" sz="2400" dirty="0">
-                <a:solidFill>
-                  <a:schemeClr val="bg1"/>
-                </a:solidFill>
-              </a:rPr>
-              <a:t> les emplacements des </a:t>
-            </a:r>
-            <a:r>
-              <a:rPr lang="en-GB" sz="2400" dirty="0" err="1">
-                <a:solidFill>
-                  <a:schemeClr val="bg1"/>
-                </a:solidFill>
-              </a:rPr>
-              <a:t>paires</a:t>
-            </a:r>
-            <a:r>
-              <a:rPr lang="en-GB" sz="2400" dirty="0">
-                <a:solidFill>
-                  <a:schemeClr val="bg1"/>
-                </a:solidFill>
-              </a:rPr>
-              <a:t> </a:t>
-            </a:r>
-            <a:r>
-              <a:rPr lang="en-GB" sz="2400" dirty="0" err="1">
-                <a:solidFill>
-                  <a:schemeClr val="bg1"/>
-                </a:solidFill>
-              </a:rPr>
-              <a:t>autant</a:t>
-            </a:r>
-            <a:r>
-              <a:rPr lang="en-GB" sz="2400" dirty="0">
-                <a:solidFill>
-                  <a:schemeClr val="bg1"/>
-                </a:solidFill>
-              </a:rPr>
-              <a:t> de </a:t>
-            </a:r>
-            <a:r>
-              <a:rPr lang="en-GB" sz="2400" dirty="0" err="1">
-                <a:solidFill>
-                  <a:schemeClr val="bg1"/>
-                </a:solidFill>
-              </a:rPr>
-              <a:t>fois</a:t>
-            </a:r>
-            <a:r>
-              <a:rPr lang="en-GB" sz="2400" dirty="0">
-                <a:solidFill>
-                  <a:schemeClr val="bg1"/>
-                </a:solidFill>
-              </a:rPr>
-              <a:t> que </a:t>
-            </a:r>
-            <a:r>
-              <a:rPr lang="en-GB" sz="2400" b="1" dirty="0" err="1">
-                <a:solidFill>
-                  <a:schemeClr val="bg1"/>
-                </a:solidFill>
-              </a:rPr>
-              <a:t>vous</a:t>
-            </a:r>
-            <a:r>
-              <a:rPr lang="en-GB" sz="2400" b="1" dirty="0">
-                <a:solidFill>
-                  <a:schemeClr val="bg1"/>
-                </a:solidFill>
-              </a:rPr>
               <a:t> le </a:t>
             </a:r>
             <a:r>
-              <a:rPr lang="en-GB" sz="2400" b="1" dirty="0" err="1">
+              <a:rPr lang="en-GB" sz="2400" b="1" dirty="0" err="1" smtClean="0">
                 <a:solidFill>
                   <a:schemeClr val="bg1"/>
                 </a:solidFill>
               </a:rPr>
               <a:t>souhaitez</a:t>
             </a:r>
-            <a:endParaRPr lang="en-GB" sz="2400" b="1" dirty="0">
+            <a:endParaRPr lang="en-GB" sz="2400" b="1" dirty="0" smtClean="0">
               <a:solidFill>
                 <a:schemeClr val="bg1"/>
               </a:solidFill>
@@ -8100,7 +9090,7 @@
               </a:spcAft>
             </a:pPr>
             <a:r>
-              <a:rPr lang="en-GB" sz="2400" dirty="0">
+              <a:rPr lang="en-GB" sz="2400" dirty="0" smtClean="0">
                 <a:solidFill>
                   <a:schemeClr val="bg1"/>
                 </a:solidFill>
@@ -8108,7 +9098,7 @@
               <a:t>Pour </a:t>
             </a:r>
             <a:r>
-              <a:rPr lang="en-GB" sz="2400" dirty="0" err="1">
+              <a:rPr lang="en-GB" sz="2400" dirty="0" err="1" smtClean="0">
                 <a:solidFill>
                   <a:schemeClr val="bg1"/>
                 </a:solidFill>
@@ -8116,7 +9106,7 @@
               <a:t>ce</a:t>
             </a:r>
             <a:r>
-              <a:rPr lang="en-GB" sz="2400" dirty="0">
+              <a:rPr lang="en-GB" sz="2400" dirty="0" smtClean="0">
                 <a:solidFill>
                   <a:schemeClr val="bg1"/>
                 </a:solidFill>
@@ -8124,7 +9114,7 @@
               <a:t> faire, </a:t>
             </a:r>
             <a:r>
-              <a:rPr lang="en-GB" sz="2400" dirty="0" err="1">
+              <a:rPr lang="en-GB" sz="2400" dirty="0" err="1" smtClean="0">
                 <a:solidFill>
                   <a:schemeClr val="bg1"/>
                 </a:solidFill>
@@ -8132,7 +9122,7 @@
               <a:t>simplement</a:t>
             </a:r>
             <a:r>
-              <a:rPr lang="en-GB" sz="2400" dirty="0">
+              <a:rPr lang="en-GB" sz="2400" dirty="0" smtClean="0">
                 <a:solidFill>
                   <a:schemeClr val="bg1"/>
                 </a:solidFill>
@@ -8140,7 +9130,7 @@
               <a:t> </a:t>
             </a:r>
             <a:r>
-              <a:rPr lang="en-GB" sz="2400" dirty="0" err="1">
+              <a:rPr lang="en-GB" sz="2400" dirty="0" err="1" smtClean="0">
                 <a:solidFill>
                   <a:schemeClr val="bg1"/>
                 </a:solidFill>
@@ -8148,7 +9138,7 @@
               <a:t>appuyez</a:t>
             </a:r>
             <a:r>
-              <a:rPr lang="en-GB" sz="2400" dirty="0">
+              <a:rPr lang="en-GB" sz="2400" dirty="0" smtClean="0">
                 <a:solidFill>
                   <a:schemeClr val="bg1"/>
                 </a:solidFill>
@@ -8156,7 +9146,7 @@
               <a:t> sur </a:t>
             </a:r>
             <a:r>
-              <a:rPr lang="fr-FR" sz="2400" b="1" dirty="0">
+              <a:rPr lang="fr-FR" sz="2400" b="1" dirty="0" smtClean="0">
                 <a:solidFill>
                   <a:schemeClr val="bg1"/>
                 </a:solidFill>
@@ -8164,7 +9154,7 @@
               <a:t>« </a:t>
             </a:r>
             <a:r>
-              <a:rPr lang="en-GB" sz="2400" b="1" dirty="0">
+              <a:rPr lang="en-GB" sz="2400" b="1" dirty="0" smtClean="0">
                 <a:solidFill>
                   <a:schemeClr val="bg1"/>
                 </a:solidFill>
@@ -8172,7 +9162,7 @@
               <a:t>la barre </a:t>
             </a:r>
             <a:r>
-              <a:rPr lang="en-GB" sz="2400" b="1" dirty="0" err="1">
+              <a:rPr lang="en-GB" sz="2400" b="1" dirty="0" err="1" smtClean="0">
                 <a:solidFill>
                   <a:schemeClr val="bg1"/>
                 </a:solidFill>
@@ -8180,7 +9170,7 @@
               <a:t>d’espace</a:t>
             </a:r>
             <a:r>
-              <a:rPr lang="fr-FR" sz="2400" b="1" dirty="0">
+              <a:rPr lang="fr-FR" sz="2400" b="1" dirty="0" smtClean="0">
                 <a:solidFill>
                   <a:schemeClr val="bg1"/>
                 </a:solidFill>
@@ -8188,14 +9178,30 @@
               <a:t> » </a:t>
             </a:r>
             <a:r>
+              <a:rPr lang="fr-FR" sz="2400" dirty="0" smtClean="0">
+                <a:solidFill>
+                  <a:schemeClr val="bg1"/>
+                </a:solidFill>
+              </a:rPr>
+              <a:t>lorsque vous </a:t>
+            </a:r>
+            <a:r>
               <a:rPr lang="fr-FR" sz="2400" dirty="0">
                 <a:solidFill>
                   <a:schemeClr val="bg1"/>
                 </a:solidFill>
               </a:rPr>
-              <a:t>lorsque vous y êtes invité</a:t>
-            </a:r>
-            <a:endParaRPr lang="en-GB" sz="2400" dirty="0">
+              <a:t>y </a:t>
+            </a:r>
+            <a:r>
+              <a:rPr lang="fr-FR" sz="2400" dirty="0" smtClean="0">
+                <a:solidFill>
+                  <a:schemeClr val="bg1"/>
+                </a:solidFill>
+              </a:rPr>
+              <a:t>êtes invité</a:t>
+            </a:r>
+            <a:endParaRPr lang="en-GB" sz="2400" dirty="0" smtClean="0">
               <a:solidFill>
                 <a:schemeClr val="bg1"/>
               </a:solidFill>
@@ -8303,7 +9309,7 @@
           <a:p>
             <a:pPr algn="ctr"/>
             <a:r>
-              <a:rPr lang="en-GB" dirty="0" err="1">
+              <a:rPr lang="en-GB" dirty="0" err="1" smtClean="0">
                 <a:solidFill>
                   <a:schemeClr val="bg1">
                     <a:lumMod val="65000"/>
@@ -8313,15 +9319,42 @@
               <a:t>Appuyez</a:t>
             </a:r>
             <a:r>
-              <a:rPr lang="en-GB" dirty="0">
+              <a:rPr lang="en-GB" dirty="0" smtClean="0">
                 <a:solidFill>
                   <a:schemeClr val="bg1">
                     <a:lumMod val="65000"/>
                   </a:schemeClr>
                 </a:solidFill>
               </a:rPr>
-              <a:t> sur la fleche de droit pour continuer</a:t>
-            </a:r>
+              <a:t> sur </a:t>
+            </a:r>
+            <a:r>
+              <a:rPr lang="en-GB" dirty="0" smtClean="0">
+                <a:solidFill>
+                  <a:schemeClr val="bg1">
+                    <a:lumMod val="65000"/>
+                  </a:schemeClr>
+                </a:solidFill>
+              </a:rPr>
+              <a:t>la fleche de </a:t>
+            </a:r>
+            <a:r>
+              <a:rPr lang="en-GB" dirty="0" smtClean="0">
+                <a:solidFill>
+                  <a:schemeClr val="bg1">
+                    <a:lumMod val="65000"/>
+                  </a:schemeClr>
+                </a:solidFill>
+              </a:rPr>
+              <a:t>droit pour continuer</a:t>
+            </a:r>
+            <a:endParaRPr lang="en-GB" dirty="0">
+              <a:solidFill>
+                <a:schemeClr val="bg1">
+                  <a:lumMod val="65000"/>
+                </a:schemeClr>
+              </a:solidFill>
+            </a:endParaRPr>
           </a:p>
         </p:txBody>
       </p:sp>
@@ -8335,12 +9368,27 @@
   <p:clrMapOvr>
     <a:masterClrMapping/>
   </p:clrMapOvr>
+  <p:timing>
+    <p:tnLst>
+      <p:par>
+        <p:cTn id="1" dur="indefinite" restart="never" nodeType="tmRoot"/>
+      </p:par>
+    </p:tnLst>
+  </p:timing>
 </p:sld>
 </file>
 
 <file path=ppt/slides/slide22.xml><?xml version="1.0" encoding="utf-8"?>
 <p:sld xmlns:a="http://schemas.openxmlformats.org/drawingml/2006/main" xmlns:r="http://schemas.openxmlformats.org/officeDocument/2006/relationships" xmlns:p="http://schemas.openxmlformats.org/presentationml/2006/main">
   <p:cSld>
+    <p:bg>
+      <p:bgPr>
+        <a:solidFill>
+          <a:schemeClr val="tx1"/>
+        </a:solidFill>
+        <a:effectLst/>
+      </p:bgPr>
+    </p:bg>
     <p:spTree>
       <p:nvGrpSpPr>
         <p:cNvPr id="1" name=""/>
@@ -8389,13 +9437,18 @@
               </a:spcAft>
             </a:pPr>
             <a:r>
-              <a:rPr lang="en-GB" sz="2400" b="1" dirty="0">
+              <a:rPr lang="en-GB" sz="2400" b="1" dirty="0" smtClean="0">
                 <a:solidFill>
                   <a:schemeClr val="accent4"/>
                 </a:solidFill>
               </a:rPr>
               <a:t>PRINCIPE DE L’EXPERIENCE</a:t>
             </a:r>
+            <a:endParaRPr lang="en-GB" sz="2400" b="1" dirty="0">
+              <a:solidFill>
+                <a:schemeClr val="accent4"/>
+              </a:solidFill>
+            </a:endParaRPr>
           </a:p>
         </p:txBody>
       </p:sp>
@@ -8475,7 +9528,7 @@
               </a:spcAft>
             </a:pPr>
             <a:r>
-              <a:rPr lang="en-GB" sz="2400" b="1" dirty="0">
+              <a:rPr lang="en-GB" sz="2400" b="1" dirty="0" smtClean="0">
                 <a:solidFill>
                   <a:schemeClr val="bg1"/>
                 </a:solidFill>
@@ -8490,7 +9543,7 @@
               </a:spcAft>
             </a:pPr>
             <a:r>
-              <a:rPr lang="en-GB" sz="2400" dirty="0" err="1">
+              <a:rPr lang="en-GB" sz="2400" dirty="0" err="1" smtClean="0">
                 <a:solidFill>
                   <a:schemeClr val="bg1"/>
                 </a:solidFill>
@@ -8498,7 +9551,7 @@
               <a:t>Vous</a:t>
             </a:r>
             <a:r>
-              <a:rPr lang="en-GB" sz="2400" dirty="0">
+              <a:rPr lang="en-GB" sz="2400" dirty="0" smtClean="0">
                 <a:solidFill>
                   <a:schemeClr val="bg1"/>
                 </a:solidFill>
@@ -8506,7 +9559,7 @@
               <a:t> </a:t>
             </a:r>
             <a:r>
-              <a:rPr lang="en-GB" sz="2400" dirty="0" err="1">
+              <a:rPr lang="en-GB" sz="2400" dirty="0" err="1" smtClean="0">
                 <a:solidFill>
                   <a:schemeClr val="bg1"/>
                 </a:solidFill>
@@ -8514,7 +9567,7 @@
               <a:t>aurez</a:t>
             </a:r>
             <a:r>
-              <a:rPr lang="en-GB" sz="2400" dirty="0">
+              <a:rPr lang="en-GB" sz="2400" dirty="0" smtClean="0">
                 <a:solidFill>
                   <a:schemeClr val="bg1"/>
                 </a:solidFill>
@@ -8522,7 +9575,7 @@
               <a:t> </a:t>
             </a:r>
             <a:r>
-              <a:rPr lang="en-GB" sz="2400" dirty="0" err="1">
+              <a:rPr lang="en-GB" sz="2400" dirty="0" err="1" smtClean="0">
                 <a:solidFill>
                   <a:schemeClr val="bg1"/>
                 </a:solidFill>
@@ -8530,7 +9583,7 @@
               <a:t>seulement</a:t>
             </a:r>
             <a:r>
-              <a:rPr lang="en-GB" sz="2400" dirty="0">
+              <a:rPr lang="en-GB" sz="2400" dirty="0" smtClean="0">
                 <a:solidFill>
                   <a:schemeClr val="bg1"/>
                 </a:solidFill>
@@ -8538,7 +9591,7 @@
               <a:t> 2 </a:t>
             </a:r>
             <a:r>
-              <a:rPr lang="en-GB" sz="2400" dirty="0" err="1">
+              <a:rPr lang="en-GB" sz="2400" dirty="0" err="1" smtClean="0">
                 <a:solidFill>
                   <a:schemeClr val="bg1"/>
                 </a:solidFill>
@@ -8546,7 +9599,7 @@
               <a:t>secondes</a:t>
             </a:r>
             <a:r>
-              <a:rPr lang="en-GB" sz="2400" dirty="0">
+              <a:rPr lang="en-GB" sz="2400" dirty="0" smtClean="0">
                 <a:solidFill>
                   <a:schemeClr val="bg1"/>
                 </a:solidFill>
@@ -8554,7 +9607,7 @@
               <a:t> pour </a:t>
             </a:r>
             <a:r>
-              <a:rPr lang="en-GB" sz="2400" dirty="0" err="1">
+              <a:rPr lang="en-GB" sz="2400" dirty="0" err="1" smtClean="0">
                 <a:solidFill>
                   <a:schemeClr val="bg1"/>
                 </a:solidFill>
@@ -8562,7 +9615,7 @@
               <a:t>répondre</a:t>
             </a:r>
             <a:r>
-              <a:rPr lang="en-GB" sz="2400" dirty="0">
+              <a:rPr lang="en-GB" sz="2400" dirty="0" smtClean="0">
                 <a:solidFill>
                   <a:schemeClr val="bg1"/>
                 </a:solidFill>
@@ -8570,7 +9623,7 @@
               <a:t> </a:t>
             </a:r>
             <a:r>
-              <a:rPr lang="fr-FR" sz="2400" dirty="0">
+              <a:rPr lang="fr-FR" sz="2400" dirty="0" smtClean="0">
                 <a:solidFill>
                   <a:schemeClr val="bg1"/>
                 </a:solidFill>
@@ -8578,7 +9631,7 @@
               <a:t>à</a:t>
             </a:r>
             <a:r>
-              <a:rPr lang="en-GB" sz="2400" dirty="0">
+              <a:rPr lang="en-GB" sz="2400" dirty="0" smtClean="0">
                 <a:solidFill>
                   <a:schemeClr val="bg1"/>
                 </a:solidFill>
@@ -8586,7 +9639,7 @@
               <a:t> </a:t>
             </a:r>
             <a:r>
-              <a:rPr lang="en-GB" sz="2400" dirty="0" err="1">
+              <a:rPr lang="en-GB" sz="2400" dirty="0" err="1" smtClean="0">
                 <a:solidFill>
                   <a:schemeClr val="bg1"/>
                 </a:solidFill>
@@ -8594,7 +9647,7 @@
               <a:t>chaque</a:t>
             </a:r>
             <a:r>
-              <a:rPr lang="en-GB" sz="2400" dirty="0">
+              <a:rPr lang="en-GB" sz="2400" dirty="0" smtClean="0">
                 <a:solidFill>
                   <a:schemeClr val="bg1"/>
                 </a:solidFill>
@@ -8602,7 +9655,7 @@
               <a:t> </a:t>
             </a:r>
             <a:r>
-              <a:rPr lang="en-GB" sz="2400" dirty="0" err="1">
+              <a:rPr lang="en-GB" sz="2400" dirty="0" err="1" smtClean="0">
                 <a:solidFill>
                   <a:schemeClr val="bg1"/>
                 </a:solidFill>
@@ -8670,7 +9723,7 @@
           <a:p>
             <a:pPr algn="ctr"/>
             <a:r>
-              <a:rPr lang="en-GB" dirty="0" err="1">
+              <a:rPr lang="en-GB" dirty="0" err="1" smtClean="0">
                 <a:solidFill>
                   <a:schemeClr val="bg1">
                     <a:lumMod val="65000"/>
@@ -8680,15 +9733,42 @@
               <a:t>Appuyez</a:t>
             </a:r>
             <a:r>
-              <a:rPr lang="en-GB" dirty="0">
+              <a:rPr lang="en-GB" dirty="0" smtClean="0">
                 <a:solidFill>
                   <a:schemeClr val="bg1">
                     <a:lumMod val="65000"/>
                   </a:schemeClr>
                 </a:solidFill>
               </a:rPr>
-              <a:t> sur la fleche de droit pour continuer</a:t>
-            </a:r>
+              <a:t> sur </a:t>
+            </a:r>
+            <a:r>
+              <a:rPr lang="en-GB" dirty="0" smtClean="0">
+                <a:solidFill>
+                  <a:schemeClr val="bg1">
+                    <a:lumMod val="65000"/>
+                  </a:schemeClr>
+                </a:solidFill>
+              </a:rPr>
+              <a:t>la fleche de </a:t>
+            </a:r>
+            <a:r>
+              <a:rPr lang="en-GB" dirty="0" smtClean="0">
+                <a:solidFill>
+                  <a:schemeClr val="bg1">
+                    <a:lumMod val="65000"/>
+                  </a:schemeClr>
+                </a:solidFill>
+              </a:rPr>
+              <a:t>droit pour continuer</a:t>
+            </a:r>
+            <a:endParaRPr lang="en-GB" dirty="0">
+              <a:solidFill>
+                <a:schemeClr val="bg1">
+                  <a:lumMod val="65000"/>
+                </a:schemeClr>
+              </a:solidFill>
+            </a:endParaRPr>
           </a:p>
         </p:txBody>
       </p:sp>
@@ -8702,12 +9782,27 @@
   <p:clrMapOvr>
     <a:masterClrMapping/>
   </p:clrMapOvr>
+  <p:timing>
+    <p:tnLst>
+      <p:par>
+        <p:cTn id="1" dur="indefinite" restart="never" nodeType="tmRoot"/>
+      </p:par>
+    </p:tnLst>
+  </p:timing>
 </p:sld>
 </file>
 
 <file path=ppt/slides/slide3.xml><?xml version="1.0" encoding="utf-8"?>
 <p:sld xmlns:a="http://schemas.openxmlformats.org/drawingml/2006/main" xmlns:r="http://schemas.openxmlformats.org/officeDocument/2006/relationships" xmlns:p="http://schemas.openxmlformats.org/presentationml/2006/main">
   <p:cSld>
+    <p:bg>
+      <p:bgPr>
+        <a:solidFill>
+          <a:schemeClr val="tx1"/>
+        </a:solidFill>
+        <a:effectLst/>
+      </p:bgPr>
+    </p:bg>
     <p:spTree>
       <p:nvGrpSpPr>
         <p:cNvPr id="1" name=""/>
@@ -8760,13 +9855,18 @@
               </a:spcAft>
             </a:pPr>
             <a:r>
-              <a:rPr lang="en-GB" sz="2400" b="1" dirty="0">
+              <a:rPr lang="en-GB" sz="2400" b="1" dirty="0" smtClean="0">
                 <a:solidFill>
                   <a:schemeClr val="accent4"/>
                 </a:solidFill>
               </a:rPr>
               <a:t>PRINCIPE DE L’EXPERIENCE</a:t>
             </a:r>
+            <a:endParaRPr lang="en-GB" sz="2400" b="1" dirty="0">
+              <a:solidFill>
+                <a:schemeClr val="accent4"/>
+              </a:solidFill>
+            </a:endParaRPr>
           </a:p>
         </p:txBody>
       </p:sp>
@@ -8797,7 +9897,7 @@
               </a:lnSpc>
             </a:pPr>
             <a:r>
-              <a:rPr lang="en-GB" dirty="0">
+              <a:rPr lang="en-GB" dirty="0" smtClean="0">
                 <a:solidFill>
                   <a:schemeClr val="bg1">
                     <a:lumMod val="65000"/>
@@ -8807,7 +9907,7 @@
               <a:t>Les instructions </a:t>
             </a:r>
             <a:r>
-              <a:rPr lang="en-GB" dirty="0" err="1">
+              <a:rPr lang="en-GB" dirty="0" err="1" smtClean="0">
                 <a:solidFill>
                   <a:schemeClr val="bg1">
                     <a:lumMod val="65000"/>
@@ -8817,7 +9917,7 @@
               <a:t>vont</a:t>
             </a:r>
             <a:r>
-              <a:rPr lang="en-GB" dirty="0">
+              <a:rPr lang="en-GB" dirty="0" smtClean="0">
                 <a:solidFill>
                   <a:schemeClr val="bg1">
                     <a:lumMod val="65000"/>
@@ -8827,7 +9927,7 @@
               <a:t> </a:t>
             </a:r>
             <a:r>
-              <a:rPr lang="en-GB" dirty="0" err="1">
+              <a:rPr lang="en-GB" dirty="0" err="1" smtClean="0">
                 <a:solidFill>
                   <a:schemeClr val="bg1">
                     <a:lumMod val="65000"/>
@@ -8837,7 +9937,7 @@
               <a:t>maintenant</a:t>
             </a:r>
             <a:r>
-              <a:rPr lang="en-GB" dirty="0">
+              <a:rPr lang="en-GB" dirty="0" smtClean="0">
                 <a:solidFill>
                   <a:schemeClr val="bg1">
                     <a:lumMod val="65000"/>
@@ -8847,7 +9947,7 @@
               <a:t> </a:t>
             </a:r>
             <a:r>
-              <a:rPr lang="en-GB" dirty="0" err="1">
+              <a:rPr lang="en-GB" dirty="0" err="1" smtClean="0">
                 <a:solidFill>
                   <a:schemeClr val="bg1">
                     <a:lumMod val="65000"/>
@@ -8856,7 +9956,7 @@
               </a:rPr>
               <a:t>s’afficher</a:t>
             </a:r>
-            <a:endParaRPr lang="en-GB" dirty="0">
+            <a:endParaRPr lang="en-GB" dirty="0" smtClean="0">
               <a:solidFill>
                 <a:schemeClr val="bg1">
                   <a:lumMod val="65000"/>
@@ -8871,7 +9971,7 @@
               </a:lnSpc>
             </a:pPr>
             <a:r>
-              <a:rPr lang="en-GB" dirty="0" err="1">
+              <a:rPr lang="en-GB" dirty="0" err="1" smtClean="0">
                 <a:solidFill>
                   <a:schemeClr val="bg1">
                     <a:lumMod val="65000"/>
@@ -8881,7 +9981,7 @@
               <a:t>Veuillez</a:t>
             </a:r>
             <a:r>
-              <a:rPr lang="en-GB" dirty="0">
+              <a:rPr lang="en-GB" dirty="0" smtClean="0">
                 <a:solidFill>
                   <a:schemeClr val="bg1">
                     <a:lumMod val="65000"/>
@@ -8891,7 +9991,7 @@
               <a:t> les </a:t>
             </a:r>
             <a:r>
-              <a:rPr lang="en-GB" dirty="0" err="1">
+              <a:rPr lang="en-GB" dirty="0" err="1" smtClean="0">
                 <a:solidFill>
                   <a:schemeClr val="bg1">
                     <a:lumMod val="65000"/>
@@ -8901,7 +10001,7 @@
               <a:t>lires</a:t>
             </a:r>
             <a:r>
-              <a:rPr lang="en-GB" dirty="0">
+              <a:rPr lang="en-GB" dirty="0" smtClean="0">
                 <a:solidFill>
                   <a:schemeClr val="bg1">
                     <a:lumMod val="65000"/>
@@ -8911,7 +10011,7 @@
               <a:t> </a:t>
             </a:r>
             <a:r>
-              <a:rPr lang="en-GB" dirty="0" err="1">
+              <a:rPr lang="en-GB" dirty="0" err="1" smtClean="0">
                 <a:solidFill>
                   <a:schemeClr val="bg1">
                     <a:lumMod val="65000"/>
@@ -8920,7 +10020,7 @@
               </a:rPr>
               <a:t>attentivement</a:t>
             </a:r>
-            <a:endParaRPr lang="en-GB" dirty="0">
+            <a:endParaRPr lang="en-GB" dirty="0" smtClean="0">
               <a:solidFill>
                 <a:schemeClr val="bg1">
                   <a:lumMod val="65000"/>
@@ -8935,7 +10035,7 @@
               </a:lnSpc>
             </a:pPr>
             <a:r>
-              <a:rPr lang="en-GB" u="sng" dirty="0">
+              <a:rPr lang="en-GB" u="sng" dirty="0" smtClean="0">
                 <a:solidFill>
                   <a:schemeClr val="bg1">
                     <a:lumMod val="65000"/>
@@ -8945,7 +10045,7 @@
               <a:t>A </a:t>
             </a:r>
             <a:r>
-              <a:rPr lang="en-GB" u="sng" dirty="0" err="1">
+              <a:rPr lang="en-GB" u="sng" dirty="0" err="1" smtClean="0">
                 <a:solidFill>
                   <a:schemeClr val="bg1">
                     <a:lumMod val="65000"/>
@@ -8955,7 +10055,7 @@
               <a:t>chaque</a:t>
             </a:r>
             <a:r>
-              <a:rPr lang="en-GB" u="sng" dirty="0">
+              <a:rPr lang="en-GB" u="sng" dirty="0" smtClean="0">
                 <a:solidFill>
                   <a:schemeClr val="bg1">
                     <a:lumMod val="65000"/>
@@ -8965,7 +10065,7 @@
               <a:t> </a:t>
             </a:r>
             <a:r>
-              <a:rPr lang="en-GB" u="sng" dirty="0" err="1">
+              <a:rPr lang="en-GB" u="sng" dirty="0" err="1" smtClean="0">
                 <a:solidFill>
                   <a:schemeClr val="bg1">
                     <a:lumMod val="65000"/>
@@ -8975,7 +10075,7 @@
               <a:t>fois</a:t>
             </a:r>
             <a:r>
-              <a:rPr lang="en-GB" u="sng" dirty="0">
+              <a:rPr lang="en-GB" u="sng" dirty="0" smtClean="0">
                 <a:solidFill>
                   <a:schemeClr val="bg1">
                     <a:lumMod val="65000"/>
@@ -8985,7 +10085,7 @@
               <a:t>, </a:t>
             </a:r>
             <a:r>
-              <a:rPr lang="en-GB" u="sng" dirty="0" err="1">
+              <a:rPr lang="en-GB" u="sng" dirty="0" err="1" smtClean="0">
                 <a:solidFill>
                   <a:schemeClr val="bg1">
                     <a:lumMod val="65000"/>
@@ -8995,7 +10095,7 @@
               <a:t>appuyez</a:t>
             </a:r>
             <a:r>
-              <a:rPr lang="en-GB" u="sng" dirty="0">
+              <a:rPr lang="en-GB" u="sng" dirty="0" smtClean="0">
                 <a:solidFill>
                   <a:schemeClr val="bg1">
                     <a:lumMod val="65000"/>
@@ -9005,7 +10105,7 @@
               <a:t> sur </a:t>
             </a:r>
             <a:r>
-              <a:rPr lang="fr-FR" b="1" u="sng" dirty="0">
+              <a:rPr lang="fr-FR" b="1" u="sng" dirty="0" smtClean="0">
                 <a:solidFill>
                   <a:schemeClr val="bg1">
                     <a:lumMod val="65000"/>
@@ -9015,7 +10115,7 @@
               <a:t>« </a:t>
             </a:r>
             <a:r>
-              <a:rPr lang="en-GB" b="1" u="sng" dirty="0">
+              <a:rPr lang="en-GB" b="1" u="sng" dirty="0" smtClean="0">
                 <a:solidFill>
                   <a:schemeClr val="bg1">
                     <a:lumMod val="65000"/>
@@ -9025,7 +10125,7 @@
               <a:t>la fleche de droit</a:t>
             </a:r>
             <a:r>
-              <a:rPr lang="fr-FR" b="1" u="sng" dirty="0">
+              <a:rPr lang="fr-FR" b="1" u="sng" dirty="0" smtClean="0">
                 <a:solidFill>
                   <a:schemeClr val="bg1">
                     <a:lumMod val="65000"/>
@@ -9035,7 +10135,7 @@
               <a:t> »</a:t>
             </a:r>
             <a:r>
-              <a:rPr lang="en-GB" b="1" u="sng" dirty="0">
+              <a:rPr lang="en-GB" b="1" u="sng" dirty="0" smtClean="0">
                 <a:solidFill>
                   <a:schemeClr val="bg1">
                     <a:lumMod val="65000"/>
@@ -9045,7 +10145,7 @@
               <a:t> </a:t>
             </a:r>
             <a:r>
-              <a:rPr lang="en-GB" u="sng" dirty="0">
+              <a:rPr lang="en-GB" u="sng" dirty="0" smtClean="0">
                 <a:solidFill>
                   <a:schemeClr val="bg1">
                     <a:lumMod val="65000"/>
@@ -9062,7 +10162,7 @@
               </a:lnSpc>
             </a:pPr>
             <a:r>
-              <a:rPr lang="en-GB" u="sng" dirty="0" err="1">
+              <a:rPr lang="en-GB" u="sng" dirty="0" err="1" smtClean="0">
                 <a:solidFill>
                   <a:schemeClr val="bg1">
                     <a:lumMod val="65000"/>
@@ -9072,7 +10172,7 @@
               <a:t>Appuyez</a:t>
             </a:r>
             <a:r>
-              <a:rPr lang="en-GB" u="sng" dirty="0">
+              <a:rPr lang="en-GB" u="sng" dirty="0" smtClean="0">
                 <a:solidFill>
                   <a:schemeClr val="bg1">
                     <a:lumMod val="65000"/>
@@ -9082,7 +10182,7 @@
               <a:t> sur </a:t>
             </a:r>
             <a:r>
-              <a:rPr lang="fr-FR" b="1" u="sng" dirty="0">
+              <a:rPr lang="fr-FR" b="1" u="sng" dirty="0" smtClean="0">
                 <a:solidFill>
                   <a:schemeClr val="bg1">
                     <a:lumMod val="65000"/>
@@ -9092,7 +10192,7 @@
               <a:t>« </a:t>
             </a:r>
             <a:r>
-              <a:rPr lang="en-GB" b="1" u="sng" dirty="0">
+              <a:rPr lang="en-GB" b="1" u="sng" dirty="0" smtClean="0">
                 <a:solidFill>
                   <a:schemeClr val="bg1">
                     <a:lumMod val="65000"/>
@@ -9102,7 +10202,7 @@
               <a:t>la fleche de gauche </a:t>
             </a:r>
             <a:r>
-              <a:rPr lang="fr-FR" b="1" u="sng" dirty="0">
+              <a:rPr lang="fr-FR" b="1" u="sng" dirty="0" smtClean="0">
                 <a:solidFill>
                   <a:schemeClr val="bg1">
                     <a:lumMod val="65000"/>
@@ -9112,7 +10212,7 @@
               <a:t>»</a:t>
             </a:r>
             <a:r>
-              <a:rPr lang="en-GB" b="1" u="sng" dirty="0">
+              <a:rPr lang="en-GB" b="1" u="sng" dirty="0" smtClean="0">
                 <a:solidFill>
                   <a:schemeClr val="bg1">
                     <a:lumMod val="65000"/>
@@ -9122,7 +10222,7 @@
               <a:t> </a:t>
             </a:r>
             <a:r>
-              <a:rPr lang="en-GB" u="sng" dirty="0">
+              <a:rPr lang="en-GB" u="sng" dirty="0" smtClean="0">
                 <a:solidFill>
                   <a:schemeClr val="bg1">
                     <a:lumMod val="65000"/>
@@ -9132,7 +10232,7 @@
               <a:t>pour </a:t>
             </a:r>
             <a:r>
-              <a:rPr lang="en-GB" u="sng" dirty="0" err="1">
+              <a:rPr lang="en-GB" u="sng" dirty="0" err="1" smtClean="0">
                 <a:solidFill>
                   <a:schemeClr val="bg1">
                     <a:lumMod val="65000"/>
@@ -9142,7 +10242,7 @@
               <a:t>revenir</a:t>
             </a:r>
             <a:r>
-              <a:rPr lang="en-GB" u="sng" dirty="0">
+              <a:rPr lang="en-GB" u="sng" dirty="0" smtClean="0">
                 <a:solidFill>
                   <a:schemeClr val="bg1">
                     <a:lumMod val="65000"/>
@@ -9152,7 +10252,7 @@
               <a:t> et lire la </a:t>
             </a:r>
             <a:r>
-              <a:rPr lang="en-GB" u="sng" dirty="0" err="1">
+              <a:rPr lang="en-GB" u="sng" dirty="0" err="1" smtClean="0">
                 <a:solidFill>
                   <a:schemeClr val="bg1">
                     <a:lumMod val="65000"/>
@@ -9161,7 +10261,7 @@
               </a:rPr>
               <a:t>précédente</a:t>
             </a:r>
-            <a:endParaRPr lang="fr-FR" u="sng" dirty="0">
+            <a:endParaRPr lang="fr-FR" u="sng" dirty="0" smtClean="0">
               <a:solidFill>
                 <a:schemeClr val="bg1">
                   <a:lumMod val="65000"/>
@@ -9181,12 +10281,27 @@
   <p:clrMapOvr>
     <a:masterClrMapping/>
   </p:clrMapOvr>
+  <p:timing>
+    <p:tnLst>
+      <p:par>
+        <p:cTn id="1" dur="indefinite" restart="never" nodeType="tmRoot"/>
+      </p:par>
+    </p:tnLst>
+  </p:timing>
 </p:sld>
 </file>
 
 <file path=ppt/slides/slide4.xml><?xml version="1.0" encoding="utf-8"?>
 <p:sld xmlns:a="http://schemas.openxmlformats.org/drawingml/2006/main" xmlns:r="http://schemas.openxmlformats.org/officeDocument/2006/relationships" xmlns:p="http://schemas.openxmlformats.org/presentationml/2006/main">
   <p:cSld>
+    <p:bg>
+      <p:bgPr>
+        <a:solidFill>
+          <a:schemeClr val="tx1"/>
+        </a:solidFill>
+        <a:effectLst/>
+      </p:bgPr>
+    </p:bg>
     <p:spTree>
       <p:nvGrpSpPr>
         <p:cNvPr id="1" name=""/>
@@ -9235,13 +10350,18 @@
               </a:spcAft>
             </a:pPr>
             <a:r>
-              <a:rPr lang="en-GB" sz="2400" b="1" dirty="0">
+              <a:rPr lang="en-GB" sz="2400" b="1" dirty="0" smtClean="0">
                 <a:solidFill>
                   <a:schemeClr val="accent4"/>
                 </a:solidFill>
               </a:rPr>
               <a:t>PRINCIPE DE L’EXPERIENCE</a:t>
             </a:r>
+            <a:endParaRPr lang="en-GB" sz="2400" b="1" dirty="0">
+              <a:solidFill>
+                <a:schemeClr val="accent4"/>
+              </a:solidFill>
+            </a:endParaRPr>
           </a:p>
         </p:txBody>
       </p:sp>
@@ -9273,7 +10393,7 @@
               </a:spcAft>
             </a:pPr>
             <a:r>
-              <a:rPr lang="en-GB" sz="2400" dirty="0">
+              <a:rPr lang="en-GB" sz="2400" dirty="0" smtClean="0">
                 <a:solidFill>
                   <a:schemeClr val="bg1"/>
                 </a:solidFill>
@@ -9281,7 +10401,7 @@
               <a:t>Le but </a:t>
             </a:r>
             <a:r>
-              <a:rPr lang="en-GB" sz="2400" dirty="0" err="1">
+              <a:rPr lang="en-GB" sz="2400" dirty="0" err="1" smtClean="0">
                 <a:solidFill>
                   <a:schemeClr val="bg1"/>
                 </a:solidFill>
@@ -9289,18 +10409,23 @@
               <a:t>est</a:t>
             </a:r>
             <a:r>
-              <a:rPr lang="en-GB" sz="2400" dirty="0">
+              <a:rPr lang="en-GB" sz="2400" dirty="0" smtClean="0">
                 <a:solidFill>
                   <a:schemeClr val="bg1"/>
                 </a:solidFill>
               </a:rPr>
               <a:t>:</a:t>
             </a:r>
+            <a:endParaRPr lang="en-GB" sz="2400" dirty="0">
+              <a:solidFill>
+                <a:schemeClr val="bg1"/>
+              </a:solidFill>
+            </a:endParaRPr>
           </a:p>
           <a:p>
             <a:pPr algn="ctr"/>
             <a:r>
-              <a:rPr lang="en-GB" sz="2400" b="1" dirty="0" err="1">
+              <a:rPr lang="en-GB" sz="2400" b="1" dirty="0" err="1" smtClean="0">
                 <a:solidFill>
                   <a:schemeClr val="bg1"/>
                 </a:solidFill>
@@ -9308,15 +10433,31 @@
               <a:t>Rappelez-vous</a:t>
             </a:r>
             <a:r>
-              <a:rPr lang="en-GB" sz="2400" b="1" dirty="0">
-                <a:solidFill>
-                  <a:schemeClr val="bg1"/>
-                </a:solidFill>
-              </a:rPr>
-              <a:t> les emplacements des </a:t>
-            </a:r>
-            <a:r>
-              <a:rPr lang="en-GB" sz="2400" b="1" dirty="0" err="1">
+              <a:rPr lang="en-GB" sz="2400" b="1" dirty="0" smtClean="0">
+                <a:solidFill>
+                  <a:schemeClr val="bg1"/>
+                </a:solidFill>
+              </a:rPr>
+              <a:t> </a:t>
+            </a:r>
+            <a:r>
+              <a:rPr lang="en-GB" sz="2400" b="1" dirty="0" smtClean="0">
+                <a:solidFill>
+                  <a:schemeClr val="bg1"/>
+                </a:solidFill>
+              </a:rPr>
+              <a:t>les emplacements </a:t>
+            </a:r>
+            <a:r>
+              <a:rPr lang="en-GB" sz="2400" b="1" dirty="0" smtClean="0">
+                <a:solidFill>
+                  <a:schemeClr val="bg1"/>
+                </a:solidFill>
+              </a:rPr>
+              <a:t>des </a:t>
+            </a:r>
+            <a:r>
+              <a:rPr lang="en-GB" sz="2400" b="1" dirty="0" err="1" smtClean="0">
                 <a:solidFill>
                   <a:schemeClr val="bg1"/>
                 </a:solidFill>
@@ -9324,7 +10465,7 @@
               <a:t>paires</a:t>
             </a:r>
             <a:r>
-              <a:rPr lang="en-GB" sz="2400" b="1" dirty="0">
+              <a:rPr lang="en-GB" sz="2400" b="1" dirty="0" smtClean="0">
                 <a:solidFill>
                   <a:schemeClr val="bg1"/>
                 </a:solidFill>
@@ -9332,7 +10473,7 @@
               <a:t> de </a:t>
             </a:r>
             <a:r>
-              <a:rPr lang="en-GB" sz="2400" b="1" dirty="0" err="1">
+              <a:rPr lang="en-GB" sz="2400" b="1" dirty="0" err="1" smtClean="0">
                 <a:solidFill>
                   <a:schemeClr val="bg1"/>
                 </a:solidFill>
@@ -9340,7 +10481,7 @@
               <a:t>nombres</a:t>
             </a:r>
             <a:r>
-              <a:rPr lang="en-GB" sz="2400" b="1" dirty="0">
+              <a:rPr lang="en-GB" sz="2400" b="1" dirty="0" smtClean="0">
                 <a:solidFill>
                   <a:schemeClr val="bg1"/>
                 </a:solidFill>
@@ -9351,7 +10492,7 @@
           <a:p>
             <a:pPr algn="ctr"/>
             <a:r>
-              <a:rPr lang="en-GB" sz="2400" dirty="0">
+              <a:rPr lang="en-GB" sz="2400" dirty="0" smtClean="0">
                 <a:solidFill>
                   <a:schemeClr val="bg1"/>
                 </a:solidFill>
@@ -9359,7 +10500,7 @@
               <a:t>Les </a:t>
             </a:r>
             <a:r>
-              <a:rPr lang="en-GB" sz="2400" dirty="0" err="1">
+              <a:rPr lang="en-GB" sz="2400" dirty="0" err="1" smtClean="0">
                 <a:solidFill>
                   <a:schemeClr val="bg1"/>
                 </a:solidFill>
@@ -9367,7 +10508,7 @@
               <a:t>paires</a:t>
             </a:r>
             <a:r>
-              <a:rPr lang="en-GB" sz="2400" dirty="0">
+              <a:rPr lang="en-GB" sz="2400" dirty="0" smtClean="0">
                 <a:solidFill>
                   <a:schemeClr val="bg1"/>
                 </a:solidFill>
@@ -9375,7 +10516,7 @@
               <a:t> de </a:t>
             </a:r>
             <a:r>
-              <a:rPr lang="en-GB" sz="2400" dirty="0" err="1">
+              <a:rPr lang="en-GB" sz="2400" dirty="0" err="1" smtClean="0">
                 <a:solidFill>
                   <a:schemeClr val="bg1"/>
                 </a:solidFill>
@@ -9383,7 +10524,7 @@
               <a:t>nombres</a:t>
             </a:r>
             <a:r>
-              <a:rPr lang="en-GB" sz="2400" dirty="0">
+              <a:rPr lang="en-GB" sz="2400" dirty="0" smtClean="0">
                 <a:solidFill>
                   <a:schemeClr val="bg1"/>
                 </a:solidFill>
@@ -9391,7 +10532,7 @@
               <a:t> </a:t>
             </a:r>
             <a:r>
-              <a:rPr lang="en-GB" sz="2400" dirty="0" err="1">
+              <a:rPr lang="en-GB" sz="2400" dirty="0" err="1" smtClean="0">
                 <a:solidFill>
                   <a:schemeClr val="bg1"/>
                 </a:solidFill>
@@ -9399,7 +10540,7 @@
               <a:t>apparaîtront</a:t>
             </a:r>
             <a:r>
-              <a:rPr lang="en-GB" sz="2400" dirty="0">
+              <a:rPr lang="en-GB" sz="2400" dirty="0" smtClean="0">
                 <a:solidFill>
                   <a:schemeClr val="bg1"/>
                 </a:solidFill>
@@ -9407,7 +10548,7 @@
               <a:t> </a:t>
             </a:r>
             <a:r>
-              <a:rPr lang="en-GB" sz="2400" dirty="0" err="1">
+              <a:rPr lang="en-GB" sz="2400" dirty="0" err="1" smtClean="0">
                 <a:solidFill>
                   <a:schemeClr val="bg1"/>
                 </a:solidFill>
@@ -9415,7 +10556,7 @@
               <a:t>comme</a:t>
             </a:r>
             <a:r>
-              <a:rPr lang="en-GB" sz="2400" dirty="0">
+              <a:rPr lang="en-GB" sz="2400" dirty="0" smtClean="0">
                 <a:solidFill>
                   <a:schemeClr val="bg1"/>
                 </a:solidFill>
@@ -9423,7 +10564,7 @@
               <a:t> </a:t>
             </a:r>
             <a:r>
-              <a:rPr lang="en-GB" sz="2400" dirty="0" err="1">
+              <a:rPr lang="en-GB" sz="2400" dirty="0" err="1" smtClean="0">
                 <a:solidFill>
                   <a:schemeClr val="bg1"/>
                 </a:solidFill>
@@ -9431,13 +10572,18 @@
               <a:t>dessous</a:t>
             </a:r>
             <a:r>
-              <a:rPr lang="en-GB" sz="2400" dirty="0">
+              <a:rPr lang="en-GB" sz="2400" dirty="0" smtClean="0">
                 <a:solidFill>
                   <a:schemeClr val="bg1"/>
                 </a:solidFill>
               </a:rPr>
               <a:t>:</a:t>
             </a:r>
+            <a:endParaRPr lang="en-GB" sz="2400" dirty="0" smtClean="0">
+              <a:solidFill>
+                <a:schemeClr val="bg1"/>
+              </a:solidFill>
+            </a:endParaRPr>
           </a:p>
         </p:txBody>
       </p:sp>
@@ -9541,7 +10687,7 @@
           <a:p>
             <a:pPr algn="ctr"/>
             <a:r>
-              <a:rPr lang="en-GB" dirty="0" err="1">
+              <a:rPr lang="en-GB" dirty="0" err="1" smtClean="0">
                 <a:solidFill>
                   <a:schemeClr val="bg1">
                     <a:lumMod val="65000"/>
@@ -9551,15 +10697,42 @@
               <a:t>Appuyez</a:t>
             </a:r>
             <a:r>
-              <a:rPr lang="en-GB" dirty="0">
+              <a:rPr lang="en-GB" dirty="0" smtClean="0">
                 <a:solidFill>
                   <a:schemeClr val="bg1">
                     <a:lumMod val="65000"/>
                   </a:schemeClr>
                 </a:solidFill>
               </a:rPr>
-              <a:t> sur la fleche de droit pour continuer</a:t>
-            </a:r>
+              <a:t> sur </a:t>
+            </a:r>
+            <a:r>
+              <a:rPr lang="en-GB" dirty="0" smtClean="0">
+                <a:solidFill>
+                  <a:schemeClr val="bg1">
+                    <a:lumMod val="65000"/>
+                  </a:schemeClr>
+                </a:solidFill>
+              </a:rPr>
+              <a:t>la fleche de </a:t>
+            </a:r>
+            <a:r>
+              <a:rPr lang="en-GB" dirty="0" smtClean="0">
+                <a:solidFill>
+                  <a:schemeClr val="bg1">
+                    <a:lumMod val="65000"/>
+                  </a:schemeClr>
+                </a:solidFill>
+              </a:rPr>
+              <a:t>droit pour continuer</a:t>
+            </a:r>
+            <a:endParaRPr lang="en-GB" dirty="0">
+              <a:solidFill>
+                <a:schemeClr val="bg1">
+                  <a:lumMod val="65000"/>
+                </a:schemeClr>
+              </a:solidFill>
+            </a:endParaRPr>
           </a:p>
         </p:txBody>
       </p:sp>
@@ -9573,12 +10746,27 @@
   <p:clrMapOvr>
     <a:masterClrMapping/>
   </p:clrMapOvr>
+  <p:timing>
+    <p:tnLst>
+      <p:par>
+        <p:cTn id="1" dur="indefinite" restart="never" nodeType="tmRoot"/>
+      </p:par>
+    </p:tnLst>
+  </p:timing>
 </p:sld>
 </file>
 
 <file path=ppt/slides/slide5.xml><?xml version="1.0" encoding="utf-8"?>
 <p:sld xmlns:a="http://schemas.openxmlformats.org/drawingml/2006/main" xmlns:r="http://schemas.openxmlformats.org/officeDocument/2006/relationships" xmlns:p="http://schemas.openxmlformats.org/presentationml/2006/main">
   <p:cSld>
+    <p:bg>
+      <p:bgPr>
+        <a:solidFill>
+          <a:schemeClr val="tx1"/>
+        </a:solidFill>
+        <a:effectLst/>
+      </p:bgPr>
+    </p:bg>
     <p:spTree>
       <p:nvGrpSpPr>
         <p:cNvPr id="1" name=""/>
@@ -9627,13 +10815,18 @@
               </a:spcAft>
             </a:pPr>
             <a:r>
-              <a:rPr lang="en-GB" sz="2400" b="1" dirty="0">
+              <a:rPr lang="en-GB" sz="2400" b="1" dirty="0" smtClean="0">
                 <a:solidFill>
                   <a:schemeClr val="accent4"/>
                 </a:solidFill>
               </a:rPr>
               <a:t>PRINCIPE DE L’EXPERIENCE</a:t>
             </a:r>
+            <a:endParaRPr lang="en-GB" sz="2400" b="1" dirty="0">
+              <a:solidFill>
+                <a:schemeClr val="accent4"/>
+              </a:solidFill>
+            </a:endParaRPr>
           </a:p>
         </p:txBody>
       </p:sp>
@@ -9713,12 +10906,76 @@
               </a:spcAft>
             </a:pPr>
             <a:r>
+              <a:rPr lang="en-GB" sz="2400" dirty="0" smtClean="0">
+                <a:solidFill>
+                  <a:schemeClr val="bg1"/>
+                </a:solidFill>
+              </a:rPr>
+              <a:t>Durant la phase de test, </a:t>
+            </a:r>
+            <a:r>
+              <a:rPr lang="en-GB" sz="2400" dirty="0" err="1" smtClean="0">
+                <a:solidFill>
+                  <a:schemeClr val="bg1"/>
+                </a:solidFill>
+              </a:rPr>
+              <a:t>l’un</a:t>
+            </a:r>
+            <a:r>
+              <a:rPr lang="en-GB" sz="2400" dirty="0" smtClean="0">
+                <a:solidFill>
+                  <a:schemeClr val="bg1"/>
+                </a:solidFill>
+              </a:rPr>
+              <a:t> de </a:t>
+            </a:r>
+            <a:r>
+              <a:rPr lang="en-GB" sz="2400" dirty="0" err="1" smtClean="0">
+                <a:solidFill>
+                  <a:schemeClr val="bg1"/>
+                </a:solidFill>
+              </a:rPr>
+              <a:t>numéro</a:t>
+            </a:r>
+            <a:r>
+              <a:rPr lang="en-GB" sz="2400" dirty="0" smtClean="0">
+                <a:solidFill>
+                  <a:schemeClr val="bg1"/>
+                </a:solidFill>
+              </a:rPr>
+              <a:t> de </a:t>
+            </a:r>
+            <a:r>
+              <a:rPr lang="en-GB" sz="2400" dirty="0" err="1" smtClean="0">
+                <a:solidFill>
+                  <a:schemeClr val="bg1"/>
+                </a:solidFill>
+              </a:rPr>
+              <a:t>chaque</a:t>
+            </a:r>
+            <a:r>
+              <a:rPr lang="en-GB" sz="2400" dirty="0" smtClean="0">
+                <a:solidFill>
+                  <a:schemeClr val="bg1"/>
+                </a:solidFill>
+              </a:rPr>
+              <a:t> </a:t>
+            </a:r>
+            <a:r>
+              <a:rPr lang="en-GB" sz="2400" dirty="0" err="1" smtClean="0">
+                <a:solidFill>
+                  <a:schemeClr val="bg1"/>
+                </a:solidFill>
+              </a:rPr>
+              <a:t>paire</a:t>
+            </a:r>
+            <a:r>
               <a:rPr lang="en-GB" sz="2400" dirty="0">
                 <a:solidFill>
                   <a:schemeClr val="bg1"/>
                 </a:solidFill>
               </a:rPr>
-              <a:t>Durant la phase de test, </a:t>
+              <a:t> </a:t>
             </a:r>
             <a:r>
               <a:rPr lang="en-GB" sz="2400" dirty="0" err="1">
@@ -9726,7 +10983,7 @@
                   <a:schemeClr val="bg1"/>
                 </a:solidFill>
               </a:rPr>
-              <a:t>l’un</a:t>
+              <a:t>apparaîtront</a:t>
             </a:r>
             <a:r>
               <a:rPr lang="en-GB" sz="2400" dirty="0">
@@ -9734,50 +10991,26 @@
                   <a:schemeClr val="bg1"/>
                 </a:solidFill>
               </a:rPr>
-              <a:t> de </a:t>
-            </a:r>
-            <a:r>
-              <a:rPr lang="en-GB" sz="2400" dirty="0" err="1">
-                <a:solidFill>
-                  <a:schemeClr val="bg1"/>
-                </a:solidFill>
-              </a:rPr>
-              <a:t>numéro</a:t>
-            </a:r>
-            <a:r>
-              <a:rPr lang="en-GB" sz="2400" dirty="0">
-                <a:solidFill>
-                  <a:schemeClr val="bg1"/>
-                </a:solidFill>
-              </a:rPr>
-              <a:t> de </a:t>
-            </a:r>
-            <a:r>
-              <a:rPr lang="en-GB" sz="2400" dirty="0" err="1">
-                <a:solidFill>
-                  <a:schemeClr val="bg1"/>
-                </a:solidFill>
-              </a:rPr>
-              <a:t>chaque</a:t>
-            </a:r>
-            <a:r>
-              <a:rPr lang="en-GB" sz="2400" dirty="0">
-                <a:solidFill>
-                  <a:schemeClr val="bg1"/>
-                </a:solidFill>
-              </a:rPr>
               <a:t> </a:t>
             </a:r>
             <a:r>
-              <a:rPr lang="en-GB" sz="2400" dirty="0" err="1">
-                <a:solidFill>
-                  <a:schemeClr val="bg1"/>
-                </a:solidFill>
-              </a:rPr>
-              <a:t>paire</a:t>
-            </a:r>
-            <a:r>
-              <a:rPr lang="en-GB" sz="2400" dirty="0">
+              <a:rPr lang="en-GB" sz="2400" dirty="0" smtClean="0">
+                <a:solidFill>
+                  <a:schemeClr val="bg1"/>
+                </a:solidFill>
+              </a:rPr>
+              <a:t>sur la grille (</a:t>
+            </a:r>
+            <a:r>
+              <a:rPr lang="en-GB" sz="2400" dirty="0" err="1" smtClean="0">
+                <a:solidFill>
+                  <a:schemeClr val="bg1"/>
+                </a:solidFill>
+              </a:rPr>
+              <a:t>comme</a:t>
+            </a:r>
+            <a:r>
+              <a:rPr lang="en-GB" sz="2400" dirty="0" smtClean="0">
                 <a:solidFill>
                   <a:schemeClr val="bg1"/>
                 </a:solidFill>
@@ -9785,39 +11018,7 @@
               <a:t> </a:t>
             </a:r>
             <a:r>
-              <a:rPr lang="en-GB" sz="2400" dirty="0" err="1">
-                <a:solidFill>
-                  <a:schemeClr val="bg1"/>
-                </a:solidFill>
-              </a:rPr>
-              <a:t>apparaîtront</a:t>
-            </a:r>
-            <a:r>
-              <a:rPr lang="en-GB" sz="2400" dirty="0">
-                <a:solidFill>
-                  <a:schemeClr val="bg1"/>
-                </a:solidFill>
-              </a:rPr>
-              <a:t> sur la grille (</a:t>
-            </a:r>
-            <a:r>
-              <a:rPr lang="en-GB" sz="2400" dirty="0" err="1">
-                <a:solidFill>
-                  <a:schemeClr val="bg1"/>
-                </a:solidFill>
-              </a:rPr>
-              <a:t>comme</a:t>
-            </a:r>
-            <a:r>
-              <a:rPr lang="en-GB" sz="2400" dirty="0">
-                <a:solidFill>
-                  <a:schemeClr val="bg1"/>
-                </a:solidFill>
-              </a:rPr>
-              <a:t> </a:t>
-            </a:r>
-            <a:r>
-              <a:rPr lang="en-GB" sz="2400" dirty="0" err="1">
+              <a:rPr lang="en-GB" sz="2400" dirty="0" err="1" smtClean="0">
                 <a:solidFill>
                   <a:schemeClr val="bg1"/>
                 </a:solidFill>
@@ -9825,7 +11026,7 @@
               <a:t>dessous</a:t>
             </a:r>
             <a:r>
-              <a:rPr lang="en-GB" sz="2400" dirty="0">
+              <a:rPr lang="en-GB" sz="2400" dirty="0" smtClean="0">
                 <a:solidFill>
                   <a:schemeClr val="bg1"/>
                 </a:solidFill>
@@ -9840,7 +11041,7 @@
               </a:spcAft>
             </a:pPr>
             <a:r>
-              <a:rPr lang="en-GB" sz="2400" dirty="0" err="1">
+              <a:rPr lang="en-GB" sz="2400" dirty="0" err="1" smtClean="0">
                 <a:solidFill>
                   <a:schemeClr val="bg1"/>
                 </a:solidFill>
@@ -9848,7 +11049,7 @@
               <a:t>Vous</a:t>
             </a:r>
             <a:r>
-              <a:rPr lang="en-GB" sz="2400" dirty="0">
+              <a:rPr lang="en-GB" sz="2400" dirty="0" smtClean="0">
                 <a:solidFill>
                   <a:schemeClr val="bg1"/>
                 </a:solidFill>
@@ -9856,7 +11057,7 @@
               <a:t> </a:t>
             </a:r>
             <a:r>
-              <a:rPr lang="en-GB" sz="2400" dirty="0" err="1">
+              <a:rPr lang="en-GB" sz="2400" dirty="0" err="1" smtClean="0">
                 <a:solidFill>
                   <a:schemeClr val="bg1"/>
                 </a:solidFill>
@@ -9864,7 +11065,7 @@
               <a:t>devrez</a:t>
             </a:r>
             <a:r>
-              <a:rPr lang="en-GB" sz="2400" dirty="0">
+              <a:rPr lang="en-GB" sz="2400" dirty="0" smtClean="0">
                 <a:solidFill>
                   <a:schemeClr val="bg1"/>
                 </a:solidFill>
@@ -9872,7 +11073,7 @@
               <a:t>: </a:t>
             </a:r>
             <a:r>
-              <a:rPr lang="en-GB" sz="2400" b="1" dirty="0" err="1">
+              <a:rPr lang="en-GB" sz="2400" b="1" dirty="0" err="1" smtClean="0">
                 <a:solidFill>
                   <a:schemeClr val="bg1"/>
                 </a:solidFill>
@@ -9880,7 +11081,7 @@
               <a:t>Cliquez</a:t>
             </a:r>
             <a:r>
-              <a:rPr lang="en-GB" sz="2400" b="1" dirty="0">
+              <a:rPr lang="en-GB" sz="2400" b="1" dirty="0" smtClean="0">
                 <a:solidFill>
                   <a:schemeClr val="bg1"/>
                 </a:solidFill>
@@ -9888,7 +11089,7 @@
               <a:t> sur </a:t>
             </a:r>
             <a:r>
-              <a:rPr lang="en-GB" sz="2400" b="1" dirty="0" err="1">
+              <a:rPr lang="en-GB" sz="2400" b="1" dirty="0" err="1" smtClean="0">
                 <a:solidFill>
                   <a:schemeClr val="bg1"/>
                 </a:solidFill>
@@ -9896,7 +11097,7 @@
               <a:t>l’emplacement</a:t>
             </a:r>
             <a:r>
-              <a:rPr lang="en-GB" sz="2400" b="1" dirty="0">
+              <a:rPr lang="en-GB" sz="2400" b="1" dirty="0" smtClean="0">
                 <a:solidFill>
                   <a:schemeClr val="bg1"/>
                 </a:solidFill>
@@ -9904,7 +11105,7 @@
               <a:t> de </a:t>
             </a:r>
             <a:r>
-              <a:rPr lang="en-GB" sz="2400" b="1" dirty="0" err="1">
+              <a:rPr lang="en-GB" sz="2400" b="1" dirty="0" err="1" smtClean="0">
                 <a:solidFill>
                   <a:schemeClr val="bg1"/>
                 </a:solidFill>
@@ -9912,7 +11113,7 @@
               <a:t>l’autre</a:t>
             </a:r>
             <a:r>
-              <a:rPr lang="en-GB" sz="2400" b="1" dirty="0">
+              <a:rPr lang="en-GB" sz="2400" b="1" dirty="0" smtClean="0">
                 <a:solidFill>
                   <a:schemeClr val="bg1"/>
                 </a:solidFill>
@@ -9920,7 +11121,7 @@
               <a:t> </a:t>
             </a:r>
             <a:r>
-              <a:rPr lang="en-GB" sz="2400" b="1" dirty="0" err="1">
+              <a:rPr lang="en-GB" sz="2400" b="1" dirty="0" err="1" smtClean="0">
                 <a:solidFill>
                   <a:schemeClr val="bg1"/>
                 </a:solidFill>
@@ -9928,7 +11129,7 @@
               <a:t>numéro</a:t>
             </a:r>
             <a:r>
-              <a:rPr lang="en-GB" sz="2400" b="1" dirty="0">
+              <a:rPr lang="en-GB" sz="2400" b="1" dirty="0" smtClean="0">
                 <a:solidFill>
                   <a:schemeClr val="bg1"/>
                 </a:solidFill>
@@ -9936,7 +11137,7 @@
               <a:t> de </a:t>
             </a:r>
             <a:r>
-              <a:rPr lang="en-GB" sz="2400" b="1" dirty="0" err="1">
+              <a:rPr lang="en-GB" sz="2400" b="1" dirty="0" err="1" smtClean="0">
                 <a:solidFill>
                   <a:schemeClr val="bg1"/>
                 </a:solidFill>
@@ -9944,7 +11145,7 @@
               <a:t>cette</a:t>
             </a:r>
             <a:r>
-              <a:rPr lang="en-GB" sz="2400" b="1" dirty="0">
+              <a:rPr lang="en-GB" sz="2400" b="1" dirty="0" smtClean="0">
                 <a:solidFill>
                   <a:schemeClr val="bg1"/>
                 </a:solidFill>
@@ -9952,14 +11153,14 @@
               <a:t> </a:t>
             </a:r>
             <a:r>
-              <a:rPr lang="en-GB" sz="2400" b="1" dirty="0" err="1">
+              <a:rPr lang="en-GB" sz="2400" b="1" dirty="0" err="1" smtClean="0">
                 <a:solidFill>
                   <a:schemeClr val="bg1"/>
                 </a:solidFill>
               </a:rPr>
               <a:t>paire</a:t>
             </a:r>
-            <a:endParaRPr lang="en-GB" sz="2400" b="1" dirty="0">
+            <a:endParaRPr lang="en-GB" sz="2400" b="1" dirty="0" smtClean="0">
               <a:solidFill>
                 <a:schemeClr val="bg1"/>
               </a:solidFill>
@@ -10020,7 +11221,7 @@
           <a:p>
             <a:pPr algn="ctr"/>
             <a:r>
-              <a:rPr lang="en-GB" dirty="0" err="1">
+              <a:rPr lang="en-GB" dirty="0" err="1" smtClean="0">
                 <a:solidFill>
                   <a:schemeClr val="bg1">
                     <a:lumMod val="65000"/>
@@ -10030,15 +11231,42 @@
               <a:t>Appuyez</a:t>
             </a:r>
             <a:r>
-              <a:rPr lang="en-GB" dirty="0">
+              <a:rPr lang="en-GB" dirty="0" smtClean="0">
                 <a:solidFill>
                   <a:schemeClr val="bg1">
                     <a:lumMod val="65000"/>
                   </a:schemeClr>
                 </a:solidFill>
               </a:rPr>
-              <a:t> sur la fleche de droit pour continuer</a:t>
-            </a:r>
+              <a:t> sur </a:t>
+            </a:r>
+            <a:r>
+              <a:rPr lang="en-GB" dirty="0" smtClean="0">
+                <a:solidFill>
+                  <a:schemeClr val="bg1">
+                    <a:lumMod val="65000"/>
+                  </a:schemeClr>
+                </a:solidFill>
+              </a:rPr>
+              <a:t>la fleche de </a:t>
+            </a:r>
+            <a:r>
+              <a:rPr lang="en-GB" dirty="0" smtClean="0">
+                <a:solidFill>
+                  <a:schemeClr val="bg1">
+                    <a:lumMod val="65000"/>
+                  </a:schemeClr>
+                </a:solidFill>
+              </a:rPr>
+              <a:t>droit pour continuer</a:t>
+            </a:r>
+            <a:endParaRPr lang="en-GB" dirty="0">
+              <a:solidFill>
+                <a:schemeClr val="bg1">
+                  <a:lumMod val="65000"/>
+                </a:schemeClr>
+              </a:solidFill>
+            </a:endParaRPr>
           </a:p>
         </p:txBody>
       </p:sp>
@@ -10052,12 +11280,27 @@
   <p:clrMapOvr>
     <a:masterClrMapping/>
   </p:clrMapOvr>
+  <p:timing>
+    <p:tnLst>
+      <p:par>
+        <p:cTn id="1" dur="indefinite" restart="never" nodeType="tmRoot"/>
+      </p:par>
+    </p:tnLst>
+  </p:timing>
 </p:sld>
 </file>
 
 <file path=ppt/slides/slide6.xml><?xml version="1.0" encoding="utf-8"?>
 <p:sld xmlns:a="http://schemas.openxmlformats.org/drawingml/2006/main" xmlns:r="http://schemas.openxmlformats.org/officeDocument/2006/relationships" xmlns:p="http://schemas.openxmlformats.org/presentationml/2006/main">
   <p:cSld>
+    <p:bg>
+      <p:bgPr>
+        <a:solidFill>
+          <a:schemeClr val="tx1"/>
+        </a:solidFill>
+        <a:effectLst/>
+      </p:bgPr>
+    </p:bg>
     <p:spTree>
       <p:nvGrpSpPr>
         <p:cNvPr id="1" name=""/>
@@ -10106,13 +11349,18 @@
               </a:spcAft>
             </a:pPr>
             <a:r>
-              <a:rPr lang="en-GB" sz="2400" b="1" dirty="0">
+              <a:rPr lang="en-GB" sz="2400" b="1" dirty="0" smtClean="0">
                 <a:solidFill>
                   <a:schemeClr val="accent4"/>
                 </a:solidFill>
               </a:rPr>
               <a:t>PRINCIPE DE L’EXPERIENCE</a:t>
             </a:r>
+            <a:endParaRPr lang="en-GB" sz="2400" b="1" dirty="0">
+              <a:solidFill>
+                <a:schemeClr val="accent4"/>
+              </a:solidFill>
+            </a:endParaRPr>
           </a:p>
         </p:txBody>
       </p:sp>
@@ -10144,7 +11392,7 @@
               </a:spcAft>
             </a:pPr>
             <a:r>
-              <a:rPr lang="en-GB" sz="2400" dirty="0">
+              <a:rPr lang="en-GB" sz="2400" dirty="0" smtClean="0">
                 <a:solidFill>
                   <a:schemeClr val="bg1"/>
                 </a:solidFill>
@@ -10152,7 +11400,7 @@
               <a:t>Durant </a:t>
             </a:r>
             <a:r>
-              <a:rPr lang="en-GB" sz="2400" dirty="0" err="1">
+              <a:rPr lang="en-GB" sz="2400" dirty="0" err="1" smtClean="0">
                 <a:solidFill>
                   <a:schemeClr val="bg1"/>
                 </a:solidFill>
@@ -10160,7 +11408,7 @@
               <a:t>chaque</a:t>
             </a:r>
             <a:r>
-              <a:rPr lang="en-GB" sz="2400" dirty="0">
+              <a:rPr lang="en-GB" sz="2400" dirty="0" smtClean="0">
                 <a:solidFill>
                   <a:schemeClr val="bg1"/>
                 </a:solidFill>
@@ -10168,7 +11416,7 @@
               <a:t> </a:t>
             </a:r>
             <a:r>
-              <a:rPr lang="en-GB" sz="2400" dirty="0" err="1">
+              <a:rPr lang="en-GB" sz="2400" dirty="0" err="1" smtClean="0">
                 <a:solidFill>
                   <a:schemeClr val="bg1"/>
                 </a:solidFill>
@@ -10176,7 +11424,7 @@
               <a:t>essai</a:t>
             </a:r>
             <a:r>
-              <a:rPr lang="en-GB" sz="2400" dirty="0">
+              <a:rPr lang="en-GB" sz="2400" dirty="0" smtClean="0">
                 <a:solidFill>
                   <a:schemeClr val="bg1"/>
                 </a:solidFill>
@@ -10184,7 +11432,127 @@
               <a:t>, </a:t>
             </a:r>
             <a:r>
-              <a:rPr lang="en-GB" sz="2400" dirty="0" err="1">
+              <a:rPr lang="en-GB" sz="2400" dirty="0" err="1" smtClean="0">
+                <a:solidFill>
+                  <a:schemeClr val="bg1"/>
+                </a:solidFill>
+              </a:rPr>
+              <a:t>v</a:t>
+            </a:r>
+            <a:r>
+              <a:rPr lang="en-GB" sz="2400" dirty="0" err="1" smtClean="0">
+                <a:solidFill>
+                  <a:schemeClr val="bg1"/>
+                </a:solidFill>
+              </a:rPr>
+              <a:t>ous</a:t>
+            </a:r>
+            <a:r>
+              <a:rPr lang="en-GB" sz="2400" dirty="0" smtClean="0">
+                <a:solidFill>
+                  <a:schemeClr val="bg1"/>
+                </a:solidFill>
+              </a:rPr>
+              <a:t> </a:t>
+            </a:r>
+            <a:r>
+              <a:rPr lang="en-GB" sz="2400" dirty="0" err="1" smtClean="0">
+                <a:solidFill>
+                  <a:schemeClr val="bg1"/>
+                </a:solidFill>
+              </a:rPr>
+              <a:t>pourrez</a:t>
+            </a:r>
+            <a:r>
+              <a:rPr lang="en-GB" sz="2400" dirty="0" smtClean="0">
+                <a:solidFill>
+                  <a:schemeClr val="bg1"/>
+                </a:solidFill>
+              </a:rPr>
+              <a:t> </a:t>
+            </a:r>
+            <a:r>
+              <a:rPr lang="en-GB" sz="2400" dirty="0" err="1" smtClean="0">
+                <a:solidFill>
+                  <a:schemeClr val="bg1"/>
+                </a:solidFill>
+              </a:rPr>
+              <a:t>choisir</a:t>
+            </a:r>
+            <a:r>
+              <a:rPr lang="en-GB" sz="2400" dirty="0" smtClean="0">
+                <a:solidFill>
+                  <a:schemeClr val="bg1"/>
+                </a:solidFill>
+              </a:rPr>
+              <a:t> de </a:t>
+            </a:r>
+            <a:r>
+              <a:rPr lang="en-GB" sz="2400" dirty="0" err="1" smtClean="0">
+                <a:solidFill>
+                  <a:schemeClr val="bg1"/>
+                </a:solidFill>
+              </a:rPr>
+              <a:t>voir</a:t>
+            </a:r>
+            <a:r>
+              <a:rPr lang="en-GB" sz="2400" dirty="0" smtClean="0">
+                <a:solidFill>
+                  <a:schemeClr val="bg1"/>
+                </a:solidFill>
+              </a:rPr>
+              <a:t> les emplacements des </a:t>
+            </a:r>
+            <a:r>
+              <a:rPr lang="en-GB" sz="2400" dirty="0" err="1" smtClean="0">
+                <a:solidFill>
+                  <a:schemeClr val="bg1"/>
+                </a:solidFill>
+              </a:rPr>
+              <a:t>paires</a:t>
+            </a:r>
+            <a:r>
+              <a:rPr lang="en-GB" sz="2400" dirty="0" smtClean="0">
+                <a:solidFill>
+                  <a:schemeClr val="bg1"/>
+                </a:solidFill>
+              </a:rPr>
+              <a:t> </a:t>
+            </a:r>
+            <a:r>
+              <a:rPr lang="en-GB" sz="2400" dirty="0" err="1" smtClean="0">
+                <a:solidFill>
+                  <a:schemeClr val="bg1"/>
+                </a:solidFill>
+              </a:rPr>
+              <a:t>autant</a:t>
+            </a:r>
+            <a:r>
+              <a:rPr lang="en-GB" sz="2400" dirty="0" smtClean="0">
+                <a:solidFill>
+                  <a:schemeClr val="bg1"/>
+                </a:solidFill>
+              </a:rPr>
+              <a:t> de </a:t>
+            </a:r>
+            <a:r>
+              <a:rPr lang="en-GB" sz="2400" dirty="0" err="1" smtClean="0">
+                <a:solidFill>
+                  <a:schemeClr val="bg1"/>
+                </a:solidFill>
+              </a:rPr>
+              <a:t>fois</a:t>
+            </a:r>
+            <a:r>
+              <a:rPr lang="en-GB" sz="2400" dirty="0" smtClean="0">
+                <a:solidFill>
+                  <a:schemeClr val="bg1"/>
+                </a:solidFill>
+              </a:rPr>
+              <a:t> que </a:t>
+            </a:r>
+            <a:r>
+              <a:rPr lang="en-GB" sz="2400" dirty="0" err="1" smtClean="0">
                 <a:solidFill>
                   <a:schemeClr val="bg1"/>
                 </a:solidFill>
@@ -10192,119 +11560,7 @@
               <a:t>vous</a:t>
             </a:r>
             <a:r>
-              <a:rPr lang="en-GB" sz="2400" dirty="0">
-                <a:solidFill>
-                  <a:schemeClr val="bg1"/>
-                </a:solidFill>
-              </a:rPr>
-              <a:t> </a:t>
-            </a:r>
-            <a:r>
-              <a:rPr lang="en-GB" sz="2400" dirty="0" err="1">
-                <a:solidFill>
-                  <a:schemeClr val="bg1"/>
-                </a:solidFill>
-              </a:rPr>
-              <a:t>pourrez</a:t>
-            </a:r>
-            <a:r>
-              <a:rPr lang="en-GB" sz="2400" dirty="0">
-                <a:solidFill>
-                  <a:schemeClr val="bg1"/>
-                </a:solidFill>
-              </a:rPr>
-              <a:t> </a:t>
-            </a:r>
-            <a:r>
-              <a:rPr lang="en-GB" sz="2400" dirty="0" err="1">
-                <a:solidFill>
-                  <a:schemeClr val="bg1"/>
-                </a:solidFill>
-              </a:rPr>
-              <a:t>choisir</a:t>
-            </a:r>
-            <a:r>
-              <a:rPr lang="en-GB" sz="2400" dirty="0">
-                <a:solidFill>
-                  <a:schemeClr val="bg1"/>
-                </a:solidFill>
-              </a:rPr>
-              <a:t> de </a:t>
-            </a:r>
-            <a:r>
-              <a:rPr lang="en-GB" sz="2400" dirty="0" err="1">
-                <a:solidFill>
-                  <a:schemeClr val="bg1"/>
-                </a:solidFill>
-              </a:rPr>
-              <a:t>voir</a:t>
-            </a:r>
-            <a:r>
-              <a:rPr lang="en-GB" sz="2400" dirty="0">
-                <a:solidFill>
-                  <a:schemeClr val="bg1"/>
-                </a:solidFill>
-              </a:rPr>
-              <a:t> les emplacements des </a:t>
-            </a:r>
-            <a:r>
-              <a:rPr lang="en-GB" sz="2400" dirty="0" err="1">
-                <a:solidFill>
-                  <a:schemeClr val="bg1"/>
-                </a:solidFill>
-              </a:rPr>
-              <a:t>paires</a:t>
-            </a:r>
-            <a:r>
-              <a:rPr lang="en-GB" sz="2400" dirty="0">
-                <a:solidFill>
-                  <a:schemeClr val="bg1"/>
-                </a:solidFill>
-              </a:rPr>
-              <a:t> </a:t>
-            </a:r>
-            <a:r>
-              <a:rPr lang="en-GB" sz="2400" dirty="0" err="1">
-                <a:solidFill>
-                  <a:schemeClr val="bg1"/>
-                </a:solidFill>
-              </a:rPr>
-              <a:t>autant</a:t>
-            </a:r>
-            <a:r>
-              <a:rPr lang="en-GB" sz="2400" dirty="0">
-                <a:solidFill>
-                  <a:schemeClr val="bg1"/>
-                </a:solidFill>
-              </a:rPr>
-              <a:t> de </a:t>
-            </a:r>
-            <a:r>
-              <a:rPr lang="en-GB" sz="2400" dirty="0" err="1">
-                <a:solidFill>
-                  <a:schemeClr val="bg1"/>
-                </a:solidFill>
-              </a:rPr>
-              <a:t>fois</a:t>
-            </a:r>
-            <a:r>
-              <a:rPr lang="en-GB" sz="2400" dirty="0">
-                <a:solidFill>
-                  <a:schemeClr val="bg1"/>
-                </a:solidFill>
-              </a:rPr>
-              <a:t> que </a:t>
-            </a:r>
-            <a:r>
-              <a:rPr lang="en-GB" sz="2400" dirty="0" err="1">
-                <a:solidFill>
-                  <a:schemeClr val="bg1"/>
-                </a:solidFill>
-              </a:rPr>
-              <a:t>vous</a:t>
-            </a:r>
-            <a:r>
-              <a:rPr lang="en-GB" sz="2400" dirty="0">
+              <a:rPr lang="en-GB" sz="2400" dirty="0" smtClean="0">
                 <a:solidFill>
                   <a:schemeClr val="bg1"/>
                 </a:solidFill>
@@ -10312,14 +11568,14 @@
               <a:t> le </a:t>
             </a:r>
             <a:r>
-              <a:rPr lang="en-GB" sz="2400" dirty="0" err="1">
+              <a:rPr lang="en-GB" sz="2400" dirty="0" err="1" smtClean="0">
                 <a:solidFill>
                   <a:schemeClr val="bg1"/>
                 </a:solidFill>
               </a:rPr>
               <a:t>souhaitez</a:t>
             </a:r>
-            <a:endParaRPr lang="en-GB" sz="2400" dirty="0">
+            <a:endParaRPr lang="en-GB" sz="2400" dirty="0" smtClean="0">
               <a:solidFill>
                 <a:schemeClr val="bg1"/>
               </a:solidFill>
@@ -10332,7 +11588,7 @@
               </a:spcAft>
             </a:pPr>
             <a:r>
-              <a:rPr lang="en-GB" sz="2400" dirty="0">
+              <a:rPr lang="en-GB" sz="2400" dirty="0" smtClean="0">
                 <a:solidFill>
                   <a:schemeClr val="bg1"/>
                 </a:solidFill>
@@ -10340,7 +11596,7 @@
               <a:t>Sur </a:t>
             </a:r>
             <a:r>
-              <a:rPr lang="en-GB" sz="2400" dirty="0" err="1">
+              <a:rPr lang="en-GB" sz="2400" dirty="0" err="1" smtClean="0">
                 <a:solidFill>
                   <a:schemeClr val="bg1"/>
                 </a:solidFill>
@@ -10348,7 +11604,7 @@
               <a:t>chaque</a:t>
             </a:r>
             <a:r>
-              <a:rPr lang="en-GB" sz="2400" dirty="0">
+              <a:rPr lang="en-GB" sz="2400" dirty="0" smtClean="0">
                 <a:solidFill>
                   <a:schemeClr val="bg1"/>
                 </a:solidFill>
@@ -10356,7 +11612,7 @@
               <a:t> </a:t>
             </a:r>
             <a:r>
-              <a:rPr lang="en-GB" sz="2400" dirty="0" err="1">
+              <a:rPr lang="en-GB" sz="2400" dirty="0" err="1" smtClean="0">
                 <a:solidFill>
                   <a:schemeClr val="bg1"/>
                 </a:solidFill>
@@ -10364,7 +11620,7 @@
               <a:t>essai</a:t>
             </a:r>
             <a:r>
-              <a:rPr lang="en-GB" sz="2400" dirty="0">
+              <a:rPr lang="en-GB" sz="2400" dirty="0" smtClean="0">
                 <a:solidFill>
                   <a:schemeClr val="bg1"/>
                 </a:solidFill>
@@ -10372,7 +11628,7 @@
               <a:t>, </a:t>
             </a:r>
             <a:r>
-              <a:rPr lang="en-GB" sz="2400" b="1" dirty="0" err="1">
+              <a:rPr lang="en-GB" sz="2400" b="1" dirty="0" err="1" smtClean="0">
                 <a:solidFill>
                   <a:schemeClr val="bg1"/>
                 </a:solidFill>
@@ -10380,7 +11636,7 @@
               <a:t>c’est</a:t>
             </a:r>
             <a:r>
-              <a:rPr lang="en-GB" sz="2400" b="1" dirty="0">
+              <a:rPr lang="en-GB" sz="2400" b="1" dirty="0" smtClean="0">
                 <a:solidFill>
                   <a:schemeClr val="bg1"/>
                 </a:solidFill>
@@ -10388,7 +11644,7 @@
               <a:t> à </a:t>
             </a:r>
             <a:r>
-              <a:rPr lang="en-GB" sz="2400" b="1" dirty="0" err="1">
+              <a:rPr lang="en-GB" sz="2400" b="1" dirty="0" err="1" smtClean="0">
                 <a:solidFill>
                   <a:schemeClr val="bg1"/>
                 </a:solidFill>
@@ -10396,7 +11652,7 @@
               <a:t>vous</a:t>
             </a:r>
             <a:r>
-              <a:rPr lang="en-GB" sz="2400" b="1" dirty="0">
+              <a:rPr lang="en-GB" sz="2400" b="1" dirty="0" smtClean="0">
                 <a:solidFill>
                   <a:schemeClr val="bg1"/>
                 </a:solidFill>
@@ -10404,7 +11660,7 @@
               <a:t> </a:t>
             </a:r>
             <a:r>
-              <a:rPr lang="en-GB" sz="2400" dirty="0">
+              <a:rPr lang="en-GB" sz="2400" dirty="0" smtClean="0">
                 <a:solidFill>
                   <a:schemeClr val="bg1"/>
                 </a:solidFill>
@@ -10412,7 +11668,7 @@
               <a:t>de decider </a:t>
             </a:r>
             <a:r>
-              <a:rPr lang="en-GB" sz="2400" dirty="0" err="1">
+              <a:rPr lang="en-GB" sz="2400" dirty="0" err="1" smtClean="0">
                 <a:solidFill>
                   <a:schemeClr val="bg1"/>
                 </a:solidFill>
@@ -10420,7 +11676,7 @@
               <a:t>combien</a:t>
             </a:r>
             <a:r>
-              <a:rPr lang="en-GB" sz="2400" dirty="0">
+              <a:rPr lang="en-GB" sz="2400" dirty="0" smtClean="0">
                 <a:solidFill>
                   <a:schemeClr val="bg1"/>
                 </a:solidFill>
@@ -10428,7 +11684,7 @@
               <a:t> de </a:t>
             </a:r>
             <a:r>
-              <a:rPr lang="en-GB" sz="2400" dirty="0" err="1">
+              <a:rPr lang="en-GB" sz="2400" dirty="0" err="1" smtClean="0">
                 <a:solidFill>
                   <a:schemeClr val="bg1"/>
                 </a:solidFill>
@@ -10436,7 +11692,7 @@
               <a:t>fois</a:t>
             </a:r>
             <a:r>
-              <a:rPr lang="en-GB" sz="2400" dirty="0">
+              <a:rPr lang="en-GB" sz="2400" dirty="0" smtClean="0">
                 <a:solidFill>
                   <a:schemeClr val="bg1"/>
                 </a:solidFill>
@@ -10444,7 +11700,7 @@
               <a:t> </a:t>
             </a:r>
             <a:r>
-              <a:rPr lang="en-GB" sz="2400" dirty="0" err="1">
+              <a:rPr lang="en-GB" sz="2400" dirty="0" err="1" smtClean="0">
                 <a:solidFill>
                   <a:schemeClr val="bg1"/>
                 </a:solidFill>
@@ -10452,7 +11708,7 @@
               <a:t>vous</a:t>
             </a:r>
             <a:r>
-              <a:rPr lang="en-GB" sz="2400" dirty="0">
+              <a:rPr lang="en-GB" sz="2400" dirty="0" smtClean="0">
                 <a:solidFill>
                   <a:schemeClr val="bg1"/>
                 </a:solidFill>
@@ -10460,7 +11716,7 @@
               <a:t> </a:t>
             </a:r>
             <a:r>
-              <a:rPr lang="en-GB" sz="2400" dirty="0" err="1">
+              <a:rPr lang="en-GB" sz="2400" dirty="0" err="1" smtClean="0">
                 <a:solidFill>
                   <a:schemeClr val="bg1"/>
                 </a:solidFill>
@@ -10468,7 +11724,7 @@
               <a:t>souhaitez</a:t>
             </a:r>
             <a:r>
-              <a:rPr lang="en-GB" sz="2400" dirty="0">
+              <a:rPr lang="en-GB" sz="2400" dirty="0" smtClean="0">
                 <a:solidFill>
                   <a:schemeClr val="bg1"/>
                 </a:solidFill>
@@ -10476,7 +11732,7 @@
               <a:t> revoir les emplacements des </a:t>
             </a:r>
             <a:r>
-              <a:rPr lang="en-GB" sz="2400" dirty="0" err="1">
+              <a:rPr lang="en-GB" sz="2400" dirty="0" err="1" smtClean="0">
                 <a:solidFill>
                   <a:schemeClr val="bg1"/>
                 </a:solidFill>
@@ -10484,14 +11740,14 @@
               <a:t>paires</a:t>
             </a:r>
             <a:r>
-              <a:rPr lang="en-GB" sz="2400" dirty="0">
+              <a:rPr lang="en-GB" sz="2400" dirty="0" smtClean="0">
                 <a:solidFill>
                   <a:schemeClr val="bg1"/>
                 </a:solidFill>
               </a:rPr>
               <a:t> </a:t>
             </a:r>
-            <a:endParaRPr lang="en-GB" sz="2400" b="1" dirty="0">
+            <a:endParaRPr lang="en-GB" sz="2400" b="1" dirty="0" smtClean="0">
               <a:solidFill>
                 <a:schemeClr val="bg1"/>
               </a:solidFill>
@@ -10570,7 +11826,7 @@
           <a:p>
             <a:pPr algn="ctr"/>
             <a:r>
-              <a:rPr lang="en-GB" dirty="0" err="1">
+              <a:rPr lang="en-GB" dirty="0" err="1" smtClean="0">
                 <a:solidFill>
                   <a:schemeClr val="bg1">
                     <a:lumMod val="65000"/>
@@ -10580,15 +11836,42 @@
               <a:t>Appuyez</a:t>
             </a:r>
             <a:r>
-              <a:rPr lang="en-GB" dirty="0">
+              <a:rPr lang="en-GB" dirty="0" smtClean="0">
                 <a:solidFill>
                   <a:schemeClr val="bg1">
                     <a:lumMod val="65000"/>
                   </a:schemeClr>
                 </a:solidFill>
               </a:rPr>
-              <a:t> sur la fleche de droit pour continuer</a:t>
-            </a:r>
+              <a:t> sur </a:t>
+            </a:r>
+            <a:r>
+              <a:rPr lang="en-GB" dirty="0" smtClean="0">
+                <a:solidFill>
+                  <a:schemeClr val="bg1">
+                    <a:lumMod val="65000"/>
+                  </a:schemeClr>
+                </a:solidFill>
+              </a:rPr>
+              <a:t>la fleche de </a:t>
+            </a:r>
+            <a:r>
+              <a:rPr lang="en-GB" dirty="0" smtClean="0">
+                <a:solidFill>
+                  <a:schemeClr val="bg1">
+                    <a:lumMod val="65000"/>
+                  </a:schemeClr>
+                </a:solidFill>
+              </a:rPr>
+              <a:t>droit pour continuer</a:t>
+            </a:r>
+            <a:endParaRPr lang="en-GB" dirty="0">
+              <a:solidFill>
+                <a:schemeClr val="bg1">
+                  <a:lumMod val="65000"/>
+                </a:schemeClr>
+              </a:solidFill>
+            </a:endParaRPr>
           </a:p>
         </p:txBody>
       </p:sp>
@@ -10616,7 +11899,7 @@
           <a:p>
             <a:pPr algn="ctr"/>
             <a:r>
-              <a:rPr lang="en-GB" sz="2000" dirty="0">
+              <a:rPr lang="en-GB" sz="2000" dirty="0" smtClean="0">
                 <a:solidFill>
                   <a:schemeClr val="bg1"/>
                 </a:solidFill>
@@ -10624,7 +11907,7 @@
               <a:t>Est-</a:t>
             </a:r>
             <a:r>
-              <a:rPr lang="en-GB" sz="2000" dirty="0" err="1">
+              <a:rPr lang="en-GB" sz="2000" dirty="0" err="1" smtClean="0">
                 <a:solidFill>
                   <a:schemeClr val="bg1"/>
                 </a:solidFill>
@@ -10632,7 +11915,7 @@
               <a:t>ce</a:t>
             </a:r>
             <a:r>
-              <a:rPr lang="en-GB" sz="2000" dirty="0">
+              <a:rPr lang="en-GB" sz="2000" dirty="0" smtClean="0">
                 <a:solidFill>
                   <a:schemeClr val="bg1"/>
                 </a:solidFill>
@@ -10640,7 +11923,7 @@
               <a:t> que </a:t>
             </a:r>
             <a:r>
-              <a:rPr lang="en-GB" sz="2000" dirty="0" err="1">
+              <a:rPr lang="en-GB" sz="2000" dirty="0" err="1" smtClean="0">
                 <a:solidFill>
                   <a:schemeClr val="bg1"/>
                 </a:solidFill>
@@ -10648,7 +11931,7 @@
               <a:t>vous</a:t>
             </a:r>
             <a:r>
-              <a:rPr lang="en-GB" sz="2000" dirty="0">
+              <a:rPr lang="en-GB" sz="2000" dirty="0" smtClean="0">
                 <a:solidFill>
                   <a:schemeClr val="bg1"/>
                 </a:solidFill>
@@ -10656,7 +11939,7 @@
               <a:t> </a:t>
             </a:r>
             <a:r>
-              <a:rPr lang="en-GB" sz="2000" dirty="0" err="1">
+              <a:rPr lang="en-GB" sz="2000" dirty="0" err="1" smtClean="0">
                 <a:solidFill>
                   <a:schemeClr val="bg1"/>
                 </a:solidFill>
@@ -10664,7 +11947,7 @@
               <a:t>voulez</a:t>
             </a:r>
             <a:r>
-              <a:rPr lang="en-GB" sz="2000" dirty="0">
+              <a:rPr lang="en-GB" sz="2000" dirty="0" smtClean="0">
                 <a:solidFill>
                   <a:schemeClr val="bg1"/>
                 </a:solidFill>
@@ -10672,7 +11955,7 @@
               <a:t> </a:t>
             </a:r>
             <a:r>
-              <a:rPr lang="en-GB" sz="2000" dirty="0" err="1">
+              <a:rPr lang="en-GB" sz="2000" dirty="0" err="1" smtClean="0">
                 <a:solidFill>
                   <a:schemeClr val="bg1"/>
                 </a:solidFill>
@@ -10680,7 +11963,7 @@
               <a:t>voir</a:t>
             </a:r>
             <a:r>
-              <a:rPr lang="en-GB" sz="2000" dirty="0">
+              <a:rPr lang="en-GB" sz="2000" dirty="0" smtClean="0">
                 <a:solidFill>
                   <a:schemeClr val="bg1"/>
                 </a:solidFill>
@@ -10688,7 +11971,7 @@
               <a:t> les </a:t>
             </a:r>
             <a:r>
-              <a:rPr lang="en-GB" sz="2000" dirty="0" err="1">
+              <a:rPr lang="en-GB" sz="2000" dirty="0" err="1" smtClean="0">
                 <a:solidFill>
                   <a:schemeClr val="bg1"/>
                 </a:solidFill>
@@ -10696,7 +11979,7 @@
               <a:t>paires</a:t>
             </a:r>
             <a:r>
-              <a:rPr lang="en-GB" sz="2000" dirty="0">
+              <a:rPr lang="en-GB" sz="2000" dirty="0" smtClean="0">
                 <a:solidFill>
                   <a:schemeClr val="bg1"/>
                 </a:solidFill>
@@ -10704,7 +11987,7 @@
               <a:t> pour </a:t>
             </a:r>
             <a:r>
-              <a:rPr lang="en-GB" sz="2000" dirty="0" err="1">
+              <a:rPr lang="en-GB" sz="2000" dirty="0" err="1" smtClean="0">
                 <a:solidFill>
                   <a:schemeClr val="bg1"/>
                 </a:solidFill>
@@ -10712,7 +11995,7 @@
               <a:t>une</a:t>
             </a:r>
             <a:r>
-              <a:rPr lang="en-GB" sz="2000" dirty="0">
+              <a:rPr lang="en-GB" sz="2000" dirty="0" smtClean="0">
                 <a:solidFill>
                   <a:schemeClr val="bg1"/>
                 </a:solidFill>
@@ -10720,7 +12003,7 @@
               <a:t> </a:t>
             </a:r>
             <a:r>
-              <a:rPr lang="en-GB" sz="2000" dirty="0" err="1">
+              <a:rPr lang="en-GB" sz="2000" dirty="0" err="1" smtClean="0">
                 <a:solidFill>
                   <a:schemeClr val="bg1"/>
                 </a:solidFill>
@@ -10728,7 +12011,7 @@
               <a:t>autre</a:t>
             </a:r>
             <a:r>
-              <a:rPr lang="en-GB" sz="2000" dirty="0">
+              <a:rPr lang="en-GB" sz="2000" dirty="0" smtClean="0">
                 <a:solidFill>
                   <a:schemeClr val="bg1"/>
                 </a:solidFill>
@@ -10736,7 +12019,7 @@
               <a:t> </a:t>
             </a:r>
             <a:r>
-              <a:rPr lang="en-GB" sz="2000" dirty="0" err="1">
+              <a:rPr lang="en-GB" sz="2000" dirty="0" err="1" smtClean="0">
                 <a:solidFill>
                   <a:schemeClr val="bg1"/>
                 </a:solidFill>
@@ -10744,7 +12027,7 @@
               <a:t>fois</a:t>
             </a:r>
             <a:r>
-              <a:rPr lang="en-GB" sz="2000" dirty="0">
+              <a:rPr lang="en-GB" sz="2000" dirty="0" smtClean="0">
                 <a:solidFill>
                   <a:schemeClr val="bg1"/>
                 </a:solidFill>
@@ -10754,7 +12037,7 @@
           </a:p>
           <a:p>
             <a:pPr algn="ctr"/>
-            <a:endParaRPr lang="en-GB" sz="2000" dirty="0">
+            <a:endParaRPr lang="en-GB" sz="2000" dirty="0" smtClean="0">
               <a:solidFill>
                 <a:schemeClr val="bg1"/>
               </a:solidFill>
@@ -10763,7 +12046,7 @@
           <a:p>
             <a:pPr algn="ctr"/>
             <a:r>
-              <a:rPr lang="en-GB" sz="2000" dirty="0">
+              <a:rPr lang="en-GB" sz="2000" dirty="0" smtClean="0">
                 <a:solidFill>
                   <a:schemeClr val="bg1"/>
                 </a:solidFill>
@@ -10771,7 +12054,7 @@
               <a:t>Si </a:t>
             </a:r>
             <a:r>
-              <a:rPr lang="en-GB" sz="2000" dirty="0" err="1">
+              <a:rPr lang="en-GB" sz="2000" dirty="0" err="1" smtClean="0">
                 <a:solidFill>
                   <a:schemeClr val="bg1"/>
                 </a:solidFill>
@@ -10779,7 +12062,7 @@
               <a:t>oui</a:t>
             </a:r>
             <a:r>
-              <a:rPr lang="en-GB" sz="2000" dirty="0">
+              <a:rPr lang="en-GB" sz="2000" dirty="0" smtClean="0">
                 <a:solidFill>
                   <a:schemeClr val="bg1"/>
                 </a:solidFill>
@@ -10787,7 +12070,7 @@
               <a:t>, </a:t>
             </a:r>
             <a:r>
-              <a:rPr lang="en-GB" sz="2000" dirty="0" err="1">
+              <a:rPr lang="en-GB" sz="2000" dirty="0" err="1" smtClean="0">
                 <a:solidFill>
                   <a:schemeClr val="bg1"/>
                 </a:solidFill>
@@ -10795,7 +12078,7 @@
               <a:t>appuyez</a:t>
             </a:r>
             <a:r>
-              <a:rPr lang="en-GB" sz="2000" dirty="0">
+              <a:rPr lang="en-GB" sz="2000" dirty="0" smtClean="0">
                 <a:solidFill>
                   <a:schemeClr val="bg1"/>
                 </a:solidFill>
@@ -10803,7 +12086,7 @@
               <a:t> sur </a:t>
             </a:r>
             <a:r>
-              <a:rPr lang="fr-FR" sz="2000" dirty="0">
+              <a:rPr lang="fr-FR" sz="2000" dirty="0" smtClean="0">
                 <a:solidFill>
                   <a:schemeClr val="bg1"/>
                 </a:solidFill>
@@ -10811,7 +12094,7 @@
               <a:t>« la barre d</a:t>
             </a:r>
             <a:r>
-              <a:rPr lang="en-GB" sz="2000" dirty="0">
+              <a:rPr lang="en-GB" sz="2000" dirty="0" smtClean="0">
                 <a:solidFill>
                   <a:schemeClr val="bg1"/>
                 </a:solidFill>
@@ -10819,7 +12102,7 @@
               <a:t>’</a:t>
             </a:r>
             <a:r>
-              <a:rPr lang="en-GB" sz="2000" dirty="0" err="1">
+              <a:rPr lang="en-GB" sz="2000" dirty="0" err="1" smtClean="0">
                 <a:solidFill>
                   <a:schemeClr val="bg1"/>
                 </a:solidFill>
@@ -10827,7 +12110,7 @@
               <a:t>espace</a:t>
             </a:r>
             <a:r>
-              <a:rPr lang="fr-FR" sz="2000" dirty="0">
+              <a:rPr lang="fr-FR" sz="2000" dirty="0" smtClean="0">
                 <a:solidFill>
                   <a:schemeClr val="bg1"/>
                 </a:solidFill>
@@ -10852,12 +12135,27 @@
   <p:clrMapOvr>
     <a:masterClrMapping/>
   </p:clrMapOvr>
+  <p:timing>
+    <p:tnLst>
+      <p:par>
+        <p:cTn id="1" dur="indefinite" restart="never" nodeType="tmRoot"/>
+      </p:par>
+    </p:tnLst>
+  </p:timing>
 </p:sld>
 </file>
 
 <file path=ppt/slides/slide7.xml><?xml version="1.0" encoding="utf-8"?>
 <p:sld xmlns:a="http://schemas.openxmlformats.org/drawingml/2006/main" xmlns:r="http://schemas.openxmlformats.org/officeDocument/2006/relationships" xmlns:p="http://schemas.openxmlformats.org/presentationml/2006/main">
   <p:cSld>
+    <p:bg>
+      <p:bgPr>
+        <a:solidFill>
+          <a:schemeClr val="tx1"/>
+        </a:solidFill>
+        <a:effectLst/>
+      </p:bgPr>
+    </p:bg>
     <p:spTree>
       <p:nvGrpSpPr>
         <p:cNvPr id="1" name=""/>
@@ -10906,13 +12204,18 @@
               </a:spcAft>
             </a:pPr>
             <a:r>
-              <a:rPr lang="en-GB" sz="2400" b="1" dirty="0">
+              <a:rPr lang="en-GB" sz="2400" b="1" dirty="0" smtClean="0">
                 <a:solidFill>
                   <a:schemeClr val="accent4"/>
                 </a:solidFill>
               </a:rPr>
               <a:t>PRINCIPE DE L’EXPERIENCE</a:t>
             </a:r>
+            <a:endParaRPr lang="en-GB" sz="2400" b="1" dirty="0">
+              <a:solidFill>
+                <a:schemeClr val="accent4"/>
+              </a:solidFill>
+            </a:endParaRPr>
           </a:p>
         </p:txBody>
       </p:sp>
@@ -10940,7 +12243,7 @@
           <a:p>
             <a:pPr algn="ctr"/>
             <a:r>
-              <a:rPr lang="en-GB" sz="2400" dirty="0" err="1">
+              <a:rPr lang="en-GB" sz="2400" dirty="0" err="1" smtClean="0">
                 <a:solidFill>
                   <a:schemeClr val="bg1"/>
                 </a:solidFill>
@@ -10948,7 +12251,7 @@
               <a:t>L’experience</a:t>
             </a:r>
             <a:r>
-              <a:rPr lang="en-GB" sz="2400" dirty="0">
+              <a:rPr lang="en-GB" sz="2400" dirty="0" smtClean="0">
                 <a:solidFill>
                   <a:schemeClr val="bg1"/>
                 </a:solidFill>
@@ -10956,7 +12259,7 @@
               <a:t> </a:t>
             </a:r>
             <a:r>
-              <a:rPr lang="en-GB" sz="2400" dirty="0" err="1">
+              <a:rPr lang="en-GB" sz="2400" dirty="0" err="1" smtClean="0">
                 <a:solidFill>
                   <a:schemeClr val="bg1"/>
                 </a:solidFill>
@@ -10964,7 +12267,7 @@
               <a:t>est</a:t>
             </a:r>
             <a:r>
-              <a:rPr lang="en-GB" sz="2400" dirty="0">
+              <a:rPr lang="en-GB" sz="2400" dirty="0" smtClean="0">
                 <a:solidFill>
                   <a:schemeClr val="bg1"/>
                 </a:solidFill>
@@ -10972,7 +12275,7 @@
               <a:t> </a:t>
             </a:r>
             <a:r>
-              <a:rPr lang="en-GB" sz="2400" dirty="0" err="1">
+              <a:rPr lang="en-GB" sz="2400" dirty="0" err="1" smtClean="0">
                 <a:solidFill>
                   <a:schemeClr val="bg1"/>
                 </a:solidFill>
@@ -10980,7 +12283,7 @@
               <a:t>structurée</a:t>
             </a:r>
             <a:r>
-              <a:rPr lang="en-GB" sz="2400" dirty="0">
+              <a:rPr lang="en-GB" sz="2400" dirty="0" smtClean="0">
                 <a:solidFill>
                   <a:schemeClr val="bg1"/>
                 </a:solidFill>
@@ -10988,7 +12291,7 @@
               <a:t> </a:t>
             </a:r>
             <a:r>
-              <a:rPr lang="en-GB" sz="2400" dirty="0" err="1">
+              <a:rPr lang="en-GB" sz="2400" dirty="0" err="1" smtClean="0">
                 <a:solidFill>
                   <a:schemeClr val="bg1"/>
                 </a:solidFill>
@@ -10996,7 +12299,7 @@
               <a:t>en</a:t>
             </a:r>
             <a:r>
-              <a:rPr lang="en-GB" sz="2400" dirty="0">
+              <a:rPr lang="en-GB" sz="2400" dirty="0" smtClean="0">
                 <a:solidFill>
                   <a:schemeClr val="bg1"/>
                 </a:solidFill>
@@ -11004,7 +12307,7 @@
               <a:t> </a:t>
             </a:r>
             <a:r>
-              <a:rPr lang="en-GB" sz="2400" b="1" dirty="0">
+              <a:rPr lang="en-GB" sz="2400" b="1" dirty="0" smtClean="0">
                 <a:solidFill>
                   <a:schemeClr val="bg1"/>
                 </a:solidFill>
@@ -11023,7 +12326,7 @@
           <a:p>
             <a:pPr algn="ctr"/>
             <a:r>
-              <a:rPr lang="en-GB" sz="2400" dirty="0">
+              <a:rPr lang="en-GB" sz="2400" dirty="0" smtClean="0">
                 <a:solidFill>
                   <a:schemeClr val="bg1"/>
                 </a:solidFill>
@@ -11031,7 +12334,7 @@
               <a:t>Durant </a:t>
             </a:r>
             <a:r>
-              <a:rPr lang="en-GB" sz="2400" dirty="0" err="1">
+              <a:rPr lang="en-GB" sz="2400" dirty="0" err="1" smtClean="0">
                 <a:solidFill>
                   <a:schemeClr val="bg1"/>
                 </a:solidFill>
@@ -11039,7 +12342,7 @@
               <a:t>chaque</a:t>
             </a:r>
             <a:r>
-              <a:rPr lang="en-GB" sz="2400" dirty="0">
+              <a:rPr lang="en-GB" sz="2400" dirty="0" smtClean="0">
                 <a:solidFill>
                   <a:schemeClr val="bg1"/>
                 </a:solidFill>
@@ -11047,7 +12350,7 @@
               <a:t> </a:t>
             </a:r>
             <a:r>
-              <a:rPr lang="en-GB" sz="2400" dirty="0" err="1">
+              <a:rPr lang="en-GB" sz="2400" dirty="0" err="1" smtClean="0">
                 <a:solidFill>
                   <a:schemeClr val="bg1"/>
                 </a:solidFill>
@@ -11055,7 +12358,7 @@
               <a:t>essai</a:t>
             </a:r>
             <a:r>
-              <a:rPr lang="en-GB" sz="2400" dirty="0">
+              <a:rPr lang="en-GB" sz="2400" dirty="0" smtClean="0">
                 <a:solidFill>
                   <a:schemeClr val="bg1"/>
                 </a:solidFill>
@@ -11063,7 +12366,7 @@
               <a:t>, </a:t>
             </a:r>
             <a:r>
-              <a:rPr lang="en-GB" sz="2400" dirty="0" err="1">
+              <a:rPr lang="en-GB" sz="2400" dirty="0" err="1" smtClean="0">
                 <a:solidFill>
                   <a:schemeClr val="bg1"/>
                 </a:solidFill>
@@ -11071,7 +12374,7 @@
               <a:t>il</a:t>
             </a:r>
             <a:r>
-              <a:rPr lang="en-GB" sz="2400" dirty="0">
+              <a:rPr lang="en-GB" sz="2400" dirty="0" smtClean="0">
                 <a:solidFill>
                   <a:schemeClr val="bg1"/>
                 </a:solidFill>
@@ -11079,7 +12382,7 @@
               <a:t> </a:t>
             </a:r>
             <a:r>
-              <a:rPr lang="en-GB" sz="2400" dirty="0" err="1">
+              <a:rPr lang="en-GB" sz="2400" dirty="0" err="1" smtClean="0">
                 <a:solidFill>
                   <a:schemeClr val="bg1"/>
                 </a:solidFill>
@@ -11087,7 +12390,7 @@
               <a:t>vous</a:t>
             </a:r>
             <a:r>
-              <a:rPr lang="en-GB" sz="2400" dirty="0">
+              <a:rPr lang="en-GB" sz="2400" dirty="0" smtClean="0">
                 <a:solidFill>
                   <a:schemeClr val="bg1"/>
                 </a:solidFill>
@@ -11095,7 +12398,7 @@
               <a:t> </a:t>
             </a:r>
             <a:r>
-              <a:rPr lang="en-GB" sz="2400" dirty="0" err="1">
+              <a:rPr lang="en-GB" sz="2400" dirty="0" err="1" smtClean="0">
                 <a:solidFill>
                   <a:schemeClr val="bg1"/>
                 </a:solidFill>
@@ -11103,7 +12406,7 @@
               <a:t>est</a:t>
             </a:r>
             <a:r>
-              <a:rPr lang="en-GB" sz="2400" dirty="0">
+              <a:rPr lang="en-GB" sz="2400" dirty="0" smtClean="0">
                 <a:solidFill>
                   <a:schemeClr val="bg1"/>
                 </a:solidFill>
@@ -11111,7 +12414,7 @@
               <a:t> </a:t>
             </a:r>
             <a:r>
-              <a:rPr lang="en-GB" sz="2400" dirty="0" err="1">
+              <a:rPr lang="en-GB" sz="2400" dirty="0" err="1" smtClean="0">
                 <a:solidFill>
                   <a:schemeClr val="bg1"/>
                 </a:solidFill>
@@ -11119,13 +12422,18 @@
               <a:t>demandé</a:t>
             </a:r>
             <a:r>
-              <a:rPr lang="en-GB" sz="2400" dirty="0">
+              <a:rPr lang="en-GB" sz="2400" dirty="0" smtClean="0">
                 <a:solidFill>
                   <a:schemeClr val="bg1"/>
                 </a:solidFill>
               </a:rPr>
               <a:t> de […]</a:t>
             </a:r>
+            <a:endParaRPr lang="en-GB" sz="2400" dirty="0">
+              <a:solidFill>
+                <a:schemeClr val="bg1"/>
+              </a:solidFill>
+            </a:endParaRPr>
           </a:p>
         </p:txBody>
       </p:sp>
@@ -11152,7 +12460,7 @@
           <a:p>
             <a:pPr algn="ctr"/>
             <a:r>
-              <a:rPr lang="en-GB" dirty="0" err="1">
+              <a:rPr lang="en-GB" dirty="0" err="1" smtClean="0">
                 <a:solidFill>
                   <a:schemeClr val="bg1">
                     <a:lumMod val="65000"/>
@@ -11162,15 +12470,42 @@
               <a:t>Appuyez</a:t>
             </a:r>
             <a:r>
-              <a:rPr lang="en-GB" dirty="0">
+              <a:rPr lang="en-GB" dirty="0" smtClean="0">
                 <a:solidFill>
                   <a:schemeClr val="bg1">
                     <a:lumMod val="65000"/>
                   </a:schemeClr>
                 </a:solidFill>
               </a:rPr>
-              <a:t> sur la fleche de droit pour continuer</a:t>
-            </a:r>
+              <a:t> sur </a:t>
+            </a:r>
+            <a:r>
+              <a:rPr lang="en-GB" dirty="0" smtClean="0">
+                <a:solidFill>
+                  <a:schemeClr val="bg1">
+                    <a:lumMod val="65000"/>
+                  </a:schemeClr>
+                </a:solidFill>
+              </a:rPr>
+              <a:t>la fleche de </a:t>
+            </a:r>
+            <a:r>
+              <a:rPr lang="en-GB" dirty="0" smtClean="0">
+                <a:solidFill>
+                  <a:schemeClr val="bg1">
+                    <a:lumMod val="65000"/>
+                  </a:schemeClr>
+                </a:solidFill>
+              </a:rPr>
+              <a:t>droit pour continuer</a:t>
+            </a:r>
+            <a:endParaRPr lang="en-GB" dirty="0">
+              <a:solidFill>
+                <a:schemeClr val="bg1">
+                  <a:lumMod val="65000"/>
+                </a:schemeClr>
+              </a:solidFill>
+            </a:endParaRPr>
           </a:p>
         </p:txBody>
       </p:sp>
@@ -11184,12 +12519,27 @@
   <p:clrMapOvr>
     <a:masterClrMapping/>
   </p:clrMapOvr>
+  <p:timing>
+    <p:tnLst>
+      <p:par>
+        <p:cTn id="1" dur="indefinite" restart="never" nodeType="tmRoot"/>
+      </p:par>
+    </p:tnLst>
+  </p:timing>
 </p:sld>
 </file>
 
 <file path=ppt/slides/slide8.xml><?xml version="1.0" encoding="utf-8"?>
 <p:sld xmlns:a="http://schemas.openxmlformats.org/drawingml/2006/main" xmlns:r="http://schemas.openxmlformats.org/officeDocument/2006/relationships" xmlns:p="http://schemas.openxmlformats.org/presentationml/2006/main">
   <p:cSld>
+    <p:bg>
+      <p:bgPr>
+        <a:solidFill>
+          <a:schemeClr val="tx1"/>
+        </a:solidFill>
+        <a:effectLst/>
+      </p:bgPr>
+    </p:bg>
     <p:spTree>
       <p:nvGrpSpPr>
         <p:cNvPr id="1" name=""/>
@@ -11238,13 +12588,18 @@
               </a:spcAft>
             </a:pPr>
             <a:r>
-              <a:rPr lang="en-GB" sz="2400" b="1" dirty="0">
+              <a:rPr lang="en-GB" sz="2400" b="1" dirty="0" smtClean="0">
                 <a:solidFill>
                   <a:schemeClr val="accent4"/>
                 </a:solidFill>
               </a:rPr>
               <a:t>PRINCIPE DE L’EXPERIENCE</a:t>
             </a:r>
+            <a:endParaRPr lang="en-GB" sz="2400" b="1" dirty="0">
+              <a:solidFill>
+                <a:schemeClr val="accent4"/>
+              </a:solidFill>
+            </a:endParaRPr>
           </a:p>
         </p:txBody>
       </p:sp>
@@ -11272,7 +12627,7 @@
           <a:p>
             <a:pPr algn="ctr"/>
             <a:r>
-              <a:rPr lang="en-GB" sz="2400" dirty="0" err="1">
+              <a:rPr lang="en-GB" sz="2400" dirty="0" err="1" smtClean="0">
                 <a:solidFill>
                   <a:schemeClr val="bg1"/>
                 </a:solidFill>
@@ -11280,7 +12635,7 @@
               <a:t>Chaque</a:t>
             </a:r>
             <a:r>
-              <a:rPr lang="en-GB" sz="2400" dirty="0">
+              <a:rPr lang="en-GB" sz="2400" dirty="0" smtClean="0">
                 <a:solidFill>
                   <a:schemeClr val="bg1"/>
                 </a:solidFill>
@@ -11288,7 +12643,7 @@
               <a:t> </a:t>
             </a:r>
             <a:r>
-              <a:rPr lang="en-GB" sz="2400" dirty="0" err="1">
+              <a:rPr lang="en-GB" sz="2400" dirty="0" err="1" smtClean="0">
                 <a:solidFill>
                   <a:schemeClr val="bg1"/>
                 </a:solidFill>
@@ -11296,7 +12651,7 @@
               <a:t>essai</a:t>
             </a:r>
             <a:r>
-              <a:rPr lang="en-GB" sz="2400" dirty="0">
+              <a:rPr lang="en-GB" sz="2400" dirty="0" smtClean="0">
                 <a:solidFill>
                   <a:schemeClr val="bg1"/>
                 </a:solidFill>
@@ -11304,7 +12659,7 @@
               <a:t> se </a:t>
             </a:r>
             <a:r>
-              <a:rPr lang="en-GB" sz="2400" dirty="0" err="1">
+              <a:rPr lang="en-GB" sz="2400" dirty="0" err="1" smtClean="0">
                 <a:solidFill>
                   <a:schemeClr val="bg1"/>
                 </a:solidFill>
@@ -11312,7 +12667,7 @@
               <a:t>déroulera</a:t>
             </a:r>
             <a:r>
-              <a:rPr lang="en-GB" sz="2400" dirty="0">
+              <a:rPr lang="en-GB" sz="2400" dirty="0" smtClean="0">
                 <a:solidFill>
                   <a:schemeClr val="bg1"/>
                 </a:solidFill>
@@ -11320,7 +12675,7 @@
               <a:t> </a:t>
             </a:r>
             <a:r>
-              <a:rPr lang="en-GB" sz="2400" dirty="0" err="1">
+              <a:rPr lang="en-GB" sz="2400" dirty="0" err="1" smtClean="0">
                 <a:solidFill>
                   <a:schemeClr val="bg1"/>
                 </a:solidFill>
@@ -11328,7 +12683,7 @@
               <a:t>en</a:t>
             </a:r>
             <a:r>
-              <a:rPr lang="en-GB" sz="2400" dirty="0">
+              <a:rPr lang="en-GB" sz="2400" dirty="0" smtClean="0">
                 <a:solidFill>
                   <a:schemeClr val="bg1"/>
                 </a:solidFill>
@@ -11336,7 +12691,7 @@
               <a:t> </a:t>
             </a:r>
             <a:r>
-              <a:rPr lang="en-GB" sz="2400" dirty="0" err="1">
+              <a:rPr lang="en-GB" sz="2400" dirty="0" err="1" smtClean="0">
                 <a:solidFill>
                   <a:schemeClr val="bg1"/>
                 </a:solidFill>
@@ -11344,7 +12699,7 @@
               <a:t>plusieurs</a:t>
             </a:r>
             <a:r>
-              <a:rPr lang="en-GB" sz="2400" dirty="0">
+              <a:rPr lang="en-GB" sz="2400" dirty="0" smtClean="0">
                 <a:solidFill>
                   <a:schemeClr val="bg1"/>
                 </a:solidFill>
@@ -11352,7 +12707,7 @@
               <a:t> </a:t>
             </a:r>
             <a:r>
-              <a:rPr lang="fr-FR" sz="2400" dirty="0">
+              <a:rPr lang="fr-FR" sz="2400" dirty="0" smtClean="0">
                 <a:solidFill>
                   <a:schemeClr val="bg1"/>
                 </a:solidFill>
@@ -11360,7 +12715,7 @@
               <a:t>« </a:t>
             </a:r>
             <a:r>
-              <a:rPr lang="en-GB" sz="2400" dirty="0" err="1">
+              <a:rPr lang="en-GB" sz="2400" dirty="0" err="1" smtClean="0">
                 <a:solidFill>
                   <a:schemeClr val="bg1"/>
                 </a:solidFill>
@@ -11368,7 +12723,7 @@
               <a:t>étapes</a:t>
             </a:r>
             <a:r>
-              <a:rPr lang="fr-FR" sz="2400" dirty="0">
+              <a:rPr lang="fr-FR" sz="2400" dirty="0" smtClean="0">
                 <a:solidFill>
                   <a:schemeClr val="bg1"/>
                 </a:solidFill>
@@ -11378,7 +12733,7 @@
           </a:p>
           <a:p>
             <a:pPr algn="ctr"/>
-            <a:endParaRPr lang="fr-FR" sz="2400" dirty="0">
+            <a:endParaRPr lang="fr-FR" sz="2400" dirty="0" smtClean="0">
               <a:solidFill>
                 <a:schemeClr val="bg1"/>
               </a:solidFill>
@@ -11387,7 +12742,7 @@
           <a:p>
             <a:pPr algn="ctr"/>
             <a:r>
-              <a:rPr lang="fr-FR" sz="2400" dirty="0">
+              <a:rPr lang="fr-FR" sz="2400" dirty="0" smtClean="0">
                 <a:solidFill>
                   <a:schemeClr val="bg1"/>
                 </a:solidFill>
@@ -11395,7 +12750,7 @@
               <a:t>Différentes « </a:t>
             </a:r>
             <a:r>
-              <a:rPr lang="en-GB" sz="2400" dirty="0" err="1">
+              <a:rPr lang="en-GB" sz="2400" dirty="0" err="1" smtClean="0">
                 <a:solidFill>
                   <a:schemeClr val="bg1"/>
                 </a:solidFill>
@@ -11403,7 +12758,7 @@
               <a:t>étapes</a:t>
             </a:r>
             <a:r>
-              <a:rPr lang="fr-FR" sz="2400" dirty="0">
+              <a:rPr lang="fr-FR" sz="2400" dirty="0" smtClean="0">
                 <a:solidFill>
                   <a:schemeClr val="bg1"/>
                 </a:solidFill>
@@ -11411,7 +12766,7 @@
               <a:t> »</a:t>
             </a:r>
             <a:r>
-              <a:rPr lang="en-GB" sz="2400" dirty="0">
+              <a:rPr lang="en-GB" sz="2400" dirty="0" smtClean="0">
                 <a:solidFill>
                   <a:schemeClr val="bg1"/>
                 </a:solidFill>
@@ -11419,7 +12774,7 @@
               <a:t> correspondent </a:t>
             </a:r>
             <a:r>
-              <a:rPr lang="fr-FR" sz="2400" dirty="0">
+              <a:rPr lang="fr-FR" sz="2400" dirty="0" smtClean="0">
                 <a:solidFill>
                   <a:schemeClr val="bg1"/>
                 </a:solidFill>
@@ -11427,7 +12782,7 @@
               <a:t>à</a:t>
             </a:r>
             <a:r>
-              <a:rPr lang="en-GB" sz="2400" dirty="0">
+              <a:rPr lang="en-GB" sz="2400" dirty="0" smtClean="0">
                 <a:solidFill>
                   <a:schemeClr val="bg1"/>
                 </a:solidFill>
@@ -11435,7 +12790,7 @@
               <a:t> </a:t>
             </a:r>
             <a:r>
-              <a:rPr lang="en-GB" sz="2400" dirty="0" err="1">
+              <a:rPr lang="en-GB" sz="2400" dirty="0" err="1" smtClean="0">
                 <a:solidFill>
                   <a:schemeClr val="bg1"/>
                 </a:solidFill>
@@ -11443,7 +12798,7 @@
               <a:t>différents</a:t>
             </a:r>
             <a:r>
-              <a:rPr lang="en-GB" sz="2400" dirty="0">
+              <a:rPr lang="en-GB" sz="2400" dirty="0" smtClean="0">
                 <a:solidFill>
                   <a:schemeClr val="bg1"/>
                 </a:solidFill>
@@ -11451,7 +12806,7 @@
               <a:t> </a:t>
             </a:r>
             <a:r>
-              <a:rPr lang="en-GB" sz="2400" dirty="0" err="1">
+              <a:rPr lang="en-GB" sz="2400" dirty="0" err="1" smtClean="0">
                 <a:solidFill>
                   <a:schemeClr val="bg1"/>
                 </a:solidFill>
@@ -11459,7 +12814,7 @@
               <a:t>écrans</a:t>
             </a:r>
             <a:r>
-              <a:rPr lang="en-GB" sz="2400" dirty="0">
+              <a:rPr lang="en-GB" sz="2400" dirty="0" smtClean="0">
                 <a:solidFill>
                   <a:schemeClr val="bg1"/>
                 </a:solidFill>
@@ -11467,7 +12822,7 @@
               <a:t> </a:t>
             </a:r>
             <a:r>
-              <a:rPr lang="en-GB" sz="2400" dirty="0" err="1">
+              <a:rPr lang="en-GB" sz="2400" dirty="0" err="1" smtClean="0">
                 <a:solidFill>
                   <a:schemeClr val="bg1"/>
                 </a:solidFill>
@@ -11475,7 +12830,7 @@
               <a:t>affichés</a:t>
             </a:r>
             <a:r>
-              <a:rPr lang="en-GB" sz="2400" dirty="0">
+              <a:rPr lang="en-GB" sz="2400" dirty="0" smtClean="0">
                 <a:solidFill>
                   <a:schemeClr val="bg1"/>
                 </a:solidFill>
@@ -11483,7 +12838,7 @@
               <a:t> sur </a:t>
             </a:r>
             <a:r>
-              <a:rPr lang="en-GB" sz="2400" dirty="0" err="1">
+              <a:rPr lang="en-GB" sz="2400" dirty="0" err="1" smtClean="0">
                 <a:solidFill>
                   <a:schemeClr val="bg1"/>
                 </a:solidFill>
@@ -11491,7 +12846,7 @@
               <a:t>cet</a:t>
             </a:r>
             <a:r>
-              <a:rPr lang="en-GB" sz="2400" dirty="0">
+              <a:rPr lang="en-GB" sz="2400" dirty="0" smtClean="0">
                 <a:solidFill>
                   <a:schemeClr val="bg1"/>
                 </a:solidFill>
@@ -11499,7 +12854,7 @@
               <a:t> </a:t>
             </a:r>
             <a:r>
-              <a:rPr lang="en-GB" sz="2400" dirty="0" err="1">
+              <a:rPr lang="en-GB" sz="2400" dirty="0" err="1" smtClean="0">
                 <a:solidFill>
                   <a:schemeClr val="bg1"/>
                 </a:solidFill>
@@ -11537,7 +12892,7 @@
           <a:p>
             <a:pPr algn="ctr"/>
             <a:r>
-              <a:rPr lang="en-GB" dirty="0" err="1">
+              <a:rPr lang="en-GB" dirty="0" err="1" smtClean="0">
                 <a:solidFill>
                   <a:schemeClr val="bg1">
                     <a:lumMod val="65000"/>
@@ -11547,15 +12902,42 @@
               <a:t>Appuyez</a:t>
             </a:r>
             <a:r>
-              <a:rPr lang="en-GB" dirty="0">
+              <a:rPr lang="en-GB" dirty="0" smtClean="0">
                 <a:solidFill>
                   <a:schemeClr val="bg1">
                     <a:lumMod val="65000"/>
                   </a:schemeClr>
                 </a:solidFill>
               </a:rPr>
-              <a:t> sur la fleche de droit pour continuer</a:t>
-            </a:r>
+              <a:t> sur </a:t>
+            </a:r>
+            <a:r>
+              <a:rPr lang="en-GB" dirty="0" smtClean="0">
+                <a:solidFill>
+                  <a:schemeClr val="bg1">
+                    <a:lumMod val="65000"/>
+                  </a:schemeClr>
+                </a:solidFill>
+              </a:rPr>
+              <a:t>la fleche de </a:t>
+            </a:r>
+            <a:r>
+              <a:rPr lang="en-GB" dirty="0" smtClean="0">
+                <a:solidFill>
+                  <a:schemeClr val="bg1">
+                    <a:lumMod val="65000"/>
+                  </a:schemeClr>
+                </a:solidFill>
+              </a:rPr>
+              <a:t>droit pour continuer</a:t>
+            </a:r>
+            <a:endParaRPr lang="en-GB" dirty="0">
+              <a:solidFill>
+                <a:schemeClr val="bg1">
+                  <a:lumMod val="65000"/>
+                </a:schemeClr>
+              </a:solidFill>
+            </a:endParaRPr>
           </a:p>
         </p:txBody>
       </p:sp>
@@ -11569,12 +12951,27 @@
   <p:clrMapOvr>
     <a:masterClrMapping/>
   </p:clrMapOvr>
+  <p:timing>
+    <p:tnLst>
+      <p:par>
+        <p:cTn id="1" dur="indefinite" restart="never" nodeType="tmRoot"/>
+      </p:par>
+    </p:tnLst>
+  </p:timing>
 </p:sld>
 </file>
 
 <file path=ppt/slides/slide9.xml><?xml version="1.0" encoding="utf-8"?>
 <p:sld xmlns:a="http://schemas.openxmlformats.org/drawingml/2006/main" xmlns:r="http://schemas.openxmlformats.org/officeDocument/2006/relationships" xmlns:p="http://schemas.openxmlformats.org/presentationml/2006/main">
   <p:cSld>
+    <p:bg>
+      <p:bgPr>
+        <a:solidFill>
+          <a:schemeClr val="tx1"/>
+        </a:solidFill>
+        <a:effectLst/>
+      </p:bgPr>
+    </p:bg>
     <p:spTree>
       <p:nvGrpSpPr>
         <p:cNvPr id="1" name=""/>
@@ -11623,13 +13020,18 @@
               </a:spcAft>
             </a:pPr>
             <a:r>
-              <a:rPr lang="en-GB" sz="2400" b="1" dirty="0">
+              <a:rPr lang="en-GB" sz="2400" b="1" dirty="0" smtClean="0">
                 <a:solidFill>
                   <a:schemeClr val="accent4"/>
                 </a:solidFill>
               </a:rPr>
               <a:t>PRINCIPE DE L’EXPERIENCE</a:t>
             </a:r>
+            <a:endParaRPr lang="en-GB" sz="2400" b="1" dirty="0">
+              <a:solidFill>
+                <a:schemeClr val="accent4"/>
+              </a:solidFill>
+            </a:endParaRPr>
           </a:p>
         </p:txBody>
       </p:sp>
@@ -11656,7 +13058,7 @@
           <a:lstStyle/>
           <a:p>
             <a:r>
-              <a:rPr lang="en-GB" sz="2000" dirty="0" err="1">
+              <a:rPr lang="en-GB" sz="2000" dirty="0" err="1" smtClean="0">
                 <a:solidFill>
                   <a:schemeClr val="bg1"/>
                 </a:solidFill>
@@ -11664,7 +13066,7 @@
               <a:t>Etapes</a:t>
             </a:r>
             <a:r>
-              <a:rPr lang="en-GB" sz="2000" dirty="0">
+              <a:rPr lang="en-GB" sz="2000" dirty="0" smtClean="0">
                 <a:solidFill>
                   <a:schemeClr val="bg1"/>
                 </a:solidFill>
@@ -11678,7 +13080,7 @@
               <a:buAutoNum type="arabicPeriod"/>
             </a:pPr>
             <a:r>
-              <a:rPr lang="en-GB" sz="2000" dirty="0" err="1">
+              <a:rPr lang="en-GB" sz="2000" dirty="0" err="1" smtClean="0">
                 <a:solidFill>
                   <a:schemeClr val="bg1"/>
                 </a:solidFill>
@@ -11686,7 +13088,39 @@
               <a:t>Affichage</a:t>
             </a:r>
             <a:r>
-              <a:rPr lang="en-GB" sz="2000" dirty="0">
+              <a:rPr lang="en-GB" sz="2000" dirty="0" smtClean="0">
+                <a:solidFill>
+                  <a:schemeClr val="bg1"/>
+                </a:solidFill>
+              </a:rPr>
+              <a:t> </a:t>
+            </a:r>
+            <a:r>
+              <a:rPr lang="en-GB" sz="2000" dirty="0" smtClean="0">
+                <a:solidFill>
+                  <a:schemeClr val="bg1"/>
+                </a:solidFill>
+              </a:rPr>
+              <a:t>de </a:t>
+            </a:r>
+            <a:r>
+              <a:rPr lang="en-GB" sz="2000" b="1" dirty="0" smtClean="0">
+                <a:solidFill>
+                  <a:schemeClr val="bg1"/>
+                </a:solidFill>
+              </a:rPr>
+              <a:t>la </a:t>
+            </a:r>
+            <a:r>
+              <a:rPr lang="en-GB" sz="2000" b="1" dirty="0" err="1" smtClean="0">
+                <a:solidFill>
+                  <a:schemeClr val="bg1"/>
+                </a:solidFill>
+              </a:rPr>
+              <a:t>numero</a:t>
+            </a:r>
+            <a:r>
+              <a:rPr lang="en-GB" sz="2000" b="1" dirty="0" smtClean="0">
                 <a:solidFill>
                   <a:schemeClr val="bg1"/>
                 </a:solidFill>
@@ -11694,31 +13128,7 @@
               <a:t> de </a:t>
             </a:r>
             <a:r>
-              <a:rPr lang="en-GB" sz="2000" b="1" dirty="0">
-                <a:solidFill>
-                  <a:schemeClr val="bg1"/>
-                </a:solidFill>
-              </a:rPr>
-              <a:t>la </a:t>
-            </a:r>
-            <a:r>
-              <a:rPr lang="en-GB" sz="2000" b="1" dirty="0" err="1">
-                <a:solidFill>
-                  <a:schemeClr val="bg1"/>
-                </a:solidFill>
-              </a:rPr>
-              <a:t>numero</a:t>
-            </a:r>
-            <a:r>
-              <a:rPr lang="en-GB" sz="2000" b="1" dirty="0">
-                <a:solidFill>
-                  <a:schemeClr val="bg1"/>
-                </a:solidFill>
-              </a:rPr>
-              <a:t> de </a:t>
-            </a:r>
-            <a:r>
-              <a:rPr lang="en-GB" sz="2000" b="1" dirty="0" err="1">
+              <a:rPr lang="en-GB" sz="2000" b="1" dirty="0" err="1" smtClean="0">
                 <a:solidFill>
                   <a:schemeClr val="bg1"/>
                 </a:solidFill>
@@ -11756,7 +13166,7 @@
           <a:p>
             <a:pPr algn="ctr"/>
             <a:r>
-              <a:rPr lang="en-GB" dirty="0" err="1">
+              <a:rPr lang="en-GB" dirty="0" err="1" smtClean="0">
                 <a:solidFill>
                   <a:schemeClr val="bg1">
                     <a:lumMod val="65000"/>
@@ -11766,15 +13176,42 @@
               <a:t>Appuyez</a:t>
             </a:r>
             <a:r>
-              <a:rPr lang="en-GB" dirty="0">
+              <a:rPr lang="en-GB" dirty="0" smtClean="0">
                 <a:solidFill>
                   <a:schemeClr val="bg1">
                     <a:lumMod val="65000"/>
                   </a:schemeClr>
                 </a:solidFill>
               </a:rPr>
-              <a:t> sur la fleche de droit pour continuer</a:t>
-            </a:r>
+              <a:t> sur </a:t>
+            </a:r>
+            <a:r>
+              <a:rPr lang="en-GB" dirty="0" smtClean="0">
+                <a:solidFill>
+                  <a:schemeClr val="bg1">
+                    <a:lumMod val="65000"/>
+                  </a:schemeClr>
+                </a:solidFill>
+              </a:rPr>
+              <a:t>la fleche de </a:t>
+            </a:r>
+            <a:r>
+              <a:rPr lang="en-GB" dirty="0" smtClean="0">
+                <a:solidFill>
+                  <a:schemeClr val="bg1">
+                    <a:lumMod val="65000"/>
+                  </a:schemeClr>
+                </a:solidFill>
+              </a:rPr>
+              <a:t>droit pour continuer</a:t>
+            </a:r>
+            <a:endParaRPr lang="en-GB" dirty="0">
+              <a:solidFill>
+                <a:schemeClr val="bg1">
+                  <a:lumMod val="65000"/>
+                </a:schemeClr>
+              </a:solidFill>
+            </a:endParaRPr>
           </a:p>
         </p:txBody>
       </p:sp>
@@ -11788,6 +13225,13 @@
   <p:clrMapOvr>
     <a:masterClrMapping/>
   </p:clrMapOvr>
+  <p:timing>
+    <p:tnLst>
+      <p:par>
+        <p:cTn id="1" dur="indefinite" restart="never" nodeType="tmRoot"/>
+      </p:par>
+    </p:tnLst>
+  </p:timing>
 </p:sld>
 </file>
 
